--- a/FinalReport/img/chapter4_analysis/Diagrams.pptx
+++ b/FinalReport/img/chapter4_analysis/Diagrams.pptx
@@ -106,6 +106,11 @@
       </a:defRPr>
     </a:lvl9pPr>
   </p:defaultTextStyle>
+  <p:extLst>
+    <p:ext uri="{EFAFB233-063F-42B5-8137-9DF3F51BA10A}">
+      <p15:sldGuideLst xmlns:p15="http://schemas.microsoft.com/office/powerpoint/2012/main"/>
+    </p:ext>
+  </p:extLst>
 </p:presentation>
 </file>
 
@@ -3420,7 +3425,7 @@
         </p:nvSpPr>
         <p:spPr>
           <a:xfrm>
-            <a:off x="8436803" y="693058"/>
+            <a:off x="7881720" y="689811"/>
             <a:ext cx="1770748" cy="2630714"/>
           </a:xfrm>
           <a:prstGeom prst="rect">
@@ -3473,7 +3478,7 @@
         </p:nvSpPr>
         <p:spPr>
           <a:xfrm>
-            <a:off x="1401003" y="689812"/>
+            <a:off x="2019284" y="700150"/>
             <a:ext cx="1689100" cy="2630713"/>
           </a:xfrm>
           <a:prstGeom prst="rect">
@@ -3567,7 +3572,7 @@
         </p:nvSpPr>
         <p:spPr>
           <a:xfrm>
-            <a:off x="8477626" y="228147"/>
+            <a:off x="7922543" y="224900"/>
             <a:ext cx="1689101" cy="461665"/>
           </a:xfrm>
           <a:prstGeom prst="rect">
@@ -3608,7 +3613,7 @@
         </p:nvSpPr>
         <p:spPr>
           <a:xfrm>
-            <a:off x="1863650" y="228148"/>
+            <a:off x="2481931" y="238486"/>
             <a:ext cx="845454" cy="461665"/>
           </a:xfrm>
           <a:prstGeom prst="rect">
@@ -3893,7 +3898,7 @@
         </p:nvSpPr>
         <p:spPr>
           <a:xfrm>
-            <a:off x="8699873" y="943466"/>
+            <a:off x="8144790" y="940219"/>
             <a:ext cx="1037772" cy="584200"/>
           </a:xfrm>
           <a:prstGeom prst="rect">
@@ -3954,7 +3959,7 @@
         </p:nvSpPr>
         <p:spPr>
           <a:xfrm>
-            <a:off x="8699873" y="1726654"/>
+            <a:off x="8144790" y="1723407"/>
             <a:ext cx="1037772" cy="584200"/>
           </a:xfrm>
           <a:prstGeom prst="rect">
@@ -4015,7 +4020,7 @@
         </p:nvSpPr>
         <p:spPr>
           <a:xfrm>
-            <a:off x="8699873" y="2561262"/>
+            <a:off x="8144790" y="2558015"/>
             <a:ext cx="1037772" cy="584200"/>
           </a:xfrm>
           <a:prstGeom prst="rect">
@@ -4076,7 +4081,7 @@
         </p:nvSpPr>
         <p:spPr>
           <a:xfrm>
-            <a:off x="1726667" y="943467"/>
+            <a:off x="2344948" y="953805"/>
             <a:ext cx="1037772" cy="584200"/>
           </a:xfrm>
           <a:prstGeom prst="rect">
@@ -4137,7 +4142,7 @@
         </p:nvSpPr>
         <p:spPr>
           <a:xfrm>
-            <a:off x="1726667" y="2583581"/>
+            <a:off x="2344948" y="2593919"/>
             <a:ext cx="1037772" cy="584200"/>
           </a:xfrm>
           <a:prstGeom prst="rect">
@@ -4198,7 +4203,7 @@
         </p:nvSpPr>
         <p:spPr>
           <a:xfrm>
-            <a:off x="1727572" y="1752365"/>
+            <a:off x="2345853" y="1762703"/>
             <a:ext cx="1037772" cy="584200"/>
           </a:xfrm>
           <a:prstGeom prst="rect">
@@ -4416,7 +4421,7 @@
         </p:nvCxnSpPr>
         <p:spPr>
           <a:xfrm>
-            <a:off x="9737645" y="1235566"/>
+            <a:off x="9182562" y="1232319"/>
             <a:ext cx="12700" cy="1617796"/>
           </a:xfrm>
           <a:prstGeom prst="bentConnector3">
@@ -4464,7 +4469,7 @@
         </p:nvCxnSpPr>
         <p:spPr>
           <a:xfrm>
-            <a:off x="9737645" y="1235566"/>
+            <a:off x="9182562" y="1232319"/>
             <a:ext cx="12700" cy="783188"/>
           </a:xfrm>
           <a:prstGeom prst="bentConnector3">
@@ -4556,9 +4561,9 @@
           <p:nvPr/>
         </p:nvCxnSpPr>
         <p:spPr>
-          <a:xfrm>
-            <a:off x="7090604" y="1235566"/>
-            <a:ext cx="1609269" cy="0"/>
+          <a:xfrm flipV="1">
+            <a:off x="7090604" y="1232319"/>
+            <a:ext cx="1054186" cy="3247"/>
           </a:xfrm>
           <a:prstGeom prst="straightConnector1">
             <a:avLst/>
@@ -4602,12 +4607,12 @@
         </p:nvCxnSpPr>
         <p:spPr>
           <a:xfrm rot="10800000">
-            <a:off x="7090605" y="1854192"/>
-            <a:ext cx="1609269" cy="164563"/>
+            <a:off x="7104266" y="1842559"/>
+            <a:ext cx="1040525" cy="172949"/>
           </a:xfrm>
           <a:prstGeom prst="bentConnector3">
             <a:avLst>
-              <a:gd name="adj1" fmla="val 39741"/>
+              <a:gd name="adj1" fmla="val 42358"/>
             </a:avLst>
           </a:prstGeom>
           <a:ln w="38100">
@@ -4649,12 +4654,12 @@
         </p:nvCxnSpPr>
         <p:spPr>
           <a:xfrm rot="10800000">
-            <a:off x="7090605" y="2129520"/>
-            <a:ext cx="1609269" cy="723842"/>
+            <a:off x="7104266" y="2091735"/>
+            <a:ext cx="1040524" cy="758380"/>
           </a:xfrm>
           <a:prstGeom prst="bentConnector3">
             <a:avLst>
-              <a:gd name="adj1" fmla="val 75254"/>
+              <a:gd name="adj1" fmla="val 60189"/>
             </a:avLst>
           </a:prstGeom>
           <a:ln w="38100">
@@ -4697,7 +4702,7 @@
         </p:nvCxnSpPr>
         <p:spPr>
           <a:xfrm>
-            <a:off x="2245553" y="1527667"/>
+            <a:off x="2863834" y="1538005"/>
             <a:ext cx="905" cy="224698"/>
           </a:xfrm>
           <a:prstGeom prst="straightConnector1">
@@ -4743,7 +4748,7 @@
         </p:nvCxnSpPr>
         <p:spPr>
           <a:xfrm flipV="1">
-            <a:off x="2245553" y="2336565"/>
+            <a:off x="2863834" y="2346903"/>
             <a:ext cx="905" cy="247016"/>
           </a:xfrm>
           <a:prstGeom prst="straightConnector1">
@@ -4788,12 +4793,12 @@
         </p:nvCxnSpPr>
         <p:spPr>
           <a:xfrm rot="10800000" flipV="1">
-            <a:off x="2764439" y="1922113"/>
-            <a:ext cx="3288392" cy="953568"/>
+            <a:off x="3382721" y="1828593"/>
+            <a:ext cx="2670111" cy="1057426"/>
           </a:xfrm>
           <a:prstGeom prst="bentConnector3">
             <a:avLst>
-              <a:gd name="adj1" fmla="val 59269"/>
+              <a:gd name="adj1" fmla="val 72831"/>
             </a:avLst>
           </a:prstGeom>
           <a:ln w="38100">
@@ -4818,36 +4823,6 @@
           </a:fontRef>
         </p:style>
       </p:cxnSp>
-      <p:pic>
-        <p:nvPicPr>
-          <p:cNvPr id="159" name="Picture 158">
-            <a:extLst>
-              <a:ext uri="{FF2B5EF4-FFF2-40B4-BE49-F238E27FC236}">
-                <a16:creationId xmlns:a16="http://schemas.microsoft.com/office/drawing/2014/main" id="{74723289-61E1-4A27-B142-1B3D82038DFB}"/>
-              </a:ext>
-            </a:extLst>
-          </p:cNvPr>
-          <p:cNvPicPr>
-            <a:picLocks noChangeAspect="1"/>
-          </p:cNvPicPr>
-          <p:nvPr/>
-        </p:nvPicPr>
-        <p:blipFill>
-          <a:blip r:embed="rId2"/>
-          <a:stretch>
-            <a:fillRect/>
-          </a:stretch>
-        </p:blipFill>
-        <p:spPr>
-          <a:xfrm>
-            <a:off x="1417708" y="3490273"/>
-            <a:ext cx="8876545" cy="3164098"/>
-          </a:xfrm>
-          <a:prstGeom prst="rect">
-            <a:avLst/>
-          </a:prstGeom>
-        </p:spPr>
-      </p:pic>
     </p:spTree>
     <p:extLst>
       <p:ext uri="{BB962C8B-B14F-4D97-AF65-F5344CB8AC3E}">

--- a/FinalReport/img/chapter4_analysis/Diagrams.pptx
+++ b/FinalReport/img/chapter4_analysis/Diagrams.pptx
@@ -3328,6 +3328,580 @@
           <a:chExt cx="0" cy="0"/>
         </a:xfrm>
       </p:grpSpPr>
+      <p:sp>
+        <p:nvSpPr>
+          <p:cNvPr id="2" name="Rectangle 1">
+            <a:extLst>
+              <a:ext uri="{FF2B5EF4-FFF2-40B4-BE49-F238E27FC236}">
+                <a16:creationId xmlns:a16="http://schemas.microsoft.com/office/drawing/2014/main" id="{9C24FF80-30EA-4D05-B214-884E08AEDD5A}"/>
+              </a:ext>
+            </a:extLst>
+          </p:cNvPr>
+          <p:cNvSpPr/>
+          <p:nvPr/>
+        </p:nvSpPr>
+        <p:spPr>
+          <a:xfrm>
+            <a:off x="863881" y="2015505"/>
+            <a:ext cx="3069791" cy="1867380"/>
+          </a:xfrm>
+          <a:prstGeom prst="rect">
+            <a:avLst/>
+          </a:prstGeom>
+          <a:solidFill>
+            <a:srgbClr val="0070C0"/>
+          </a:solidFill>
+          <a:ln w="38100">
+            <a:solidFill>
+              <a:srgbClr val="0070C0"/>
+            </a:solidFill>
+            <a:prstDash val="solid"/>
+          </a:ln>
+        </p:spPr>
+        <p:style>
+          <a:lnRef idx="2">
+            <a:schemeClr val="accent1">
+              <a:shade val="50000"/>
+            </a:schemeClr>
+          </a:lnRef>
+          <a:fillRef idx="1">
+            <a:schemeClr val="accent1"/>
+          </a:fillRef>
+          <a:effectRef idx="0">
+            <a:schemeClr val="accent1"/>
+          </a:effectRef>
+          <a:fontRef idx="minor">
+            <a:schemeClr val="lt1"/>
+          </a:fontRef>
+        </p:style>
+        <p:txBody>
+          <a:bodyPr rtlCol="0" anchor="ctr"/>
+          <a:lstStyle/>
+          <a:p>
+            <a:pPr algn="ctr"/>
+            <a:r>
+              <a:rPr lang="en-US" dirty="0">
+                <a:solidFill>
+                  <a:schemeClr val="bg1"/>
+                </a:solidFill>
+              </a:rPr>
+              <a:t>ARTA</a:t>
+            </a:r>
+          </a:p>
+          <a:p>
+            <a:pPr marL="285750" indent="-285750">
+              <a:buFont typeface="Arial" panose="020B0604020202020204" pitchFamily="34" charset="0"/>
+              <a:buChar char="•"/>
+            </a:pPr>
+            <a:r>
+              <a:rPr lang="en-US" sz="1400" dirty="0">
+                <a:solidFill>
+                  <a:schemeClr val="bg1"/>
+                </a:solidFill>
+              </a:rPr>
+              <a:t>Manual control through Joystick.</a:t>
+            </a:r>
+          </a:p>
+          <a:p>
+            <a:pPr marL="285750" indent="-285750">
+              <a:buFont typeface="Arial" panose="020B0604020202020204" pitchFamily="34" charset="0"/>
+              <a:buChar char="•"/>
+            </a:pPr>
+            <a:r>
+              <a:rPr lang="en-US" sz="1400" dirty="0">
+                <a:solidFill>
+                  <a:schemeClr val="bg1"/>
+                </a:solidFill>
+              </a:rPr>
+              <a:t>Navigation &amp; Localization.</a:t>
+            </a:r>
+          </a:p>
+          <a:p>
+            <a:pPr marL="285750" indent="-285750">
+              <a:buFont typeface="Arial" panose="020B0604020202020204" pitchFamily="34" charset="0"/>
+              <a:buChar char="•"/>
+            </a:pPr>
+            <a:r>
+              <a:rPr lang="en-US" sz="1400" dirty="0">
+                <a:solidFill>
+                  <a:schemeClr val="bg1"/>
+                </a:solidFill>
+              </a:rPr>
+              <a:t>Reactive control responding to Hololens.</a:t>
+            </a:r>
+          </a:p>
+          <a:p>
+            <a:pPr marL="285750" indent="-285750">
+              <a:buFont typeface="Arial" panose="020B0604020202020204" pitchFamily="34" charset="0"/>
+              <a:buChar char="•"/>
+            </a:pPr>
+            <a:endParaRPr lang="en-US" sz="1400" dirty="0">
+              <a:solidFill>
+                <a:schemeClr val="bg1"/>
+              </a:solidFill>
+            </a:endParaRPr>
+          </a:p>
+          <a:p>
+            <a:endParaRPr lang="en-US" sz="1400" dirty="0">
+              <a:solidFill>
+                <a:schemeClr val="bg1"/>
+              </a:solidFill>
+            </a:endParaRPr>
+          </a:p>
+          <a:p>
+            <a:endParaRPr lang="en-US" sz="1400" dirty="0">
+              <a:solidFill>
+                <a:schemeClr val="bg1"/>
+              </a:solidFill>
+            </a:endParaRPr>
+          </a:p>
+        </p:txBody>
+      </p:sp>
+      <p:sp>
+        <p:nvSpPr>
+          <p:cNvPr id="3" name="Rectangle 2">
+            <a:extLst>
+              <a:ext uri="{FF2B5EF4-FFF2-40B4-BE49-F238E27FC236}">
+                <a16:creationId xmlns:a16="http://schemas.microsoft.com/office/drawing/2014/main" id="{74070152-3FC8-4E2F-A69D-7665A205039C}"/>
+              </a:ext>
+            </a:extLst>
+          </p:cNvPr>
+          <p:cNvSpPr/>
+          <p:nvPr/>
+        </p:nvSpPr>
+        <p:spPr>
+          <a:xfrm>
+            <a:off x="4561104" y="2015504"/>
+            <a:ext cx="3069791" cy="1867381"/>
+          </a:xfrm>
+          <a:prstGeom prst="rect">
+            <a:avLst/>
+          </a:prstGeom>
+          <a:solidFill>
+            <a:srgbClr val="FF0000"/>
+          </a:solidFill>
+          <a:ln w="38100">
+            <a:solidFill>
+              <a:srgbClr val="FF0000"/>
+            </a:solidFill>
+            <a:prstDash val="solid"/>
+          </a:ln>
+        </p:spPr>
+        <p:style>
+          <a:lnRef idx="2">
+            <a:schemeClr val="accent1">
+              <a:shade val="50000"/>
+            </a:schemeClr>
+          </a:lnRef>
+          <a:fillRef idx="1">
+            <a:schemeClr val="accent1"/>
+          </a:fillRef>
+          <a:effectRef idx="0">
+            <a:schemeClr val="accent1"/>
+          </a:effectRef>
+          <a:fontRef idx="minor">
+            <a:schemeClr val="lt1"/>
+          </a:fontRef>
+        </p:style>
+        <p:txBody>
+          <a:bodyPr rtlCol="0" anchor="ctr"/>
+          <a:lstStyle/>
+          <a:p>
+            <a:pPr algn="ctr"/>
+            <a:r>
+              <a:rPr lang="en-US" dirty="0">
+                <a:solidFill>
+                  <a:schemeClr val="bg1"/>
+                </a:solidFill>
+              </a:rPr>
+              <a:t>Hololens</a:t>
+            </a:r>
+          </a:p>
+          <a:p>
+            <a:pPr marL="285750" indent="-285750">
+              <a:buFont typeface="Arial" panose="020B0604020202020204" pitchFamily="34" charset="0"/>
+              <a:buChar char="•"/>
+            </a:pPr>
+            <a:r>
+              <a:rPr lang="en-US" sz="1400" dirty="0">
+                <a:solidFill>
+                  <a:schemeClr val="bg1"/>
+                </a:solidFill>
+              </a:rPr>
+              <a:t>Visual input.</a:t>
+            </a:r>
+          </a:p>
+          <a:p>
+            <a:pPr marL="285750" indent="-285750">
+              <a:buFont typeface="Arial" panose="020B0604020202020204" pitchFamily="34" charset="0"/>
+              <a:buChar char="•"/>
+            </a:pPr>
+            <a:r>
+              <a:rPr lang="en-US" sz="1400" dirty="0">
+                <a:solidFill>
+                  <a:schemeClr val="bg1"/>
+                </a:solidFill>
+              </a:rPr>
+              <a:t>Mapping object detections.</a:t>
+            </a:r>
+          </a:p>
+          <a:p>
+            <a:pPr marL="285750" indent="-285750">
+              <a:buFont typeface="Arial" panose="020B0604020202020204" pitchFamily="34" charset="0"/>
+              <a:buChar char="•"/>
+            </a:pPr>
+            <a:r>
+              <a:rPr lang="en-US" sz="1400" dirty="0">
+                <a:solidFill>
+                  <a:schemeClr val="bg1"/>
+                </a:solidFill>
+              </a:rPr>
+              <a:t>Manages hologram visualizations.</a:t>
+            </a:r>
+          </a:p>
+          <a:p>
+            <a:pPr marL="285750" indent="-285750">
+              <a:buFont typeface="Arial" panose="020B0604020202020204" pitchFamily="34" charset="0"/>
+              <a:buChar char="•"/>
+            </a:pPr>
+            <a:r>
+              <a:rPr lang="en-US" sz="1400" dirty="0">
+                <a:solidFill>
+                  <a:schemeClr val="bg1"/>
+                </a:solidFill>
+              </a:rPr>
+              <a:t>Communicates objects in surroundings to ARTA.</a:t>
+            </a:r>
+          </a:p>
+          <a:p>
+            <a:pPr marL="285750" indent="-285750">
+              <a:buFont typeface="Arial" panose="020B0604020202020204" pitchFamily="34" charset="0"/>
+              <a:buChar char="•"/>
+            </a:pPr>
+            <a:endParaRPr lang="en-US" sz="1400" dirty="0">
+              <a:solidFill>
+                <a:schemeClr val="bg1"/>
+              </a:solidFill>
+            </a:endParaRPr>
+          </a:p>
+          <a:p>
+            <a:pPr marL="285750" indent="-285750">
+              <a:buFont typeface="Arial" panose="020B0604020202020204" pitchFamily="34" charset="0"/>
+              <a:buChar char="•"/>
+            </a:pPr>
+            <a:endParaRPr lang="en-US" sz="1400" dirty="0">
+              <a:solidFill>
+                <a:schemeClr val="bg1"/>
+              </a:solidFill>
+            </a:endParaRPr>
+          </a:p>
+        </p:txBody>
+      </p:sp>
+      <p:sp>
+        <p:nvSpPr>
+          <p:cNvPr id="4" name="Rectangle 3">
+            <a:extLst>
+              <a:ext uri="{FF2B5EF4-FFF2-40B4-BE49-F238E27FC236}">
+                <a16:creationId xmlns:a16="http://schemas.microsoft.com/office/drawing/2014/main" id="{815609AA-341F-44DA-9979-A24C903A08C4}"/>
+              </a:ext>
+            </a:extLst>
+          </p:cNvPr>
+          <p:cNvSpPr/>
+          <p:nvPr/>
+        </p:nvSpPr>
+        <p:spPr>
+          <a:xfrm>
+            <a:off x="8258329" y="2015504"/>
+            <a:ext cx="3069790" cy="1867381"/>
+          </a:xfrm>
+          <a:prstGeom prst="rect">
+            <a:avLst/>
+          </a:prstGeom>
+          <a:solidFill>
+            <a:srgbClr val="00B050"/>
+          </a:solidFill>
+          <a:ln w="38100">
+            <a:solidFill>
+              <a:srgbClr val="00B050"/>
+            </a:solidFill>
+            <a:prstDash val="solid"/>
+          </a:ln>
+        </p:spPr>
+        <p:style>
+          <a:lnRef idx="2">
+            <a:schemeClr val="accent1">
+              <a:shade val="50000"/>
+            </a:schemeClr>
+          </a:lnRef>
+          <a:fillRef idx="1">
+            <a:schemeClr val="accent1"/>
+          </a:fillRef>
+          <a:effectRef idx="0">
+            <a:schemeClr val="accent1"/>
+          </a:effectRef>
+          <a:fontRef idx="minor">
+            <a:schemeClr val="lt1"/>
+          </a:fontRef>
+        </p:style>
+        <p:txBody>
+          <a:bodyPr rtlCol="0" anchor="ctr"/>
+          <a:lstStyle/>
+          <a:p>
+            <a:pPr algn="ctr"/>
+            <a:r>
+              <a:rPr lang="en-US" dirty="0">
+                <a:solidFill>
+                  <a:schemeClr val="bg1"/>
+                </a:solidFill>
+              </a:rPr>
+              <a:t>Human Detection &amp; Direction</a:t>
+            </a:r>
+          </a:p>
+          <a:p>
+            <a:pPr marL="285750" indent="-285750">
+              <a:buFont typeface="Arial" panose="020B0604020202020204" pitchFamily="34" charset="0"/>
+              <a:buChar char="•"/>
+            </a:pPr>
+            <a:r>
+              <a:rPr lang="en-US" sz="1400" dirty="0">
+                <a:solidFill>
+                  <a:schemeClr val="bg1"/>
+                </a:solidFill>
+              </a:rPr>
+              <a:t>Receives image frames from Hololens.</a:t>
+            </a:r>
+          </a:p>
+          <a:p>
+            <a:pPr marL="285750" indent="-285750">
+              <a:buFont typeface="Arial" panose="020B0604020202020204" pitchFamily="34" charset="0"/>
+              <a:buChar char="•"/>
+            </a:pPr>
+            <a:r>
+              <a:rPr lang="en-US" sz="1400" dirty="0">
+                <a:solidFill>
+                  <a:schemeClr val="bg1"/>
+                </a:solidFill>
+              </a:rPr>
+              <a:t>Object detector</a:t>
+            </a:r>
+          </a:p>
+          <a:p>
+            <a:pPr marL="285750" indent="-285750">
+              <a:buFont typeface="Arial" panose="020B0604020202020204" pitchFamily="34" charset="0"/>
+              <a:buChar char="•"/>
+            </a:pPr>
+            <a:r>
+              <a:rPr lang="en-US" sz="1400" dirty="0">
+                <a:solidFill>
+                  <a:schemeClr val="bg1"/>
+                </a:solidFill>
+              </a:rPr>
+              <a:t>Infers direction of walking.</a:t>
+            </a:r>
+          </a:p>
+          <a:p>
+            <a:pPr marL="285750" indent="-285750">
+              <a:buFont typeface="Arial" panose="020B0604020202020204" pitchFamily="34" charset="0"/>
+              <a:buChar char="•"/>
+            </a:pPr>
+            <a:r>
+              <a:rPr lang="en-US" sz="1400" dirty="0">
+                <a:solidFill>
+                  <a:schemeClr val="bg1"/>
+                </a:solidFill>
+              </a:rPr>
+              <a:t>Sends detection/direction pairs to Hololens.</a:t>
+            </a:r>
+          </a:p>
+          <a:p>
+            <a:pPr marL="285750" indent="-285750">
+              <a:buFont typeface="Arial" panose="020B0604020202020204" pitchFamily="34" charset="0"/>
+              <a:buChar char="•"/>
+            </a:pPr>
+            <a:endParaRPr lang="en-US" sz="1400" dirty="0">
+              <a:solidFill>
+                <a:schemeClr val="bg1"/>
+              </a:solidFill>
+            </a:endParaRPr>
+          </a:p>
+        </p:txBody>
+      </p:sp>
+      <p:cxnSp>
+        <p:nvCxnSpPr>
+          <p:cNvPr id="6" name="Straight Arrow Connector 5">
+            <a:extLst>
+              <a:ext uri="{FF2B5EF4-FFF2-40B4-BE49-F238E27FC236}">
+                <a16:creationId xmlns:a16="http://schemas.microsoft.com/office/drawing/2014/main" id="{33E6ABA8-15A9-477A-B2CE-4C4E8FC7DB9C}"/>
+              </a:ext>
+            </a:extLst>
+          </p:cNvPr>
+          <p:cNvCxnSpPr>
+            <a:cxnSpLocks/>
+          </p:cNvCxnSpPr>
+          <p:nvPr/>
+        </p:nvCxnSpPr>
+        <p:spPr>
+          <a:xfrm flipV="1">
+            <a:off x="7630895" y="2539735"/>
+            <a:ext cx="627432" cy="1"/>
+          </a:xfrm>
+          <a:prstGeom prst="straightConnector1">
+            <a:avLst/>
+          </a:prstGeom>
+          <a:ln w="38100">
+            <a:solidFill>
+              <a:srgbClr val="FF0000"/>
+            </a:solidFill>
+            <a:tailEnd type="triangle"/>
+          </a:ln>
+        </p:spPr>
+        <p:style>
+          <a:lnRef idx="1">
+            <a:schemeClr val="accent1"/>
+          </a:lnRef>
+          <a:fillRef idx="0">
+            <a:schemeClr val="accent1"/>
+          </a:fillRef>
+          <a:effectRef idx="0">
+            <a:schemeClr val="accent1"/>
+          </a:effectRef>
+          <a:fontRef idx="minor">
+            <a:schemeClr val="tx1"/>
+          </a:fontRef>
+        </p:style>
+      </p:cxnSp>
+      <p:cxnSp>
+        <p:nvCxnSpPr>
+          <p:cNvPr id="8" name="Straight Arrow Connector 7">
+            <a:extLst>
+              <a:ext uri="{FF2B5EF4-FFF2-40B4-BE49-F238E27FC236}">
+                <a16:creationId xmlns:a16="http://schemas.microsoft.com/office/drawing/2014/main" id="{4E46FDB7-9E13-4109-90A9-B552915F2522}"/>
+              </a:ext>
+            </a:extLst>
+          </p:cNvPr>
+          <p:cNvCxnSpPr>
+            <a:cxnSpLocks/>
+          </p:cNvCxnSpPr>
+          <p:nvPr/>
+        </p:nvCxnSpPr>
+        <p:spPr>
+          <a:xfrm flipH="1">
+            <a:off x="7630895" y="3216767"/>
+            <a:ext cx="627432" cy="0"/>
+          </a:xfrm>
+          <a:prstGeom prst="straightConnector1">
+            <a:avLst/>
+          </a:prstGeom>
+          <a:ln w="38100">
+            <a:solidFill>
+              <a:srgbClr val="00B050"/>
+            </a:solidFill>
+            <a:tailEnd type="triangle"/>
+          </a:ln>
+        </p:spPr>
+        <p:style>
+          <a:lnRef idx="1">
+            <a:schemeClr val="accent1"/>
+          </a:lnRef>
+          <a:fillRef idx="0">
+            <a:schemeClr val="accent1"/>
+          </a:fillRef>
+          <a:effectRef idx="0">
+            <a:schemeClr val="accent1"/>
+          </a:effectRef>
+          <a:fontRef idx="minor">
+            <a:schemeClr val="tx1"/>
+          </a:fontRef>
+        </p:style>
+      </p:cxnSp>
+      <p:cxnSp>
+        <p:nvCxnSpPr>
+          <p:cNvPr id="11" name="Straight Arrow Connector 10">
+            <a:extLst>
+              <a:ext uri="{FF2B5EF4-FFF2-40B4-BE49-F238E27FC236}">
+                <a16:creationId xmlns:a16="http://schemas.microsoft.com/office/drawing/2014/main" id="{B194C1BA-3829-4852-97FE-283F8F8B3C2F}"/>
+              </a:ext>
+            </a:extLst>
+          </p:cNvPr>
+          <p:cNvCxnSpPr>
+            <a:cxnSpLocks/>
+          </p:cNvCxnSpPr>
+          <p:nvPr/>
+        </p:nvCxnSpPr>
+        <p:spPr>
+          <a:xfrm flipH="1" flipV="1">
+            <a:off x="3933670" y="3216767"/>
+            <a:ext cx="642266" cy="1"/>
+          </a:xfrm>
+          <a:prstGeom prst="straightConnector1">
+            <a:avLst/>
+          </a:prstGeom>
+          <a:ln w="38100">
+            <a:solidFill>
+              <a:srgbClr val="FF0000"/>
+            </a:solidFill>
+            <a:tailEnd type="triangle"/>
+          </a:ln>
+        </p:spPr>
+        <p:style>
+          <a:lnRef idx="1">
+            <a:schemeClr val="accent1"/>
+          </a:lnRef>
+          <a:fillRef idx="0">
+            <a:schemeClr val="accent1"/>
+          </a:fillRef>
+          <a:effectRef idx="0">
+            <a:schemeClr val="accent1"/>
+          </a:effectRef>
+          <a:fontRef idx="minor">
+            <a:schemeClr val="tx1"/>
+          </a:fontRef>
+        </p:style>
+      </p:cxnSp>
+      <p:cxnSp>
+        <p:nvCxnSpPr>
+          <p:cNvPr id="13" name="Straight Arrow Connector 12">
+            <a:extLst>
+              <a:ext uri="{FF2B5EF4-FFF2-40B4-BE49-F238E27FC236}">
+                <a16:creationId xmlns:a16="http://schemas.microsoft.com/office/drawing/2014/main" id="{C5856EF5-4A93-4F2F-850A-0656BF955218}"/>
+              </a:ext>
+            </a:extLst>
+          </p:cNvPr>
+          <p:cNvCxnSpPr>
+            <a:cxnSpLocks/>
+          </p:cNvCxnSpPr>
+          <p:nvPr/>
+        </p:nvCxnSpPr>
+        <p:spPr>
+          <a:xfrm flipV="1">
+            <a:off x="3948504" y="2616136"/>
+            <a:ext cx="612600" cy="1"/>
+          </a:xfrm>
+          <a:prstGeom prst="straightConnector1">
+            <a:avLst/>
+          </a:prstGeom>
+          <a:ln w="38100">
+            <a:solidFill>
+              <a:srgbClr val="0070C0"/>
+            </a:solidFill>
+            <a:tailEnd type="triangle"/>
+          </a:ln>
+        </p:spPr>
+        <p:style>
+          <a:lnRef idx="1">
+            <a:schemeClr val="accent1"/>
+          </a:lnRef>
+          <a:fillRef idx="0">
+            <a:schemeClr val="accent1"/>
+          </a:fillRef>
+          <a:effectRef idx="0">
+            <a:schemeClr val="accent1"/>
+          </a:effectRef>
+          <a:fontRef idx="minor">
+            <a:schemeClr val="tx1"/>
+          </a:fontRef>
+        </p:style>
+      </p:cxnSp>
     </p:spTree>
     <p:extLst>
       <p:ext uri="{BB962C8B-B14F-4D97-AF65-F5344CB8AC3E}">
@@ -3757,7 +4331,7 @@
                   <a:schemeClr val="bg1"/>
                 </a:solidFill>
               </a:rPr>
-              <a:t>Hologram Manager</a:t>
+              <a:t>World Manager</a:t>
             </a:r>
           </a:p>
         </p:txBody>
@@ -4516,8 +5090,8 @@
         </p:nvCxnSpPr>
         <p:spPr>
           <a:xfrm rot="5400000" flipH="1" flipV="1">
-            <a:off x="5369509" y="1900256"/>
-            <a:ext cx="454060" cy="912588"/>
+            <a:off x="5389376" y="1921807"/>
+            <a:ext cx="412642" cy="910905"/>
           </a:xfrm>
           <a:prstGeom prst="bentConnector2">
             <a:avLst/>
@@ -4793,18 +5367,59 @@
         </p:nvCxnSpPr>
         <p:spPr>
           <a:xfrm rot="10800000" flipV="1">
-            <a:off x="3382721" y="1828593"/>
-            <a:ext cx="2670111" cy="1057426"/>
+            <a:off x="3382720" y="1876825"/>
+            <a:ext cx="2656450" cy="1009193"/>
           </a:xfrm>
           <a:prstGeom prst="bentConnector3">
             <a:avLst>
-              <a:gd name="adj1" fmla="val 72831"/>
+              <a:gd name="adj1" fmla="val 77824"/>
             </a:avLst>
           </a:prstGeom>
           <a:ln w="38100">
             <a:solidFill>
               <a:srgbClr val="FF0000"/>
             </a:solidFill>
+            <a:tailEnd type="triangle"/>
+          </a:ln>
+        </p:spPr>
+        <p:style>
+          <a:lnRef idx="1">
+            <a:schemeClr val="accent1"/>
+          </a:lnRef>
+          <a:fillRef idx="0">
+            <a:schemeClr val="accent1"/>
+          </a:fillRef>
+          <a:effectRef idx="0">
+            <a:schemeClr val="accent1"/>
+          </a:effectRef>
+          <a:fontRef idx="minor">
+            <a:schemeClr val="tx1"/>
+          </a:fontRef>
+        </p:style>
+      </p:cxnSp>
+      <p:cxnSp>
+        <p:nvCxnSpPr>
+          <p:cNvPr id="55" name="Straight Arrow Connector 54">
+            <a:extLst>
+              <a:ext uri="{FF2B5EF4-FFF2-40B4-BE49-F238E27FC236}">
+                <a16:creationId xmlns:a16="http://schemas.microsoft.com/office/drawing/2014/main" id="{12EE6ED2-D57D-4CC2-9393-AAC5E2232CED}"/>
+              </a:ext>
+            </a:extLst>
+          </p:cNvPr>
+          <p:cNvCxnSpPr>
+            <a:stCxn id="21" idx="3"/>
+          </p:cNvCxnSpPr>
+          <p:nvPr/>
+        </p:nvCxnSpPr>
+        <p:spPr>
+          <a:xfrm flipV="1">
+            <a:off x="3383625" y="2041217"/>
+            <a:ext cx="2667525" cy="13586"/>
+          </a:xfrm>
+          <a:prstGeom prst="straightConnector1">
+            <a:avLst/>
+          </a:prstGeom>
+          <a:ln w="38100">
             <a:tailEnd type="triangle"/>
           </a:ln>
         </p:spPr>

--- a/FinalReport/img/chapter4_analysis/Diagrams.pptx
+++ b/FinalReport/img/chapter4_analysis/Diagrams.pptx
@@ -3349,7 +3349,9 @@
             <a:avLst/>
           </a:prstGeom>
           <a:solidFill>
-            <a:srgbClr val="0070C0"/>
+            <a:srgbClr val="0070C0">
+              <a:alpha val="30000"/>
+            </a:srgbClr>
           </a:solidFill>
           <a:ln w="38100">
             <a:solidFill>
@@ -3382,7 +3384,7 @@
             <a:r>
               <a:rPr lang="en-US" dirty="0">
                 <a:solidFill>
-                  <a:schemeClr val="bg1"/>
+                  <a:schemeClr val="tx1"/>
                 </a:solidFill>
               </a:rPr>
               <a:t>ARTA</a:t>
@@ -3396,7 +3398,7 @@
             <a:r>
               <a:rPr lang="en-US" sz="1400" dirty="0">
                 <a:solidFill>
-                  <a:schemeClr val="bg1"/>
+                  <a:schemeClr val="tx1"/>
                 </a:solidFill>
               </a:rPr>
               <a:t>Manual control through Joystick.</a:t>
@@ -3410,7 +3412,7 @@
             <a:r>
               <a:rPr lang="en-US" sz="1400" dirty="0">
                 <a:solidFill>
-                  <a:schemeClr val="bg1"/>
+                  <a:schemeClr val="tx1"/>
                 </a:solidFill>
               </a:rPr>
               <a:t>Navigation &amp; Localization.</a:t>
@@ -3424,11 +3426,167 @@
             <a:r>
               <a:rPr lang="en-US" sz="1400" dirty="0">
                 <a:solidFill>
-                  <a:schemeClr val="bg1"/>
+                  <a:schemeClr val="tx1"/>
                 </a:solidFill>
               </a:rPr>
               <a:t>Reactive control responding to Hololens.</a:t>
             </a:r>
+          </a:p>
+          <a:p>
+            <a:pPr marL="285750" indent="-285750">
+              <a:buFont typeface="Arial" panose="020B0604020202020204" pitchFamily="34" charset="0"/>
+              <a:buChar char="•"/>
+            </a:pPr>
+            <a:endParaRPr lang="en-US" sz="1400" dirty="0">
+              <a:solidFill>
+                <a:schemeClr val="tx1"/>
+              </a:solidFill>
+            </a:endParaRPr>
+          </a:p>
+          <a:p>
+            <a:endParaRPr lang="en-US" sz="1400" dirty="0">
+              <a:solidFill>
+                <a:schemeClr val="tx1"/>
+              </a:solidFill>
+            </a:endParaRPr>
+          </a:p>
+          <a:p>
+            <a:endParaRPr lang="en-US" sz="1400" dirty="0">
+              <a:solidFill>
+                <a:schemeClr val="tx1"/>
+              </a:solidFill>
+            </a:endParaRPr>
+          </a:p>
+        </p:txBody>
+      </p:sp>
+      <p:sp>
+        <p:nvSpPr>
+          <p:cNvPr id="3" name="Rectangle 2">
+            <a:extLst>
+              <a:ext uri="{FF2B5EF4-FFF2-40B4-BE49-F238E27FC236}">
+                <a16:creationId xmlns:a16="http://schemas.microsoft.com/office/drawing/2014/main" id="{74070152-3FC8-4E2F-A69D-7665A205039C}"/>
+              </a:ext>
+            </a:extLst>
+          </p:cNvPr>
+          <p:cNvSpPr/>
+          <p:nvPr/>
+        </p:nvSpPr>
+        <p:spPr>
+          <a:xfrm>
+            <a:off x="4561104" y="2015504"/>
+            <a:ext cx="3069791" cy="1867381"/>
+          </a:xfrm>
+          <a:prstGeom prst="rect">
+            <a:avLst/>
+          </a:prstGeom>
+          <a:solidFill>
+            <a:srgbClr val="FF0000">
+              <a:alpha val="30000"/>
+            </a:srgbClr>
+          </a:solidFill>
+          <a:ln w="38100">
+            <a:solidFill>
+              <a:srgbClr val="FF0000"/>
+            </a:solidFill>
+            <a:prstDash val="solid"/>
+          </a:ln>
+        </p:spPr>
+        <p:style>
+          <a:lnRef idx="2">
+            <a:schemeClr val="accent1">
+              <a:shade val="50000"/>
+            </a:schemeClr>
+          </a:lnRef>
+          <a:fillRef idx="1">
+            <a:schemeClr val="accent1"/>
+          </a:fillRef>
+          <a:effectRef idx="0">
+            <a:schemeClr val="accent1"/>
+          </a:effectRef>
+          <a:fontRef idx="minor">
+            <a:schemeClr val="lt1"/>
+          </a:fontRef>
+        </p:style>
+        <p:txBody>
+          <a:bodyPr rtlCol="0" anchor="ctr"/>
+          <a:lstStyle/>
+          <a:p>
+            <a:pPr algn="ctr"/>
+            <a:r>
+              <a:rPr lang="en-US" dirty="0">
+                <a:solidFill>
+                  <a:schemeClr val="tx1"/>
+                </a:solidFill>
+              </a:rPr>
+              <a:t>Hololens</a:t>
+            </a:r>
+          </a:p>
+          <a:p>
+            <a:pPr marL="285750" indent="-285750">
+              <a:buFont typeface="Arial" panose="020B0604020202020204" pitchFamily="34" charset="0"/>
+              <a:buChar char="•"/>
+            </a:pPr>
+            <a:r>
+              <a:rPr lang="en-US" sz="1400" dirty="0">
+                <a:solidFill>
+                  <a:schemeClr val="tx1"/>
+                </a:solidFill>
+              </a:rPr>
+              <a:t>Visual input.</a:t>
+            </a:r>
+          </a:p>
+          <a:p>
+            <a:pPr marL="285750" indent="-285750">
+              <a:buFont typeface="Arial" panose="020B0604020202020204" pitchFamily="34" charset="0"/>
+              <a:buChar char="•"/>
+            </a:pPr>
+            <a:r>
+              <a:rPr lang="en-US" sz="1400" dirty="0">
+                <a:solidFill>
+                  <a:schemeClr val="tx1"/>
+                </a:solidFill>
+              </a:rPr>
+              <a:t>Mapping object detections.</a:t>
+            </a:r>
+          </a:p>
+          <a:p>
+            <a:pPr marL="285750" indent="-285750">
+              <a:buFont typeface="Arial" panose="020B0604020202020204" pitchFamily="34" charset="0"/>
+              <a:buChar char="•"/>
+            </a:pPr>
+            <a:r>
+              <a:rPr lang="en-US" sz="1400" dirty="0">
+                <a:solidFill>
+                  <a:schemeClr val="tx1"/>
+                </a:solidFill>
+              </a:rPr>
+              <a:t>Manages hologram visualizations.</a:t>
+            </a:r>
+          </a:p>
+          <a:p>
+            <a:pPr marL="285750" indent="-285750">
+              <a:buFont typeface="Arial" panose="020B0604020202020204" pitchFamily="34" charset="0"/>
+              <a:buChar char="•"/>
+            </a:pPr>
+            <a:r>
+              <a:rPr lang="en-US" sz="1400" dirty="0">
+                <a:solidFill>
+                  <a:schemeClr val="tx1"/>
+                </a:solidFill>
+              </a:rPr>
+              <a:t>Communicates objects in surroundings to ARTA.</a:t>
+            </a:r>
+          </a:p>
+          <a:p>
+            <a:pPr marL="285750" indent="-285750">
+              <a:buFont typeface="Arial" panose="020B0604020202020204" pitchFamily="34" charset="0"/>
+              <a:buChar char="•"/>
+            </a:pPr>
+            <a:endParaRPr lang="en-US" sz="1400" dirty="0">
+              <a:solidFill>
+                <a:schemeClr val="tx1"/>
+              </a:solidFill>
+            </a:endParaRPr>
           </a:p>
           <a:p>
             <a:pPr marL="285750" indent="-285750">
@@ -3441,28 +3599,14 @@
               </a:solidFill>
             </a:endParaRPr>
           </a:p>
-          <a:p>
-            <a:endParaRPr lang="en-US" sz="1400" dirty="0">
-              <a:solidFill>
-                <a:schemeClr val="bg1"/>
-              </a:solidFill>
-            </a:endParaRPr>
-          </a:p>
-          <a:p>
-            <a:endParaRPr lang="en-US" sz="1400" dirty="0">
-              <a:solidFill>
-                <a:schemeClr val="bg1"/>
-              </a:solidFill>
-            </a:endParaRPr>
-          </a:p>
-        </p:txBody>
-      </p:sp>
-      <p:sp>
-        <p:nvSpPr>
-          <p:cNvPr id="3" name="Rectangle 2">
-            <a:extLst>
-              <a:ext uri="{FF2B5EF4-FFF2-40B4-BE49-F238E27FC236}">
-                <a16:creationId xmlns:a16="http://schemas.microsoft.com/office/drawing/2014/main" id="{74070152-3FC8-4E2F-A69D-7665A205039C}"/>
+        </p:txBody>
+      </p:sp>
+      <p:sp>
+        <p:nvSpPr>
+          <p:cNvPr id="4" name="Rectangle 3">
+            <a:extLst>
+              <a:ext uri="{FF2B5EF4-FFF2-40B4-BE49-F238E27FC236}">
+                <a16:creationId xmlns:a16="http://schemas.microsoft.com/office/drawing/2014/main" id="{815609AA-341F-44DA-9979-A24C903A08C4}"/>
               </a:ext>
             </a:extLst>
           </p:cNvPr>
@@ -3471,18 +3615,20 @@
         </p:nvSpPr>
         <p:spPr>
           <a:xfrm>
-            <a:off x="4561104" y="2015504"/>
-            <a:ext cx="3069791" cy="1867381"/>
+            <a:off x="8258329" y="2015504"/>
+            <a:ext cx="3069790" cy="1867381"/>
           </a:xfrm>
           <a:prstGeom prst="rect">
             <a:avLst/>
           </a:prstGeom>
           <a:solidFill>
-            <a:srgbClr val="FF0000"/>
+            <a:srgbClr val="00B050">
+              <a:alpha val="30000"/>
+            </a:srgbClr>
           </a:solidFill>
           <a:ln w="38100">
             <a:solidFill>
-              <a:srgbClr val="FF0000"/>
+              <a:srgbClr val="00B050"/>
             </a:solidFill>
             <a:prstDash val="solid"/>
           </a:ln>
@@ -3511,10 +3657,10 @@
             <a:r>
               <a:rPr lang="en-US" dirty="0">
                 <a:solidFill>
-                  <a:schemeClr val="bg1"/>
+                  <a:schemeClr val="tx1"/>
                 </a:solidFill>
               </a:rPr>
-              <a:t>Hololens</a:t>
+              <a:t>Human Detection &amp; Direction</a:t>
             </a:r>
           </a:p>
           <a:p>
@@ -3525,10 +3671,10 @@
             <a:r>
               <a:rPr lang="en-US" sz="1400" dirty="0">
                 <a:solidFill>
-                  <a:schemeClr val="bg1"/>
+                  <a:schemeClr val="tx1"/>
                 </a:solidFill>
               </a:rPr>
-              <a:t>Visual input.</a:t>
+              <a:t>Receives image frames from Hololens.</a:t>
             </a:r>
           </a:p>
           <a:p>
@@ -3539,10 +3685,10 @@
             <a:r>
               <a:rPr lang="en-US" sz="1400" dirty="0">
                 <a:solidFill>
-                  <a:schemeClr val="bg1"/>
+                  <a:schemeClr val="tx1"/>
                 </a:solidFill>
               </a:rPr>
-              <a:t>Mapping object detections.</a:t>
+              <a:t>Object detector</a:t>
             </a:r>
           </a:p>
           <a:p>
@@ -3553,10 +3699,10 @@
             <a:r>
               <a:rPr lang="en-US" sz="1400" dirty="0">
                 <a:solidFill>
-                  <a:schemeClr val="bg1"/>
+                  <a:schemeClr val="tx1"/>
                 </a:solidFill>
               </a:rPr>
-              <a:t>Manages hologram visualizations.</a:t>
+              <a:t>Infers direction of walking.</a:t>
             </a:r>
           </a:p>
           <a:p>
@@ -3567,10 +3713,10 @@
             <a:r>
               <a:rPr lang="en-US" sz="1400" dirty="0">
                 <a:solidFill>
-                  <a:schemeClr val="bg1"/>
+                  <a:schemeClr val="tx1"/>
                 </a:solidFill>
               </a:rPr>
-              <a:t>Communicates objects in surroundings to ARTA.</a:t>
+              <a:t>Sends detection/direction pairs to Hololens.</a:t>
             </a:r>
           </a:p>
           <a:p>
@@ -3580,147 +3726,7 @@
             </a:pPr>
             <a:endParaRPr lang="en-US" sz="1400" dirty="0">
               <a:solidFill>
-                <a:schemeClr val="bg1"/>
-              </a:solidFill>
-            </a:endParaRPr>
-          </a:p>
-          <a:p>
-            <a:pPr marL="285750" indent="-285750">
-              <a:buFont typeface="Arial" panose="020B0604020202020204" pitchFamily="34" charset="0"/>
-              <a:buChar char="•"/>
-            </a:pPr>
-            <a:endParaRPr lang="en-US" sz="1400" dirty="0">
-              <a:solidFill>
-                <a:schemeClr val="bg1"/>
-              </a:solidFill>
-            </a:endParaRPr>
-          </a:p>
-        </p:txBody>
-      </p:sp>
-      <p:sp>
-        <p:nvSpPr>
-          <p:cNvPr id="4" name="Rectangle 3">
-            <a:extLst>
-              <a:ext uri="{FF2B5EF4-FFF2-40B4-BE49-F238E27FC236}">
-                <a16:creationId xmlns:a16="http://schemas.microsoft.com/office/drawing/2014/main" id="{815609AA-341F-44DA-9979-A24C903A08C4}"/>
-              </a:ext>
-            </a:extLst>
-          </p:cNvPr>
-          <p:cNvSpPr/>
-          <p:nvPr/>
-        </p:nvSpPr>
-        <p:spPr>
-          <a:xfrm>
-            <a:off x="8258329" y="2015504"/>
-            <a:ext cx="3069790" cy="1867381"/>
-          </a:xfrm>
-          <a:prstGeom prst="rect">
-            <a:avLst/>
-          </a:prstGeom>
-          <a:solidFill>
-            <a:srgbClr val="00B050"/>
-          </a:solidFill>
-          <a:ln w="38100">
-            <a:solidFill>
-              <a:srgbClr val="00B050"/>
-            </a:solidFill>
-            <a:prstDash val="solid"/>
-          </a:ln>
-        </p:spPr>
-        <p:style>
-          <a:lnRef idx="2">
-            <a:schemeClr val="accent1">
-              <a:shade val="50000"/>
-            </a:schemeClr>
-          </a:lnRef>
-          <a:fillRef idx="1">
-            <a:schemeClr val="accent1"/>
-          </a:fillRef>
-          <a:effectRef idx="0">
-            <a:schemeClr val="accent1"/>
-          </a:effectRef>
-          <a:fontRef idx="minor">
-            <a:schemeClr val="lt1"/>
-          </a:fontRef>
-        </p:style>
-        <p:txBody>
-          <a:bodyPr rtlCol="0" anchor="ctr"/>
-          <a:lstStyle/>
-          <a:p>
-            <a:pPr algn="ctr"/>
-            <a:r>
-              <a:rPr lang="en-US" dirty="0">
-                <a:solidFill>
-                  <a:schemeClr val="bg1"/>
-                </a:solidFill>
-              </a:rPr>
-              <a:t>Human Detection &amp; Direction</a:t>
-            </a:r>
-          </a:p>
-          <a:p>
-            <a:pPr marL="285750" indent="-285750">
-              <a:buFont typeface="Arial" panose="020B0604020202020204" pitchFamily="34" charset="0"/>
-              <a:buChar char="•"/>
-            </a:pPr>
-            <a:r>
-              <a:rPr lang="en-US" sz="1400" dirty="0">
-                <a:solidFill>
-                  <a:schemeClr val="bg1"/>
-                </a:solidFill>
-              </a:rPr>
-              <a:t>Receives image frames from Hololens.</a:t>
-            </a:r>
-          </a:p>
-          <a:p>
-            <a:pPr marL="285750" indent="-285750">
-              <a:buFont typeface="Arial" panose="020B0604020202020204" pitchFamily="34" charset="0"/>
-              <a:buChar char="•"/>
-            </a:pPr>
-            <a:r>
-              <a:rPr lang="en-US" sz="1400" dirty="0">
-                <a:solidFill>
-                  <a:schemeClr val="bg1"/>
-                </a:solidFill>
-              </a:rPr>
-              <a:t>Object detector</a:t>
-            </a:r>
-          </a:p>
-          <a:p>
-            <a:pPr marL="285750" indent="-285750">
-              <a:buFont typeface="Arial" panose="020B0604020202020204" pitchFamily="34" charset="0"/>
-              <a:buChar char="•"/>
-            </a:pPr>
-            <a:r>
-              <a:rPr lang="en-US" sz="1400" dirty="0">
-                <a:solidFill>
-                  <a:schemeClr val="bg1"/>
-                </a:solidFill>
-              </a:rPr>
-              <a:t>Infers direction of walking.</a:t>
-            </a:r>
-          </a:p>
-          <a:p>
-            <a:pPr marL="285750" indent="-285750">
-              <a:buFont typeface="Arial" panose="020B0604020202020204" pitchFamily="34" charset="0"/>
-              <a:buChar char="•"/>
-            </a:pPr>
-            <a:r>
-              <a:rPr lang="en-US" sz="1400" dirty="0">
-                <a:solidFill>
-                  <a:schemeClr val="bg1"/>
-                </a:solidFill>
-              </a:rPr>
-              <a:t>Sends detection/direction pairs to Hololens.</a:t>
-            </a:r>
-          </a:p>
-          <a:p>
-            <a:pPr marL="285750" indent="-285750">
-              <a:buFont typeface="Arial" panose="020B0604020202020204" pitchFamily="34" charset="0"/>
-              <a:buChar char="•"/>
-            </a:pPr>
-            <a:endParaRPr lang="en-US" sz="1400" dirty="0">
-              <a:solidFill>
-                <a:schemeClr val="bg1"/>
+                <a:schemeClr val="tx1"/>
               </a:solidFill>
             </a:endParaRPr>
           </a:p>
@@ -3952,7 +3958,11 @@
           <a:prstGeom prst="rect">
             <a:avLst/>
           </a:prstGeom>
-          <a:noFill/>
+          <a:solidFill>
+            <a:srgbClr val="FF0000">
+              <a:alpha val="30000"/>
+            </a:srgbClr>
+          </a:solidFill>
           <a:ln w="38100">
             <a:solidFill>
               <a:srgbClr val="FF0000"/>
@@ -4005,7 +4015,11 @@
           <a:prstGeom prst="rect">
             <a:avLst/>
           </a:prstGeom>
-          <a:noFill/>
+          <a:solidFill>
+            <a:srgbClr val="00B050">
+              <a:alpha val="30000"/>
+            </a:srgbClr>
+          </a:solidFill>
           <a:ln w="38100">
             <a:solidFill>
               <a:srgbClr val="00B050"/>
@@ -4058,7 +4072,11 @@
           <a:prstGeom prst="rect">
             <a:avLst/>
           </a:prstGeom>
-          <a:noFill/>
+          <a:solidFill>
+            <a:srgbClr val="0070C0">
+              <a:alpha val="30000"/>
+            </a:srgbClr>
+          </a:solidFill>
           <a:ln w="38100">
             <a:solidFill>
               <a:srgbClr val="0070C0"/>
@@ -4235,7 +4253,9 @@
             <a:avLst/>
           </a:prstGeom>
           <a:solidFill>
-            <a:srgbClr val="FF0000"/>
+            <a:srgbClr val="FF0000">
+              <a:alpha val="30000"/>
+            </a:srgbClr>
           </a:solidFill>
           <a:ln>
             <a:solidFill>
@@ -4267,7 +4287,7 @@
             <a:r>
               <a:rPr lang="en-US" sz="1600" dirty="0">
                 <a:solidFill>
-                  <a:schemeClr val="bg1"/>
+                  <a:schemeClr val="tx1"/>
                 </a:solidFill>
               </a:rPr>
               <a:t>World Camera</a:t>
@@ -4296,7 +4316,9 @@
             <a:avLst/>
           </a:prstGeom>
           <a:solidFill>
-            <a:srgbClr val="FF0000"/>
+            <a:srgbClr val="FF0000">
+              <a:alpha val="30000"/>
+            </a:srgbClr>
           </a:solidFill>
           <a:ln>
             <a:solidFill>
@@ -4328,7 +4350,7 @@
             <a:r>
               <a:rPr lang="en-US" sz="1600" dirty="0">
                 <a:solidFill>
-                  <a:schemeClr val="bg1"/>
+                  <a:schemeClr val="tx1"/>
                 </a:solidFill>
               </a:rPr>
               <a:t>World Manager</a:t>
@@ -4357,7 +4379,9 @@
             <a:avLst/>
           </a:prstGeom>
           <a:solidFill>
-            <a:srgbClr val="FF0000"/>
+            <a:srgbClr val="FF0000">
+              <a:alpha val="30000"/>
+            </a:srgbClr>
           </a:solidFill>
           <a:ln>
             <a:solidFill>
@@ -4389,7 +4413,7 @@
             <a:r>
               <a:rPr lang="en-US" sz="1600" dirty="0">
                 <a:solidFill>
-                  <a:schemeClr val="bg1"/>
+                  <a:schemeClr val="tx1"/>
                 </a:solidFill>
               </a:rPr>
               <a:t>Camera Stream</a:t>
@@ -4418,7 +4442,9 @@
             <a:avLst/>
           </a:prstGeom>
           <a:solidFill>
-            <a:srgbClr val="FF0000"/>
+            <a:srgbClr val="FF0000">
+              <a:alpha val="30000"/>
+            </a:srgbClr>
           </a:solidFill>
           <a:ln>
             <a:solidFill>
@@ -4450,7 +4476,7 @@
             <a:r>
               <a:rPr lang="en-US" sz="1600" dirty="0">
                 <a:solidFill>
-                  <a:schemeClr val="bg1"/>
+                  <a:schemeClr val="tx1"/>
                 </a:solidFill>
               </a:rPr>
               <a:t>ARTA Alignment</a:t>
@@ -4479,7 +4505,9 @@
             <a:avLst/>
           </a:prstGeom>
           <a:solidFill>
-            <a:srgbClr val="00B050"/>
+            <a:srgbClr val="00B050">
+              <a:alpha val="30000"/>
+            </a:srgbClr>
           </a:solidFill>
           <a:ln>
             <a:solidFill>
@@ -4511,7 +4539,7 @@
             <a:r>
               <a:rPr lang="en-US" sz="1600" dirty="0">
                 <a:solidFill>
-                  <a:schemeClr val="bg1"/>
+                  <a:schemeClr val="tx1"/>
                 </a:solidFill>
               </a:rPr>
               <a:t>YOLO</a:t>
@@ -4540,7 +4568,9 @@
             <a:avLst/>
           </a:prstGeom>
           <a:solidFill>
-            <a:srgbClr val="00B050"/>
+            <a:srgbClr val="00B050">
+              <a:alpha val="30000"/>
+            </a:srgbClr>
           </a:solidFill>
           <a:ln>
             <a:solidFill>
@@ -4572,7 +4602,7 @@
             <a:r>
               <a:rPr lang="en-US" sz="1600" dirty="0">
                 <a:solidFill>
-                  <a:schemeClr val="bg1"/>
+                  <a:schemeClr val="tx1"/>
                 </a:solidFill>
               </a:rPr>
               <a:t>YACT Tracker</a:t>
@@ -4601,7 +4631,9 @@
             <a:avLst/>
           </a:prstGeom>
           <a:solidFill>
-            <a:srgbClr val="00B050"/>
+            <a:srgbClr val="00B050">
+              <a:alpha val="30000"/>
+            </a:srgbClr>
           </a:solidFill>
           <a:ln>
             <a:solidFill>
@@ -4633,7 +4665,7 @@
             <a:r>
               <a:rPr lang="en-US" sz="1600" dirty="0">
                 <a:solidFill>
-                  <a:schemeClr val="bg1"/>
+                  <a:schemeClr val="tx1"/>
                 </a:solidFill>
               </a:rPr>
               <a:t>YACT Direction</a:t>
@@ -4662,7 +4694,9 @@
             <a:avLst/>
           </a:prstGeom>
           <a:solidFill>
-            <a:srgbClr val="0070C0"/>
+            <a:srgbClr val="0070C0">
+              <a:alpha val="30000"/>
+            </a:srgbClr>
           </a:solidFill>
           <a:ln>
             <a:solidFill>
@@ -4694,7 +4728,7 @@
             <a:r>
               <a:rPr lang="en-US" sz="1600" dirty="0">
                 <a:solidFill>
-                  <a:schemeClr val="bg1"/>
+                  <a:schemeClr val="tx1"/>
                 </a:solidFill>
               </a:rPr>
               <a:t>Manual Control</a:t>
@@ -4723,7 +4757,9 @@
             <a:avLst/>
           </a:prstGeom>
           <a:solidFill>
-            <a:srgbClr val="0070C0"/>
+            <a:srgbClr val="0070C0">
+              <a:alpha val="30000"/>
+            </a:srgbClr>
           </a:solidFill>
           <a:ln>
             <a:solidFill>
@@ -4755,7 +4791,7 @@
             <a:r>
               <a:rPr lang="en-US" sz="1600" dirty="0">
                 <a:solidFill>
-                  <a:schemeClr val="bg1"/>
+                  <a:schemeClr val="tx1"/>
                 </a:solidFill>
               </a:rPr>
               <a:t>Reactive Control</a:t>
@@ -4784,7 +4820,9 @@
             <a:avLst/>
           </a:prstGeom>
           <a:solidFill>
-            <a:srgbClr val="0070C0"/>
+            <a:srgbClr val="0070C0">
+              <a:alpha val="30000"/>
+            </a:srgbClr>
           </a:solidFill>
           <a:ln>
             <a:solidFill>
@@ -4816,7 +4854,7 @@
             <a:r>
               <a:rPr lang="en-US" sz="1400" dirty="0">
                 <a:solidFill>
-                  <a:schemeClr val="bg1"/>
+                  <a:schemeClr val="tx1"/>
                 </a:solidFill>
               </a:rPr>
               <a:t>Navigation</a:t>
@@ -4845,7 +4883,9 @@
             <a:avLst/>
           </a:prstGeom>
           <a:solidFill>
-            <a:srgbClr val="FF0000"/>
+            <a:srgbClr val="FF0000">
+              <a:alpha val="30000"/>
+            </a:srgbClr>
           </a:solidFill>
           <a:ln>
             <a:solidFill>
@@ -4877,7 +4917,7 @@
             <a:r>
               <a:rPr lang="en-US" sz="1600" dirty="0">
                 <a:solidFill>
-                  <a:schemeClr val="bg1"/>
+                  <a:schemeClr val="tx1"/>
                 </a:solidFill>
               </a:rPr>
               <a:t>Visuals</a:t>
@@ -5468,6 +5508,1337 @@
           <a:chExt cx="0" cy="0"/>
         </a:xfrm>
       </p:grpSpPr>
+      <p:sp>
+        <p:nvSpPr>
+          <p:cNvPr id="3" name="Rectangle 2">
+            <a:extLst>
+              <a:ext uri="{FF2B5EF4-FFF2-40B4-BE49-F238E27FC236}">
+                <a16:creationId xmlns:a16="http://schemas.microsoft.com/office/drawing/2014/main" id="{0A4634E2-F378-4C00-96B4-E1D3F2149C45}"/>
+              </a:ext>
+            </a:extLst>
+          </p:cNvPr>
+          <p:cNvSpPr/>
+          <p:nvPr/>
+        </p:nvSpPr>
+        <p:spPr>
+          <a:xfrm>
+            <a:off x="2019301" y="1714500"/>
+            <a:ext cx="8248650" cy="3886200"/>
+          </a:xfrm>
+          <a:prstGeom prst="rect">
+            <a:avLst/>
+          </a:prstGeom>
+          <a:noFill/>
+          <a:ln w="38100">
+            <a:solidFill>
+              <a:srgbClr val="00B050"/>
+            </a:solidFill>
+            <a:prstDash val="dash"/>
+          </a:ln>
+        </p:spPr>
+        <p:style>
+          <a:lnRef idx="2">
+            <a:schemeClr val="accent1">
+              <a:shade val="50000"/>
+            </a:schemeClr>
+          </a:lnRef>
+          <a:fillRef idx="1">
+            <a:schemeClr val="accent1"/>
+          </a:fillRef>
+          <a:effectRef idx="0">
+            <a:schemeClr val="accent1"/>
+          </a:effectRef>
+          <a:fontRef idx="minor">
+            <a:schemeClr val="lt1"/>
+          </a:fontRef>
+        </p:style>
+        <p:txBody>
+          <a:bodyPr rtlCol="0" anchor="ctr"/>
+          <a:lstStyle/>
+          <a:p>
+            <a:pPr algn="ctr"/>
+            <a:endParaRPr lang="en-US"/>
+          </a:p>
+        </p:txBody>
+      </p:sp>
+      <p:sp>
+        <p:nvSpPr>
+          <p:cNvPr id="5" name="Rectangle 4">
+            <a:extLst>
+              <a:ext uri="{FF2B5EF4-FFF2-40B4-BE49-F238E27FC236}">
+                <a16:creationId xmlns:a16="http://schemas.microsoft.com/office/drawing/2014/main" id="{5F6637F8-29CE-498F-B507-6DFFF01DFE70}"/>
+              </a:ext>
+            </a:extLst>
+          </p:cNvPr>
+          <p:cNvSpPr/>
+          <p:nvPr/>
+        </p:nvSpPr>
+        <p:spPr>
+          <a:xfrm>
+            <a:off x="2294709" y="2549012"/>
+            <a:ext cx="2831496" cy="2126653"/>
+          </a:xfrm>
+          <a:prstGeom prst="rect">
+            <a:avLst/>
+          </a:prstGeom>
+          <a:solidFill>
+            <a:srgbClr val="00B050">
+              <a:alpha val="30000"/>
+            </a:srgbClr>
+          </a:solidFill>
+          <a:ln w="38100">
+            <a:solidFill>
+              <a:srgbClr val="00B050"/>
+            </a:solidFill>
+            <a:prstDash val="dash"/>
+          </a:ln>
+        </p:spPr>
+        <p:style>
+          <a:lnRef idx="2">
+            <a:schemeClr val="accent1">
+              <a:shade val="50000"/>
+            </a:schemeClr>
+          </a:lnRef>
+          <a:fillRef idx="1">
+            <a:schemeClr val="accent1"/>
+          </a:fillRef>
+          <a:effectRef idx="0">
+            <a:schemeClr val="accent1"/>
+          </a:effectRef>
+          <a:fontRef idx="minor">
+            <a:schemeClr val="lt1"/>
+          </a:fontRef>
+        </p:style>
+        <p:txBody>
+          <a:bodyPr rtlCol="0" anchor="ctr"/>
+          <a:lstStyle/>
+          <a:p>
+            <a:pPr algn="ctr"/>
+            <a:endParaRPr lang="en-US"/>
+          </a:p>
+        </p:txBody>
+      </p:sp>
+      <p:pic>
+        <p:nvPicPr>
+          <p:cNvPr id="1026" name="Picture 2" descr="https://scontent-lht6-1.xx.fbcdn.net/v/t1.15752-9/62254985_672072296568518_4989488770760835072_n.jpg?_nc_cat=103&amp;_nc_ht=scontent-lht6-1.xx&amp;oh=eb6cb0845e5f60f9314198718dd31721&amp;oe=5D7E4666">
+            <a:extLst>
+              <a:ext uri="{FF2B5EF4-FFF2-40B4-BE49-F238E27FC236}">
+                <a16:creationId xmlns:a16="http://schemas.microsoft.com/office/drawing/2014/main" id="{450098F7-3869-4CBC-A891-8205F2B80BB1}"/>
+              </a:ext>
+            </a:extLst>
+          </p:cNvPr>
+          <p:cNvPicPr>
+            <a:picLocks noChangeAspect="1" noChangeArrowheads="1"/>
+          </p:cNvPicPr>
+          <p:nvPr/>
+        </p:nvPicPr>
+        <p:blipFill>
+          <a:blip r:embed="rId2">
+            <a:extLst>
+              <a:ext uri="{28A0092B-C50C-407E-A947-70E740481C1C}">
+                <a14:useLocalDpi xmlns:a14="http://schemas.microsoft.com/office/drawing/2010/main" val="0"/>
+              </a:ext>
+            </a:extLst>
+          </a:blip>
+          <a:srcRect/>
+          <a:stretch>
+            <a:fillRect/>
+          </a:stretch>
+        </p:blipFill>
+        <p:spPr bwMode="auto">
+          <a:xfrm>
+            <a:off x="307159" y="2774505"/>
+            <a:ext cx="2286000" cy="1714500"/>
+          </a:xfrm>
+          <a:prstGeom prst="rect">
+            <a:avLst/>
+          </a:prstGeom>
+          <a:noFill/>
+          <a:extLst>
+            <a:ext uri="{909E8E84-426E-40DD-AFC4-6F175D3DCCD1}">
+              <a14:hiddenFill xmlns:a14="http://schemas.microsoft.com/office/drawing/2010/main">
+                <a:solidFill>
+                  <a:srgbClr val="FFFFFF"/>
+                </a:solidFill>
+              </a14:hiddenFill>
+            </a:ext>
+          </a:extLst>
+        </p:spPr>
+      </p:pic>
+      <p:sp>
+        <p:nvSpPr>
+          <p:cNvPr id="4" name="Rectangle 3">
+            <a:extLst>
+              <a:ext uri="{FF2B5EF4-FFF2-40B4-BE49-F238E27FC236}">
+                <a16:creationId xmlns:a16="http://schemas.microsoft.com/office/drawing/2014/main" id="{1FF37D4B-4BC7-494F-A083-9975929D61DA}"/>
+              </a:ext>
+            </a:extLst>
+          </p:cNvPr>
+          <p:cNvSpPr/>
+          <p:nvPr/>
+        </p:nvSpPr>
+        <p:spPr>
+          <a:xfrm>
+            <a:off x="2940278" y="3202838"/>
+            <a:ext cx="1523164" cy="857445"/>
+          </a:xfrm>
+          <a:prstGeom prst="rect">
+            <a:avLst/>
+          </a:prstGeom>
+          <a:solidFill>
+            <a:srgbClr val="00B050">
+              <a:alpha val="30000"/>
+            </a:srgbClr>
+          </a:solidFill>
+          <a:ln>
+            <a:solidFill>
+              <a:srgbClr val="00B050"/>
+            </a:solidFill>
+          </a:ln>
+        </p:spPr>
+        <p:style>
+          <a:lnRef idx="2">
+            <a:schemeClr val="accent1">
+              <a:shade val="50000"/>
+            </a:schemeClr>
+          </a:lnRef>
+          <a:fillRef idx="1">
+            <a:schemeClr val="accent1"/>
+          </a:fillRef>
+          <a:effectRef idx="0">
+            <a:schemeClr val="accent1"/>
+          </a:effectRef>
+          <a:fontRef idx="minor">
+            <a:schemeClr val="lt1"/>
+          </a:fontRef>
+        </p:style>
+        <p:txBody>
+          <a:bodyPr rtlCol="0" anchor="ctr"/>
+          <a:lstStyle/>
+          <a:p>
+            <a:pPr algn="ctr"/>
+            <a:r>
+              <a:rPr lang="en-US" sz="2400" dirty="0">
+                <a:solidFill>
+                  <a:schemeClr val="tx1"/>
+                </a:solidFill>
+              </a:rPr>
+              <a:t>YOLO</a:t>
+            </a:r>
+            <a:endParaRPr lang="en-US" sz="1600" dirty="0">
+              <a:solidFill>
+                <a:schemeClr val="tx1"/>
+              </a:solidFill>
+            </a:endParaRPr>
+          </a:p>
+        </p:txBody>
+      </p:sp>
+      <p:sp>
+        <p:nvSpPr>
+          <p:cNvPr id="20" name="Rectangle 19">
+            <a:extLst>
+              <a:ext uri="{FF2B5EF4-FFF2-40B4-BE49-F238E27FC236}">
+                <a16:creationId xmlns:a16="http://schemas.microsoft.com/office/drawing/2014/main" id="{239A2DE9-00BC-4511-B1CD-26435FA7DD0B}"/>
+              </a:ext>
+            </a:extLst>
+          </p:cNvPr>
+          <p:cNvSpPr/>
+          <p:nvPr/>
+        </p:nvSpPr>
+        <p:spPr>
+          <a:xfrm>
+            <a:off x="6761359" y="2540154"/>
+            <a:ext cx="3058143" cy="2135511"/>
+          </a:xfrm>
+          <a:prstGeom prst="rect">
+            <a:avLst/>
+          </a:prstGeom>
+          <a:solidFill>
+            <a:srgbClr val="00B050">
+              <a:alpha val="30000"/>
+            </a:srgbClr>
+          </a:solidFill>
+          <a:ln w="38100">
+            <a:solidFill>
+              <a:srgbClr val="00B050"/>
+            </a:solidFill>
+            <a:prstDash val="dash"/>
+          </a:ln>
+        </p:spPr>
+        <p:style>
+          <a:lnRef idx="2">
+            <a:schemeClr val="accent1">
+              <a:shade val="50000"/>
+            </a:schemeClr>
+          </a:lnRef>
+          <a:fillRef idx="1">
+            <a:schemeClr val="accent1"/>
+          </a:fillRef>
+          <a:effectRef idx="0">
+            <a:schemeClr val="accent1"/>
+          </a:effectRef>
+          <a:fontRef idx="minor">
+            <a:schemeClr val="lt1"/>
+          </a:fontRef>
+        </p:style>
+        <p:txBody>
+          <a:bodyPr rtlCol="0" anchor="ctr"/>
+          <a:lstStyle/>
+          <a:p>
+            <a:pPr algn="ctr"/>
+            <a:endParaRPr lang="en-US"/>
+          </a:p>
+        </p:txBody>
+      </p:sp>
+      <p:grpSp>
+        <p:nvGrpSpPr>
+          <p:cNvPr id="9" name="Group 8">
+            <a:extLst>
+              <a:ext uri="{FF2B5EF4-FFF2-40B4-BE49-F238E27FC236}">
+                <a16:creationId xmlns:a16="http://schemas.microsoft.com/office/drawing/2014/main" id="{037A93A3-9E9A-48D5-9517-2774A978C8B0}"/>
+              </a:ext>
+            </a:extLst>
+          </p:cNvPr>
+          <p:cNvGrpSpPr/>
+          <p:nvPr/>
+        </p:nvGrpSpPr>
+        <p:grpSpPr>
+          <a:xfrm>
+            <a:off x="4810562" y="2774506"/>
+            <a:ext cx="2286000" cy="1714500"/>
+            <a:chOff x="3810000" y="-857250"/>
+            <a:chExt cx="2286000" cy="1714500"/>
+          </a:xfrm>
+        </p:grpSpPr>
+        <p:pic>
+          <p:nvPicPr>
+            <p:cNvPr id="6" name="Picture 2" descr="https://scontent-lht6-1.xx.fbcdn.net/v/t1.15752-9/62254985_672072296568518_4989488770760835072_n.jpg?_nc_cat=103&amp;_nc_ht=scontent-lht6-1.xx&amp;oh=eb6cb0845e5f60f9314198718dd31721&amp;oe=5D7E4666">
+              <a:extLst>
+                <a:ext uri="{FF2B5EF4-FFF2-40B4-BE49-F238E27FC236}">
+                  <a16:creationId xmlns:a16="http://schemas.microsoft.com/office/drawing/2014/main" id="{C979624E-0833-4850-BC49-0884821AD4C8}"/>
+                </a:ext>
+              </a:extLst>
+            </p:cNvPr>
+            <p:cNvPicPr>
+              <a:picLocks noChangeAspect="1" noChangeArrowheads="1"/>
+            </p:cNvPicPr>
+            <p:nvPr/>
+          </p:nvPicPr>
+          <p:blipFill>
+            <a:blip r:embed="rId2">
+              <a:extLst>
+                <a:ext uri="{28A0092B-C50C-407E-A947-70E740481C1C}">
+                  <a14:useLocalDpi xmlns:a14="http://schemas.microsoft.com/office/drawing/2010/main" val="0"/>
+                </a:ext>
+              </a:extLst>
+            </a:blip>
+            <a:srcRect/>
+            <a:stretch>
+              <a:fillRect/>
+            </a:stretch>
+          </p:blipFill>
+          <p:spPr bwMode="auto">
+            <a:xfrm>
+              <a:off x="3810000" y="-857250"/>
+              <a:ext cx="2286000" cy="1714500"/>
+            </a:xfrm>
+            <a:prstGeom prst="rect">
+              <a:avLst/>
+            </a:prstGeom>
+            <a:noFill/>
+            <a:extLst>
+              <a:ext uri="{909E8E84-426E-40DD-AFC4-6F175D3DCCD1}">
+                <a14:hiddenFill xmlns:a14="http://schemas.microsoft.com/office/drawing/2010/main">
+                  <a:solidFill>
+                    <a:srgbClr val="FFFFFF"/>
+                  </a:solidFill>
+                </a14:hiddenFill>
+              </a:ext>
+            </a:extLst>
+          </p:spPr>
+        </p:pic>
+        <p:sp>
+          <p:nvSpPr>
+            <p:cNvPr id="7" name="Rectangle 6">
+              <a:extLst>
+                <a:ext uri="{FF2B5EF4-FFF2-40B4-BE49-F238E27FC236}">
+                  <a16:creationId xmlns:a16="http://schemas.microsoft.com/office/drawing/2014/main" id="{0B2DFDD2-7755-4957-AD69-9DEFD92292E7}"/>
+                </a:ext>
+              </a:extLst>
+            </p:cNvPr>
+            <p:cNvSpPr/>
+            <p:nvPr/>
+          </p:nvSpPr>
+          <p:spPr>
+            <a:xfrm>
+              <a:off x="5182626" y="-518320"/>
+              <a:ext cx="771816" cy="1202948"/>
+            </a:xfrm>
+            <a:prstGeom prst="rect">
+              <a:avLst/>
+            </a:prstGeom>
+            <a:noFill/>
+            <a:ln w="38100">
+              <a:solidFill>
+                <a:srgbClr val="FF0000"/>
+              </a:solidFill>
+              <a:prstDash val="solid"/>
+            </a:ln>
+          </p:spPr>
+          <p:style>
+            <a:lnRef idx="2">
+              <a:schemeClr val="accent1">
+                <a:shade val="50000"/>
+              </a:schemeClr>
+            </a:lnRef>
+            <a:fillRef idx="1">
+              <a:schemeClr val="accent1"/>
+            </a:fillRef>
+            <a:effectRef idx="0">
+              <a:schemeClr val="accent1"/>
+            </a:effectRef>
+            <a:fontRef idx="minor">
+              <a:schemeClr val="lt1"/>
+            </a:fontRef>
+          </p:style>
+          <p:txBody>
+            <a:bodyPr rtlCol="0" anchor="ctr"/>
+            <a:lstStyle/>
+            <a:p>
+              <a:pPr algn="ctr"/>
+              <a:endParaRPr lang="en-US"/>
+            </a:p>
+          </p:txBody>
+        </p:sp>
+      </p:grpSp>
+      <p:sp>
+        <p:nvSpPr>
+          <p:cNvPr id="18" name="Rectangle 17">
+            <a:extLst>
+              <a:ext uri="{FF2B5EF4-FFF2-40B4-BE49-F238E27FC236}">
+                <a16:creationId xmlns:a16="http://schemas.microsoft.com/office/drawing/2014/main" id="{E4C0DF99-2E8E-437C-85D6-1F5291200D43}"/>
+              </a:ext>
+            </a:extLst>
+          </p:cNvPr>
+          <p:cNvSpPr/>
+          <p:nvPr/>
+        </p:nvSpPr>
+        <p:spPr>
+          <a:xfrm>
+            <a:off x="7605418" y="2694042"/>
+            <a:ext cx="1523164" cy="857445"/>
+          </a:xfrm>
+          <a:prstGeom prst="rect">
+            <a:avLst/>
+          </a:prstGeom>
+          <a:solidFill>
+            <a:srgbClr val="00B050">
+              <a:alpha val="30000"/>
+            </a:srgbClr>
+          </a:solidFill>
+          <a:ln>
+            <a:solidFill>
+              <a:srgbClr val="00B050"/>
+            </a:solidFill>
+          </a:ln>
+        </p:spPr>
+        <p:style>
+          <a:lnRef idx="2">
+            <a:schemeClr val="accent1">
+              <a:shade val="50000"/>
+            </a:schemeClr>
+          </a:lnRef>
+          <a:fillRef idx="1">
+            <a:schemeClr val="accent1"/>
+          </a:fillRef>
+          <a:effectRef idx="0">
+            <a:schemeClr val="accent1"/>
+          </a:effectRef>
+          <a:fontRef idx="minor">
+            <a:schemeClr val="lt1"/>
+          </a:fontRef>
+        </p:style>
+        <p:txBody>
+          <a:bodyPr rtlCol="0" anchor="ctr"/>
+          <a:lstStyle/>
+          <a:p>
+            <a:pPr algn="ctr"/>
+            <a:r>
+              <a:rPr lang="en-US" sz="2400" dirty="0" err="1">
+                <a:solidFill>
+                  <a:schemeClr val="tx1"/>
+                </a:solidFill>
+              </a:rPr>
+              <a:t>DeepSort</a:t>
+            </a:r>
+            <a:endParaRPr lang="en-US" sz="2400" dirty="0">
+              <a:solidFill>
+                <a:schemeClr val="tx1"/>
+              </a:solidFill>
+            </a:endParaRPr>
+          </a:p>
+          <a:p>
+            <a:pPr algn="ctr"/>
+            <a:r>
+              <a:rPr lang="en-US" sz="2400" dirty="0">
+                <a:solidFill>
+                  <a:schemeClr val="tx1"/>
+                </a:solidFill>
+              </a:rPr>
+              <a:t>Tracker</a:t>
+            </a:r>
+            <a:endParaRPr lang="en-US" sz="1600" dirty="0">
+              <a:solidFill>
+                <a:schemeClr val="tx1"/>
+              </a:solidFill>
+            </a:endParaRPr>
+          </a:p>
+        </p:txBody>
+      </p:sp>
+      <p:sp>
+        <p:nvSpPr>
+          <p:cNvPr id="19" name="Rectangle 18">
+            <a:extLst>
+              <a:ext uri="{FF2B5EF4-FFF2-40B4-BE49-F238E27FC236}">
+                <a16:creationId xmlns:a16="http://schemas.microsoft.com/office/drawing/2014/main" id="{79501F8B-4259-4E9D-8B77-20B713986C01}"/>
+              </a:ext>
+            </a:extLst>
+          </p:cNvPr>
+          <p:cNvSpPr/>
+          <p:nvPr/>
+        </p:nvSpPr>
+        <p:spPr>
+          <a:xfrm>
+            <a:off x="7601754" y="3670802"/>
+            <a:ext cx="1523164" cy="857445"/>
+          </a:xfrm>
+          <a:prstGeom prst="rect">
+            <a:avLst/>
+          </a:prstGeom>
+          <a:solidFill>
+            <a:srgbClr val="00B050">
+              <a:alpha val="30000"/>
+            </a:srgbClr>
+          </a:solidFill>
+          <a:ln>
+            <a:solidFill>
+              <a:srgbClr val="00B050"/>
+            </a:solidFill>
+          </a:ln>
+        </p:spPr>
+        <p:style>
+          <a:lnRef idx="2">
+            <a:schemeClr val="accent1">
+              <a:shade val="50000"/>
+            </a:schemeClr>
+          </a:lnRef>
+          <a:fillRef idx="1">
+            <a:schemeClr val="accent1"/>
+          </a:fillRef>
+          <a:effectRef idx="0">
+            <a:schemeClr val="accent1"/>
+          </a:effectRef>
+          <a:fontRef idx="minor">
+            <a:schemeClr val="lt1"/>
+          </a:fontRef>
+        </p:style>
+        <p:txBody>
+          <a:bodyPr rtlCol="0" anchor="ctr"/>
+          <a:lstStyle/>
+          <a:p>
+            <a:pPr algn="ctr"/>
+            <a:r>
+              <a:rPr lang="en-US" sz="2400" dirty="0" err="1">
+                <a:solidFill>
+                  <a:schemeClr val="tx1"/>
+                </a:solidFill>
+              </a:rPr>
+              <a:t>OpenPose</a:t>
+            </a:r>
+            <a:endParaRPr lang="en-US" sz="1600" dirty="0">
+              <a:solidFill>
+                <a:schemeClr val="tx1"/>
+              </a:solidFill>
+            </a:endParaRPr>
+          </a:p>
+        </p:txBody>
+      </p:sp>
+      <p:grpSp>
+        <p:nvGrpSpPr>
+          <p:cNvPr id="16" name="Group 15">
+            <a:extLst>
+              <a:ext uri="{FF2B5EF4-FFF2-40B4-BE49-F238E27FC236}">
+                <a16:creationId xmlns:a16="http://schemas.microsoft.com/office/drawing/2014/main" id="{A87F9312-67A1-4259-BEC1-BF3EE7FD6528}"/>
+              </a:ext>
+            </a:extLst>
+          </p:cNvPr>
+          <p:cNvGrpSpPr/>
+          <p:nvPr/>
+        </p:nvGrpSpPr>
+        <p:grpSpPr>
+          <a:xfrm>
+            <a:off x="9630110" y="4254654"/>
+            <a:ext cx="2286000" cy="1714500"/>
+            <a:chOff x="5903805" y="4776761"/>
+            <a:chExt cx="2286000" cy="1714500"/>
+          </a:xfrm>
+        </p:grpSpPr>
+        <p:pic>
+          <p:nvPicPr>
+            <p:cNvPr id="14" name="Picture 2" descr="https://scontent-lht6-1.xx.fbcdn.net/v/t1.15752-9/62254985_672072296568518_4989488770760835072_n.jpg?_nc_cat=103&amp;_nc_ht=scontent-lht6-1.xx&amp;oh=eb6cb0845e5f60f9314198718dd31721&amp;oe=5D7E4666">
+              <a:extLst>
+                <a:ext uri="{FF2B5EF4-FFF2-40B4-BE49-F238E27FC236}">
+                  <a16:creationId xmlns:a16="http://schemas.microsoft.com/office/drawing/2014/main" id="{1DA906D9-80C0-4D35-A3B1-2E3CA315429D}"/>
+                </a:ext>
+              </a:extLst>
+            </p:cNvPr>
+            <p:cNvPicPr>
+              <a:picLocks noChangeAspect="1" noChangeArrowheads="1"/>
+            </p:cNvPicPr>
+            <p:nvPr/>
+          </p:nvPicPr>
+          <p:blipFill>
+            <a:blip r:embed="rId2">
+              <a:extLst>
+                <a:ext uri="{28A0092B-C50C-407E-A947-70E740481C1C}">
+                  <a14:useLocalDpi xmlns:a14="http://schemas.microsoft.com/office/drawing/2010/main" val="0"/>
+                </a:ext>
+              </a:extLst>
+            </a:blip>
+            <a:srcRect/>
+            <a:stretch>
+              <a:fillRect/>
+            </a:stretch>
+          </p:blipFill>
+          <p:spPr bwMode="auto">
+            <a:xfrm>
+              <a:off x="5903805" y="4776761"/>
+              <a:ext cx="2286000" cy="1714500"/>
+            </a:xfrm>
+            <a:prstGeom prst="rect">
+              <a:avLst/>
+            </a:prstGeom>
+            <a:noFill/>
+            <a:extLst>
+              <a:ext uri="{909E8E84-426E-40DD-AFC4-6F175D3DCCD1}">
+                <a14:hiddenFill xmlns:a14="http://schemas.microsoft.com/office/drawing/2010/main">
+                  <a:solidFill>
+                    <a:srgbClr val="FFFFFF"/>
+                  </a:solidFill>
+                </a14:hiddenFill>
+              </a:ext>
+            </a:extLst>
+          </p:spPr>
+        </p:pic>
+        <p:sp>
+          <p:nvSpPr>
+            <p:cNvPr id="15" name="Oval 14">
+              <a:extLst>
+                <a:ext uri="{FF2B5EF4-FFF2-40B4-BE49-F238E27FC236}">
+                  <a16:creationId xmlns:a16="http://schemas.microsoft.com/office/drawing/2014/main" id="{ECBF53B9-B0D1-4C9A-9714-3F29460D802B}"/>
+                </a:ext>
+              </a:extLst>
+            </p:cNvPr>
+            <p:cNvSpPr/>
+            <p:nvPr/>
+          </p:nvSpPr>
+          <p:spPr>
+            <a:xfrm>
+              <a:off x="7573730" y="5461675"/>
+              <a:ext cx="225083" cy="211016"/>
+            </a:xfrm>
+            <a:prstGeom prst="ellipse">
+              <a:avLst/>
+            </a:prstGeom>
+            <a:solidFill>
+              <a:srgbClr val="92D050"/>
+            </a:solidFill>
+            <a:ln>
+              <a:solidFill>
+                <a:srgbClr val="92D050"/>
+              </a:solidFill>
+            </a:ln>
+          </p:spPr>
+          <p:style>
+            <a:lnRef idx="2">
+              <a:schemeClr val="accent1">
+                <a:shade val="50000"/>
+              </a:schemeClr>
+            </a:lnRef>
+            <a:fillRef idx="1">
+              <a:schemeClr val="accent1"/>
+            </a:fillRef>
+            <a:effectRef idx="0">
+              <a:schemeClr val="accent1"/>
+            </a:effectRef>
+            <a:fontRef idx="minor">
+              <a:schemeClr val="lt1"/>
+            </a:fontRef>
+          </p:style>
+          <p:txBody>
+            <a:bodyPr rtlCol="0" anchor="ctr"/>
+            <a:lstStyle/>
+            <a:p>
+              <a:pPr algn="ctr"/>
+              <a:endParaRPr lang="en-US">
+                <a:solidFill>
+                  <a:srgbClr val="92D050"/>
+                </a:solidFill>
+              </a:endParaRPr>
+            </a:p>
+          </p:txBody>
+        </p:sp>
+      </p:grpSp>
+      <p:grpSp>
+        <p:nvGrpSpPr>
+          <p:cNvPr id="13" name="Group 12">
+            <a:extLst>
+              <a:ext uri="{FF2B5EF4-FFF2-40B4-BE49-F238E27FC236}">
+                <a16:creationId xmlns:a16="http://schemas.microsoft.com/office/drawing/2014/main" id="{8B7916F0-AF1C-4F07-B636-F348546771D3}"/>
+              </a:ext>
+            </a:extLst>
+          </p:cNvPr>
+          <p:cNvGrpSpPr/>
+          <p:nvPr/>
+        </p:nvGrpSpPr>
+        <p:grpSpPr>
+          <a:xfrm>
+            <a:off x="9630110" y="1482849"/>
+            <a:ext cx="2286000" cy="1714500"/>
+            <a:chOff x="2982642" y="4815441"/>
+            <a:chExt cx="2286000" cy="1714500"/>
+          </a:xfrm>
+        </p:grpSpPr>
+        <p:pic>
+          <p:nvPicPr>
+            <p:cNvPr id="10" name="Picture 2" descr="https://scontent-lht6-1.xx.fbcdn.net/v/t1.15752-9/62254985_672072296568518_4989488770760835072_n.jpg?_nc_cat=103&amp;_nc_ht=scontent-lht6-1.xx&amp;oh=eb6cb0845e5f60f9314198718dd31721&amp;oe=5D7E4666">
+              <a:extLst>
+                <a:ext uri="{FF2B5EF4-FFF2-40B4-BE49-F238E27FC236}">
+                  <a16:creationId xmlns:a16="http://schemas.microsoft.com/office/drawing/2014/main" id="{C6DCDFF4-FC84-4D3A-8043-D73650FF4CB2}"/>
+                </a:ext>
+              </a:extLst>
+            </p:cNvPr>
+            <p:cNvPicPr>
+              <a:picLocks noChangeAspect="1" noChangeArrowheads="1"/>
+            </p:cNvPicPr>
+            <p:nvPr/>
+          </p:nvPicPr>
+          <p:blipFill>
+            <a:blip r:embed="rId2">
+              <a:extLst>
+                <a:ext uri="{28A0092B-C50C-407E-A947-70E740481C1C}">
+                  <a14:useLocalDpi xmlns:a14="http://schemas.microsoft.com/office/drawing/2010/main" val="0"/>
+                </a:ext>
+              </a:extLst>
+            </a:blip>
+            <a:srcRect/>
+            <a:stretch>
+              <a:fillRect/>
+            </a:stretch>
+          </p:blipFill>
+          <p:spPr bwMode="auto">
+            <a:xfrm>
+              <a:off x="2982642" y="4815441"/>
+              <a:ext cx="2286000" cy="1714500"/>
+            </a:xfrm>
+            <a:prstGeom prst="rect">
+              <a:avLst/>
+            </a:prstGeom>
+            <a:noFill/>
+            <a:extLst>
+              <a:ext uri="{909E8E84-426E-40DD-AFC4-6F175D3DCCD1}">
+                <a14:hiddenFill xmlns:a14="http://schemas.microsoft.com/office/drawing/2010/main">
+                  <a:solidFill>
+                    <a:srgbClr val="FFFFFF"/>
+                  </a:solidFill>
+                </a14:hiddenFill>
+              </a:ext>
+            </a:extLst>
+          </p:spPr>
+        </p:pic>
+        <p:sp>
+          <p:nvSpPr>
+            <p:cNvPr id="11" name="Rectangle 10">
+              <a:extLst>
+                <a:ext uri="{FF2B5EF4-FFF2-40B4-BE49-F238E27FC236}">
+                  <a16:creationId xmlns:a16="http://schemas.microsoft.com/office/drawing/2014/main" id="{0B712C87-0748-4636-850F-8654FD59006C}"/>
+                </a:ext>
+              </a:extLst>
+            </p:cNvPr>
+            <p:cNvSpPr/>
+            <p:nvPr/>
+          </p:nvSpPr>
+          <p:spPr>
+            <a:xfrm>
+              <a:off x="4410810" y="5071217"/>
+              <a:ext cx="771816" cy="1202948"/>
+            </a:xfrm>
+            <a:prstGeom prst="rect">
+              <a:avLst/>
+            </a:prstGeom>
+            <a:noFill/>
+            <a:ln w="38100">
+              <a:solidFill>
+                <a:srgbClr val="0070C0"/>
+              </a:solidFill>
+              <a:prstDash val="solid"/>
+            </a:ln>
+            <a:scene3d>
+              <a:camera prst="perspectiveLeft"/>
+              <a:lightRig rig="threePt" dir="t"/>
+            </a:scene3d>
+          </p:spPr>
+          <p:style>
+            <a:lnRef idx="2">
+              <a:schemeClr val="accent1">
+                <a:shade val="50000"/>
+              </a:schemeClr>
+            </a:lnRef>
+            <a:fillRef idx="1">
+              <a:schemeClr val="accent1"/>
+            </a:fillRef>
+            <a:effectRef idx="0">
+              <a:schemeClr val="accent1"/>
+            </a:effectRef>
+            <a:fontRef idx="minor">
+              <a:schemeClr val="lt1"/>
+            </a:fontRef>
+          </p:style>
+          <p:txBody>
+            <a:bodyPr rtlCol="0" anchor="ctr"/>
+            <a:lstStyle/>
+            <a:p>
+              <a:pPr algn="ctr"/>
+              <a:endParaRPr lang="en-US"/>
+            </a:p>
+          </p:txBody>
+        </p:sp>
+        <p:sp>
+          <p:nvSpPr>
+            <p:cNvPr id="12" name="TextBox 11">
+              <a:extLst>
+                <a:ext uri="{FF2B5EF4-FFF2-40B4-BE49-F238E27FC236}">
+                  <a16:creationId xmlns:a16="http://schemas.microsoft.com/office/drawing/2014/main" id="{7835B123-4D76-4E0B-855B-637E794CB91F}"/>
+                </a:ext>
+              </a:extLst>
+            </p:cNvPr>
+            <p:cNvSpPr txBox="1"/>
+            <p:nvPr/>
+          </p:nvSpPr>
+          <p:spPr>
+            <a:xfrm>
+              <a:off x="4173951" y="4886551"/>
+              <a:ext cx="301686" cy="369332"/>
+            </a:xfrm>
+            <a:prstGeom prst="rect">
+              <a:avLst/>
+            </a:prstGeom>
+            <a:noFill/>
+          </p:spPr>
+          <p:txBody>
+            <a:bodyPr wrap="none" rtlCol="0">
+              <a:spAutoFit/>
+            </a:bodyPr>
+            <a:lstStyle/>
+            <a:p>
+              <a:r>
+                <a:rPr lang="en-US" b="1" dirty="0">
+                  <a:solidFill>
+                    <a:srgbClr val="00B0F0"/>
+                  </a:solidFill>
+                </a:rPr>
+                <a:t>1</a:t>
+              </a:r>
+            </a:p>
+          </p:txBody>
+        </p:sp>
+      </p:grpSp>
+      <p:cxnSp>
+        <p:nvCxnSpPr>
+          <p:cNvPr id="21" name="Straight Arrow Connector 20">
+            <a:extLst>
+              <a:ext uri="{FF2B5EF4-FFF2-40B4-BE49-F238E27FC236}">
+                <a16:creationId xmlns:a16="http://schemas.microsoft.com/office/drawing/2014/main" id="{73D10678-F98D-4F8A-878D-76F49A80871E}"/>
+              </a:ext>
+            </a:extLst>
+          </p:cNvPr>
+          <p:cNvCxnSpPr>
+            <a:cxnSpLocks/>
+            <a:stCxn id="1026" idx="3"/>
+            <a:endCxn id="4" idx="1"/>
+          </p:cNvCxnSpPr>
+          <p:nvPr/>
+        </p:nvCxnSpPr>
+        <p:spPr>
+          <a:xfrm flipV="1">
+            <a:off x="2593159" y="3631561"/>
+            <a:ext cx="347119" cy="194"/>
+          </a:xfrm>
+          <a:prstGeom prst="straightConnector1">
+            <a:avLst/>
+          </a:prstGeom>
+          <a:ln w="38100">
+            <a:solidFill>
+              <a:schemeClr val="accent6">
+                <a:lumMod val="50000"/>
+              </a:schemeClr>
+            </a:solidFill>
+            <a:tailEnd type="triangle"/>
+          </a:ln>
+        </p:spPr>
+        <p:style>
+          <a:lnRef idx="1">
+            <a:schemeClr val="accent1"/>
+          </a:lnRef>
+          <a:fillRef idx="0">
+            <a:schemeClr val="accent1"/>
+          </a:fillRef>
+          <a:effectRef idx="0">
+            <a:schemeClr val="accent1"/>
+          </a:effectRef>
+          <a:fontRef idx="minor">
+            <a:schemeClr val="tx1"/>
+          </a:fontRef>
+        </p:style>
+      </p:cxnSp>
+      <p:cxnSp>
+        <p:nvCxnSpPr>
+          <p:cNvPr id="28" name="Straight Arrow Connector 27">
+            <a:extLst>
+              <a:ext uri="{FF2B5EF4-FFF2-40B4-BE49-F238E27FC236}">
+                <a16:creationId xmlns:a16="http://schemas.microsoft.com/office/drawing/2014/main" id="{15E648F3-486F-4249-8738-494A79D570A8}"/>
+              </a:ext>
+            </a:extLst>
+          </p:cNvPr>
+          <p:cNvCxnSpPr>
+            <a:cxnSpLocks/>
+            <a:stCxn id="4" idx="3"/>
+            <a:endCxn id="6" idx="1"/>
+          </p:cNvCxnSpPr>
+          <p:nvPr/>
+        </p:nvCxnSpPr>
+        <p:spPr>
+          <a:xfrm>
+            <a:off x="4463442" y="3631561"/>
+            <a:ext cx="347120" cy="195"/>
+          </a:xfrm>
+          <a:prstGeom prst="straightConnector1">
+            <a:avLst/>
+          </a:prstGeom>
+          <a:ln w="38100">
+            <a:solidFill>
+              <a:schemeClr val="accent6">
+                <a:lumMod val="50000"/>
+              </a:schemeClr>
+            </a:solidFill>
+            <a:tailEnd type="triangle"/>
+          </a:ln>
+        </p:spPr>
+        <p:style>
+          <a:lnRef idx="1">
+            <a:schemeClr val="accent1"/>
+          </a:lnRef>
+          <a:fillRef idx="0">
+            <a:schemeClr val="accent1"/>
+          </a:fillRef>
+          <a:effectRef idx="0">
+            <a:schemeClr val="accent1"/>
+          </a:effectRef>
+          <a:fontRef idx="minor">
+            <a:schemeClr val="tx1"/>
+          </a:fontRef>
+        </p:style>
+      </p:cxnSp>
+      <p:cxnSp>
+        <p:nvCxnSpPr>
+          <p:cNvPr id="33" name="Connector: Elbow 32">
+            <a:extLst>
+              <a:ext uri="{FF2B5EF4-FFF2-40B4-BE49-F238E27FC236}">
+                <a16:creationId xmlns:a16="http://schemas.microsoft.com/office/drawing/2014/main" id="{BDE2FB7E-A037-45AF-B29F-C329A0AC7C43}"/>
+              </a:ext>
+            </a:extLst>
+          </p:cNvPr>
+          <p:cNvCxnSpPr>
+            <a:cxnSpLocks/>
+            <a:stCxn id="6" idx="3"/>
+            <a:endCxn id="19" idx="1"/>
+          </p:cNvCxnSpPr>
+          <p:nvPr/>
+        </p:nvCxnSpPr>
+        <p:spPr>
+          <a:xfrm>
+            <a:off x="7096562" y="3631756"/>
+            <a:ext cx="505192" cy="467769"/>
+          </a:xfrm>
+          <a:prstGeom prst="bentConnector3">
+            <a:avLst>
+              <a:gd name="adj1" fmla="val 50000"/>
+            </a:avLst>
+          </a:prstGeom>
+          <a:ln w="38100">
+            <a:solidFill>
+              <a:schemeClr val="accent6">
+                <a:lumMod val="50000"/>
+              </a:schemeClr>
+            </a:solidFill>
+            <a:tailEnd type="triangle"/>
+          </a:ln>
+        </p:spPr>
+        <p:style>
+          <a:lnRef idx="1">
+            <a:schemeClr val="accent1"/>
+          </a:lnRef>
+          <a:fillRef idx="0">
+            <a:schemeClr val="accent1"/>
+          </a:fillRef>
+          <a:effectRef idx="0">
+            <a:schemeClr val="accent1"/>
+          </a:effectRef>
+          <a:fontRef idx="minor">
+            <a:schemeClr val="tx1"/>
+          </a:fontRef>
+        </p:style>
+      </p:cxnSp>
+      <p:cxnSp>
+        <p:nvCxnSpPr>
+          <p:cNvPr id="38" name="Connector: Elbow 37">
+            <a:extLst>
+              <a:ext uri="{FF2B5EF4-FFF2-40B4-BE49-F238E27FC236}">
+                <a16:creationId xmlns:a16="http://schemas.microsoft.com/office/drawing/2014/main" id="{64DBD1D4-2646-4E16-84F3-3DA9B9DCF74F}"/>
+              </a:ext>
+            </a:extLst>
+          </p:cNvPr>
+          <p:cNvCxnSpPr>
+            <a:cxnSpLocks/>
+            <a:stCxn id="6" idx="3"/>
+            <a:endCxn id="18" idx="1"/>
+          </p:cNvCxnSpPr>
+          <p:nvPr/>
+        </p:nvCxnSpPr>
+        <p:spPr>
+          <a:xfrm flipV="1">
+            <a:off x="7096562" y="3122765"/>
+            <a:ext cx="508856" cy="508991"/>
+          </a:xfrm>
+          <a:prstGeom prst="bentConnector3">
+            <a:avLst>
+              <a:gd name="adj1" fmla="val 50000"/>
+            </a:avLst>
+          </a:prstGeom>
+          <a:ln w="38100">
+            <a:solidFill>
+              <a:schemeClr val="accent6">
+                <a:lumMod val="50000"/>
+              </a:schemeClr>
+            </a:solidFill>
+            <a:tailEnd type="triangle"/>
+          </a:ln>
+        </p:spPr>
+        <p:style>
+          <a:lnRef idx="1">
+            <a:schemeClr val="accent1"/>
+          </a:lnRef>
+          <a:fillRef idx="0">
+            <a:schemeClr val="accent1"/>
+          </a:fillRef>
+          <a:effectRef idx="0">
+            <a:schemeClr val="accent1"/>
+          </a:effectRef>
+          <a:fontRef idx="minor">
+            <a:schemeClr val="tx1"/>
+          </a:fontRef>
+        </p:style>
+      </p:cxnSp>
+      <p:cxnSp>
+        <p:nvCxnSpPr>
+          <p:cNvPr id="44" name="Connector: Elbow 43">
+            <a:extLst>
+              <a:ext uri="{FF2B5EF4-FFF2-40B4-BE49-F238E27FC236}">
+                <a16:creationId xmlns:a16="http://schemas.microsoft.com/office/drawing/2014/main" id="{DDCE7156-8592-48AC-B1B4-CB788427CF61}"/>
+              </a:ext>
+            </a:extLst>
+          </p:cNvPr>
+          <p:cNvCxnSpPr>
+            <a:cxnSpLocks/>
+            <a:stCxn id="19" idx="3"/>
+            <a:endCxn id="14" idx="1"/>
+          </p:cNvCxnSpPr>
+          <p:nvPr/>
+        </p:nvCxnSpPr>
+        <p:spPr>
+          <a:xfrm>
+            <a:off x="9124918" y="4099525"/>
+            <a:ext cx="505192" cy="1012379"/>
+          </a:xfrm>
+          <a:prstGeom prst="bentConnector3">
+            <a:avLst>
+              <a:gd name="adj1" fmla="val 50000"/>
+            </a:avLst>
+          </a:prstGeom>
+          <a:ln w="38100">
+            <a:solidFill>
+              <a:schemeClr val="accent6">
+                <a:lumMod val="50000"/>
+              </a:schemeClr>
+            </a:solidFill>
+            <a:tailEnd type="triangle"/>
+          </a:ln>
+        </p:spPr>
+        <p:style>
+          <a:lnRef idx="1">
+            <a:schemeClr val="accent1"/>
+          </a:lnRef>
+          <a:fillRef idx="0">
+            <a:schemeClr val="accent1"/>
+          </a:fillRef>
+          <a:effectRef idx="0">
+            <a:schemeClr val="accent1"/>
+          </a:effectRef>
+          <a:fontRef idx="minor">
+            <a:schemeClr val="tx1"/>
+          </a:fontRef>
+        </p:style>
+      </p:cxnSp>
+      <p:cxnSp>
+        <p:nvCxnSpPr>
+          <p:cNvPr id="49" name="Connector: Elbow 48">
+            <a:extLst>
+              <a:ext uri="{FF2B5EF4-FFF2-40B4-BE49-F238E27FC236}">
+                <a16:creationId xmlns:a16="http://schemas.microsoft.com/office/drawing/2014/main" id="{A99BE77D-5486-4AED-8FD0-B8432E88710B}"/>
+              </a:ext>
+            </a:extLst>
+          </p:cNvPr>
+          <p:cNvCxnSpPr>
+            <a:cxnSpLocks/>
+            <a:stCxn id="18" idx="3"/>
+            <a:endCxn id="10" idx="1"/>
+          </p:cNvCxnSpPr>
+          <p:nvPr/>
+        </p:nvCxnSpPr>
+        <p:spPr>
+          <a:xfrm flipV="1">
+            <a:off x="9128582" y="2340099"/>
+            <a:ext cx="501528" cy="782666"/>
+          </a:xfrm>
+          <a:prstGeom prst="bentConnector3">
+            <a:avLst>
+              <a:gd name="adj1" fmla="val 50000"/>
+            </a:avLst>
+          </a:prstGeom>
+          <a:ln w="38100">
+            <a:solidFill>
+              <a:schemeClr val="accent6">
+                <a:lumMod val="50000"/>
+              </a:schemeClr>
+            </a:solidFill>
+            <a:tailEnd type="triangle"/>
+          </a:ln>
+        </p:spPr>
+        <p:style>
+          <a:lnRef idx="1">
+            <a:schemeClr val="accent1"/>
+          </a:lnRef>
+          <a:fillRef idx="0">
+            <a:schemeClr val="accent1"/>
+          </a:fillRef>
+          <a:effectRef idx="0">
+            <a:schemeClr val="accent1"/>
+          </a:effectRef>
+          <a:fontRef idx="minor">
+            <a:schemeClr val="tx1"/>
+          </a:fontRef>
+        </p:style>
+      </p:cxnSp>
+      <p:sp>
+        <p:nvSpPr>
+          <p:cNvPr id="55" name="TextBox 54">
+            <a:extLst>
+              <a:ext uri="{FF2B5EF4-FFF2-40B4-BE49-F238E27FC236}">
+                <a16:creationId xmlns:a16="http://schemas.microsoft.com/office/drawing/2014/main" id="{FAEB1AC3-CB80-4608-BF8E-F4F8DC31D13D}"/>
+              </a:ext>
+            </a:extLst>
+          </p:cNvPr>
+          <p:cNvSpPr txBox="1"/>
+          <p:nvPr/>
+        </p:nvSpPr>
+        <p:spPr>
+          <a:xfrm>
+            <a:off x="5251449" y="1124194"/>
+            <a:ext cx="1689101" cy="461665"/>
+          </a:xfrm>
+          <a:prstGeom prst="rect">
+            <a:avLst/>
+          </a:prstGeom>
+          <a:noFill/>
+        </p:spPr>
+        <p:txBody>
+          <a:bodyPr wrap="square" rtlCol="0">
+            <a:spAutoFit/>
+          </a:bodyPr>
+          <a:lstStyle/>
+          <a:p>
+            <a:pPr algn="ctr"/>
+            <a:r>
+              <a:rPr lang="en-US" sz="2400" dirty="0">
+                <a:latin typeface="+mj-lt"/>
+              </a:rPr>
+              <a:t>HDD System</a:t>
+            </a:r>
+          </a:p>
+        </p:txBody>
+      </p:sp>
+      <p:sp>
+        <p:nvSpPr>
+          <p:cNvPr id="57" name="TextBox 56">
+            <a:extLst>
+              <a:ext uri="{FF2B5EF4-FFF2-40B4-BE49-F238E27FC236}">
+                <a16:creationId xmlns:a16="http://schemas.microsoft.com/office/drawing/2014/main" id="{FC11C038-CBDF-4BD5-8986-9B5D0A51A0AF}"/>
+              </a:ext>
+            </a:extLst>
+          </p:cNvPr>
+          <p:cNvSpPr txBox="1"/>
+          <p:nvPr/>
+        </p:nvSpPr>
+        <p:spPr>
+          <a:xfrm>
+            <a:off x="519592" y="2140044"/>
+            <a:ext cx="1689101" cy="400110"/>
+          </a:xfrm>
+          <a:prstGeom prst="rect">
+            <a:avLst/>
+          </a:prstGeom>
+          <a:noFill/>
+        </p:spPr>
+        <p:txBody>
+          <a:bodyPr wrap="square" rtlCol="0">
+            <a:spAutoFit/>
+          </a:bodyPr>
+          <a:lstStyle/>
+          <a:p>
+            <a:pPr algn="ctr"/>
+            <a:r>
+              <a:rPr lang="en-US" sz="2000" b="1" dirty="0">
+                <a:latin typeface="+mj-lt"/>
+              </a:rPr>
+              <a:t>JPG Image</a:t>
+            </a:r>
+          </a:p>
+        </p:txBody>
+      </p:sp>
+      <p:sp>
+        <p:nvSpPr>
+          <p:cNvPr id="58" name="TextBox 57">
+            <a:extLst>
+              <a:ext uri="{FF2B5EF4-FFF2-40B4-BE49-F238E27FC236}">
+                <a16:creationId xmlns:a16="http://schemas.microsoft.com/office/drawing/2014/main" id="{F675E139-DFCD-4AA9-8267-3F187905AE9D}"/>
+              </a:ext>
+            </a:extLst>
+          </p:cNvPr>
+          <p:cNvSpPr txBox="1"/>
+          <p:nvPr/>
+        </p:nvSpPr>
+        <p:spPr>
+          <a:xfrm>
+            <a:off x="4776577" y="1986156"/>
+            <a:ext cx="2353970" cy="707886"/>
+          </a:xfrm>
+          <a:prstGeom prst="rect">
+            <a:avLst/>
+          </a:prstGeom>
+          <a:noFill/>
+        </p:spPr>
+        <p:txBody>
+          <a:bodyPr wrap="square" rtlCol="0">
+            <a:spAutoFit/>
+          </a:bodyPr>
+          <a:lstStyle/>
+          <a:p>
+            <a:pPr algn="ctr"/>
+            <a:r>
+              <a:rPr lang="en-US" sz="2000" b="1" dirty="0">
+                <a:latin typeface="+mj-lt"/>
+              </a:rPr>
+              <a:t>Bounding Box Detections</a:t>
+            </a:r>
+          </a:p>
+        </p:txBody>
+      </p:sp>
+      <p:sp>
+        <p:nvSpPr>
+          <p:cNvPr id="59" name="TextBox 58">
+            <a:extLst>
+              <a:ext uri="{FF2B5EF4-FFF2-40B4-BE49-F238E27FC236}">
+                <a16:creationId xmlns:a16="http://schemas.microsoft.com/office/drawing/2014/main" id="{56C31A72-C4EA-4F7D-8471-2E7463B0459A}"/>
+              </a:ext>
+            </a:extLst>
+          </p:cNvPr>
+          <p:cNvSpPr txBox="1"/>
+          <p:nvPr/>
+        </p:nvSpPr>
+        <p:spPr>
+          <a:xfrm>
+            <a:off x="9946120" y="3247878"/>
+            <a:ext cx="2353970" cy="400110"/>
+          </a:xfrm>
+          <a:prstGeom prst="rect">
+            <a:avLst/>
+          </a:prstGeom>
+          <a:noFill/>
+        </p:spPr>
+        <p:txBody>
+          <a:bodyPr wrap="square" rtlCol="0">
+            <a:spAutoFit/>
+          </a:bodyPr>
+          <a:lstStyle/>
+          <a:p>
+            <a:pPr algn="ctr"/>
+            <a:r>
+              <a:rPr lang="en-US" sz="2000" b="1" dirty="0">
+                <a:latin typeface="+mj-lt"/>
+              </a:rPr>
+              <a:t>Towards/Away</a:t>
+            </a:r>
+          </a:p>
+        </p:txBody>
+      </p:sp>
+      <p:sp>
+        <p:nvSpPr>
+          <p:cNvPr id="64" name="TextBox 63">
+            <a:extLst>
+              <a:ext uri="{FF2B5EF4-FFF2-40B4-BE49-F238E27FC236}">
+                <a16:creationId xmlns:a16="http://schemas.microsoft.com/office/drawing/2014/main" id="{08901372-1330-417D-B271-F779DFB03FF4}"/>
+              </a:ext>
+            </a:extLst>
+          </p:cNvPr>
+          <p:cNvSpPr txBox="1"/>
+          <p:nvPr/>
+        </p:nvSpPr>
+        <p:spPr>
+          <a:xfrm>
+            <a:off x="9881293" y="6007311"/>
+            <a:ext cx="2353970" cy="400110"/>
+          </a:xfrm>
+          <a:prstGeom prst="rect">
+            <a:avLst/>
+          </a:prstGeom>
+          <a:noFill/>
+        </p:spPr>
+        <p:txBody>
+          <a:bodyPr wrap="square" rtlCol="0">
+            <a:spAutoFit/>
+          </a:bodyPr>
+          <a:lstStyle/>
+          <a:p>
+            <a:pPr algn="ctr"/>
+            <a:r>
+              <a:rPr lang="en-US" sz="2000" b="1" dirty="0">
+                <a:latin typeface="+mj-lt"/>
+              </a:rPr>
+              <a:t>Tracking ID</a:t>
+            </a:r>
+          </a:p>
+        </p:txBody>
+      </p:sp>
     </p:spTree>
     <p:extLst>
       <p:ext uri="{BB962C8B-B14F-4D97-AF65-F5344CB8AC3E}">

--- a/FinalReport/img/chapter4_analysis/Diagrams.pptx
+++ b/FinalReport/img/chapter4_analysis/Diagrams.pptx
@@ -5723,7 +5723,7 @@
                   <a:schemeClr val="tx1"/>
                 </a:solidFill>
               </a:rPr>
-              <a:t>YOLO</a:t>
+              <a:t>Detector</a:t>
             </a:r>
             <a:endParaRPr lang="en-US" sz="1600" dirty="0">
               <a:solidFill>
@@ -6777,7 +6777,7 @@
         </p:nvSpPr>
         <p:spPr>
           <a:xfrm>
-            <a:off x="9946120" y="3247878"/>
+            <a:off x="9881293" y="6085559"/>
             <a:ext cx="2353970" cy="400110"/>
           </a:xfrm>
           <a:prstGeom prst="rect">
@@ -6815,7 +6815,7 @@
         </p:nvSpPr>
         <p:spPr>
           <a:xfrm>
-            <a:off x="9881293" y="6007311"/>
+            <a:off x="9881293" y="3226377"/>
             <a:ext cx="2353970" cy="400110"/>
           </a:xfrm>
           <a:prstGeom prst="rect">
@@ -6835,6 +6835,82 @@
                 <a:latin typeface="+mj-lt"/>
               </a:rPr>
               <a:t>Tracking ID</a:t>
+            </a:r>
+          </a:p>
+        </p:txBody>
+      </p:sp>
+      <p:sp>
+        <p:nvSpPr>
+          <p:cNvPr id="65" name="TextBox 64">
+            <a:extLst>
+              <a:ext uri="{FF2B5EF4-FFF2-40B4-BE49-F238E27FC236}">
+                <a16:creationId xmlns:a16="http://schemas.microsoft.com/office/drawing/2014/main" id="{12E0E8EE-0B05-4299-ABE7-0247BC41833C}"/>
+              </a:ext>
+            </a:extLst>
+          </p:cNvPr>
+          <p:cNvSpPr txBox="1"/>
+          <p:nvPr/>
+        </p:nvSpPr>
+        <p:spPr>
+          <a:xfrm>
+            <a:off x="7452131" y="1998230"/>
+            <a:ext cx="1689101" cy="461665"/>
+          </a:xfrm>
+          <a:prstGeom prst="rect">
+            <a:avLst/>
+          </a:prstGeom>
+          <a:noFill/>
+        </p:spPr>
+        <p:txBody>
+          <a:bodyPr wrap="square" rtlCol="0">
+            <a:spAutoFit/>
+          </a:bodyPr>
+          <a:lstStyle/>
+          <a:p>
+            <a:pPr algn="ctr"/>
+            <a:r>
+              <a:rPr lang="en-US" sz="2400" dirty="0">
+                <a:latin typeface="+mj-lt"/>
+              </a:rPr>
+              <a:t>YACT</a:t>
+            </a:r>
+          </a:p>
+        </p:txBody>
+      </p:sp>
+      <p:sp>
+        <p:nvSpPr>
+          <p:cNvPr id="66" name="TextBox 65">
+            <a:extLst>
+              <a:ext uri="{FF2B5EF4-FFF2-40B4-BE49-F238E27FC236}">
+                <a16:creationId xmlns:a16="http://schemas.microsoft.com/office/drawing/2014/main" id="{1ABFA872-B58A-46E1-AE7D-0B4559944996}"/>
+              </a:ext>
+            </a:extLst>
+          </p:cNvPr>
+          <p:cNvSpPr txBox="1"/>
+          <p:nvPr/>
+        </p:nvSpPr>
+        <p:spPr>
+          <a:xfrm>
+            <a:off x="2863851" y="2023026"/>
+            <a:ext cx="1689101" cy="461665"/>
+          </a:xfrm>
+          <a:prstGeom prst="rect">
+            <a:avLst/>
+          </a:prstGeom>
+          <a:noFill/>
+        </p:spPr>
+        <p:txBody>
+          <a:bodyPr wrap="square" rtlCol="0">
+            <a:spAutoFit/>
+          </a:bodyPr>
+          <a:lstStyle/>
+          <a:p>
+            <a:pPr algn="ctr"/>
+            <a:r>
+              <a:rPr lang="en-US" sz="2400" dirty="0">
+                <a:latin typeface="+mj-lt"/>
+              </a:rPr>
+              <a:t>YOLO</a:t>
             </a:r>
           </a:p>
         </p:txBody>

--- a/FinalReport/img/chapter4_analysis/Diagrams.pptx
+++ b/FinalReport/img/chapter4_analysis/Diagrams.pptx
@@ -8,6 +8,7 @@
     <p:sldId id="257" r:id="rId2"/>
     <p:sldId id="256" r:id="rId3"/>
     <p:sldId id="258" r:id="rId4"/>
+    <p:sldId id="259" r:id="rId5"/>
   </p:sldIdLst>
   <p:sldSz cx="12192000" cy="6858000"/>
   <p:notesSz cx="6858000" cy="9144000"/>
@@ -4605,7 +4606,7 @@
                   <a:schemeClr val="tx1"/>
                 </a:solidFill>
               </a:rPr>
-              <a:t>YACT Tracker</a:t>
+              <a:t>YACHT Tracker</a:t>
             </a:r>
           </a:p>
         </p:txBody>
@@ -4668,7 +4669,7 @@
                   <a:schemeClr val="tx1"/>
                 </a:solidFill>
               </a:rPr>
-              <a:t>YACT Direction</a:t>
+              <a:t>YACHT Direction</a:t>
             </a:r>
           </a:p>
         </p:txBody>
@@ -5790,127 +5791,106 @@
           </a:p>
         </p:txBody>
       </p:sp>
-      <p:grpSp>
-        <p:nvGrpSpPr>
-          <p:cNvPr id="9" name="Group 8">
-            <a:extLst>
-              <a:ext uri="{FF2B5EF4-FFF2-40B4-BE49-F238E27FC236}">
-                <a16:creationId xmlns:a16="http://schemas.microsoft.com/office/drawing/2014/main" id="{037A93A3-9E9A-48D5-9517-2774A978C8B0}"/>
-              </a:ext>
-            </a:extLst>
-          </p:cNvPr>
-          <p:cNvGrpSpPr/>
+      <p:pic>
+        <p:nvPicPr>
+          <p:cNvPr id="6" name="Picture 2" descr="https://scontent-lht6-1.xx.fbcdn.net/v/t1.15752-9/62254985_672072296568518_4989488770760835072_n.jpg?_nc_cat=103&amp;_nc_ht=scontent-lht6-1.xx&amp;oh=eb6cb0845e5f60f9314198718dd31721&amp;oe=5D7E4666">
+            <a:extLst>
+              <a:ext uri="{FF2B5EF4-FFF2-40B4-BE49-F238E27FC236}">
+                <a16:creationId xmlns:a16="http://schemas.microsoft.com/office/drawing/2014/main" id="{C979624E-0833-4850-BC49-0884821AD4C8}"/>
+              </a:ext>
+            </a:extLst>
+          </p:cNvPr>
+          <p:cNvPicPr>
+            <a:picLocks noChangeAspect="1" noChangeArrowheads="1"/>
+          </p:cNvPicPr>
           <p:nvPr/>
-        </p:nvGrpSpPr>
-        <p:grpSpPr>
+        </p:nvPicPr>
+        <p:blipFill>
+          <a:blip r:embed="rId2">
+            <a:extLst>
+              <a:ext uri="{28A0092B-C50C-407E-A947-70E740481C1C}">
+                <a14:useLocalDpi xmlns:a14="http://schemas.microsoft.com/office/drawing/2010/main" val="0"/>
+              </a:ext>
+            </a:extLst>
+          </a:blip>
+          <a:srcRect/>
+          <a:stretch>
+            <a:fillRect/>
+          </a:stretch>
+        </p:blipFill>
+        <p:spPr bwMode="auto">
           <a:xfrm>
             <a:off x="4810562" y="2774506"/>
             <a:ext cx="2286000" cy="1714500"/>
-            <a:chOff x="3810000" y="-857250"/>
-            <a:chExt cx="2286000" cy="1714500"/>
-          </a:xfrm>
-        </p:grpSpPr>
-        <p:pic>
-          <p:nvPicPr>
-            <p:cNvPr id="6" name="Picture 2" descr="https://scontent-lht6-1.xx.fbcdn.net/v/t1.15752-9/62254985_672072296568518_4989488770760835072_n.jpg?_nc_cat=103&amp;_nc_ht=scontent-lht6-1.xx&amp;oh=eb6cb0845e5f60f9314198718dd31721&amp;oe=5D7E4666">
-              <a:extLst>
-                <a:ext uri="{FF2B5EF4-FFF2-40B4-BE49-F238E27FC236}">
-                  <a16:creationId xmlns:a16="http://schemas.microsoft.com/office/drawing/2014/main" id="{C979624E-0833-4850-BC49-0884821AD4C8}"/>
-                </a:ext>
-              </a:extLst>
-            </p:cNvPr>
-            <p:cNvPicPr>
-              <a:picLocks noChangeAspect="1" noChangeArrowheads="1"/>
-            </p:cNvPicPr>
-            <p:nvPr/>
-          </p:nvPicPr>
-          <p:blipFill>
-            <a:blip r:embed="rId2">
-              <a:extLst>
-                <a:ext uri="{28A0092B-C50C-407E-A947-70E740481C1C}">
-                  <a14:useLocalDpi xmlns:a14="http://schemas.microsoft.com/office/drawing/2010/main" val="0"/>
-                </a:ext>
-              </a:extLst>
-            </a:blip>
-            <a:srcRect/>
-            <a:stretch>
-              <a:fillRect/>
-            </a:stretch>
-          </p:blipFill>
-          <p:spPr bwMode="auto">
-            <a:xfrm>
-              <a:off x="3810000" y="-857250"/>
-              <a:ext cx="2286000" cy="1714500"/>
-            </a:xfrm>
-            <a:prstGeom prst="rect">
-              <a:avLst/>
-            </a:prstGeom>
-            <a:noFill/>
-            <a:extLst>
-              <a:ext uri="{909E8E84-426E-40DD-AFC4-6F175D3DCCD1}">
-                <a14:hiddenFill xmlns:a14="http://schemas.microsoft.com/office/drawing/2010/main">
-                  <a:solidFill>
-                    <a:srgbClr val="FFFFFF"/>
-                  </a:solidFill>
-                </a14:hiddenFill>
-              </a:ext>
-            </a:extLst>
-          </p:spPr>
-        </p:pic>
-        <p:sp>
-          <p:nvSpPr>
-            <p:cNvPr id="7" name="Rectangle 6">
-              <a:extLst>
-                <a:ext uri="{FF2B5EF4-FFF2-40B4-BE49-F238E27FC236}">
-                  <a16:creationId xmlns:a16="http://schemas.microsoft.com/office/drawing/2014/main" id="{0B2DFDD2-7755-4957-AD69-9DEFD92292E7}"/>
-                </a:ext>
-              </a:extLst>
-            </p:cNvPr>
-            <p:cNvSpPr/>
-            <p:nvPr/>
-          </p:nvSpPr>
-          <p:spPr>
-            <a:xfrm>
-              <a:off x="5182626" y="-518320"/>
-              <a:ext cx="771816" cy="1202948"/>
-            </a:xfrm>
-            <a:prstGeom prst="rect">
-              <a:avLst/>
-            </a:prstGeom>
-            <a:noFill/>
-            <a:ln w="38100">
-              <a:solidFill>
-                <a:srgbClr val="FF0000"/>
-              </a:solidFill>
-              <a:prstDash val="solid"/>
-            </a:ln>
-          </p:spPr>
-          <p:style>
-            <a:lnRef idx="2">
-              <a:schemeClr val="accent1">
-                <a:shade val="50000"/>
-              </a:schemeClr>
-            </a:lnRef>
-            <a:fillRef idx="1">
-              <a:schemeClr val="accent1"/>
-            </a:fillRef>
-            <a:effectRef idx="0">
-              <a:schemeClr val="accent1"/>
-            </a:effectRef>
-            <a:fontRef idx="minor">
-              <a:schemeClr val="lt1"/>
-            </a:fontRef>
-          </p:style>
-          <p:txBody>
-            <a:bodyPr rtlCol="0" anchor="ctr"/>
-            <a:lstStyle/>
-            <a:p>
-              <a:pPr algn="ctr"/>
-              <a:endParaRPr lang="en-US"/>
-            </a:p>
-          </p:txBody>
-        </p:sp>
-      </p:grpSp>
+          </a:xfrm>
+          <a:prstGeom prst="rect">
+            <a:avLst/>
+          </a:prstGeom>
+          <a:noFill/>
+          <a:extLst>
+            <a:ext uri="{909E8E84-426E-40DD-AFC4-6F175D3DCCD1}">
+              <a14:hiddenFill xmlns:a14="http://schemas.microsoft.com/office/drawing/2010/main">
+                <a:solidFill>
+                  <a:srgbClr val="FFFFFF"/>
+                </a:solidFill>
+              </a14:hiddenFill>
+            </a:ext>
+          </a:extLst>
+        </p:spPr>
+      </p:pic>
+      <p:sp>
+        <p:nvSpPr>
+          <p:cNvPr id="7" name="Rectangle 6">
+            <a:extLst>
+              <a:ext uri="{FF2B5EF4-FFF2-40B4-BE49-F238E27FC236}">
+                <a16:creationId xmlns:a16="http://schemas.microsoft.com/office/drawing/2014/main" id="{0B2DFDD2-7755-4957-AD69-9DEFD92292E7}"/>
+              </a:ext>
+            </a:extLst>
+          </p:cNvPr>
+          <p:cNvSpPr/>
+          <p:nvPr/>
+        </p:nvSpPr>
+        <p:spPr>
+          <a:xfrm>
+            <a:off x="6183188" y="3113436"/>
+            <a:ext cx="771816" cy="1202948"/>
+          </a:xfrm>
+          <a:prstGeom prst="rect">
+            <a:avLst/>
+          </a:prstGeom>
+          <a:noFill/>
+          <a:ln w="38100">
+            <a:solidFill>
+              <a:srgbClr val="3BDB25"/>
+            </a:solidFill>
+            <a:prstDash val="solid"/>
+          </a:ln>
+        </p:spPr>
+        <p:style>
+          <a:lnRef idx="2">
+            <a:schemeClr val="accent1">
+              <a:shade val="50000"/>
+            </a:schemeClr>
+          </a:lnRef>
+          <a:fillRef idx="1">
+            <a:schemeClr val="accent1"/>
+          </a:fillRef>
+          <a:effectRef idx="0">
+            <a:schemeClr val="accent1"/>
+          </a:effectRef>
+          <a:fontRef idx="minor">
+            <a:schemeClr val="lt1"/>
+          </a:fontRef>
+        </p:style>
+        <p:txBody>
+          <a:bodyPr rtlCol="0" anchor="ctr"/>
+          <a:lstStyle/>
+          <a:p>
+            <a:pPr algn="ctr"/>
+            <a:endParaRPr lang="en-US"/>
+          </a:p>
+        </p:txBody>
+      </p:sp>
       <p:sp>
         <p:nvSpPr>
           <p:cNvPr id="18" name="Rectangle 17">
@@ -6872,7 +6852,7 @@
               <a:rPr lang="en-US" sz="2400" dirty="0">
                 <a:latin typeface="+mj-lt"/>
               </a:rPr>
-              <a:t>YACT</a:t>
+              <a:t>YACHT</a:t>
             </a:r>
           </a:p>
         </p:txBody>
@@ -6915,10 +6895,93 @@
           </a:p>
         </p:txBody>
       </p:sp>
+      <p:sp>
+        <p:nvSpPr>
+          <p:cNvPr id="67" name="Rectangle 66">
+            <a:extLst>
+              <a:ext uri="{FF2B5EF4-FFF2-40B4-BE49-F238E27FC236}">
+                <a16:creationId xmlns:a16="http://schemas.microsoft.com/office/drawing/2014/main" id="{E1B6CDF3-953E-4A6D-8E3F-0AB224E60C8A}"/>
+              </a:ext>
+            </a:extLst>
+          </p:cNvPr>
+          <p:cNvSpPr/>
+          <p:nvPr/>
+        </p:nvSpPr>
+        <p:spPr>
+          <a:xfrm>
+            <a:off x="6480175" y="3248041"/>
+            <a:ext cx="281184" cy="271656"/>
+          </a:xfrm>
+          <a:prstGeom prst="rect">
+            <a:avLst/>
+          </a:prstGeom>
+          <a:noFill/>
+          <a:ln w="38100">
+            <a:solidFill>
+              <a:srgbClr val="3BDB25"/>
+            </a:solidFill>
+            <a:prstDash val="solid"/>
+          </a:ln>
+        </p:spPr>
+        <p:style>
+          <a:lnRef idx="2">
+            <a:schemeClr val="accent1">
+              <a:shade val="50000"/>
+            </a:schemeClr>
+          </a:lnRef>
+          <a:fillRef idx="1">
+            <a:schemeClr val="accent1"/>
+          </a:fillRef>
+          <a:effectRef idx="0">
+            <a:schemeClr val="accent1"/>
+          </a:effectRef>
+          <a:fontRef idx="minor">
+            <a:schemeClr val="lt1"/>
+          </a:fontRef>
+        </p:style>
+        <p:txBody>
+          <a:bodyPr rtlCol="0" anchor="ctr"/>
+          <a:lstStyle/>
+          <a:p>
+            <a:pPr algn="ctr"/>
+            <a:endParaRPr lang="en-US"/>
+          </a:p>
+        </p:txBody>
+      </p:sp>
     </p:spTree>
     <p:extLst>
       <p:ext uri="{BB962C8B-B14F-4D97-AF65-F5344CB8AC3E}">
         <p14:creationId xmlns:p14="http://schemas.microsoft.com/office/powerpoint/2010/main" val="575655294"/>
+      </p:ext>
+    </p:extLst>
+  </p:cSld>
+  <p:clrMapOvr>
+    <a:masterClrMapping/>
+  </p:clrMapOvr>
+</p:sld>
+</file>
+
+<file path=ppt/slides/slide4.xml><?xml version="1.0" encoding="utf-8"?>
+<p:sld xmlns:a="http://schemas.openxmlformats.org/drawingml/2006/main" xmlns:r="http://schemas.openxmlformats.org/officeDocument/2006/relationships" xmlns:p="http://schemas.openxmlformats.org/presentationml/2006/main">
+  <p:cSld>
+    <p:spTree>
+      <p:nvGrpSpPr>
+        <p:cNvPr id="1" name=""/>
+        <p:cNvGrpSpPr/>
+        <p:nvPr/>
+      </p:nvGrpSpPr>
+      <p:grpSpPr>
+        <a:xfrm>
+          <a:off x="0" y="0"/>
+          <a:ext cx="0" cy="0"/>
+          <a:chOff x="0" y="0"/>
+          <a:chExt cx="0" cy="0"/>
+        </a:xfrm>
+      </p:grpSpPr>
+    </p:spTree>
+    <p:extLst>
+      <p:ext uri="{BB962C8B-B14F-4D97-AF65-F5344CB8AC3E}">
+        <p14:creationId xmlns:p14="http://schemas.microsoft.com/office/powerpoint/2010/main" val="828902561"/>
       </p:ext>
     </p:extLst>
   </p:cSld>

--- a/FinalReport/img/chapter4_analysis/Diagrams.pptx
+++ b/FinalReport/img/chapter4_analysis/Diagrams.pptx
@@ -9,6 +9,7 @@
     <p:sldId id="256" r:id="rId3"/>
     <p:sldId id="258" r:id="rId4"/>
     <p:sldId id="259" r:id="rId5"/>
+    <p:sldId id="260" r:id="rId6"/>
   </p:sldIdLst>
   <p:sldSz cx="12192000" cy="6858000"/>
   <p:notesSz cx="6858000" cy="9144000"/>
@@ -6978,10 +6979,1376 @@
           <a:chExt cx="0" cy="0"/>
         </a:xfrm>
       </p:grpSpPr>
+      <p:grpSp>
+        <p:nvGrpSpPr>
+          <p:cNvPr id="7" name="Group 6">
+            <a:extLst>
+              <a:ext uri="{FF2B5EF4-FFF2-40B4-BE49-F238E27FC236}">
+                <a16:creationId xmlns:a16="http://schemas.microsoft.com/office/drawing/2014/main" id="{EBDD9FE8-B726-4794-A6CC-B23C7137C73D}"/>
+              </a:ext>
+            </a:extLst>
+          </p:cNvPr>
+          <p:cNvGrpSpPr/>
+          <p:nvPr/>
+        </p:nvGrpSpPr>
+        <p:grpSpPr>
+          <a:xfrm>
+            <a:off x="2876550" y="2286000"/>
+            <a:ext cx="6410326" cy="2124075"/>
+            <a:chOff x="2876550" y="2286000"/>
+            <a:chExt cx="6410326" cy="2124075"/>
+          </a:xfrm>
+        </p:grpSpPr>
+        <p:pic>
+          <p:nvPicPr>
+            <p:cNvPr id="4" name="Picture 3">
+              <a:extLst>
+                <a:ext uri="{FF2B5EF4-FFF2-40B4-BE49-F238E27FC236}">
+                  <a16:creationId xmlns:a16="http://schemas.microsoft.com/office/drawing/2014/main" id="{82BEE5AA-911E-4577-8BFF-7BB4306E528B}"/>
+                </a:ext>
+              </a:extLst>
+            </p:cNvPr>
+            <p:cNvPicPr>
+              <a:picLocks noChangeAspect="1"/>
+            </p:cNvPicPr>
+            <p:nvPr/>
+          </p:nvPicPr>
+          <p:blipFill rotWithShape="1">
+            <a:blip r:embed="rId2"/>
+            <a:srcRect l="4200" t="1417" r="4607" b="8299"/>
+            <a:stretch/>
+          </p:blipFill>
+          <p:spPr>
+            <a:xfrm>
+              <a:off x="2876550" y="2286000"/>
+              <a:ext cx="6410326" cy="2124075"/>
+            </a:xfrm>
+            <a:prstGeom prst="rect">
+              <a:avLst/>
+            </a:prstGeom>
+          </p:spPr>
+        </p:pic>
+        <p:sp>
+          <p:nvSpPr>
+            <p:cNvPr id="5" name="Rectangle 4">
+              <a:extLst>
+                <a:ext uri="{FF2B5EF4-FFF2-40B4-BE49-F238E27FC236}">
+                  <a16:creationId xmlns:a16="http://schemas.microsoft.com/office/drawing/2014/main" id="{CAD3BF08-EC43-45D6-8C6D-CEF51373FBDC}"/>
+                </a:ext>
+              </a:extLst>
+            </p:cNvPr>
+            <p:cNvSpPr/>
+            <p:nvPr/>
+          </p:nvSpPr>
+          <p:spPr>
+            <a:xfrm>
+              <a:off x="4248150" y="2286000"/>
+              <a:ext cx="895350" cy="171450"/>
+            </a:xfrm>
+            <a:prstGeom prst="rect">
+              <a:avLst/>
+            </a:prstGeom>
+            <a:solidFill>
+              <a:schemeClr val="bg1"/>
+            </a:solidFill>
+            <a:ln>
+              <a:noFill/>
+            </a:ln>
+          </p:spPr>
+          <p:style>
+            <a:lnRef idx="2">
+              <a:schemeClr val="accent1">
+                <a:shade val="50000"/>
+              </a:schemeClr>
+            </a:lnRef>
+            <a:fillRef idx="1">
+              <a:schemeClr val="accent1"/>
+            </a:fillRef>
+            <a:effectRef idx="0">
+              <a:schemeClr val="accent1"/>
+            </a:effectRef>
+            <a:fontRef idx="minor">
+              <a:schemeClr val="lt1"/>
+            </a:fontRef>
+          </p:style>
+          <p:txBody>
+            <a:bodyPr rtlCol="0" anchor="ctr"/>
+            <a:lstStyle/>
+            <a:p>
+              <a:pPr algn="ctr"/>
+              <a:endParaRPr lang="en-US"/>
+            </a:p>
+          </p:txBody>
+        </p:sp>
+        <p:sp>
+          <p:nvSpPr>
+            <p:cNvPr id="6" name="Rectangle 5">
+              <a:extLst>
+                <a:ext uri="{FF2B5EF4-FFF2-40B4-BE49-F238E27FC236}">
+                  <a16:creationId xmlns:a16="http://schemas.microsoft.com/office/drawing/2014/main" id="{6D20DC52-DF99-4196-9B1B-DFC6EE9C8345}"/>
+                </a:ext>
+              </a:extLst>
+            </p:cNvPr>
+            <p:cNvSpPr/>
+            <p:nvPr/>
+          </p:nvSpPr>
+          <p:spPr>
+            <a:xfrm>
+              <a:off x="3000374" y="4238625"/>
+              <a:ext cx="2676525" cy="171450"/>
+            </a:xfrm>
+            <a:prstGeom prst="rect">
+              <a:avLst/>
+            </a:prstGeom>
+            <a:solidFill>
+              <a:schemeClr val="bg1"/>
+            </a:solidFill>
+            <a:ln>
+              <a:noFill/>
+            </a:ln>
+          </p:spPr>
+          <p:style>
+            <a:lnRef idx="2">
+              <a:schemeClr val="accent1">
+                <a:shade val="50000"/>
+              </a:schemeClr>
+            </a:lnRef>
+            <a:fillRef idx="1">
+              <a:schemeClr val="accent1"/>
+            </a:fillRef>
+            <a:effectRef idx="0">
+              <a:schemeClr val="accent1"/>
+            </a:effectRef>
+            <a:fontRef idx="minor">
+              <a:schemeClr val="lt1"/>
+            </a:fontRef>
+          </p:style>
+          <p:txBody>
+            <a:bodyPr rtlCol="0" anchor="ctr"/>
+            <a:lstStyle/>
+            <a:p>
+              <a:pPr algn="ctr"/>
+              <a:endParaRPr lang="en-US"/>
+            </a:p>
+          </p:txBody>
+        </p:sp>
+      </p:grpSp>
     </p:spTree>
     <p:extLst>
       <p:ext uri="{BB962C8B-B14F-4D97-AF65-F5344CB8AC3E}">
-        <p14:creationId xmlns:p14="http://schemas.microsoft.com/office/powerpoint/2010/main" val="828902561"/>
+        <p14:creationId xmlns:p14="http://schemas.microsoft.com/office/powerpoint/2010/main" val="224416117"/>
+      </p:ext>
+    </p:extLst>
+  </p:cSld>
+  <p:clrMapOvr>
+    <a:masterClrMapping/>
+  </p:clrMapOvr>
+</p:sld>
+</file>
+
+<file path=ppt/slides/slide5.xml><?xml version="1.0" encoding="utf-8"?>
+<p:sld xmlns:a="http://schemas.openxmlformats.org/drawingml/2006/main" xmlns:r="http://schemas.openxmlformats.org/officeDocument/2006/relationships" xmlns:p="http://schemas.openxmlformats.org/presentationml/2006/main">
+  <p:cSld>
+    <p:spTree>
+      <p:nvGrpSpPr>
+        <p:cNvPr id="1" name=""/>
+        <p:cNvGrpSpPr/>
+        <p:nvPr/>
+      </p:nvGrpSpPr>
+      <p:grpSpPr>
+        <a:xfrm>
+          <a:off x="0" y="0"/>
+          <a:ext cx="0" cy="0"/>
+          <a:chOff x="0" y="0"/>
+          <a:chExt cx="0" cy="0"/>
+        </a:xfrm>
+      </p:grpSpPr>
+      <p:sp>
+        <p:nvSpPr>
+          <p:cNvPr id="4" name="Rectangle 3">
+            <a:extLst>
+              <a:ext uri="{FF2B5EF4-FFF2-40B4-BE49-F238E27FC236}">
+                <a16:creationId xmlns:a16="http://schemas.microsoft.com/office/drawing/2014/main" id="{CDCE9312-79E8-4B2D-B6A8-30DA14EA4A52}"/>
+              </a:ext>
+            </a:extLst>
+          </p:cNvPr>
+          <p:cNvSpPr/>
+          <p:nvPr/>
+        </p:nvSpPr>
+        <p:spPr>
+          <a:xfrm>
+            <a:off x="4984218" y="-2630714"/>
+            <a:ext cx="3017158" cy="2630714"/>
+          </a:xfrm>
+          <a:prstGeom prst="rect">
+            <a:avLst/>
+          </a:prstGeom>
+          <a:solidFill>
+            <a:srgbClr val="FF0000">
+              <a:alpha val="30000"/>
+            </a:srgbClr>
+          </a:solidFill>
+          <a:ln w="38100">
+            <a:solidFill>
+              <a:srgbClr val="FF0000"/>
+            </a:solidFill>
+            <a:prstDash val="dash"/>
+          </a:ln>
+        </p:spPr>
+        <p:style>
+          <a:lnRef idx="2">
+            <a:schemeClr val="accent1">
+              <a:shade val="50000"/>
+            </a:schemeClr>
+          </a:lnRef>
+          <a:fillRef idx="1">
+            <a:schemeClr val="accent1"/>
+          </a:fillRef>
+          <a:effectRef idx="0">
+            <a:schemeClr val="accent1"/>
+          </a:effectRef>
+          <a:fontRef idx="minor">
+            <a:schemeClr val="lt1"/>
+          </a:fontRef>
+        </p:style>
+        <p:txBody>
+          <a:bodyPr rtlCol="0" anchor="ctr"/>
+          <a:lstStyle/>
+          <a:p>
+            <a:pPr algn="ctr"/>
+            <a:endParaRPr lang="en-US"/>
+          </a:p>
+        </p:txBody>
+      </p:sp>
+      <p:sp>
+        <p:nvSpPr>
+          <p:cNvPr id="5" name="TextBox 4">
+            <a:extLst>
+              <a:ext uri="{FF2B5EF4-FFF2-40B4-BE49-F238E27FC236}">
+                <a16:creationId xmlns:a16="http://schemas.microsoft.com/office/drawing/2014/main" id="{E0552230-2F83-4676-8F7D-6A13C8148D5B}"/>
+              </a:ext>
+            </a:extLst>
+          </p:cNvPr>
+          <p:cNvSpPr txBox="1"/>
+          <p:nvPr/>
+        </p:nvSpPr>
+        <p:spPr>
+          <a:xfrm>
+            <a:off x="5798833" y="-3095624"/>
+            <a:ext cx="1387928" cy="461665"/>
+          </a:xfrm>
+          <a:prstGeom prst="rect">
+            <a:avLst/>
+          </a:prstGeom>
+          <a:noFill/>
+        </p:spPr>
+        <p:txBody>
+          <a:bodyPr wrap="square" rtlCol="0">
+            <a:spAutoFit/>
+          </a:bodyPr>
+          <a:lstStyle/>
+          <a:p>
+            <a:pPr algn="ctr"/>
+            <a:r>
+              <a:rPr lang="en-US" sz="2400" dirty="0">
+                <a:solidFill>
+                  <a:srgbClr val="FF0000"/>
+                </a:solidFill>
+                <a:latin typeface="+mj-lt"/>
+              </a:rPr>
+              <a:t>Hololens</a:t>
+            </a:r>
+          </a:p>
+        </p:txBody>
+      </p:sp>
+      <p:sp>
+        <p:nvSpPr>
+          <p:cNvPr id="6" name="Rectangle 5">
+            <a:extLst>
+              <a:ext uri="{FF2B5EF4-FFF2-40B4-BE49-F238E27FC236}">
+                <a16:creationId xmlns:a16="http://schemas.microsoft.com/office/drawing/2014/main" id="{DEC27A60-301A-4124-9A4F-6E934969DE19}"/>
+              </a:ext>
+            </a:extLst>
+          </p:cNvPr>
+          <p:cNvSpPr/>
+          <p:nvPr/>
+        </p:nvSpPr>
+        <p:spPr>
+          <a:xfrm>
+            <a:off x="5307159" y="-2380306"/>
+            <a:ext cx="1037772" cy="584200"/>
+          </a:xfrm>
+          <a:prstGeom prst="rect">
+            <a:avLst/>
+          </a:prstGeom>
+          <a:solidFill>
+            <a:srgbClr val="FF0000">
+              <a:alpha val="30000"/>
+            </a:srgbClr>
+          </a:solidFill>
+          <a:ln>
+            <a:solidFill>
+              <a:srgbClr val="FF0000"/>
+            </a:solidFill>
+          </a:ln>
+        </p:spPr>
+        <p:style>
+          <a:lnRef idx="2">
+            <a:schemeClr val="accent1">
+              <a:shade val="50000"/>
+            </a:schemeClr>
+          </a:lnRef>
+          <a:fillRef idx="1">
+            <a:schemeClr val="accent1"/>
+          </a:fillRef>
+          <a:effectRef idx="0">
+            <a:schemeClr val="accent1"/>
+          </a:effectRef>
+          <a:fontRef idx="minor">
+            <a:schemeClr val="lt1"/>
+          </a:fontRef>
+        </p:style>
+        <p:txBody>
+          <a:bodyPr rtlCol="0" anchor="ctr"/>
+          <a:lstStyle/>
+          <a:p>
+            <a:pPr algn="ctr"/>
+            <a:r>
+              <a:rPr lang="en-US" sz="1600" dirty="0">
+                <a:solidFill>
+                  <a:schemeClr val="tx1"/>
+                </a:solidFill>
+              </a:rPr>
+              <a:t>World Camera</a:t>
+            </a:r>
+          </a:p>
+        </p:txBody>
+      </p:sp>
+      <p:sp>
+        <p:nvSpPr>
+          <p:cNvPr id="7" name="Rectangle 6">
+            <a:extLst>
+              <a:ext uri="{FF2B5EF4-FFF2-40B4-BE49-F238E27FC236}">
+                <a16:creationId xmlns:a16="http://schemas.microsoft.com/office/drawing/2014/main" id="{FB9CD608-0952-429B-8FD9-3E0ED241CB99}"/>
+              </a:ext>
+            </a:extLst>
+          </p:cNvPr>
+          <p:cNvSpPr/>
+          <p:nvPr/>
+        </p:nvSpPr>
+        <p:spPr>
+          <a:xfrm>
+            <a:off x="6738632" y="-1597118"/>
+            <a:ext cx="1037772" cy="584200"/>
+          </a:xfrm>
+          <a:prstGeom prst="rect">
+            <a:avLst/>
+          </a:prstGeom>
+          <a:solidFill>
+            <a:srgbClr val="FF0000">
+              <a:alpha val="30000"/>
+            </a:srgbClr>
+          </a:solidFill>
+          <a:ln>
+            <a:solidFill>
+              <a:srgbClr val="FF0000"/>
+            </a:solidFill>
+          </a:ln>
+        </p:spPr>
+        <p:style>
+          <a:lnRef idx="2">
+            <a:schemeClr val="accent1">
+              <a:shade val="50000"/>
+            </a:schemeClr>
+          </a:lnRef>
+          <a:fillRef idx="1">
+            <a:schemeClr val="accent1"/>
+          </a:fillRef>
+          <a:effectRef idx="0">
+            <a:schemeClr val="accent1"/>
+          </a:effectRef>
+          <a:fontRef idx="minor">
+            <a:schemeClr val="lt1"/>
+          </a:fontRef>
+        </p:style>
+        <p:txBody>
+          <a:bodyPr rtlCol="0" anchor="ctr"/>
+          <a:lstStyle/>
+          <a:p>
+            <a:pPr algn="ctr"/>
+            <a:r>
+              <a:rPr lang="en-US" sz="1600" dirty="0">
+                <a:solidFill>
+                  <a:schemeClr val="tx1"/>
+                </a:solidFill>
+              </a:rPr>
+              <a:t>World Manager</a:t>
+            </a:r>
+          </a:p>
+        </p:txBody>
+      </p:sp>
+      <p:sp>
+        <p:nvSpPr>
+          <p:cNvPr id="8" name="Rectangle 7">
+            <a:extLst>
+              <a:ext uri="{FF2B5EF4-FFF2-40B4-BE49-F238E27FC236}">
+                <a16:creationId xmlns:a16="http://schemas.microsoft.com/office/drawing/2014/main" id="{A918E7E2-6A90-4C73-B9FB-498172DD4E19}"/>
+              </a:ext>
+            </a:extLst>
+          </p:cNvPr>
+          <p:cNvSpPr/>
+          <p:nvPr/>
+        </p:nvSpPr>
+        <p:spPr>
+          <a:xfrm>
+            <a:off x="6738632" y="-2380306"/>
+            <a:ext cx="1037772" cy="584200"/>
+          </a:xfrm>
+          <a:prstGeom prst="rect">
+            <a:avLst/>
+          </a:prstGeom>
+          <a:solidFill>
+            <a:srgbClr val="FF0000">
+              <a:alpha val="30000"/>
+            </a:srgbClr>
+          </a:solidFill>
+          <a:ln>
+            <a:solidFill>
+              <a:srgbClr val="FF0000"/>
+            </a:solidFill>
+          </a:ln>
+        </p:spPr>
+        <p:style>
+          <a:lnRef idx="2">
+            <a:schemeClr val="accent1">
+              <a:shade val="50000"/>
+            </a:schemeClr>
+          </a:lnRef>
+          <a:fillRef idx="1">
+            <a:schemeClr val="accent1"/>
+          </a:fillRef>
+          <a:effectRef idx="0">
+            <a:schemeClr val="accent1"/>
+          </a:effectRef>
+          <a:fontRef idx="minor">
+            <a:schemeClr val="lt1"/>
+          </a:fontRef>
+        </p:style>
+        <p:txBody>
+          <a:bodyPr rtlCol="0" anchor="ctr"/>
+          <a:lstStyle/>
+          <a:p>
+            <a:pPr algn="ctr"/>
+            <a:r>
+              <a:rPr lang="en-US" sz="1600" dirty="0">
+                <a:solidFill>
+                  <a:schemeClr val="tx1"/>
+                </a:solidFill>
+              </a:rPr>
+              <a:t>Camera Stream</a:t>
+            </a:r>
+          </a:p>
+        </p:txBody>
+      </p:sp>
+      <p:sp>
+        <p:nvSpPr>
+          <p:cNvPr id="9" name="Rectangle 8">
+            <a:extLst>
+              <a:ext uri="{FF2B5EF4-FFF2-40B4-BE49-F238E27FC236}">
+                <a16:creationId xmlns:a16="http://schemas.microsoft.com/office/drawing/2014/main" id="{2F9456D6-431C-4364-BBA2-1D9F677436A9}"/>
+              </a:ext>
+            </a:extLst>
+          </p:cNvPr>
+          <p:cNvSpPr/>
+          <p:nvPr/>
+        </p:nvSpPr>
+        <p:spPr>
+          <a:xfrm>
+            <a:off x="5307159" y="-740192"/>
+            <a:ext cx="1037772" cy="584200"/>
+          </a:xfrm>
+          <a:prstGeom prst="rect">
+            <a:avLst/>
+          </a:prstGeom>
+          <a:solidFill>
+            <a:srgbClr val="FF0000">
+              <a:alpha val="30000"/>
+            </a:srgbClr>
+          </a:solidFill>
+          <a:ln>
+            <a:solidFill>
+              <a:srgbClr val="FF0000"/>
+            </a:solidFill>
+          </a:ln>
+        </p:spPr>
+        <p:style>
+          <a:lnRef idx="2">
+            <a:schemeClr val="accent1">
+              <a:shade val="50000"/>
+            </a:schemeClr>
+          </a:lnRef>
+          <a:fillRef idx="1">
+            <a:schemeClr val="accent1"/>
+          </a:fillRef>
+          <a:effectRef idx="0">
+            <a:schemeClr val="accent1"/>
+          </a:effectRef>
+          <a:fontRef idx="minor">
+            <a:schemeClr val="lt1"/>
+          </a:fontRef>
+        </p:style>
+        <p:txBody>
+          <a:bodyPr rtlCol="0" anchor="ctr"/>
+          <a:lstStyle/>
+          <a:p>
+            <a:pPr algn="ctr"/>
+            <a:r>
+              <a:rPr lang="en-US" sz="1600" dirty="0">
+                <a:solidFill>
+                  <a:schemeClr val="tx1"/>
+                </a:solidFill>
+              </a:rPr>
+              <a:t>ARTA Alignment</a:t>
+            </a:r>
+          </a:p>
+        </p:txBody>
+      </p:sp>
+      <p:sp>
+        <p:nvSpPr>
+          <p:cNvPr id="10" name="Rectangle 9">
+            <a:extLst>
+              <a:ext uri="{FF2B5EF4-FFF2-40B4-BE49-F238E27FC236}">
+                <a16:creationId xmlns:a16="http://schemas.microsoft.com/office/drawing/2014/main" id="{6FA2B6D7-8B53-4C3C-9845-20CFD1F71E1E}"/>
+              </a:ext>
+            </a:extLst>
+          </p:cNvPr>
+          <p:cNvSpPr/>
+          <p:nvPr/>
+        </p:nvSpPr>
+        <p:spPr>
+          <a:xfrm>
+            <a:off x="6738632" y="-759604"/>
+            <a:ext cx="1037772" cy="584200"/>
+          </a:xfrm>
+          <a:prstGeom prst="rect">
+            <a:avLst/>
+          </a:prstGeom>
+          <a:solidFill>
+            <a:srgbClr val="FF0000">
+              <a:alpha val="30000"/>
+            </a:srgbClr>
+          </a:solidFill>
+          <a:ln>
+            <a:solidFill>
+              <a:srgbClr val="FF0000"/>
+            </a:solidFill>
+          </a:ln>
+        </p:spPr>
+        <p:style>
+          <a:lnRef idx="2">
+            <a:schemeClr val="accent1">
+              <a:shade val="50000"/>
+            </a:schemeClr>
+          </a:lnRef>
+          <a:fillRef idx="1">
+            <a:schemeClr val="accent1"/>
+          </a:fillRef>
+          <a:effectRef idx="0">
+            <a:schemeClr val="accent1"/>
+          </a:effectRef>
+          <a:fontRef idx="minor">
+            <a:schemeClr val="lt1"/>
+          </a:fontRef>
+        </p:style>
+        <p:txBody>
+          <a:bodyPr rtlCol="0" anchor="ctr"/>
+          <a:lstStyle/>
+          <a:p>
+            <a:pPr algn="ctr"/>
+            <a:r>
+              <a:rPr lang="en-US" sz="1600" dirty="0">
+                <a:solidFill>
+                  <a:schemeClr val="tx1"/>
+                </a:solidFill>
+              </a:rPr>
+              <a:t>Visuals</a:t>
+            </a:r>
+          </a:p>
+        </p:txBody>
+      </p:sp>
+      <p:cxnSp>
+        <p:nvCxnSpPr>
+          <p:cNvPr id="11" name="Straight Arrow Connector 10">
+            <a:extLst>
+              <a:ext uri="{FF2B5EF4-FFF2-40B4-BE49-F238E27FC236}">
+                <a16:creationId xmlns:a16="http://schemas.microsoft.com/office/drawing/2014/main" id="{59245887-D240-4826-9F17-92C3B9435156}"/>
+              </a:ext>
+            </a:extLst>
+          </p:cNvPr>
+          <p:cNvCxnSpPr>
+            <a:cxnSpLocks/>
+            <a:stCxn id="6" idx="3"/>
+            <a:endCxn id="8" idx="1"/>
+          </p:cNvCxnSpPr>
+          <p:nvPr/>
+        </p:nvCxnSpPr>
+        <p:spPr>
+          <a:xfrm>
+            <a:off x="6344931" y="-2088206"/>
+            <a:ext cx="393701" cy="0"/>
+          </a:xfrm>
+          <a:prstGeom prst="straightConnector1">
+            <a:avLst/>
+          </a:prstGeom>
+          <a:ln w="38100">
+            <a:solidFill>
+              <a:srgbClr val="FF0000"/>
+            </a:solidFill>
+            <a:tailEnd type="triangle"/>
+          </a:ln>
+        </p:spPr>
+        <p:style>
+          <a:lnRef idx="1">
+            <a:schemeClr val="accent1"/>
+          </a:lnRef>
+          <a:fillRef idx="0">
+            <a:schemeClr val="accent1"/>
+          </a:fillRef>
+          <a:effectRef idx="0">
+            <a:schemeClr val="accent1"/>
+          </a:effectRef>
+          <a:fontRef idx="minor">
+            <a:schemeClr val="tx1"/>
+          </a:fontRef>
+        </p:style>
+      </p:cxnSp>
+      <p:cxnSp>
+        <p:nvCxnSpPr>
+          <p:cNvPr id="12" name="Straight Arrow Connector 11">
+            <a:extLst>
+              <a:ext uri="{FF2B5EF4-FFF2-40B4-BE49-F238E27FC236}">
+                <a16:creationId xmlns:a16="http://schemas.microsoft.com/office/drawing/2014/main" id="{1B9F47F5-03BF-4D86-B8E7-ECDD2279C30F}"/>
+              </a:ext>
+            </a:extLst>
+          </p:cNvPr>
+          <p:cNvCxnSpPr>
+            <a:cxnSpLocks/>
+            <a:stCxn id="7" idx="2"/>
+            <a:endCxn id="10" idx="0"/>
+          </p:cNvCxnSpPr>
+          <p:nvPr/>
+        </p:nvCxnSpPr>
+        <p:spPr>
+          <a:xfrm>
+            <a:off x="7257518" y="-1012918"/>
+            <a:ext cx="0" cy="253314"/>
+          </a:xfrm>
+          <a:prstGeom prst="straightConnector1">
+            <a:avLst/>
+          </a:prstGeom>
+          <a:ln w="38100">
+            <a:solidFill>
+              <a:srgbClr val="FF0000"/>
+            </a:solidFill>
+            <a:tailEnd type="triangle"/>
+          </a:ln>
+        </p:spPr>
+        <p:style>
+          <a:lnRef idx="1">
+            <a:schemeClr val="accent1"/>
+          </a:lnRef>
+          <a:fillRef idx="0">
+            <a:schemeClr val="accent1"/>
+          </a:fillRef>
+          <a:effectRef idx="0">
+            <a:schemeClr val="accent1"/>
+          </a:effectRef>
+          <a:fontRef idx="minor">
+            <a:schemeClr val="tx1"/>
+          </a:fontRef>
+        </p:style>
+      </p:cxnSp>
+      <p:cxnSp>
+        <p:nvCxnSpPr>
+          <p:cNvPr id="13" name="Connector: Elbow 12">
+            <a:extLst>
+              <a:ext uri="{FF2B5EF4-FFF2-40B4-BE49-F238E27FC236}">
+                <a16:creationId xmlns:a16="http://schemas.microsoft.com/office/drawing/2014/main" id="{25FC06FE-BFFC-48A2-B966-FD61183DDBF7}"/>
+              </a:ext>
+            </a:extLst>
+          </p:cNvPr>
+          <p:cNvCxnSpPr>
+            <a:cxnSpLocks/>
+            <a:stCxn id="9" idx="0"/>
+          </p:cNvCxnSpPr>
+          <p:nvPr/>
+        </p:nvCxnSpPr>
+        <p:spPr>
+          <a:xfrm rot="5400000" flipH="1" flipV="1">
+            <a:off x="6075176" y="-1401965"/>
+            <a:ext cx="412642" cy="910905"/>
+          </a:xfrm>
+          <a:prstGeom prst="bentConnector2">
+            <a:avLst/>
+          </a:prstGeom>
+          <a:ln w="38100">
+            <a:solidFill>
+              <a:srgbClr val="FF0000"/>
+            </a:solidFill>
+            <a:tailEnd type="triangle"/>
+          </a:ln>
+        </p:spPr>
+        <p:style>
+          <a:lnRef idx="1">
+            <a:schemeClr val="accent1"/>
+          </a:lnRef>
+          <a:fillRef idx="0">
+            <a:schemeClr val="accent1"/>
+          </a:fillRef>
+          <a:effectRef idx="0">
+            <a:schemeClr val="accent1"/>
+          </a:effectRef>
+          <a:fontRef idx="minor">
+            <a:schemeClr val="tx1"/>
+          </a:fontRef>
+        </p:style>
+      </p:cxnSp>
+      <p:cxnSp>
+        <p:nvCxnSpPr>
+          <p:cNvPr id="14" name="Straight Arrow Connector 13">
+            <a:extLst>
+              <a:ext uri="{FF2B5EF4-FFF2-40B4-BE49-F238E27FC236}">
+                <a16:creationId xmlns:a16="http://schemas.microsoft.com/office/drawing/2014/main" id="{D75F5F4C-FCE2-48F2-8B23-6732DCA65981}"/>
+              </a:ext>
+            </a:extLst>
+          </p:cNvPr>
+          <p:cNvCxnSpPr>
+            <a:cxnSpLocks/>
+            <a:stCxn id="8" idx="3"/>
+          </p:cNvCxnSpPr>
+          <p:nvPr/>
+        </p:nvCxnSpPr>
+        <p:spPr>
+          <a:xfrm flipV="1">
+            <a:off x="7776404" y="-2091453"/>
+            <a:ext cx="1054186" cy="3247"/>
+          </a:xfrm>
+          <a:prstGeom prst="straightConnector1">
+            <a:avLst/>
+          </a:prstGeom>
+          <a:ln w="38100">
+            <a:solidFill>
+              <a:srgbClr val="FF0000"/>
+            </a:solidFill>
+            <a:tailEnd type="triangle"/>
+          </a:ln>
+        </p:spPr>
+        <p:style>
+          <a:lnRef idx="1">
+            <a:schemeClr val="accent1"/>
+          </a:lnRef>
+          <a:fillRef idx="0">
+            <a:schemeClr val="accent1"/>
+          </a:fillRef>
+          <a:effectRef idx="0">
+            <a:schemeClr val="accent1"/>
+          </a:effectRef>
+          <a:fontRef idx="minor">
+            <a:schemeClr val="tx1"/>
+          </a:fontRef>
+        </p:style>
+      </p:cxnSp>
+      <p:cxnSp>
+        <p:nvCxnSpPr>
+          <p:cNvPr id="15" name="Connector: Elbow 14">
+            <a:extLst>
+              <a:ext uri="{FF2B5EF4-FFF2-40B4-BE49-F238E27FC236}">
+                <a16:creationId xmlns:a16="http://schemas.microsoft.com/office/drawing/2014/main" id="{BDB227AE-C6DC-4F0F-837E-4636C15017BA}"/>
+              </a:ext>
+            </a:extLst>
+          </p:cNvPr>
+          <p:cNvCxnSpPr>
+            <a:cxnSpLocks/>
+          </p:cNvCxnSpPr>
+          <p:nvPr/>
+        </p:nvCxnSpPr>
+        <p:spPr>
+          <a:xfrm rot="10800000">
+            <a:off x="7790066" y="-1481213"/>
+            <a:ext cx="1040525" cy="172949"/>
+          </a:xfrm>
+          <a:prstGeom prst="bentConnector3">
+            <a:avLst>
+              <a:gd name="adj1" fmla="val 42358"/>
+            </a:avLst>
+          </a:prstGeom>
+          <a:ln w="38100">
+            <a:solidFill>
+              <a:srgbClr val="00B050"/>
+            </a:solidFill>
+            <a:tailEnd type="triangle"/>
+          </a:ln>
+        </p:spPr>
+        <p:style>
+          <a:lnRef idx="1">
+            <a:schemeClr val="accent1"/>
+          </a:lnRef>
+          <a:fillRef idx="0">
+            <a:schemeClr val="accent1"/>
+          </a:fillRef>
+          <a:effectRef idx="0">
+            <a:schemeClr val="accent1"/>
+          </a:effectRef>
+          <a:fontRef idx="minor">
+            <a:schemeClr val="tx1"/>
+          </a:fontRef>
+        </p:style>
+      </p:cxnSp>
+      <p:cxnSp>
+        <p:nvCxnSpPr>
+          <p:cNvPr id="16" name="Connector: Elbow 15">
+            <a:extLst>
+              <a:ext uri="{FF2B5EF4-FFF2-40B4-BE49-F238E27FC236}">
+                <a16:creationId xmlns:a16="http://schemas.microsoft.com/office/drawing/2014/main" id="{A41129E1-8C9D-43F8-9286-90053A07C3A0}"/>
+              </a:ext>
+            </a:extLst>
+          </p:cNvPr>
+          <p:cNvCxnSpPr>
+            <a:cxnSpLocks/>
+          </p:cNvCxnSpPr>
+          <p:nvPr/>
+        </p:nvCxnSpPr>
+        <p:spPr>
+          <a:xfrm rot="10800000">
+            <a:off x="7790066" y="-1232037"/>
+            <a:ext cx="1040524" cy="758380"/>
+          </a:xfrm>
+          <a:prstGeom prst="bentConnector3">
+            <a:avLst>
+              <a:gd name="adj1" fmla="val 60189"/>
+            </a:avLst>
+          </a:prstGeom>
+          <a:ln w="38100">
+            <a:solidFill>
+              <a:srgbClr val="00B050"/>
+            </a:solidFill>
+            <a:tailEnd type="triangle"/>
+          </a:ln>
+        </p:spPr>
+        <p:style>
+          <a:lnRef idx="1">
+            <a:schemeClr val="accent1"/>
+          </a:lnRef>
+          <a:fillRef idx="0">
+            <a:schemeClr val="accent1"/>
+          </a:fillRef>
+          <a:effectRef idx="0">
+            <a:schemeClr val="accent1"/>
+          </a:effectRef>
+          <a:fontRef idx="minor">
+            <a:schemeClr val="tx1"/>
+          </a:fontRef>
+        </p:style>
+      </p:cxnSp>
+      <p:cxnSp>
+        <p:nvCxnSpPr>
+          <p:cNvPr id="17" name="Straight Arrow Connector 16">
+            <a:extLst>
+              <a:ext uri="{FF2B5EF4-FFF2-40B4-BE49-F238E27FC236}">
+                <a16:creationId xmlns:a16="http://schemas.microsoft.com/office/drawing/2014/main" id="{BBA7AFEE-8942-46CB-81A9-B0CB8800BE0D}"/>
+              </a:ext>
+            </a:extLst>
+          </p:cNvPr>
+          <p:cNvCxnSpPr>
+            <a:cxnSpLocks/>
+          </p:cNvCxnSpPr>
+          <p:nvPr/>
+        </p:nvCxnSpPr>
+        <p:spPr>
+          <a:xfrm>
+            <a:off x="3549634" y="-1785767"/>
+            <a:ext cx="905" cy="224698"/>
+          </a:xfrm>
+          <a:prstGeom prst="straightConnector1">
+            <a:avLst/>
+          </a:prstGeom>
+          <a:ln w="38100">
+            <a:solidFill>
+              <a:srgbClr val="0070C0"/>
+            </a:solidFill>
+            <a:tailEnd type="triangle"/>
+          </a:ln>
+        </p:spPr>
+        <p:style>
+          <a:lnRef idx="1">
+            <a:schemeClr val="accent1"/>
+          </a:lnRef>
+          <a:fillRef idx="0">
+            <a:schemeClr val="accent1"/>
+          </a:fillRef>
+          <a:effectRef idx="0">
+            <a:schemeClr val="accent1"/>
+          </a:effectRef>
+          <a:fontRef idx="minor">
+            <a:schemeClr val="tx1"/>
+          </a:fontRef>
+        </p:style>
+      </p:cxnSp>
+      <p:cxnSp>
+        <p:nvCxnSpPr>
+          <p:cNvPr id="18" name="Straight Arrow Connector 17">
+            <a:extLst>
+              <a:ext uri="{FF2B5EF4-FFF2-40B4-BE49-F238E27FC236}">
+                <a16:creationId xmlns:a16="http://schemas.microsoft.com/office/drawing/2014/main" id="{012C8750-F744-4928-B9D6-DCDACBF7E75A}"/>
+              </a:ext>
+            </a:extLst>
+          </p:cNvPr>
+          <p:cNvCxnSpPr>
+            <a:cxnSpLocks/>
+          </p:cNvCxnSpPr>
+          <p:nvPr/>
+        </p:nvCxnSpPr>
+        <p:spPr>
+          <a:xfrm flipV="1">
+            <a:off x="3549634" y="-976869"/>
+            <a:ext cx="905" cy="247016"/>
+          </a:xfrm>
+          <a:prstGeom prst="straightConnector1">
+            <a:avLst/>
+          </a:prstGeom>
+          <a:ln w="38100">
+            <a:solidFill>
+              <a:srgbClr val="0070C0"/>
+            </a:solidFill>
+            <a:tailEnd type="triangle"/>
+          </a:ln>
+        </p:spPr>
+        <p:style>
+          <a:lnRef idx="1">
+            <a:schemeClr val="accent1"/>
+          </a:lnRef>
+          <a:fillRef idx="0">
+            <a:schemeClr val="accent1"/>
+          </a:fillRef>
+          <a:effectRef idx="0">
+            <a:schemeClr val="accent1"/>
+          </a:effectRef>
+          <a:fontRef idx="minor">
+            <a:schemeClr val="tx1"/>
+          </a:fontRef>
+        </p:style>
+      </p:cxnSp>
+      <p:cxnSp>
+        <p:nvCxnSpPr>
+          <p:cNvPr id="19" name="Connector: Elbow 18">
+            <a:extLst>
+              <a:ext uri="{FF2B5EF4-FFF2-40B4-BE49-F238E27FC236}">
+                <a16:creationId xmlns:a16="http://schemas.microsoft.com/office/drawing/2014/main" id="{52483BCE-2791-45D9-99F9-1A623AB990D8}"/>
+              </a:ext>
+            </a:extLst>
+          </p:cNvPr>
+          <p:cNvCxnSpPr>
+            <a:cxnSpLocks/>
+          </p:cNvCxnSpPr>
+          <p:nvPr/>
+        </p:nvCxnSpPr>
+        <p:spPr>
+          <a:xfrm rot="10800000" flipV="1">
+            <a:off x="4068520" y="-1446947"/>
+            <a:ext cx="2656450" cy="1009193"/>
+          </a:xfrm>
+          <a:prstGeom prst="bentConnector3">
+            <a:avLst>
+              <a:gd name="adj1" fmla="val 77824"/>
+            </a:avLst>
+          </a:prstGeom>
+          <a:ln w="38100">
+            <a:solidFill>
+              <a:srgbClr val="FF0000"/>
+            </a:solidFill>
+            <a:tailEnd type="triangle"/>
+          </a:ln>
+        </p:spPr>
+        <p:style>
+          <a:lnRef idx="1">
+            <a:schemeClr val="accent1"/>
+          </a:lnRef>
+          <a:fillRef idx="0">
+            <a:schemeClr val="accent1"/>
+          </a:fillRef>
+          <a:effectRef idx="0">
+            <a:schemeClr val="accent1"/>
+          </a:effectRef>
+          <a:fontRef idx="minor">
+            <a:schemeClr val="tx1"/>
+          </a:fontRef>
+        </p:style>
+      </p:cxnSp>
+      <p:cxnSp>
+        <p:nvCxnSpPr>
+          <p:cNvPr id="20" name="Straight Arrow Connector 19">
+            <a:extLst>
+              <a:ext uri="{FF2B5EF4-FFF2-40B4-BE49-F238E27FC236}">
+                <a16:creationId xmlns:a16="http://schemas.microsoft.com/office/drawing/2014/main" id="{67A7B4B5-1E40-4043-81CD-B9BEBC98BF65}"/>
+              </a:ext>
+            </a:extLst>
+          </p:cNvPr>
+          <p:cNvCxnSpPr/>
+          <p:nvPr/>
+        </p:nvCxnSpPr>
+        <p:spPr>
+          <a:xfrm flipV="1">
+            <a:off x="4069425" y="-1282555"/>
+            <a:ext cx="2667525" cy="13586"/>
+          </a:xfrm>
+          <a:prstGeom prst="straightConnector1">
+            <a:avLst/>
+          </a:prstGeom>
+          <a:ln w="38100">
+            <a:tailEnd type="triangle"/>
+          </a:ln>
+        </p:spPr>
+        <p:style>
+          <a:lnRef idx="1">
+            <a:schemeClr val="accent1"/>
+          </a:lnRef>
+          <a:fillRef idx="0">
+            <a:schemeClr val="accent1"/>
+          </a:fillRef>
+          <a:effectRef idx="0">
+            <a:schemeClr val="accent1"/>
+          </a:effectRef>
+          <a:fontRef idx="minor">
+            <a:schemeClr val="tx1"/>
+          </a:fontRef>
+        </p:style>
+      </p:cxnSp>
+      <p:sp>
+        <p:nvSpPr>
+          <p:cNvPr id="21" name="Rectangle 20">
+            <a:extLst>
+              <a:ext uri="{FF2B5EF4-FFF2-40B4-BE49-F238E27FC236}">
+                <a16:creationId xmlns:a16="http://schemas.microsoft.com/office/drawing/2014/main" id="{94359554-2917-49A2-9D84-322600C4E2BF}"/>
+              </a:ext>
+            </a:extLst>
+          </p:cNvPr>
+          <p:cNvSpPr/>
+          <p:nvPr/>
+        </p:nvSpPr>
+        <p:spPr>
+          <a:xfrm>
+            <a:off x="1258205" y="1950224"/>
+            <a:ext cx="10076545" cy="3777332"/>
+          </a:xfrm>
+          <a:prstGeom prst="rect">
+            <a:avLst/>
+          </a:prstGeom>
+          <a:noFill/>
+          <a:ln w="38100">
+            <a:solidFill>
+              <a:srgbClr val="FF0000"/>
+            </a:solidFill>
+            <a:prstDash val="dash"/>
+          </a:ln>
+        </p:spPr>
+        <p:style>
+          <a:lnRef idx="2">
+            <a:schemeClr val="accent1">
+              <a:shade val="50000"/>
+            </a:schemeClr>
+          </a:lnRef>
+          <a:fillRef idx="1">
+            <a:schemeClr val="accent1"/>
+          </a:fillRef>
+          <a:effectRef idx="0">
+            <a:schemeClr val="accent1"/>
+          </a:effectRef>
+          <a:fontRef idx="minor">
+            <a:schemeClr val="lt1"/>
+          </a:fontRef>
+        </p:style>
+        <p:txBody>
+          <a:bodyPr rtlCol="0" anchor="ctr"/>
+          <a:lstStyle/>
+          <a:p>
+            <a:pPr algn="ctr"/>
+            <a:endParaRPr lang="en-US"/>
+          </a:p>
+        </p:txBody>
+      </p:sp>
+      <p:sp>
+        <p:nvSpPr>
+          <p:cNvPr id="22" name="Rectangle 21">
+            <a:extLst>
+              <a:ext uri="{FF2B5EF4-FFF2-40B4-BE49-F238E27FC236}">
+                <a16:creationId xmlns:a16="http://schemas.microsoft.com/office/drawing/2014/main" id="{5257A542-3986-46FE-AFA0-4D4309097AB5}"/>
+              </a:ext>
+            </a:extLst>
+          </p:cNvPr>
+          <p:cNvSpPr/>
+          <p:nvPr/>
+        </p:nvSpPr>
+        <p:spPr>
+          <a:xfrm>
+            <a:off x="4506186" y="2163471"/>
+            <a:ext cx="5761764" cy="1654180"/>
+          </a:xfrm>
+          <a:prstGeom prst="rect">
+            <a:avLst/>
+          </a:prstGeom>
+          <a:solidFill>
+            <a:srgbClr val="FF0000">
+              <a:alpha val="30000"/>
+            </a:srgbClr>
+          </a:solidFill>
+          <a:ln w="38100">
+            <a:solidFill>
+              <a:srgbClr val="FF0000"/>
+            </a:solidFill>
+            <a:prstDash val="dash"/>
+          </a:ln>
+        </p:spPr>
+        <p:style>
+          <a:lnRef idx="2">
+            <a:schemeClr val="accent1">
+              <a:shade val="50000"/>
+            </a:schemeClr>
+          </a:lnRef>
+          <a:fillRef idx="1">
+            <a:schemeClr val="accent1"/>
+          </a:fillRef>
+          <a:effectRef idx="0">
+            <a:schemeClr val="accent1"/>
+          </a:effectRef>
+          <a:fontRef idx="minor">
+            <a:schemeClr val="lt1"/>
+          </a:fontRef>
+        </p:style>
+        <p:txBody>
+          <a:bodyPr rtlCol="0" anchor="ctr"/>
+          <a:lstStyle/>
+          <a:p>
+            <a:pPr algn="ctr"/>
+            <a:endParaRPr lang="en-US"/>
+          </a:p>
+        </p:txBody>
+      </p:sp>
+      <p:sp>
+        <p:nvSpPr>
+          <p:cNvPr id="26" name="Rectangle 25">
+            <a:extLst>
+              <a:ext uri="{FF2B5EF4-FFF2-40B4-BE49-F238E27FC236}">
+                <a16:creationId xmlns:a16="http://schemas.microsoft.com/office/drawing/2014/main" id="{808FB399-FAB4-4192-9610-D2ABD9EFD9D5}"/>
+              </a:ext>
+            </a:extLst>
+          </p:cNvPr>
+          <p:cNvSpPr/>
+          <p:nvPr/>
+        </p:nvSpPr>
+        <p:spPr>
+          <a:xfrm>
+            <a:off x="4758333" y="2386066"/>
+            <a:ext cx="1523164" cy="857445"/>
+          </a:xfrm>
+          <a:prstGeom prst="rect">
+            <a:avLst/>
+          </a:prstGeom>
+          <a:solidFill>
+            <a:srgbClr val="FF0000">
+              <a:alpha val="30000"/>
+            </a:srgbClr>
+          </a:solidFill>
+          <a:ln>
+            <a:solidFill>
+              <a:srgbClr val="FF0000"/>
+            </a:solidFill>
+          </a:ln>
+        </p:spPr>
+        <p:style>
+          <a:lnRef idx="2">
+            <a:schemeClr val="accent1">
+              <a:shade val="50000"/>
+            </a:schemeClr>
+          </a:lnRef>
+          <a:fillRef idx="1">
+            <a:schemeClr val="accent1"/>
+          </a:fillRef>
+          <a:effectRef idx="0">
+            <a:schemeClr val="accent1"/>
+          </a:effectRef>
+          <a:fontRef idx="minor">
+            <a:schemeClr val="lt1"/>
+          </a:fontRef>
+        </p:style>
+        <p:txBody>
+          <a:bodyPr rtlCol="0" anchor="ctr"/>
+          <a:lstStyle/>
+          <a:p>
+            <a:pPr algn="ctr"/>
+            <a:r>
+              <a:rPr lang="en-US" sz="2400" dirty="0">
+                <a:solidFill>
+                  <a:schemeClr val="tx1"/>
+                </a:solidFill>
+              </a:rPr>
+              <a:t>World Camera</a:t>
+            </a:r>
+            <a:endParaRPr lang="en-US" sz="1600" dirty="0">
+              <a:solidFill>
+                <a:schemeClr val="tx1"/>
+              </a:solidFill>
+            </a:endParaRPr>
+          </a:p>
+        </p:txBody>
+      </p:sp>
+      <p:sp>
+        <p:nvSpPr>
+          <p:cNvPr id="27" name="Rectangle 26">
+            <a:extLst>
+              <a:ext uri="{FF2B5EF4-FFF2-40B4-BE49-F238E27FC236}">
+                <a16:creationId xmlns:a16="http://schemas.microsoft.com/office/drawing/2014/main" id="{C1817007-25E5-4458-978E-19D755D03DC4}"/>
+              </a:ext>
+            </a:extLst>
+          </p:cNvPr>
+          <p:cNvSpPr/>
+          <p:nvPr/>
+        </p:nvSpPr>
+        <p:spPr>
+          <a:xfrm>
+            <a:off x="6614026" y="2381032"/>
+            <a:ext cx="1523164" cy="857445"/>
+          </a:xfrm>
+          <a:prstGeom prst="rect">
+            <a:avLst/>
+          </a:prstGeom>
+          <a:solidFill>
+            <a:srgbClr val="FF0000">
+              <a:alpha val="30000"/>
+            </a:srgbClr>
+          </a:solidFill>
+          <a:ln>
+            <a:solidFill>
+              <a:srgbClr val="FF0000"/>
+            </a:solidFill>
+          </a:ln>
+        </p:spPr>
+        <p:style>
+          <a:lnRef idx="2">
+            <a:schemeClr val="accent1">
+              <a:shade val="50000"/>
+            </a:schemeClr>
+          </a:lnRef>
+          <a:fillRef idx="1">
+            <a:schemeClr val="accent1"/>
+          </a:fillRef>
+          <a:effectRef idx="0">
+            <a:schemeClr val="accent1"/>
+          </a:effectRef>
+          <a:fontRef idx="minor">
+            <a:schemeClr val="lt1"/>
+          </a:fontRef>
+        </p:style>
+        <p:txBody>
+          <a:bodyPr rtlCol="0" anchor="ctr"/>
+          <a:lstStyle/>
+          <a:p>
+            <a:pPr algn="ctr"/>
+            <a:r>
+              <a:rPr lang="en-US" sz="1600" dirty="0">
+                <a:solidFill>
+                  <a:schemeClr val="tx1"/>
+                </a:solidFill>
+              </a:rPr>
+              <a:t>Vulcan </a:t>
+            </a:r>
+            <a:r>
+              <a:rPr lang="en-US" sz="1600" dirty="0" err="1">
+                <a:solidFill>
+                  <a:schemeClr val="tx1"/>
+                </a:solidFill>
+              </a:rPr>
+              <a:t>CameraStream</a:t>
+            </a:r>
+            <a:endParaRPr lang="en-US" sz="1100" dirty="0">
+              <a:solidFill>
+                <a:schemeClr val="tx1"/>
+              </a:solidFill>
+            </a:endParaRPr>
+          </a:p>
+        </p:txBody>
+      </p:sp>
+      <p:sp>
+        <p:nvSpPr>
+          <p:cNvPr id="28" name="Rectangle 27">
+            <a:extLst>
+              <a:ext uri="{FF2B5EF4-FFF2-40B4-BE49-F238E27FC236}">
+                <a16:creationId xmlns:a16="http://schemas.microsoft.com/office/drawing/2014/main" id="{ECB67FC2-427F-439A-97C7-55AF311C4096}"/>
+              </a:ext>
+            </a:extLst>
+          </p:cNvPr>
+          <p:cNvSpPr/>
+          <p:nvPr/>
+        </p:nvSpPr>
+        <p:spPr>
+          <a:xfrm>
+            <a:off x="8469720" y="2381032"/>
+            <a:ext cx="1523164" cy="857445"/>
+          </a:xfrm>
+          <a:prstGeom prst="rect">
+            <a:avLst/>
+          </a:prstGeom>
+          <a:solidFill>
+            <a:srgbClr val="FF0000">
+              <a:alpha val="30000"/>
+            </a:srgbClr>
+          </a:solidFill>
+          <a:ln>
+            <a:solidFill>
+              <a:srgbClr val="FF0000"/>
+            </a:solidFill>
+          </a:ln>
+        </p:spPr>
+        <p:style>
+          <a:lnRef idx="2">
+            <a:schemeClr val="accent1">
+              <a:shade val="50000"/>
+            </a:schemeClr>
+          </a:lnRef>
+          <a:fillRef idx="1">
+            <a:schemeClr val="accent1"/>
+          </a:fillRef>
+          <a:effectRef idx="0">
+            <a:schemeClr val="accent1"/>
+          </a:effectRef>
+          <a:fontRef idx="minor">
+            <a:schemeClr val="lt1"/>
+          </a:fontRef>
+        </p:style>
+        <p:txBody>
+          <a:bodyPr rtlCol="0" anchor="ctr"/>
+          <a:lstStyle/>
+          <a:p>
+            <a:pPr algn="ctr"/>
+            <a:r>
+              <a:rPr lang="en-US" sz="2400" dirty="0">
+                <a:solidFill>
+                  <a:schemeClr val="tx1"/>
+                </a:solidFill>
+              </a:rPr>
+              <a:t>JPG Encoder</a:t>
+            </a:r>
+            <a:endParaRPr lang="en-US" sz="1600" dirty="0">
+              <a:solidFill>
+                <a:schemeClr val="tx1"/>
+              </a:solidFill>
+            </a:endParaRPr>
+          </a:p>
+        </p:txBody>
+      </p:sp>
+    </p:spTree>
+    <p:extLst>
+      <p:ext uri="{BB962C8B-B14F-4D97-AF65-F5344CB8AC3E}">
+        <p14:creationId xmlns:p14="http://schemas.microsoft.com/office/powerpoint/2010/main" val="3108925677"/>
       </p:ext>
     </p:extLst>
   </p:cSld>

--- a/FinalReport/img/chapter4_analysis/Diagrams.pptx
+++ b/FinalReport/img/chapter4_analysis/Diagrams.pptx
@@ -8,8 +8,9 @@
     <p:sldId id="257" r:id="rId2"/>
     <p:sldId id="256" r:id="rId3"/>
     <p:sldId id="258" r:id="rId4"/>
-    <p:sldId id="259" r:id="rId5"/>
-    <p:sldId id="260" r:id="rId6"/>
+    <p:sldId id="261" r:id="rId5"/>
+    <p:sldId id="259" r:id="rId6"/>
+    <p:sldId id="260" r:id="rId7"/>
   </p:sldIdLst>
   <p:sldSz cx="12192000" cy="6858000"/>
   <p:notesSz cx="6858000" cy="9144000"/>
@@ -6979,6 +6980,1206 @@
           <a:chExt cx="0" cy="0"/>
         </a:xfrm>
       </p:grpSpPr>
+      <p:sp>
+        <p:nvSpPr>
+          <p:cNvPr id="15" name="Rectangle 14">
+            <a:extLst>
+              <a:ext uri="{FF2B5EF4-FFF2-40B4-BE49-F238E27FC236}">
+                <a16:creationId xmlns:a16="http://schemas.microsoft.com/office/drawing/2014/main" id="{F93CDA83-A5F7-4FA2-8E23-831C7C0A8284}"/>
+              </a:ext>
+            </a:extLst>
+          </p:cNvPr>
+          <p:cNvSpPr/>
+          <p:nvPr/>
+        </p:nvSpPr>
+        <p:spPr>
+          <a:xfrm>
+            <a:off x="2294709" y="2549012"/>
+            <a:ext cx="2831496" cy="2126653"/>
+          </a:xfrm>
+          <a:prstGeom prst="rect">
+            <a:avLst/>
+          </a:prstGeom>
+          <a:solidFill>
+            <a:srgbClr val="00B050">
+              <a:alpha val="30000"/>
+            </a:srgbClr>
+          </a:solidFill>
+          <a:ln w="38100">
+            <a:solidFill>
+              <a:srgbClr val="00B050"/>
+            </a:solidFill>
+            <a:prstDash val="dash"/>
+          </a:ln>
+        </p:spPr>
+        <p:style>
+          <a:lnRef idx="2">
+            <a:schemeClr val="accent1">
+              <a:shade val="50000"/>
+            </a:schemeClr>
+          </a:lnRef>
+          <a:fillRef idx="1">
+            <a:schemeClr val="accent1"/>
+          </a:fillRef>
+          <a:effectRef idx="0">
+            <a:schemeClr val="accent1"/>
+          </a:effectRef>
+          <a:fontRef idx="minor">
+            <a:schemeClr val="lt1"/>
+          </a:fontRef>
+        </p:style>
+        <p:txBody>
+          <a:bodyPr rtlCol="0" anchor="ctr"/>
+          <a:lstStyle/>
+          <a:p>
+            <a:pPr algn="ctr"/>
+            <a:endParaRPr lang="en-US"/>
+          </a:p>
+        </p:txBody>
+      </p:sp>
+      <p:sp>
+        <p:nvSpPr>
+          <p:cNvPr id="16" name="Rectangle 15">
+            <a:extLst>
+              <a:ext uri="{FF2B5EF4-FFF2-40B4-BE49-F238E27FC236}">
+                <a16:creationId xmlns:a16="http://schemas.microsoft.com/office/drawing/2014/main" id="{6680D444-6DC0-49C4-ABF4-048130B2BEE5}"/>
+              </a:ext>
+            </a:extLst>
+          </p:cNvPr>
+          <p:cNvSpPr/>
+          <p:nvPr/>
+        </p:nvSpPr>
+        <p:spPr>
+          <a:xfrm>
+            <a:off x="2940278" y="3202838"/>
+            <a:ext cx="1523164" cy="857445"/>
+          </a:xfrm>
+          <a:prstGeom prst="rect">
+            <a:avLst/>
+          </a:prstGeom>
+          <a:solidFill>
+            <a:srgbClr val="00B050">
+              <a:alpha val="30000"/>
+            </a:srgbClr>
+          </a:solidFill>
+          <a:ln>
+            <a:solidFill>
+              <a:srgbClr val="00B050"/>
+            </a:solidFill>
+          </a:ln>
+        </p:spPr>
+        <p:style>
+          <a:lnRef idx="2">
+            <a:schemeClr val="accent1">
+              <a:shade val="50000"/>
+            </a:schemeClr>
+          </a:lnRef>
+          <a:fillRef idx="1">
+            <a:schemeClr val="accent1"/>
+          </a:fillRef>
+          <a:effectRef idx="0">
+            <a:schemeClr val="accent1"/>
+          </a:effectRef>
+          <a:fontRef idx="minor">
+            <a:schemeClr val="lt1"/>
+          </a:fontRef>
+        </p:style>
+        <p:txBody>
+          <a:bodyPr rtlCol="0" anchor="ctr"/>
+          <a:lstStyle/>
+          <a:p>
+            <a:pPr algn="ctr"/>
+            <a:r>
+              <a:rPr lang="en-US" sz="2400" dirty="0">
+                <a:solidFill>
+                  <a:schemeClr val="tx1"/>
+                </a:solidFill>
+              </a:rPr>
+              <a:t>Detector</a:t>
+            </a:r>
+            <a:endParaRPr lang="en-US" sz="1600" dirty="0">
+              <a:solidFill>
+                <a:schemeClr val="tx1"/>
+              </a:solidFill>
+            </a:endParaRPr>
+          </a:p>
+        </p:txBody>
+      </p:sp>
+      <p:sp>
+        <p:nvSpPr>
+          <p:cNvPr id="17" name="Rectangle 16">
+            <a:extLst>
+              <a:ext uri="{FF2B5EF4-FFF2-40B4-BE49-F238E27FC236}">
+                <a16:creationId xmlns:a16="http://schemas.microsoft.com/office/drawing/2014/main" id="{277B7709-2AB1-4B25-A24E-41934F7E7ACA}"/>
+              </a:ext>
+            </a:extLst>
+          </p:cNvPr>
+          <p:cNvSpPr/>
+          <p:nvPr/>
+        </p:nvSpPr>
+        <p:spPr>
+          <a:xfrm>
+            <a:off x="6761359" y="2540154"/>
+            <a:ext cx="3058143" cy="3162137"/>
+          </a:xfrm>
+          <a:prstGeom prst="rect">
+            <a:avLst/>
+          </a:prstGeom>
+          <a:solidFill>
+            <a:srgbClr val="00B050">
+              <a:alpha val="30000"/>
+            </a:srgbClr>
+          </a:solidFill>
+          <a:ln w="38100">
+            <a:solidFill>
+              <a:srgbClr val="00B050"/>
+            </a:solidFill>
+            <a:prstDash val="dash"/>
+          </a:ln>
+        </p:spPr>
+        <p:style>
+          <a:lnRef idx="2">
+            <a:schemeClr val="accent1">
+              <a:shade val="50000"/>
+            </a:schemeClr>
+          </a:lnRef>
+          <a:fillRef idx="1">
+            <a:schemeClr val="accent1"/>
+          </a:fillRef>
+          <a:effectRef idx="0">
+            <a:schemeClr val="accent1"/>
+          </a:effectRef>
+          <a:fontRef idx="minor">
+            <a:schemeClr val="lt1"/>
+          </a:fontRef>
+        </p:style>
+        <p:txBody>
+          <a:bodyPr rtlCol="0" anchor="ctr"/>
+          <a:lstStyle/>
+          <a:p>
+            <a:pPr algn="ctr"/>
+            <a:endParaRPr lang="en-US"/>
+          </a:p>
+        </p:txBody>
+      </p:sp>
+      <p:pic>
+        <p:nvPicPr>
+          <p:cNvPr id="18" name="Picture 2" descr="https://scontent-lht6-1.xx.fbcdn.net/v/t1.15752-9/62254985_672072296568518_4989488770760835072_n.jpg?_nc_cat=103&amp;_nc_ht=scontent-lht6-1.xx&amp;oh=eb6cb0845e5f60f9314198718dd31721&amp;oe=5D7E4666">
+            <a:extLst>
+              <a:ext uri="{FF2B5EF4-FFF2-40B4-BE49-F238E27FC236}">
+                <a16:creationId xmlns:a16="http://schemas.microsoft.com/office/drawing/2014/main" id="{DB8C3A81-FE57-4B5F-9EDC-A9D3DDC88186}"/>
+              </a:ext>
+            </a:extLst>
+          </p:cNvPr>
+          <p:cNvPicPr>
+            <a:picLocks noChangeAspect="1" noChangeArrowheads="1"/>
+          </p:cNvPicPr>
+          <p:nvPr/>
+        </p:nvPicPr>
+        <p:blipFill>
+          <a:blip r:embed="rId2">
+            <a:extLst>
+              <a:ext uri="{28A0092B-C50C-407E-A947-70E740481C1C}">
+                <a14:useLocalDpi xmlns:a14="http://schemas.microsoft.com/office/drawing/2010/main" val="0"/>
+              </a:ext>
+            </a:extLst>
+          </a:blip>
+          <a:srcRect/>
+          <a:stretch>
+            <a:fillRect/>
+          </a:stretch>
+        </p:blipFill>
+        <p:spPr bwMode="auto">
+          <a:xfrm>
+            <a:off x="4810562" y="2774506"/>
+            <a:ext cx="2286000" cy="1714500"/>
+          </a:xfrm>
+          <a:prstGeom prst="rect">
+            <a:avLst/>
+          </a:prstGeom>
+          <a:noFill/>
+          <a:extLst>
+            <a:ext uri="{909E8E84-426E-40DD-AFC4-6F175D3DCCD1}">
+              <a14:hiddenFill xmlns:a14="http://schemas.microsoft.com/office/drawing/2010/main">
+                <a:solidFill>
+                  <a:srgbClr val="FFFFFF"/>
+                </a:solidFill>
+              </a14:hiddenFill>
+            </a:ext>
+          </a:extLst>
+        </p:spPr>
+      </p:pic>
+      <p:sp>
+        <p:nvSpPr>
+          <p:cNvPr id="19" name="Rectangle 18">
+            <a:extLst>
+              <a:ext uri="{FF2B5EF4-FFF2-40B4-BE49-F238E27FC236}">
+                <a16:creationId xmlns:a16="http://schemas.microsoft.com/office/drawing/2014/main" id="{2E62A24D-D1FF-4643-8A3E-D82387B9B71E}"/>
+              </a:ext>
+            </a:extLst>
+          </p:cNvPr>
+          <p:cNvSpPr/>
+          <p:nvPr/>
+        </p:nvSpPr>
+        <p:spPr>
+          <a:xfrm>
+            <a:off x="6183188" y="3113436"/>
+            <a:ext cx="771816" cy="1202948"/>
+          </a:xfrm>
+          <a:prstGeom prst="rect">
+            <a:avLst/>
+          </a:prstGeom>
+          <a:noFill/>
+          <a:ln w="38100">
+            <a:solidFill>
+              <a:srgbClr val="3BDB25"/>
+            </a:solidFill>
+            <a:prstDash val="solid"/>
+          </a:ln>
+        </p:spPr>
+        <p:style>
+          <a:lnRef idx="2">
+            <a:schemeClr val="accent1">
+              <a:shade val="50000"/>
+            </a:schemeClr>
+          </a:lnRef>
+          <a:fillRef idx="1">
+            <a:schemeClr val="accent1"/>
+          </a:fillRef>
+          <a:effectRef idx="0">
+            <a:schemeClr val="accent1"/>
+          </a:effectRef>
+          <a:fontRef idx="minor">
+            <a:schemeClr val="lt1"/>
+          </a:fontRef>
+        </p:style>
+        <p:txBody>
+          <a:bodyPr rtlCol="0" anchor="ctr"/>
+          <a:lstStyle/>
+          <a:p>
+            <a:pPr algn="ctr"/>
+            <a:endParaRPr lang="en-US"/>
+          </a:p>
+        </p:txBody>
+      </p:sp>
+      <p:sp>
+        <p:nvSpPr>
+          <p:cNvPr id="20" name="Rectangle 19">
+            <a:extLst>
+              <a:ext uri="{FF2B5EF4-FFF2-40B4-BE49-F238E27FC236}">
+                <a16:creationId xmlns:a16="http://schemas.microsoft.com/office/drawing/2014/main" id="{E30CD5D5-8D93-4065-9E7C-0028E243E26A}"/>
+              </a:ext>
+            </a:extLst>
+          </p:cNvPr>
+          <p:cNvSpPr/>
+          <p:nvPr/>
+        </p:nvSpPr>
+        <p:spPr>
+          <a:xfrm>
+            <a:off x="7605418" y="2694042"/>
+            <a:ext cx="1523164" cy="857445"/>
+          </a:xfrm>
+          <a:prstGeom prst="rect">
+            <a:avLst/>
+          </a:prstGeom>
+          <a:solidFill>
+            <a:srgbClr val="00B050">
+              <a:alpha val="30000"/>
+            </a:srgbClr>
+          </a:solidFill>
+          <a:ln>
+            <a:solidFill>
+              <a:srgbClr val="00B050"/>
+            </a:solidFill>
+          </a:ln>
+        </p:spPr>
+        <p:style>
+          <a:lnRef idx="2">
+            <a:schemeClr val="accent1">
+              <a:shade val="50000"/>
+            </a:schemeClr>
+          </a:lnRef>
+          <a:fillRef idx="1">
+            <a:schemeClr val="accent1"/>
+          </a:fillRef>
+          <a:effectRef idx="0">
+            <a:schemeClr val="accent1"/>
+          </a:effectRef>
+          <a:fontRef idx="minor">
+            <a:schemeClr val="lt1"/>
+          </a:fontRef>
+        </p:style>
+        <p:txBody>
+          <a:bodyPr rtlCol="0" anchor="ctr"/>
+          <a:lstStyle/>
+          <a:p>
+            <a:pPr algn="ctr"/>
+            <a:r>
+              <a:rPr lang="en-US" sz="2400" dirty="0" err="1">
+                <a:solidFill>
+                  <a:schemeClr val="tx1"/>
+                </a:solidFill>
+              </a:rPr>
+              <a:t>DeepSort</a:t>
+            </a:r>
+            <a:endParaRPr lang="en-US" sz="2400" dirty="0">
+              <a:solidFill>
+                <a:schemeClr val="tx1"/>
+              </a:solidFill>
+            </a:endParaRPr>
+          </a:p>
+          <a:p>
+            <a:pPr algn="ctr"/>
+            <a:r>
+              <a:rPr lang="en-US" sz="2400" dirty="0">
+                <a:solidFill>
+                  <a:schemeClr val="tx1"/>
+                </a:solidFill>
+              </a:rPr>
+              <a:t>Tracker</a:t>
+            </a:r>
+            <a:endParaRPr lang="en-US" sz="1600" dirty="0">
+              <a:solidFill>
+                <a:schemeClr val="tx1"/>
+              </a:solidFill>
+            </a:endParaRPr>
+          </a:p>
+        </p:txBody>
+      </p:sp>
+      <p:sp>
+        <p:nvSpPr>
+          <p:cNvPr id="21" name="Rectangle 20">
+            <a:extLst>
+              <a:ext uri="{FF2B5EF4-FFF2-40B4-BE49-F238E27FC236}">
+                <a16:creationId xmlns:a16="http://schemas.microsoft.com/office/drawing/2014/main" id="{C3431861-420D-469D-9C1A-2113C4B0DF78}"/>
+              </a:ext>
+            </a:extLst>
+          </p:cNvPr>
+          <p:cNvSpPr/>
+          <p:nvPr/>
+        </p:nvSpPr>
+        <p:spPr>
+          <a:xfrm>
+            <a:off x="7601754" y="3670802"/>
+            <a:ext cx="1523164" cy="857445"/>
+          </a:xfrm>
+          <a:prstGeom prst="rect">
+            <a:avLst/>
+          </a:prstGeom>
+          <a:solidFill>
+            <a:srgbClr val="00B050">
+              <a:alpha val="30000"/>
+            </a:srgbClr>
+          </a:solidFill>
+          <a:ln>
+            <a:solidFill>
+              <a:srgbClr val="00B050"/>
+            </a:solidFill>
+          </a:ln>
+        </p:spPr>
+        <p:style>
+          <a:lnRef idx="2">
+            <a:schemeClr val="accent1">
+              <a:shade val="50000"/>
+            </a:schemeClr>
+          </a:lnRef>
+          <a:fillRef idx="1">
+            <a:schemeClr val="accent1"/>
+          </a:fillRef>
+          <a:effectRef idx="0">
+            <a:schemeClr val="accent1"/>
+          </a:effectRef>
+          <a:fontRef idx="minor">
+            <a:schemeClr val="lt1"/>
+          </a:fontRef>
+        </p:style>
+        <p:txBody>
+          <a:bodyPr rtlCol="0" anchor="ctr"/>
+          <a:lstStyle/>
+          <a:p>
+            <a:pPr algn="ctr"/>
+            <a:r>
+              <a:rPr lang="en-US" sz="2400" dirty="0" err="1">
+                <a:solidFill>
+                  <a:schemeClr val="tx1"/>
+                </a:solidFill>
+              </a:rPr>
+              <a:t>OpenPose</a:t>
+            </a:r>
+            <a:endParaRPr lang="en-US" sz="1600" dirty="0">
+              <a:solidFill>
+                <a:schemeClr val="tx1"/>
+              </a:solidFill>
+            </a:endParaRPr>
+          </a:p>
+        </p:txBody>
+      </p:sp>
+      <p:cxnSp>
+        <p:nvCxnSpPr>
+          <p:cNvPr id="22" name="Straight Arrow Connector 21">
+            <a:extLst>
+              <a:ext uri="{FF2B5EF4-FFF2-40B4-BE49-F238E27FC236}">
+                <a16:creationId xmlns:a16="http://schemas.microsoft.com/office/drawing/2014/main" id="{032A9ABB-F41D-451E-B8FB-53864EAF6EDC}"/>
+              </a:ext>
+            </a:extLst>
+          </p:cNvPr>
+          <p:cNvCxnSpPr>
+            <a:cxnSpLocks/>
+            <a:endCxn id="16" idx="1"/>
+          </p:cNvCxnSpPr>
+          <p:nvPr/>
+        </p:nvCxnSpPr>
+        <p:spPr>
+          <a:xfrm>
+            <a:off x="1856935" y="3631561"/>
+            <a:ext cx="1083343" cy="0"/>
+          </a:xfrm>
+          <a:prstGeom prst="straightConnector1">
+            <a:avLst/>
+          </a:prstGeom>
+          <a:ln w="38100">
+            <a:solidFill>
+              <a:schemeClr val="accent6">
+                <a:lumMod val="50000"/>
+              </a:schemeClr>
+            </a:solidFill>
+            <a:tailEnd type="triangle"/>
+          </a:ln>
+        </p:spPr>
+        <p:style>
+          <a:lnRef idx="1">
+            <a:schemeClr val="accent1"/>
+          </a:lnRef>
+          <a:fillRef idx="0">
+            <a:schemeClr val="accent1"/>
+          </a:fillRef>
+          <a:effectRef idx="0">
+            <a:schemeClr val="accent1"/>
+          </a:effectRef>
+          <a:fontRef idx="minor">
+            <a:schemeClr val="tx1"/>
+          </a:fontRef>
+        </p:style>
+      </p:cxnSp>
+      <p:cxnSp>
+        <p:nvCxnSpPr>
+          <p:cNvPr id="23" name="Straight Arrow Connector 22">
+            <a:extLst>
+              <a:ext uri="{FF2B5EF4-FFF2-40B4-BE49-F238E27FC236}">
+                <a16:creationId xmlns:a16="http://schemas.microsoft.com/office/drawing/2014/main" id="{A367B66C-6D1B-4CD0-BC1D-C1A85E2489C6}"/>
+              </a:ext>
+            </a:extLst>
+          </p:cNvPr>
+          <p:cNvCxnSpPr>
+            <a:cxnSpLocks/>
+            <a:stCxn id="16" idx="3"/>
+            <a:endCxn id="18" idx="1"/>
+          </p:cNvCxnSpPr>
+          <p:nvPr/>
+        </p:nvCxnSpPr>
+        <p:spPr>
+          <a:xfrm>
+            <a:off x="4463442" y="3631561"/>
+            <a:ext cx="347120" cy="195"/>
+          </a:xfrm>
+          <a:prstGeom prst="straightConnector1">
+            <a:avLst/>
+          </a:prstGeom>
+          <a:ln w="38100">
+            <a:solidFill>
+              <a:schemeClr val="accent6">
+                <a:lumMod val="50000"/>
+              </a:schemeClr>
+            </a:solidFill>
+            <a:tailEnd type="triangle"/>
+          </a:ln>
+        </p:spPr>
+        <p:style>
+          <a:lnRef idx="1">
+            <a:schemeClr val="accent1"/>
+          </a:lnRef>
+          <a:fillRef idx="0">
+            <a:schemeClr val="accent1"/>
+          </a:fillRef>
+          <a:effectRef idx="0">
+            <a:schemeClr val="accent1"/>
+          </a:effectRef>
+          <a:fontRef idx="minor">
+            <a:schemeClr val="tx1"/>
+          </a:fontRef>
+        </p:style>
+      </p:cxnSp>
+      <p:cxnSp>
+        <p:nvCxnSpPr>
+          <p:cNvPr id="24" name="Connector: Elbow 23">
+            <a:extLst>
+              <a:ext uri="{FF2B5EF4-FFF2-40B4-BE49-F238E27FC236}">
+                <a16:creationId xmlns:a16="http://schemas.microsoft.com/office/drawing/2014/main" id="{F166FEA2-A1F6-4B3C-B1D5-8D4E62A0460F}"/>
+              </a:ext>
+            </a:extLst>
+          </p:cNvPr>
+          <p:cNvCxnSpPr>
+            <a:cxnSpLocks/>
+            <a:stCxn id="18" idx="3"/>
+            <a:endCxn id="21" idx="1"/>
+          </p:cNvCxnSpPr>
+          <p:nvPr/>
+        </p:nvCxnSpPr>
+        <p:spPr>
+          <a:xfrm>
+            <a:off x="7096562" y="3631756"/>
+            <a:ext cx="505192" cy="467769"/>
+          </a:xfrm>
+          <a:prstGeom prst="bentConnector3">
+            <a:avLst>
+              <a:gd name="adj1" fmla="val 50000"/>
+            </a:avLst>
+          </a:prstGeom>
+          <a:ln w="38100">
+            <a:solidFill>
+              <a:schemeClr val="accent6">
+                <a:lumMod val="50000"/>
+              </a:schemeClr>
+            </a:solidFill>
+            <a:tailEnd type="triangle"/>
+          </a:ln>
+        </p:spPr>
+        <p:style>
+          <a:lnRef idx="1">
+            <a:schemeClr val="accent1"/>
+          </a:lnRef>
+          <a:fillRef idx="0">
+            <a:schemeClr val="accent1"/>
+          </a:fillRef>
+          <a:effectRef idx="0">
+            <a:schemeClr val="accent1"/>
+          </a:effectRef>
+          <a:fontRef idx="minor">
+            <a:schemeClr val="tx1"/>
+          </a:fontRef>
+        </p:style>
+      </p:cxnSp>
+      <p:cxnSp>
+        <p:nvCxnSpPr>
+          <p:cNvPr id="25" name="Connector: Elbow 24">
+            <a:extLst>
+              <a:ext uri="{FF2B5EF4-FFF2-40B4-BE49-F238E27FC236}">
+                <a16:creationId xmlns:a16="http://schemas.microsoft.com/office/drawing/2014/main" id="{C0BE118B-314A-41C9-9934-B531C4DA9065}"/>
+              </a:ext>
+            </a:extLst>
+          </p:cNvPr>
+          <p:cNvCxnSpPr>
+            <a:cxnSpLocks/>
+            <a:stCxn id="18" idx="3"/>
+            <a:endCxn id="20" idx="1"/>
+          </p:cNvCxnSpPr>
+          <p:nvPr/>
+        </p:nvCxnSpPr>
+        <p:spPr>
+          <a:xfrm flipV="1">
+            <a:off x="7096562" y="3122765"/>
+            <a:ext cx="508856" cy="508991"/>
+          </a:xfrm>
+          <a:prstGeom prst="bentConnector3">
+            <a:avLst>
+              <a:gd name="adj1" fmla="val 50000"/>
+            </a:avLst>
+          </a:prstGeom>
+          <a:ln w="38100">
+            <a:solidFill>
+              <a:schemeClr val="accent6">
+                <a:lumMod val="50000"/>
+              </a:schemeClr>
+            </a:solidFill>
+            <a:tailEnd type="triangle"/>
+          </a:ln>
+        </p:spPr>
+        <p:style>
+          <a:lnRef idx="1">
+            <a:schemeClr val="accent1"/>
+          </a:lnRef>
+          <a:fillRef idx="0">
+            <a:schemeClr val="accent1"/>
+          </a:fillRef>
+          <a:effectRef idx="0">
+            <a:schemeClr val="accent1"/>
+          </a:effectRef>
+          <a:fontRef idx="minor">
+            <a:schemeClr val="tx1"/>
+          </a:fontRef>
+        </p:style>
+      </p:cxnSp>
+      <p:cxnSp>
+        <p:nvCxnSpPr>
+          <p:cNvPr id="26" name="Connector: Elbow 25">
+            <a:extLst>
+              <a:ext uri="{FF2B5EF4-FFF2-40B4-BE49-F238E27FC236}">
+                <a16:creationId xmlns:a16="http://schemas.microsoft.com/office/drawing/2014/main" id="{7361C509-D743-400E-8F71-7147EDDA0C07}"/>
+              </a:ext>
+            </a:extLst>
+          </p:cNvPr>
+          <p:cNvCxnSpPr>
+            <a:cxnSpLocks/>
+            <a:stCxn id="21" idx="3"/>
+          </p:cNvCxnSpPr>
+          <p:nvPr/>
+        </p:nvCxnSpPr>
+        <p:spPr>
+          <a:xfrm flipV="1">
+            <a:off x="9124918" y="4099524"/>
+            <a:ext cx="975768" cy="1"/>
+          </a:xfrm>
+          <a:prstGeom prst="bentConnector3">
+            <a:avLst>
+              <a:gd name="adj1" fmla="val 50000"/>
+            </a:avLst>
+          </a:prstGeom>
+          <a:ln w="38100">
+            <a:solidFill>
+              <a:schemeClr val="accent6">
+                <a:lumMod val="50000"/>
+              </a:schemeClr>
+            </a:solidFill>
+            <a:tailEnd type="triangle"/>
+          </a:ln>
+        </p:spPr>
+        <p:style>
+          <a:lnRef idx="1">
+            <a:schemeClr val="accent1"/>
+          </a:lnRef>
+          <a:fillRef idx="0">
+            <a:schemeClr val="accent1"/>
+          </a:fillRef>
+          <a:effectRef idx="0">
+            <a:schemeClr val="accent1"/>
+          </a:effectRef>
+          <a:fontRef idx="minor">
+            <a:schemeClr val="tx1"/>
+          </a:fontRef>
+        </p:style>
+      </p:cxnSp>
+      <p:sp>
+        <p:nvSpPr>
+          <p:cNvPr id="28" name="Rectangle 27">
+            <a:extLst>
+              <a:ext uri="{FF2B5EF4-FFF2-40B4-BE49-F238E27FC236}">
+                <a16:creationId xmlns:a16="http://schemas.microsoft.com/office/drawing/2014/main" id="{EF6F5A75-C57C-4186-A01C-48BD12F88775}"/>
+              </a:ext>
+            </a:extLst>
+          </p:cNvPr>
+          <p:cNvSpPr/>
+          <p:nvPr/>
+        </p:nvSpPr>
+        <p:spPr>
+          <a:xfrm>
+            <a:off x="6480175" y="3248041"/>
+            <a:ext cx="281184" cy="271656"/>
+          </a:xfrm>
+          <a:prstGeom prst="rect">
+            <a:avLst/>
+          </a:prstGeom>
+          <a:noFill/>
+          <a:ln w="38100">
+            <a:solidFill>
+              <a:srgbClr val="3BDB25"/>
+            </a:solidFill>
+            <a:prstDash val="solid"/>
+          </a:ln>
+        </p:spPr>
+        <p:style>
+          <a:lnRef idx="2">
+            <a:schemeClr val="accent1">
+              <a:shade val="50000"/>
+            </a:schemeClr>
+          </a:lnRef>
+          <a:fillRef idx="1">
+            <a:schemeClr val="accent1"/>
+          </a:fillRef>
+          <a:effectRef idx="0">
+            <a:schemeClr val="accent1"/>
+          </a:effectRef>
+          <a:fontRef idx="minor">
+            <a:schemeClr val="lt1"/>
+          </a:fontRef>
+        </p:style>
+        <p:txBody>
+          <a:bodyPr rtlCol="0" anchor="ctr"/>
+          <a:lstStyle/>
+          <a:p>
+            <a:pPr algn="ctr"/>
+            <a:endParaRPr lang="en-US"/>
+          </a:p>
+        </p:txBody>
+      </p:sp>
+      <p:sp>
+        <p:nvSpPr>
+          <p:cNvPr id="29" name="Rectangle 28">
+            <a:extLst>
+              <a:ext uri="{FF2B5EF4-FFF2-40B4-BE49-F238E27FC236}">
+                <a16:creationId xmlns:a16="http://schemas.microsoft.com/office/drawing/2014/main" id="{9D5A00E9-3DFE-4E75-BDE2-D9685842F3A3}"/>
+              </a:ext>
+            </a:extLst>
+          </p:cNvPr>
+          <p:cNvSpPr/>
+          <p:nvPr/>
+        </p:nvSpPr>
+        <p:spPr>
+          <a:xfrm>
+            <a:off x="7601367" y="4608516"/>
+            <a:ext cx="1523164" cy="857445"/>
+          </a:xfrm>
+          <a:prstGeom prst="rect">
+            <a:avLst/>
+          </a:prstGeom>
+          <a:solidFill>
+            <a:schemeClr val="bg1">
+              <a:lumMod val="75000"/>
+            </a:schemeClr>
+          </a:solidFill>
+          <a:ln>
+            <a:solidFill>
+              <a:srgbClr val="00B050"/>
+            </a:solidFill>
+          </a:ln>
+        </p:spPr>
+        <p:style>
+          <a:lnRef idx="2">
+            <a:schemeClr val="accent1">
+              <a:shade val="50000"/>
+            </a:schemeClr>
+          </a:lnRef>
+          <a:fillRef idx="1">
+            <a:schemeClr val="accent1"/>
+          </a:fillRef>
+          <a:effectRef idx="0">
+            <a:schemeClr val="accent1"/>
+          </a:effectRef>
+          <a:fontRef idx="minor">
+            <a:schemeClr val="lt1"/>
+          </a:fontRef>
+        </p:style>
+        <p:txBody>
+          <a:bodyPr rtlCol="0" anchor="ctr"/>
+          <a:lstStyle/>
+          <a:p>
+            <a:pPr algn="ctr"/>
+            <a:r>
+              <a:rPr lang="en-US" sz="2400" dirty="0" err="1">
+                <a:solidFill>
+                  <a:schemeClr val="tx1"/>
+                </a:solidFill>
+              </a:rPr>
+              <a:t>HeadPose</a:t>
+            </a:r>
+            <a:endParaRPr lang="en-US" sz="1600" dirty="0">
+              <a:solidFill>
+                <a:schemeClr val="tx1"/>
+              </a:solidFill>
+            </a:endParaRPr>
+          </a:p>
+        </p:txBody>
+      </p:sp>
+      <p:cxnSp>
+        <p:nvCxnSpPr>
+          <p:cNvPr id="32" name="Connector: Elbow 31">
+            <a:extLst>
+              <a:ext uri="{FF2B5EF4-FFF2-40B4-BE49-F238E27FC236}">
+                <a16:creationId xmlns:a16="http://schemas.microsoft.com/office/drawing/2014/main" id="{5D8AB174-C9F0-4EF7-BA34-9470145FE31B}"/>
+              </a:ext>
+            </a:extLst>
+          </p:cNvPr>
+          <p:cNvCxnSpPr>
+            <a:cxnSpLocks/>
+          </p:cNvCxnSpPr>
+          <p:nvPr/>
+        </p:nvCxnSpPr>
+        <p:spPr>
+          <a:xfrm flipV="1">
+            <a:off x="9124531" y="3105478"/>
+            <a:ext cx="975768" cy="1"/>
+          </a:xfrm>
+          <a:prstGeom prst="bentConnector3">
+            <a:avLst>
+              <a:gd name="adj1" fmla="val 50000"/>
+            </a:avLst>
+          </a:prstGeom>
+          <a:ln w="38100">
+            <a:solidFill>
+              <a:schemeClr val="accent6">
+                <a:lumMod val="50000"/>
+              </a:schemeClr>
+            </a:solidFill>
+            <a:tailEnd type="triangle"/>
+          </a:ln>
+        </p:spPr>
+        <p:style>
+          <a:lnRef idx="1">
+            <a:schemeClr val="accent1"/>
+          </a:lnRef>
+          <a:fillRef idx="0">
+            <a:schemeClr val="accent1"/>
+          </a:fillRef>
+          <a:effectRef idx="0">
+            <a:schemeClr val="accent1"/>
+          </a:effectRef>
+          <a:fontRef idx="minor">
+            <a:schemeClr val="tx1"/>
+          </a:fontRef>
+        </p:style>
+      </p:cxnSp>
+      <p:cxnSp>
+        <p:nvCxnSpPr>
+          <p:cNvPr id="33" name="Connector: Elbow 32">
+            <a:extLst>
+              <a:ext uri="{FF2B5EF4-FFF2-40B4-BE49-F238E27FC236}">
+                <a16:creationId xmlns:a16="http://schemas.microsoft.com/office/drawing/2014/main" id="{4BD0819A-8C18-4073-979D-C09DFF4F440D}"/>
+              </a:ext>
+            </a:extLst>
+          </p:cNvPr>
+          <p:cNvCxnSpPr>
+            <a:cxnSpLocks/>
+            <a:stCxn id="18" idx="3"/>
+            <a:endCxn id="29" idx="1"/>
+          </p:cNvCxnSpPr>
+          <p:nvPr/>
+        </p:nvCxnSpPr>
+        <p:spPr>
+          <a:xfrm>
+            <a:off x="7096562" y="3631756"/>
+            <a:ext cx="504805" cy="1405483"/>
+          </a:xfrm>
+          <a:prstGeom prst="bentConnector3">
+            <a:avLst>
+              <a:gd name="adj1" fmla="val 50000"/>
+            </a:avLst>
+          </a:prstGeom>
+          <a:ln w="38100">
+            <a:solidFill>
+              <a:schemeClr val="accent6">
+                <a:lumMod val="50000"/>
+              </a:schemeClr>
+            </a:solidFill>
+            <a:tailEnd type="triangle"/>
+          </a:ln>
+        </p:spPr>
+        <p:style>
+          <a:lnRef idx="1">
+            <a:schemeClr val="accent1"/>
+          </a:lnRef>
+          <a:fillRef idx="0">
+            <a:schemeClr val="accent1"/>
+          </a:fillRef>
+          <a:effectRef idx="0">
+            <a:schemeClr val="accent1"/>
+          </a:effectRef>
+          <a:fontRef idx="minor">
+            <a:schemeClr val="tx1"/>
+          </a:fontRef>
+        </p:style>
+      </p:cxnSp>
+      <p:cxnSp>
+        <p:nvCxnSpPr>
+          <p:cNvPr id="37" name="Connector: Elbow 36">
+            <a:extLst>
+              <a:ext uri="{FF2B5EF4-FFF2-40B4-BE49-F238E27FC236}">
+                <a16:creationId xmlns:a16="http://schemas.microsoft.com/office/drawing/2014/main" id="{5000CBA5-D67D-4D95-81EE-CB9D4D5E71BD}"/>
+              </a:ext>
+            </a:extLst>
+          </p:cNvPr>
+          <p:cNvCxnSpPr>
+            <a:cxnSpLocks/>
+          </p:cNvCxnSpPr>
+          <p:nvPr/>
+        </p:nvCxnSpPr>
+        <p:spPr>
+          <a:xfrm flipV="1">
+            <a:off x="9117432" y="5037238"/>
+            <a:ext cx="975768" cy="1"/>
+          </a:xfrm>
+          <a:prstGeom prst="bentConnector3">
+            <a:avLst>
+              <a:gd name="adj1" fmla="val 50000"/>
+            </a:avLst>
+          </a:prstGeom>
+          <a:ln w="38100">
+            <a:solidFill>
+              <a:schemeClr val="accent6">
+                <a:lumMod val="50000"/>
+              </a:schemeClr>
+            </a:solidFill>
+            <a:tailEnd type="triangle"/>
+          </a:ln>
+        </p:spPr>
+        <p:style>
+          <a:lnRef idx="1">
+            <a:schemeClr val="accent1"/>
+          </a:lnRef>
+          <a:fillRef idx="0">
+            <a:schemeClr val="accent1"/>
+          </a:fillRef>
+          <a:effectRef idx="0">
+            <a:schemeClr val="accent1"/>
+          </a:effectRef>
+          <a:fontRef idx="minor">
+            <a:schemeClr val="tx1"/>
+          </a:fontRef>
+        </p:style>
+      </p:cxnSp>
+      <p:sp>
+        <p:nvSpPr>
+          <p:cNvPr id="38" name="TextBox 37">
+            <a:extLst>
+              <a:ext uri="{FF2B5EF4-FFF2-40B4-BE49-F238E27FC236}">
+                <a16:creationId xmlns:a16="http://schemas.microsoft.com/office/drawing/2014/main" id="{DC3FCA26-DD6E-4978-8809-E55A81486211}"/>
+              </a:ext>
+            </a:extLst>
+          </p:cNvPr>
+          <p:cNvSpPr txBox="1"/>
+          <p:nvPr/>
+        </p:nvSpPr>
+        <p:spPr>
+          <a:xfrm>
+            <a:off x="10068441" y="2922709"/>
+            <a:ext cx="1523164" cy="400110"/>
+          </a:xfrm>
+          <a:prstGeom prst="rect">
+            <a:avLst/>
+          </a:prstGeom>
+          <a:noFill/>
+        </p:spPr>
+        <p:txBody>
+          <a:bodyPr wrap="square" rtlCol="0">
+            <a:spAutoFit/>
+          </a:bodyPr>
+          <a:lstStyle/>
+          <a:p>
+            <a:pPr algn="ctr"/>
+            <a:r>
+              <a:rPr lang="en-US" sz="2000" b="1" dirty="0">
+                <a:latin typeface="+mj-lt"/>
+              </a:rPr>
+              <a:t>Tracking ID</a:t>
+            </a:r>
+          </a:p>
+        </p:txBody>
+      </p:sp>
+      <p:sp>
+        <p:nvSpPr>
+          <p:cNvPr id="39" name="TextBox 38">
+            <a:extLst>
+              <a:ext uri="{FF2B5EF4-FFF2-40B4-BE49-F238E27FC236}">
+                <a16:creationId xmlns:a16="http://schemas.microsoft.com/office/drawing/2014/main" id="{1D4BAA14-1ED4-4FFF-B6C9-B35FB231BADD}"/>
+              </a:ext>
+            </a:extLst>
+          </p:cNvPr>
+          <p:cNvSpPr txBox="1"/>
+          <p:nvPr/>
+        </p:nvSpPr>
+        <p:spPr>
+          <a:xfrm>
+            <a:off x="10068442" y="3899469"/>
+            <a:ext cx="1689627" cy="400110"/>
+          </a:xfrm>
+          <a:prstGeom prst="rect">
+            <a:avLst/>
+          </a:prstGeom>
+          <a:noFill/>
+        </p:spPr>
+        <p:txBody>
+          <a:bodyPr wrap="square" rtlCol="0">
+            <a:spAutoFit/>
+          </a:bodyPr>
+          <a:lstStyle/>
+          <a:p>
+            <a:pPr algn="ctr"/>
+            <a:r>
+              <a:rPr lang="en-US" sz="2000" b="1" dirty="0">
+                <a:latin typeface="+mj-lt"/>
+              </a:rPr>
+              <a:t>Body Direction</a:t>
+            </a:r>
+          </a:p>
+        </p:txBody>
+      </p:sp>
+      <p:sp>
+        <p:nvSpPr>
+          <p:cNvPr id="40" name="TextBox 39">
+            <a:extLst>
+              <a:ext uri="{FF2B5EF4-FFF2-40B4-BE49-F238E27FC236}">
+                <a16:creationId xmlns:a16="http://schemas.microsoft.com/office/drawing/2014/main" id="{CA3E8C58-3A5E-4BAA-ACEE-E9B7F3189185}"/>
+              </a:ext>
+            </a:extLst>
+          </p:cNvPr>
+          <p:cNvSpPr txBox="1"/>
+          <p:nvPr/>
+        </p:nvSpPr>
+        <p:spPr>
+          <a:xfrm>
+            <a:off x="10068441" y="4837183"/>
+            <a:ext cx="1689627" cy="400110"/>
+          </a:xfrm>
+          <a:prstGeom prst="rect">
+            <a:avLst/>
+          </a:prstGeom>
+          <a:noFill/>
+        </p:spPr>
+        <p:txBody>
+          <a:bodyPr wrap="square" rtlCol="0">
+            <a:spAutoFit/>
+          </a:bodyPr>
+          <a:lstStyle/>
+          <a:p>
+            <a:pPr algn="ctr"/>
+            <a:r>
+              <a:rPr lang="en-US" sz="2000" b="1" dirty="0">
+                <a:latin typeface="+mj-lt"/>
+              </a:rPr>
+              <a:t>Head Direction</a:t>
+            </a:r>
+          </a:p>
+        </p:txBody>
+      </p:sp>
+      <p:sp>
+        <p:nvSpPr>
+          <p:cNvPr id="41" name="TextBox 40">
+            <a:extLst>
+              <a:ext uri="{FF2B5EF4-FFF2-40B4-BE49-F238E27FC236}">
+                <a16:creationId xmlns:a16="http://schemas.microsoft.com/office/drawing/2014/main" id="{311421DC-AD25-4E48-AB9E-62506166085A}"/>
+              </a:ext>
+            </a:extLst>
+          </p:cNvPr>
+          <p:cNvSpPr txBox="1"/>
+          <p:nvPr/>
+        </p:nvSpPr>
+        <p:spPr>
+          <a:xfrm>
+            <a:off x="7452131" y="1998230"/>
+            <a:ext cx="1689101" cy="461665"/>
+          </a:xfrm>
+          <a:prstGeom prst="rect">
+            <a:avLst/>
+          </a:prstGeom>
+          <a:noFill/>
+        </p:spPr>
+        <p:txBody>
+          <a:bodyPr wrap="square" rtlCol="0">
+            <a:spAutoFit/>
+          </a:bodyPr>
+          <a:lstStyle/>
+          <a:p>
+            <a:pPr algn="ctr"/>
+            <a:r>
+              <a:rPr lang="en-US" sz="2400" dirty="0">
+                <a:latin typeface="+mj-lt"/>
+              </a:rPr>
+              <a:t>YACHT</a:t>
+            </a:r>
+          </a:p>
+        </p:txBody>
+      </p:sp>
+      <p:sp>
+        <p:nvSpPr>
+          <p:cNvPr id="42" name="TextBox 41">
+            <a:extLst>
+              <a:ext uri="{FF2B5EF4-FFF2-40B4-BE49-F238E27FC236}">
+                <a16:creationId xmlns:a16="http://schemas.microsoft.com/office/drawing/2014/main" id="{EE959714-704F-43B3-815D-1DDE065B06C1}"/>
+              </a:ext>
+            </a:extLst>
+          </p:cNvPr>
+          <p:cNvSpPr txBox="1"/>
+          <p:nvPr/>
+        </p:nvSpPr>
+        <p:spPr>
+          <a:xfrm>
+            <a:off x="2863851" y="2023026"/>
+            <a:ext cx="1689101" cy="461665"/>
+          </a:xfrm>
+          <a:prstGeom prst="rect">
+            <a:avLst/>
+          </a:prstGeom>
+          <a:noFill/>
+        </p:spPr>
+        <p:txBody>
+          <a:bodyPr wrap="square" rtlCol="0">
+            <a:spAutoFit/>
+          </a:bodyPr>
+          <a:lstStyle/>
+          <a:p>
+            <a:pPr algn="ctr"/>
+            <a:r>
+              <a:rPr lang="en-US" sz="2400" dirty="0">
+                <a:latin typeface="+mj-lt"/>
+              </a:rPr>
+              <a:t>YOLO</a:t>
+            </a:r>
+          </a:p>
+        </p:txBody>
+      </p:sp>
+      <p:sp>
+        <p:nvSpPr>
+          <p:cNvPr id="43" name="Rectangle 42">
+            <a:extLst>
+              <a:ext uri="{FF2B5EF4-FFF2-40B4-BE49-F238E27FC236}">
+                <a16:creationId xmlns:a16="http://schemas.microsoft.com/office/drawing/2014/main" id="{12599CD0-AE85-4CC4-8526-BABED6228ECE}"/>
+              </a:ext>
+            </a:extLst>
+          </p:cNvPr>
+          <p:cNvSpPr/>
+          <p:nvPr/>
+        </p:nvSpPr>
+        <p:spPr>
+          <a:xfrm>
+            <a:off x="4820148" y="1998230"/>
+            <a:ext cx="2395565" cy="646331"/>
+          </a:xfrm>
+          <a:prstGeom prst="rect">
+            <a:avLst/>
+          </a:prstGeom>
+        </p:spPr>
+        <p:txBody>
+          <a:bodyPr wrap="square">
+            <a:spAutoFit/>
+          </a:bodyPr>
+          <a:lstStyle/>
+          <a:p>
+            <a:pPr algn="ctr"/>
+            <a:r>
+              <a:rPr lang="en-US" b="1" dirty="0"/>
+              <a:t>Head and Body Detections</a:t>
+            </a:r>
+          </a:p>
+        </p:txBody>
+      </p:sp>
+    </p:spTree>
+    <p:extLst>
+      <p:ext uri="{BB962C8B-B14F-4D97-AF65-F5344CB8AC3E}">
+        <p14:creationId xmlns:p14="http://schemas.microsoft.com/office/powerpoint/2010/main" val="3392747940"/>
+      </p:ext>
+    </p:extLst>
+  </p:cSld>
+  <p:clrMapOvr>
+    <a:masterClrMapping/>
+  </p:clrMapOvr>
+</p:sld>
+</file>
+
+<file path=ppt/slides/slide5.xml><?xml version="1.0" encoding="utf-8"?>
+<p:sld xmlns:a="http://schemas.openxmlformats.org/drawingml/2006/main" xmlns:r="http://schemas.openxmlformats.org/officeDocument/2006/relationships" xmlns:p="http://schemas.openxmlformats.org/presentationml/2006/main">
+  <p:cSld>
+    <p:spTree>
+      <p:nvGrpSpPr>
+        <p:cNvPr id="1" name=""/>
+        <p:cNvGrpSpPr/>
+        <p:nvPr/>
+      </p:nvGrpSpPr>
+      <p:grpSpPr>
+        <a:xfrm>
+          <a:off x="0" y="0"/>
+          <a:ext cx="0" cy="0"/>
+          <a:chOff x="0" y="0"/>
+          <a:chExt cx="0" cy="0"/>
+        </a:xfrm>
+      </p:grpSpPr>
       <p:grpSp>
         <p:nvGrpSpPr>
           <p:cNvPr id="7" name="Group 6">
@@ -7146,7 +8347,7 @@
 </p:sld>
 </file>
 
-<file path=ppt/slides/slide5.xml><?xml version="1.0" encoding="utf-8"?>
+<file path=ppt/slides/slide6.xml><?xml version="1.0" encoding="utf-8"?>
 <p:sld xmlns:a="http://schemas.openxmlformats.org/drawingml/2006/main" xmlns:r="http://schemas.openxmlformats.org/officeDocument/2006/relationships" xmlns:p="http://schemas.openxmlformats.org/presentationml/2006/main">
   <p:cSld>
     <p:spTree>
@@ -7163,12 +8364,48 @@
           <a:chExt cx="0" cy="0"/>
         </a:xfrm>
       </p:grpSpPr>
-      <p:sp>
-        <p:nvSpPr>
-          <p:cNvPr id="4" name="Rectangle 3">
-            <a:extLst>
-              <a:ext uri="{FF2B5EF4-FFF2-40B4-BE49-F238E27FC236}">
-                <a16:creationId xmlns:a16="http://schemas.microsoft.com/office/drawing/2014/main" id="{CDCE9312-79E8-4B2D-B6A8-30DA14EA4A52}"/>
+      <p:pic>
+        <p:nvPicPr>
+          <p:cNvPr id="98" name="Picture 97" descr="A person standing in a room&#10;&#10;Description automatically generated">
+            <a:extLst>
+              <a:ext uri="{FF2B5EF4-FFF2-40B4-BE49-F238E27FC236}">
+                <a16:creationId xmlns:a16="http://schemas.microsoft.com/office/drawing/2014/main" id="{3343EE9E-7D94-4FAE-B509-EDB49DC4FE37}"/>
+              </a:ext>
+            </a:extLst>
+          </p:cNvPr>
+          <p:cNvPicPr>
+            <a:picLocks noChangeAspect="1"/>
+          </p:cNvPicPr>
+          <p:nvPr/>
+        </p:nvPicPr>
+        <p:blipFill>
+          <a:blip r:embed="rId2">
+            <a:extLst>
+              <a:ext uri="{28A0092B-C50C-407E-A947-70E740481C1C}">
+                <a14:useLocalDpi xmlns:a14="http://schemas.microsoft.com/office/drawing/2010/main" val="0"/>
+              </a:ext>
+            </a:extLst>
+          </a:blip>
+          <a:stretch>
+            <a:fillRect/>
+          </a:stretch>
+        </p:blipFill>
+        <p:spPr>
+          <a:xfrm>
+            <a:off x="9855231" y="2462548"/>
+            <a:ext cx="1857821" cy="1045024"/>
+          </a:xfrm>
+          <a:prstGeom prst="rect">
+            <a:avLst/>
+          </a:prstGeom>
+        </p:spPr>
+      </p:pic>
+      <p:sp>
+        <p:nvSpPr>
+          <p:cNvPr id="21" name="Rectangle 20">
+            <a:extLst>
+              <a:ext uri="{FF2B5EF4-FFF2-40B4-BE49-F238E27FC236}">
+                <a16:creationId xmlns:a16="http://schemas.microsoft.com/office/drawing/2014/main" id="{94359554-2917-49A2-9D84-322600C4E2BF}"/>
               </a:ext>
             </a:extLst>
           </p:cNvPr>
@@ -7177,8 +8414,61 @@
         </p:nvSpPr>
         <p:spPr>
           <a:xfrm>
-            <a:off x="4984218" y="-2630714"/>
-            <a:ext cx="3017158" cy="2630714"/>
+            <a:off x="3257550" y="1950224"/>
+            <a:ext cx="6393997" cy="3777332"/>
+          </a:xfrm>
+          <a:prstGeom prst="rect">
+            <a:avLst/>
+          </a:prstGeom>
+          <a:noFill/>
+          <a:ln w="38100">
+            <a:solidFill>
+              <a:srgbClr val="FF0000"/>
+            </a:solidFill>
+            <a:prstDash val="dash"/>
+          </a:ln>
+        </p:spPr>
+        <p:style>
+          <a:lnRef idx="2">
+            <a:schemeClr val="accent1">
+              <a:shade val="50000"/>
+            </a:schemeClr>
+          </a:lnRef>
+          <a:fillRef idx="1">
+            <a:schemeClr val="accent1"/>
+          </a:fillRef>
+          <a:effectRef idx="0">
+            <a:schemeClr val="accent1"/>
+          </a:effectRef>
+          <a:fontRef idx="minor">
+            <a:schemeClr val="lt1"/>
+          </a:fontRef>
+        </p:style>
+        <p:txBody>
+          <a:bodyPr rtlCol="0" anchor="ctr"/>
+          <a:lstStyle/>
+          <a:p>
+            <a:pPr algn="ctr"/>
+            <a:endParaRPr lang="en-US"/>
+          </a:p>
+        </p:txBody>
+      </p:sp>
+      <p:sp>
+        <p:nvSpPr>
+          <p:cNvPr id="22" name="Rectangle 21">
+            <a:extLst>
+              <a:ext uri="{FF2B5EF4-FFF2-40B4-BE49-F238E27FC236}">
+                <a16:creationId xmlns:a16="http://schemas.microsoft.com/office/drawing/2014/main" id="{5257A542-3986-46FE-AFA0-4D4309097AB5}"/>
+              </a:ext>
+            </a:extLst>
+          </p:cNvPr>
+          <p:cNvSpPr/>
+          <p:nvPr/>
+        </p:nvSpPr>
+        <p:spPr>
+          <a:xfrm>
+            <a:off x="3549634" y="2358930"/>
+            <a:ext cx="5827583" cy="1265530"/>
           </a:xfrm>
           <a:prstGeom prst="rect">
             <a:avLst/>
@@ -7222,51 +8512,10 @@
       </p:sp>
       <p:sp>
         <p:nvSpPr>
-          <p:cNvPr id="5" name="TextBox 4">
-            <a:extLst>
-              <a:ext uri="{FF2B5EF4-FFF2-40B4-BE49-F238E27FC236}">
-                <a16:creationId xmlns:a16="http://schemas.microsoft.com/office/drawing/2014/main" id="{E0552230-2F83-4676-8F7D-6A13C8148D5B}"/>
-              </a:ext>
-            </a:extLst>
-          </p:cNvPr>
-          <p:cNvSpPr txBox="1"/>
-          <p:nvPr/>
-        </p:nvSpPr>
-        <p:spPr>
-          <a:xfrm>
-            <a:off x="5798833" y="-3095624"/>
-            <a:ext cx="1387928" cy="461665"/>
-          </a:xfrm>
-          <a:prstGeom prst="rect">
-            <a:avLst/>
-          </a:prstGeom>
-          <a:noFill/>
-        </p:spPr>
-        <p:txBody>
-          <a:bodyPr wrap="square" rtlCol="0">
-            <a:spAutoFit/>
-          </a:bodyPr>
-          <a:lstStyle/>
-          <a:p>
-            <a:pPr algn="ctr"/>
-            <a:r>
-              <a:rPr lang="en-US" sz="2400" dirty="0">
-                <a:solidFill>
-                  <a:srgbClr val="FF0000"/>
-                </a:solidFill>
-                <a:latin typeface="+mj-lt"/>
-              </a:rPr>
-              <a:t>Hololens</a:t>
-            </a:r>
-          </a:p>
-        </p:txBody>
-      </p:sp>
-      <p:sp>
-        <p:nvSpPr>
-          <p:cNvPr id="6" name="Rectangle 5">
-            <a:extLst>
-              <a:ext uri="{FF2B5EF4-FFF2-40B4-BE49-F238E27FC236}">
-                <a16:creationId xmlns:a16="http://schemas.microsoft.com/office/drawing/2014/main" id="{DEC27A60-301A-4124-9A4F-6E934969DE19}"/>
+          <p:cNvPr id="26" name="Rectangle 25">
+            <a:extLst>
+              <a:ext uri="{FF2B5EF4-FFF2-40B4-BE49-F238E27FC236}">
+                <a16:creationId xmlns:a16="http://schemas.microsoft.com/office/drawing/2014/main" id="{808FB399-FAB4-4192-9610-D2ABD9EFD9D5}"/>
               </a:ext>
             </a:extLst>
           </p:cNvPr>
@@ -7275,8 +8524,8 @@
         </p:nvSpPr>
         <p:spPr>
           <a:xfrm>
-            <a:off x="5307159" y="-2380306"/>
-            <a:ext cx="1037772" cy="584200"/>
+            <a:off x="3778448" y="2562973"/>
+            <a:ext cx="1523164" cy="857445"/>
           </a:xfrm>
           <a:prstGeom prst="rect">
             <a:avLst/>
@@ -7314,22 +8563,27 @@
           <a:p>
             <a:pPr algn="ctr"/>
             <a:r>
-              <a:rPr lang="en-US" sz="1600" dirty="0">
+              <a:rPr lang="en-US" sz="2400" dirty="0">
                 <a:solidFill>
                   <a:schemeClr val="tx1"/>
                 </a:solidFill>
               </a:rPr>
               <a:t>World Camera</a:t>
             </a:r>
-          </a:p>
-        </p:txBody>
-      </p:sp>
-      <p:sp>
-        <p:nvSpPr>
-          <p:cNvPr id="7" name="Rectangle 6">
-            <a:extLst>
-              <a:ext uri="{FF2B5EF4-FFF2-40B4-BE49-F238E27FC236}">
-                <a16:creationId xmlns:a16="http://schemas.microsoft.com/office/drawing/2014/main" id="{FB9CD608-0952-429B-8FD9-3E0ED241CB99}"/>
+            <a:endParaRPr lang="en-US" sz="1600" dirty="0">
+              <a:solidFill>
+                <a:schemeClr val="tx1"/>
+              </a:solidFill>
+            </a:endParaRPr>
+          </a:p>
+        </p:txBody>
+      </p:sp>
+      <p:sp>
+        <p:nvSpPr>
+          <p:cNvPr id="27" name="Rectangle 26">
+            <a:extLst>
+              <a:ext uri="{FF2B5EF4-FFF2-40B4-BE49-F238E27FC236}">
+                <a16:creationId xmlns:a16="http://schemas.microsoft.com/office/drawing/2014/main" id="{C1817007-25E5-4458-978E-19D755D03DC4}"/>
               </a:ext>
             </a:extLst>
           </p:cNvPr>
@@ -7338,8 +8592,8 @@
         </p:nvSpPr>
         <p:spPr>
           <a:xfrm>
-            <a:off x="6738632" y="-1597118"/>
-            <a:ext cx="1037772" cy="584200"/>
+            <a:off x="5657474" y="2556337"/>
+            <a:ext cx="1523164" cy="857445"/>
           </a:xfrm>
           <a:prstGeom prst="rect">
             <a:avLst/>
@@ -7382,17 +8636,30 @@
                   <a:schemeClr val="tx1"/>
                 </a:solidFill>
               </a:rPr>
-              <a:t>World Manager</a:t>
-            </a:r>
-          </a:p>
-        </p:txBody>
-      </p:sp>
-      <p:sp>
-        <p:nvSpPr>
-          <p:cNvPr id="8" name="Rectangle 7">
-            <a:extLst>
-              <a:ext uri="{FF2B5EF4-FFF2-40B4-BE49-F238E27FC236}">
-                <a16:creationId xmlns:a16="http://schemas.microsoft.com/office/drawing/2014/main" id="{A918E7E2-6A90-4C73-B9FB-498172DD4E19}"/>
+              <a:t>Vulcan </a:t>
+            </a:r>
+            <a:r>
+              <a:rPr lang="en-US" sz="1600" dirty="0" err="1">
+                <a:solidFill>
+                  <a:schemeClr val="tx1"/>
+                </a:solidFill>
+              </a:rPr>
+              <a:t>CameraStream</a:t>
+            </a:r>
+            <a:endParaRPr lang="en-US" sz="1100" dirty="0">
+              <a:solidFill>
+                <a:schemeClr val="tx1"/>
+              </a:solidFill>
+            </a:endParaRPr>
+          </a:p>
+        </p:txBody>
+      </p:sp>
+      <p:sp>
+        <p:nvSpPr>
+          <p:cNvPr id="28" name="Rectangle 27">
+            <a:extLst>
+              <a:ext uri="{FF2B5EF4-FFF2-40B4-BE49-F238E27FC236}">
+                <a16:creationId xmlns:a16="http://schemas.microsoft.com/office/drawing/2014/main" id="{ECB67FC2-427F-439A-97C7-55AF311C4096}"/>
               </a:ext>
             </a:extLst>
           </p:cNvPr>
@@ -7401,8 +8668,8 @@
         </p:nvSpPr>
         <p:spPr>
           <a:xfrm>
-            <a:off x="6738632" y="-2380306"/>
-            <a:ext cx="1037772" cy="584200"/>
+            <a:off x="7548746" y="2556337"/>
+            <a:ext cx="1523164" cy="857445"/>
           </a:xfrm>
           <a:prstGeom prst="rect">
             <a:avLst/>
@@ -7440,85 +8707,65 @@
           <a:p>
             <a:pPr algn="ctr"/>
             <a:r>
-              <a:rPr lang="en-US" sz="1600" dirty="0">
+              <a:rPr lang="en-US" sz="2400" dirty="0">
                 <a:solidFill>
                   <a:schemeClr val="tx1"/>
                 </a:solidFill>
               </a:rPr>
-              <a:t>Camera Stream</a:t>
-            </a:r>
-          </a:p>
-        </p:txBody>
-      </p:sp>
-      <p:sp>
-        <p:nvSpPr>
-          <p:cNvPr id="9" name="Rectangle 8">
-            <a:extLst>
-              <a:ext uri="{FF2B5EF4-FFF2-40B4-BE49-F238E27FC236}">
-                <a16:creationId xmlns:a16="http://schemas.microsoft.com/office/drawing/2014/main" id="{2F9456D6-431C-4364-BBA2-1D9F677436A9}"/>
-              </a:ext>
-            </a:extLst>
-          </p:cNvPr>
-          <p:cNvSpPr/>
-          <p:nvPr/>
-        </p:nvSpPr>
-        <p:spPr>
-          <a:xfrm>
-            <a:off x="5307159" y="-740192"/>
-            <a:ext cx="1037772" cy="584200"/>
+              <a:t>JPG Encoding</a:t>
+            </a:r>
+            <a:endParaRPr lang="en-US" sz="1600" dirty="0">
+              <a:solidFill>
+                <a:schemeClr val="tx1"/>
+              </a:solidFill>
+            </a:endParaRPr>
+          </a:p>
+        </p:txBody>
+      </p:sp>
+      <p:sp>
+        <p:nvSpPr>
+          <p:cNvPr id="29" name="TextBox 28">
+            <a:extLst>
+              <a:ext uri="{FF2B5EF4-FFF2-40B4-BE49-F238E27FC236}">
+                <a16:creationId xmlns:a16="http://schemas.microsoft.com/office/drawing/2014/main" id="{DBBD2413-0201-4371-9243-E06D25808A52}"/>
+              </a:ext>
+            </a:extLst>
+          </p:cNvPr>
+          <p:cNvSpPr txBox="1"/>
+          <p:nvPr/>
+        </p:nvSpPr>
+        <p:spPr>
+          <a:xfrm>
+            <a:off x="4640864" y="1466304"/>
+            <a:ext cx="3703865" cy="461665"/>
           </a:xfrm>
           <a:prstGeom prst="rect">
             <a:avLst/>
           </a:prstGeom>
-          <a:solidFill>
-            <a:srgbClr val="FF0000">
-              <a:alpha val="30000"/>
-            </a:srgbClr>
-          </a:solidFill>
-          <a:ln>
-            <a:solidFill>
-              <a:srgbClr val="FF0000"/>
-            </a:solidFill>
-          </a:ln>
-        </p:spPr>
-        <p:style>
-          <a:lnRef idx="2">
-            <a:schemeClr val="accent1">
-              <a:shade val="50000"/>
-            </a:schemeClr>
-          </a:lnRef>
-          <a:fillRef idx="1">
-            <a:schemeClr val="accent1"/>
-          </a:fillRef>
-          <a:effectRef idx="0">
-            <a:schemeClr val="accent1"/>
-          </a:effectRef>
-          <a:fontRef idx="minor">
-            <a:schemeClr val="lt1"/>
-          </a:fontRef>
-        </p:style>
-        <p:txBody>
-          <a:bodyPr rtlCol="0" anchor="ctr"/>
+          <a:noFill/>
+        </p:spPr>
+        <p:txBody>
+          <a:bodyPr wrap="square" rtlCol="0">
+            <a:spAutoFit/>
+          </a:bodyPr>
           <a:lstStyle/>
           <a:p>
             <a:pPr algn="ctr"/>
             <a:r>
-              <a:rPr lang="en-US" sz="1600" dirty="0">
-                <a:solidFill>
-                  <a:schemeClr val="tx1"/>
-                </a:solidFill>
+              <a:rPr lang="en-US" sz="2400" dirty="0">
+                <a:latin typeface="+mj-lt"/>
               </a:rPr>
-              <a:t>ARTA Alignment</a:t>
-            </a:r>
-          </a:p>
-        </p:txBody>
-      </p:sp>
-      <p:sp>
-        <p:nvSpPr>
-          <p:cNvPr id="10" name="Rectangle 9">
-            <a:extLst>
-              <a:ext uri="{FF2B5EF4-FFF2-40B4-BE49-F238E27FC236}">
-                <a16:creationId xmlns:a16="http://schemas.microsoft.com/office/drawing/2014/main" id="{6FA2B6D7-8B53-4C3C-9845-20CFD1F71E1E}"/>
+              <a:t>Hololens Unity Application</a:t>
+            </a:r>
+          </a:p>
+        </p:txBody>
+      </p:sp>
+      <p:sp>
+        <p:nvSpPr>
+          <p:cNvPr id="30" name="Rectangle 29">
+            <a:extLst>
+              <a:ext uri="{FF2B5EF4-FFF2-40B4-BE49-F238E27FC236}">
+                <a16:creationId xmlns:a16="http://schemas.microsoft.com/office/drawing/2014/main" id="{DF35D282-D33A-423E-9753-99C36620A8F0}"/>
               </a:ext>
             </a:extLst>
           </p:cNvPr>
@@ -7527,571 +8774,8 @@
         </p:nvSpPr>
         <p:spPr>
           <a:xfrm>
-            <a:off x="6738632" y="-759604"/>
-            <a:ext cx="1037772" cy="584200"/>
-          </a:xfrm>
-          <a:prstGeom prst="rect">
-            <a:avLst/>
-          </a:prstGeom>
-          <a:solidFill>
-            <a:srgbClr val="FF0000">
-              <a:alpha val="30000"/>
-            </a:srgbClr>
-          </a:solidFill>
-          <a:ln>
-            <a:solidFill>
-              <a:srgbClr val="FF0000"/>
-            </a:solidFill>
-          </a:ln>
-        </p:spPr>
-        <p:style>
-          <a:lnRef idx="2">
-            <a:schemeClr val="accent1">
-              <a:shade val="50000"/>
-            </a:schemeClr>
-          </a:lnRef>
-          <a:fillRef idx="1">
-            <a:schemeClr val="accent1"/>
-          </a:fillRef>
-          <a:effectRef idx="0">
-            <a:schemeClr val="accent1"/>
-          </a:effectRef>
-          <a:fontRef idx="minor">
-            <a:schemeClr val="lt1"/>
-          </a:fontRef>
-        </p:style>
-        <p:txBody>
-          <a:bodyPr rtlCol="0" anchor="ctr"/>
-          <a:lstStyle/>
-          <a:p>
-            <a:pPr algn="ctr"/>
-            <a:r>
-              <a:rPr lang="en-US" sz="1600" dirty="0">
-                <a:solidFill>
-                  <a:schemeClr val="tx1"/>
-                </a:solidFill>
-              </a:rPr>
-              <a:t>Visuals</a:t>
-            </a:r>
-          </a:p>
-        </p:txBody>
-      </p:sp>
-      <p:cxnSp>
-        <p:nvCxnSpPr>
-          <p:cNvPr id="11" name="Straight Arrow Connector 10">
-            <a:extLst>
-              <a:ext uri="{FF2B5EF4-FFF2-40B4-BE49-F238E27FC236}">
-                <a16:creationId xmlns:a16="http://schemas.microsoft.com/office/drawing/2014/main" id="{59245887-D240-4826-9F17-92C3B9435156}"/>
-              </a:ext>
-            </a:extLst>
-          </p:cNvPr>
-          <p:cNvCxnSpPr>
-            <a:cxnSpLocks/>
-            <a:stCxn id="6" idx="3"/>
-            <a:endCxn id="8" idx="1"/>
-          </p:cNvCxnSpPr>
-          <p:nvPr/>
-        </p:nvCxnSpPr>
-        <p:spPr>
-          <a:xfrm>
-            <a:off x="6344931" y="-2088206"/>
-            <a:ext cx="393701" cy="0"/>
-          </a:xfrm>
-          <a:prstGeom prst="straightConnector1">
-            <a:avLst/>
-          </a:prstGeom>
-          <a:ln w="38100">
-            <a:solidFill>
-              <a:srgbClr val="FF0000"/>
-            </a:solidFill>
-            <a:tailEnd type="triangle"/>
-          </a:ln>
-        </p:spPr>
-        <p:style>
-          <a:lnRef idx="1">
-            <a:schemeClr val="accent1"/>
-          </a:lnRef>
-          <a:fillRef idx="0">
-            <a:schemeClr val="accent1"/>
-          </a:fillRef>
-          <a:effectRef idx="0">
-            <a:schemeClr val="accent1"/>
-          </a:effectRef>
-          <a:fontRef idx="minor">
-            <a:schemeClr val="tx1"/>
-          </a:fontRef>
-        </p:style>
-      </p:cxnSp>
-      <p:cxnSp>
-        <p:nvCxnSpPr>
-          <p:cNvPr id="12" name="Straight Arrow Connector 11">
-            <a:extLst>
-              <a:ext uri="{FF2B5EF4-FFF2-40B4-BE49-F238E27FC236}">
-                <a16:creationId xmlns:a16="http://schemas.microsoft.com/office/drawing/2014/main" id="{1B9F47F5-03BF-4D86-B8E7-ECDD2279C30F}"/>
-              </a:ext>
-            </a:extLst>
-          </p:cNvPr>
-          <p:cNvCxnSpPr>
-            <a:cxnSpLocks/>
-            <a:stCxn id="7" idx="2"/>
-            <a:endCxn id="10" idx="0"/>
-          </p:cNvCxnSpPr>
-          <p:nvPr/>
-        </p:nvCxnSpPr>
-        <p:spPr>
-          <a:xfrm>
-            <a:off x="7257518" y="-1012918"/>
-            <a:ext cx="0" cy="253314"/>
-          </a:xfrm>
-          <a:prstGeom prst="straightConnector1">
-            <a:avLst/>
-          </a:prstGeom>
-          <a:ln w="38100">
-            <a:solidFill>
-              <a:srgbClr val="FF0000"/>
-            </a:solidFill>
-            <a:tailEnd type="triangle"/>
-          </a:ln>
-        </p:spPr>
-        <p:style>
-          <a:lnRef idx="1">
-            <a:schemeClr val="accent1"/>
-          </a:lnRef>
-          <a:fillRef idx="0">
-            <a:schemeClr val="accent1"/>
-          </a:fillRef>
-          <a:effectRef idx="0">
-            <a:schemeClr val="accent1"/>
-          </a:effectRef>
-          <a:fontRef idx="minor">
-            <a:schemeClr val="tx1"/>
-          </a:fontRef>
-        </p:style>
-      </p:cxnSp>
-      <p:cxnSp>
-        <p:nvCxnSpPr>
-          <p:cNvPr id="13" name="Connector: Elbow 12">
-            <a:extLst>
-              <a:ext uri="{FF2B5EF4-FFF2-40B4-BE49-F238E27FC236}">
-                <a16:creationId xmlns:a16="http://schemas.microsoft.com/office/drawing/2014/main" id="{25FC06FE-BFFC-48A2-B966-FD61183DDBF7}"/>
-              </a:ext>
-            </a:extLst>
-          </p:cNvPr>
-          <p:cNvCxnSpPr>
-            <a:cxnSpLocks/>
-            <a:stCxn id="9" idx="0"/>
-          </p:cNvCxnSpPr>
-          <p:nvPr/>
-        </p:nvCxnSpPr>
-        <p:spPr>
-          <a:xfrm rot="5400000" flipH="1" flipV="1">
-            <a:off x="6075176" y="-1401965"/>
-            <a:ext cx="412642" cy="910905"/>
-          </a:xfrm>
-          <a:prstGeom prst="bentConnector2">
-            <a:avLst/>
-          </a:prstGeom>
-          <a:ln w="38100">
-            <a:solidFill>
-              <a:srgbClr val="FF0000"/>
-            </a:solidFill>
-            <a:tailEnd type="triangle"/>
-          </a:ln>
-        </p:spPr>
-        <p:style>
-          <a:lnRef idx="1">
-            <a:schemeClr val="accent1"/>
-          </a:lnRef>
-          <a:fillRef idx="0">
-            <a:schemeClr val="accent1"/>
-          </a:fillRef>
-          <a:effectRef idx="0">
-            <a:schemeClr val="accent1"/>
-          </a:effectRef>
-          <a:fontRef idx="minor">
-            <a:schemeClr val="tx1"/>
-          </a:fontRef>
-        </p:style>
-      </p:cxnSp>
-      <p:cxnSp>
-        <p:nvCxnSpPr>
-          <p:cNvPr id="14" name="Straight Arrow Connector 13">
-            <a:extLst>
-              <a:ext uri="{FF2B5EF4-FFF2-40B4-BE49-F238E27FC236}">
-                <a16:creationId xmlns:a16="http://schemas.microsoft.com/office/drawing/2014/main" id="{D75F5F4C-FCE2-48F2-8B23-6732DCA65981}"/>
-              </a:ext>
-            </a:extLst>
-          </p:cNvPr>
-          <p:cNvCxnSpPr>
-            <a:cxnSpLocks/>
-            <a:stCxn id="8" idx="3"/>
-          </p:cNvCxnSpPr>
-          <p:nvPr/>
-        </p:nvCxnSpPr>
-        <p:spPr>
-          <a:xfrm flipV="1">
-            <a:off x="7776404" y="-2091453"/>
-            <a:ext cx="1054186" cy="3247"/>
-          </a:xfrm>
-          <a:prstGeom prst="straightConnector1">
-            <a:avLst/>
-          </a:prstGeom>
-          <a:ln w="38100">
-            <a:solidFill>
-              <a:srgbClr val="FF0000"/>
-            </a:solidFill>
-            <a:tailEnd type="triangle"/>
-          </a:ln>
-        </p:spPr>
-        <p:style>
-          <a:lnRef idx="1">
-            <a:schemeClr val="accent1"/>
-          </a:lnRef>
-          <a:fillRef idx="0">
-            <a:schemeClr val="accent1"/>
-          </a:fillRef>
-          <a:effectRef idx="0">
-            <a:schemeClr val="accent1"/>
-          </a:effectRef>
-          <a:fontRef idx="minor">
-            <a:schemeClr val="tx1"/>
-          </a:fontRef>
-        </p:style>
-      </p:cxnSp>
-      <p:cxnSp>
-        <p:nvCxnSpPr>
-          <p:cNvPr id="15" name="Connector: Elbow 14">
-            <a:extLst>
-              <a:ext uri="{FF2B5EF4-FFF2-40B4-BE49-F238E27FC236}">
-                <a16:creationId xmlns:a16="http://schemas.microsoft.com/office/drawing/2014/main" id="{BDB227AE-C6DC-4F0F-837E-4636C15017BA}"/>
-              </a:ext>
-            </a:extLst>
-          </p:cNvPr>
-          <p:cNvCxnSpPr>
-            <a:cxnSpLocks/>
-          </p:cNvCxnSpPr>
-          <p:nvPr/>
-        </p:nvCxnSpPr>
-        <p:spPr>
-          <a:xfrm rot="10800000">
-            <a:off x="7790066" y="-1481213"/>
-            <a:ext cx="1040525" cy="172949"/>
-          </a:xfrm>
-          <a:prstGeom prst="bentConnector3">
-            <a:avLst>
-              <a:gd name="adj1" fmla="val 42358"/>
-            </a:avLst>
-          </a:prstGeom>
-          <a:ln w="38100">
-            <a:solidFill>
-              <a:srgbClr val="00B050"/>
-            </a:solidFill>
-            <a:tailEnd type="triangle"/>
-          </a:ln>
-        </p:spPr>
-        <p:style>
-          <a:lnRef idx="1">
-            <a:schemeClr val="accent1"/>
-          </a:lnRef>
-          <a:fillRef idx="0">
-            <a:schemeClr val="accent1"/>
-          </a:fillRef>
-          <a:effectRef idx="0">
-            <a:schemeClr val="accent1"/>
-          </a:effectRef>
-          <a:fontRef idx="minor">
-            <a:schemeClr val="tx1"/>
-          </a:fontRef>
-        </p:style>
-      </p:cxnSp>
-      <p:cxnSp>
-        <p:nvCxnSpPr>
-          <p:cNvPr id="16" name="Connector: Elbow 15">
-            <a:extLst>
-              <a:ext uri="{FF2B5EF4-FFF2-40B4-BE49-F238E27FC236}">
-                <a16:creationId xmlns:a16="http://schemas.microsoft.com/office/drawing/2014/main" id="{A41129E1-8C9D-43F8-9286-90053A07C3A0}"/>
-              </a:ext>
-            </a:extLst>
-          </p:cNvPr>
-          <p:cNvCxnSpPr>
-            <a:cxnSpLocks/>
-          </p:cNvCxnSpPr>
-          <p:nvPr/>
-        </p:nvCxnSpPr>
-        <p:spPr>
-          <a:xfrm rot="10800000">
-            <a:off x="7790066" y="-1232037"/>
-            <a:ext cx="1040524" cy="758380"/>
-          </a:xfrm>
-          <a:prstGeom prst="bentConnector3">
-            <a:avLst>
-              <a:gd name="adj1" fmla="val 60189"/>
-            </a:avLst>
-          </a:prstGeom>
-          <a:ln w="38100">
-            <a:solidFill>
-              <a:srgbClr val="00B050"/>
-            </a:solidFill>
-            <a:tailEnd type="triangle"/>
-          </a:ln>
-        </p:spPr>
-        <p:style>
-          <a:lnRef idx="1">
-            <a:schemeClr val="accent1"/>
-          </a:lnRef>
-          <a:fillRef idx="0">
-            <a:schemeClr val="accent1"/>
-          </a:fillRef>
-          <a:effectRef idx="0">
-            <a:schemeClr val="accent1"/>
-          </a:effectRef>
-          <a:fontRef idx="minor">
-            <a:schemeClr val="tx1"/>
-          </a:fontRef>
-        </p:style>
-      </p:cxnSp>
-      <p:cxnSp>
-        <p:nvCxnSpPr>
-          <p:cNvPr id="17" name="Straight Arrow Connector 16">
-            <a:extLst>
-              <a:ext uri="{FF2B5EF4-FFF2-40B4-BE49-F238E27FC236}">
-                <a16:creationId xmlns:a16="http://schemas.microsoft.com/office/drawing/2014/main" id="{BBA7AFEE-8942-46CB-81A9-B0CB8800BE0D}"/>
-              </a:ext>
-            </a:extLst>
-          </p:cNvPr>
-          <p:cNvCxnSpPr>
-            <a:cxnSpLocks/>
-          </p:cNvCxnSpPr>
-          <p:nvPr/>
-        </p:nvCxnSpPr>
-        <p:spPr>
-          <a:xfrm>
-            <a:off x="3549634" y="-1785767"/>
-            <a:ext cx="905" cy="224698"/>
-          </a:xfrm>
-          <a:prstGeom prst="straightConnector1">
-            <a:avLst/>
-          </a:prstGeom>
-          <a:ln w="38100">
-            <a:solidFill>
-              <a:srgbClr val="0070C0"/>
-            </a:solidFill>
-            <a:tailEnd type="triangle"/>
-          </a:ln>
-        </p:spPr>
-        <p:style>
-          <a:lnRef idx="1">
-            <a:schemeClr val="accent1"/>
-          </a:lnRef>
-          <a:fillRef idx="0">
-            <a:schemeClr val="accent1"/>
-          </a:fillRef>
-          <a:effectRef idx="0">
-            <a:schemeClr val="accent1"/>
-          </a:effectRef>
-          <a:fontRef idx="minor">
-            <a:schemeClr val="tx1"/>
-          </a:fontRef>
-        </p:style>
-      </p:cxnSp>
-      <p:cxnSp>
-        <p:nvCxnSpPr>
-          <p:cNvPr id="18" name="Straight Arrow Connector 17">
-            <a:extLst>
-              <a:ext uri="{FF2B5EF4-FFF2-40B4-BE49-F238E27FC236}">
-                <a16:creationId xmlns:a16="http://schemas.microsoft.com/office/drawing/2014/main" id="{012C8750-F744-4928-B9D6-DCDACBF7E75A}"/>
-              </a:ext>
-            </a:extLst>
-          </p:cNvPr>
-          <p:cNvCxnSpPr>
-            <a:cxnSpLocks/>
-          </p:cNvCxnSpPr>
-          <p:nvPr/>
-        </p:nvCxnSpPr>
-        <p:spPr>
-          <a:xfrm flipV="1">
-            <a:off x="3549634" y="-976869"/>
-            <a:ext cx="905" cy="247016"/>
-          </a:xfrm>
-          <a:prstGeom prst="straightConnector1">
-            <a:avLst/>
-          </a:prstGeom>
-          <a:ln w="38100">
-            <a:solidFill>
-              <a:srgbClr val="0070C0"/>
-            </a:solidFill>
-            <a:tailEnd type="triangle"/>
-          </a:ln>
-        </p:spPr>
-        <p:style>
-          <a:lnRef idx="1">
-            <a:schemeClr val="accent1"/>
-          </a:lnRef>
-          <a:fillRef idx="0">
-            <a:schemeClr val="accent1"/>
-          </a:fillRef>
-          <a:effectRef idx="0">
-            <a:schemeClr val="accent1"/>
-          </a:effectRef>
-          <a:fontRef idx="minor">
-            <a:schemeClr val="tx1"/>
-          </a:fontRef>
-        </p:style>
-      </p:cxnSp>
-      <p:cxnSp>
-        <p:nvCxnSpPr>
-          <p:cNvPr id="19" name="Connector: Elbow 18">
-            <a:extLst>
-              <a:ext uri="{FF2B5EF4-FFF2-40B4-BE49-F238E27FC236}">
-                <a16:creationId xmlns:a16="http://schemas.microsoft.com/office/drawing/2014/main" id="{52483BCE-2791-45D9-99F9-1A623AB990D8}"/>
-              </a:ext>
-            </a:extLst>
-          </p:cNvPr>
-          <p:cNvCxnSpPr>
-            <a:cxnSpLocks/>
-          </p:cNvCxnSpPr>
-          <p:nvPr/>
-        </p:nvCxnSpPr>
-        <p:spPr>
-          <a:xfrm rot="10800000" flipV="1">
-            <a:off x="4068520" y="-1446947"/>
-            <a:ext cx="2656450" cy="1009193"/>
-          </a:xfrm>
-          <a:prstGeom prst="bentConnector3">
-            <a:avLst>
-              <a:gd name="adj1" fmla="val 77824"/>
-            </a:avLst>
-          </a:prstGeom>
-          <a:ln w="38100">
-            <a:solidFill>
-              <a:srgbClr val="FF0000"/>
-            </a:solidFill>
-            <a:tailEnd type="triangle"/>
-          </a:ln>
-        </p:spPr>
-        <p:style>
-          <a:lnRef idx="1">
-            <a:schemeClr val="accent1"/>
-          </a:lnRef>
-          <a:fillRef idx="0">
-            <a:schemeClr val="accent1"/>
-          </a:fillRef>
-          <a:effectRef idx="0">
-            <a:schemeClr val="accent1"/>
-          </a:effectRef>
-          <a:fontRef idx="minor">
-            <a:schemeClr val="tx1"/>
-          </a:fontRef>
-        </p:style>
-      </p:cxnSp>
-      <p:cxnSp>
-        <p:nvCxnSpPr>
-          <p:cNvPr id="20" name="Straight Arrow Connector 19">
-            <a:extLst>
-              <a:ext uri="{FF2B5EF4-FFF2-40B4-BE49-F238E27FC236}">
-                <a16:creationId xmlns:a16="http://schemas.microsoft.com/office/drawing/2014/main" id="{67A7B4B5-1E40-4043-81CD-B9BEBC98BF65}"/>
-              </a:ext>
-            </a:extLst>
-          </p:cNvPr>
-          <p:cNvCxnSpPr/>
-          <p:nvPr/>
-        </p:nvCxnSpPr>
-        <p:spPr>
-          <a:xfrm flipV="1">
-            <a:off x="4069425" y="-1282555"/>
-            <a:ext cx="2667525" cy="13586"/>
-          </a:xfrm>
-          <a:prstGeom prst="straightConnector1">
-            <a:avLst/>
-          </a:prstGeom>
-          <a:ln w="38100">
-            <a:tailEnd type="triangle"/>
-          </a:ln>
-        </p:spPr>
-        <p:style>
-          <a:lnRef idx="1">
-            <a:schemeClr val="accent1"/>
-          </a:lnRef>
-          <a:fillRef idx="0">
-            <a:schemeClr val="accent1"/>
-          </a:fillRef>
-          <a:effectRef idx="0">
-            <a:schemeClr val="accent1"/>
-          </a:effectRef>
-          <a:fontRef idx="minor">
-            <a:schemeClr val="tx1"/>
-          </a:fontRef>
-        </p:style>
-      </p:cxnSp>
-      <p:sp>
-        <p:nvSpPr>
-          <p:cNvPr id="21" name="Rectangle 20">
-            <a:extLst>
-              <a:ext uri="{FF2B5EF4-FFF2-40B4-BE49-F238E27FC236}">
-                <a16:creationId xmlns:a16="http://schemas.microsoft.com/office/drawing/2014/main" id="{94359554-2917-49A2-9D84-322600C4E2BF}"/>
-              </a:ext>
-            </a:extLst>
-          </p:cNvPr>
-          <p:cNvSpPr/>
-          <p:nvPr/>
-        </p:nvSpPr>
-        <p:spPr>
-          <a:xfrm>
-            <a:off x="1258205" y="1950224"/>
-            <a:ext cx="10076545" cy="3777332"/>
-          </a:xfrm>
-          <a:prstGeom prst="rect">
-            <a:avLst/>
-          </a:prstGeom>
-          <a:noFill/>
-          <a:ln w="38100">
-            <a:solidFill>
-              <a:srgbClr val="FF0000"/>
-            </a:solidFill>
-            <a:prstDash val="dash"/>
-          </a:ln>
-        </p:spPr>
-        <p:style>
-          <a:lnRef idx="2">
-            <a:schemeClr val="accent1">
-              <a:shade val="50000"/>
-            </a:schemeClr>
-          </a:lnRef>
-          <a:fillRef idx="1">
-            <a:schemeClr val="accent1"/>
-          </a:fillRef>
-          <a:effectRef idx="0">
-            <a:schemeClr val="accent1"/>
-          </a:effectRef>
-          <a:fontRef idx="minor">
-            <a:schemeClr val="lt1"/>
-          </a:fontRef>
-        </p:style>
-        <p:txBody>
-          <a:bodyPr rtlCol="0" anchor="ctr"/>
-          <a:lstStyle/>
-          <a:p>
-            <a:pPr algn="ctr"/>
-            <a:endParaRPr lang="en-US"/>
-          </a:p>
-        </p:txBody>
-      </p:sp>
-      <p:sp>
-        <p:nvSpPr>
-          <p:cNvPr id="22" name="Rectangle 21">
-            <a:extLst>
-              <a:ext uri="{FF2B5EF4-FFF2-40B4-BE49-F238E27FC236}">
-                <a16:creationId xmlns:a16="http://schemas.microsoft.com/office/drawing/2014/main" id="{5257A542-3986-46FE-AFA0-4D4309097AB5}"/>
-              </a:ext>
-            </a:extLst>
-          </p:cNvPr>
-          <p:cNvSpPr/>
-          <p:nvPr/>
-        </p:nvSpPr>
-        <p:spPr>
-          <a:xfrm>
-            <a:off x="4506186" y="2163471"/>
-            <a:ext cx="5761764" cy="1654180"/>
+            <a:off x="3611915" y="4033166"/>
+            <a:ext cx="5761764" cy="1265530"/>
           </a:xfrm>
           <a:prstGeom prst="rect">
             <a:avLst/>
@@ -8135,10 +8819,10 @@
       </p:sp>
       <p:sp>
         <p:nvSpPr>
-          <p:cNvPr id="26" name="Rectangle 25">
-            <a:extLst>
-              <a:ext uri="{FF2B5EF4-FFF2-40B4-BE49-F238E27FC236}">
-                <a16:creationId xmlns:a16="http://schemas.microsoft.com/office/drawing/2014/main" id="{808FB399-FAB4-4192-9610-D2ABD9EFD9D5}"/>
+          <p:cNvPr id="31" name="Rectangle 30">
+            <a:extLst>
+              <a:ext uri="{FF2B5EF4-FFF2-40B4-BE49-F238E27FC236}">
+                <a16:creationId xmlns:a16="http://schemas.microsoft.com/office/drawing/2014/main" id="{0353DCC1-19BC-4ABB-9D78-4A0CAF74EAB6}"/>
               </a:ext>
             </a:extLst>
           </p:cNvPr>
@@ -8147,7 +8831,7 @@
         </p:nvSpPr>
         <p:spPr>
           <a:xfrm>
-            <a:off x="4758333" y="2386066"/>
+            <a:off x="5663597" y="4237664"/>
             <a:ext cx="1523164" cy="857445"/>
           </a:xfrm>
           <a:prstGeom prst="rect">
@@ -8191,7 +8875,7 @@
                   <a:schemeClr val="tx1"/>
                 </a:solidFill>
               </a:rPr>
-              <a:t>World Camera</a:t>
+              <a:t>World Manager</a:t>
             </a:r>
             <a:endParaRPr lang="en-US" sz="1600" dirty="0">
               <a:solidFill>
@@ -8203,10 +8887,10 @@
       </p:sp>
       <p:sp>
         <p:nvSpPr>
-          <p:cNvPr id="27" name="Rectangle 26">
-            <a:extLst>
-              <a:ext uri="{FF2B5EF4-FFF2-40B4-BE49-F238E27FC236}">
-                <a16:creationId xmlns:a16="http://schemas.microsoft.com/office/drawing/2014/main" id="{C1817007-25E5-4458-978E-19D755D03DC4}"/>
+          <p:cNvPr id="33" name="Rectangle 32">
+            <a:extLst>
+              <a:ext uri="{FF2B5EF4-FFF2-40B4-BE49-F238E27FC236}">
+                <a16:creationId xmlns:a16="http://schemas.microsoft.com/office/drawing/2014/main" id="{7F7F09B3-AED5-426B-A704-FC5ACE18F70C}"/>
               </a:ext>
             </a:extLst>
           </p:cNvPr>
@@ -8215,7 +8899,7 @@
         </p:nvSpPr>
         <p:spPr>
           <a:xfrm>
-            <a:off x="6614026" y="2381032"/>
+            <a:off x="3778448" y="4234578"/>
             <a:ext cx="1523164" cy="857445"/>
           </a:xfrm>
           <a:prstGeom prst="rect">
@@ -8254,22 +8938,14 @@
           <a:p>
             <a:pPr algn="ctr"/>
             <a:r>
-              <a:rPr lang="en-US" sz="1600" dirty="0">
+              <a:rPr lang="en-US" sz="2400" dirty="0">
                 <a:solidFill>
                   <a:schemeClr val="tx1"/>
                 </a:solidFill>
               </a:rPr>
-              <a:t>Vulcan </a:t>
-            </a:r>
-            <a:r>
-              <a:rPr lang="en-US" sz="1600" dirty="0" err="1">
-                <a:solidFill>
-                  <a:schemeClr val="tx1"/>
-                </a:solidFill>
-              </a:rPr>
-              <a:t>CameraStream</a:t>
-            </a:r>
-            <a:endParaRPr lang="en-US" sz="1100" dirty="0">
+              <a:t>Arta Alignment</a:t>
+            </a:r>
+            <a:endParaRPr lang="en-US" sz="1600" dirty="0">
               <a:solidFill>
                 <a:schemeClr val="tx1"/>
               </a:solidFill>
@@ -8279,10 +8955,10 @@
       </p:sp>
       <p:sp>
         <p:nvSpPr>
-          <p:cNvPr id="28" name="Rectangle 27">
-            <a:extLst>
-              <a:ext uri="{FF2B5EF4-FFF2-40B4-BE49-F238E27FC236}">
-                <a16:creationId xmlns:a16="http://schemas.microsoft.com/office/drawing/2014/main" id="{ECB67FC2-427F-439A-97C7-55AF311C4096}"/>
+          <p:cNvPr id="34" name="Rectangle 33">
+            <a:extLst>
+              <a:ext uri="{FF2B5EF4-FFF2-40B4-BE49-F238E27FC236}">
+                <a16:creationId xmlns:a16="http://schemas.microsoft.com/office/drawing/2014/main" id="{26A74798-17FD-4C17-8C6E-4BCC2D7FDA9A}"/>
               </a:ext>
             </a:extLst>
           </p:cNvPr>
@@ -8291,7 +8967,7 @@
         </p:nvSpPr>
         <p:spPr>
           <a:xfrm>
-            <a:off x="8469720" y="2381032"/>
+            <a:off x="7548746" y="4234579"/>
             <a:ext cx="1523164" cy="857445"/>
           </a:xfrm>
           <a:prstGeom prst="rect">
@@ -8335,13 +9011,732 @@
                   <a:schemeClr val="tx1"/>
                 </a:solidFill>
               </a:rPr>
-              <a:t>JPG Encoder</a:t>
+              <a:t>Holograms</a:t>
             </a:r>
             <a:endParaRPr lang="en-US" sz="1600" dirty="0">
               <a:solidFill>
                 <a:schemeClr val="tx1"/>
               </a:solidFill>
             </a:endParaRPr>
+          </a:p>
+        </p:txBody>
+      </p:sp>
+      <p:cxnSp>
+        <p:nvCxnSpPr>
+          <p:cNvPr id="36" name="Straight Arrow Connector 35">
+            <a:extLst>
+              <a:ext uri="{FF2B5EF4-FFF2-40B4-BE49-F238E27FC236}">
+                <a16:creationId xmlns:a16="http://schemas.microsoft.com/office/drawing/2014/main" id="{987A67EE-3CC1-4DFE-A8CE-DCAF74B2C2B5}"/>
+              </a:ext>
+            </a:extLst>
+          </p:cNvPr>
+          <p:cNvCxnSpPr>
+            <a:cxnSpLocks/>
+            <a:endCxn id="26" idx="1"/>
+          </p:cNvCxnSpPr>
+          <p:nvPr/>
+        </p:nvCxnSpPr>
+        <p:spPr>
+          <a:xfrm>
+            <a:off x="3007531" y="2991695"/>
+            <a:ext cx="770917" cy="1"/>
+          </a:xfrm>
+          <a:prstGeom prst="straightConnector1">
+            <a:avLst/>
+          </a:prstGeom>
+          <a:ln w="38100">
+            <a:solidFill>
+              <a:srgbClr val="C00000"/>
+            </a:solidFill>
+            <a:tailEnd type="triangle"/>
+          </a:ln>
+        </p:spPr>
+        <p:style>
+          <a:lnRef idx="1">
+            <a:schemeClr val="accent1"/>
+          </a:lnRef>
+          <a:fillRef idx="0">
+            <a:schemeClr val="accent1"/>
+          </a:fillRef>
+          <a:effectRef idx="0">
+            <a:schemeClr val="accent1"/>
+          </a:effectRef>
+          <a:fontRef idx="minor">
+            <a:schemeClr val="tx1"/>
+          </a:fontRef>
+        </p:style>
+      </p:cxnSp>
+      <p:cxnSp>
+        <p:nvCxnSpPr>
+          <p:cNvPr id="39" name="Straight Arrow Connector 38">
+            <a:extLst>
+              <a:ext uri="{FF2B5EF4-FFF2-40B4-BE49-F238E27FC236}">
+                <a16:creationId xmlns:a16="http://schemas.microsoft.com/office/drawing/2014/main" id="{2B628637-4DD9-4546-9432-175031F0C6E6}"/>
+              </a:ext>
+            </a:extLst>
+          </p:cNvPr>
+          <p:cNvCxnSpPr>
+            <a:cxnSpLocks/>
+            <a:stCxn id="26" idx="3"/>
+            <a:endCxn id="27" idx="1"/>
+          </p:cNvCxnSpPr>
+          <p:nvPr/>
+        </p:nvCxnSpPr>
+        <p:spPr>
+          <a:xfrm flipV="1">
+            <a:off x="5301612" y="2985060"/>
+            <a:ext cx="355862" cy="6636"/>
+          </a:xfrm>
+          <a:prstGeom prst="straightConnector1">
+            <a:avLst/>
+          </a:prstGeom>
+          <a:ln w="38100">
+            <a:solidFill>
+              <a:srgbClr val="C00000"/>
+            </a:solidFill>
+            <a:tailEnd type="triangle"/>
+          </a:ln>
+        </p:spPr>
+        <p:style>
+          <a:lnRef idx="1">
+            <a:schemeClr val="accent1"/>
+          </a:lnRef>
+          <a:fillRef idx="0">
+            <a:schemeClr val="accent1"/>
+          </a:fillRef>
+          <a:effectRef idx="0">
+            <a:schemeClr val="accent1"/>
+          </a:effectRef>
+          <a:fontRef idx="minor">
+            <a:schemeClr val="tx1"/>
+          </a:fontRef>
+        </p:style>
+      </p:cxnSp>
+      <p:cxnSp>
+        <p:nvCxnSpPr>
+          <p:cNvPr id="42" name="Straight Arrow Connector 41">
+            <a:extLst>
+              <a:ext uri="{FF2B5EF4-FFF2-40B4-BE49-F238E27FC236}">
+                <a16:creationId xmlns:a16="http://schemas.microsoft.com/office/drawing/2014/main" id="{3B50942C-3BD0-47FF-8853-430676B30179}"/>
+              </a:ext>
+            </a:extLst>
+          </p:cNvPr>
+          <p:cNvCxnSpPr>
+            <a:cxnSpLocks/>
+            <a:stCxn id="27" idx="3"/>
+            <a:endCxn id="28" idx="1"/>
+          </p:cNvCxnSpPr>
+          <p:nvPr/>
+        </p:nvCxnSpPr>
+        <p:spPr>
+          <a:xfrm>
+            <a:off x="7180638" y="2985060"/>
+            <a:ext cx="368108" cy="0"/>
+          </a:xfrm>
+          <a:prstGeom prst="straightConnector1">
+            <a:avLst/>
+          </a:prstGeom>
+          <a:ln w="38100">
+            <a:solidFill>
+              <a:srgbClr val="C00000"/>
+            </a:solidFill>
+            <a:tailEnd type="triangle"/>
+          </a:ln>
+        </p:spPr>
+        <p:style>
+          <a:lnRef idx="1">
+            <a:schemeClr val="accent1"/>
+          </a:lnRef>
+          <a:fillRef idx="0">
+            <a:schemeClr val="accent1"/>
+          </a:fillRef>
+          <a:effectRef idx="0">
+            <a:schemeClr val="accent1"/>
+          </a:effectRef>
+          <a:fontRef idx="minor">
+            <a:schemeClr val="tx1"/>
+          </a:fontRef>
+        </p:style>
+      </p:cxnSp>
+      <p:cxnSp>
+        <p:nvCxnSpPr>
+          <p:cNvPr id="49" name="Straight Arrow Connector 48">
+            <a:extLst>
+              <a:ext uri="{FF2B5EF4-FFF2-40B4-BE49-F238E27FC236}">
+                <a16:creationId xmlns:a16="http://schemas.microsoft.com/office/drawing/2014/main" id="{EDD360B2-474D-48C1-B905-EEB9F4A42884}"/>
+              </a:ext>
+            </a:extLst>
+          </p:cNvPr>
+          <p:cNvCxnSpPr>
+            <a:cxnSpLocks/>
+            <a:stCxn id="28" idx="3"/>
+            <a:endCxn id="98" idx="1"/>
+          </p:cNvCxnSpPr>
+          <p:nvPr/>
+        </p:nvCxnSpPr>
+        <p:spPr>
+          <a:xfrm>
+            <a:off x="9071910" y="2985060"/>
+            <a:ext cx="783321" cy="0"/>
+          </a:xfrm>
+          <a:prstGeom prst="straightConnector1">
+            <a:avLst/>
+          </a:prstGeom>
+          <a:ln w="38100">
+            <a:solidFill>
+              <a:srgbClr val="C00000"/>
+            </a:solidFill>
+            <a:tailEnd type="triangle"/>
+          </a:ln>
+        </p:spPr>
+        <p:style>
+          <a:lnRef idx="1">
+            <a:schemeClr val="accent1"/>
+          </a:lnRef>
+          <a:fillRef idx="0">
+            <a:schemeClr val="accent1"/>
+          </a:fillRef>
+          <a:effectRef idx="0">
+            <a:schemeClr val="accent1"/>
+          </a:effectRef>
+          <a:fontRef idx="minor">
+            <a:schemeClr val="tx1"/>
+          </a:fontRef>
+        </p:style>
+      </p:cxnSp>
+      <p:sp>
+        <p:nvSpPr>
+          <p:cNvPr id="56" name="TextBox 55">
+            <a:extLst>
+              <a:ext uri="{FF2B5EF4-FFF2-40B4-BE49-F238E27FC236}">
+                <a16:creationId xmlns:a16="http://schemas.microsoft.com/office/drawing/2014/main" id="{30C2015C-8160-472A-A7F7-7F5F1A40A2DF}"/>
+              </a:ext>
+            </a:extLst>
+          </p:cNvPr>
+          <p:cNvSpPr txBox="1"/>
+          <p:nvPr/>
+        </p:nvSpPr>
+        <p:spPr>
+          <a:xfrm>
+            <a:off x="1228729" y="1741818"/>
+            <a:ext cx="1689101" cy="707886"/>
+          </a:xfrm>
+          <a:prstGeom prst="rect">
+            <a:avLst/>
+          </a:prstGeom>
+          <a:noFill/>
+        </p:spPr>
+        <p:txBody>
+          <a:bodyPr wrap="square" rtlCol="0">
+            <a:spAutoFit/>
+          </a:bodyPr>
+          <a:lstStyle/>
+          <a:p>
+            <a:pPr algn="ctr"/>
+            <a:r>
+              <a:rPr lang="en-US" sz="2000" b="1" dirty="0">
+                <a:latin typeface="+mj-lt"/>
+              </a:rPr>
+              <a:t>Hololens World View</a:t>
+            </a:r>
+          </a:p>
+        </p:txBody>
+      </p:sp>
+      <p:sp>
+        <p:nvSpPr>
+          <p:cNvPr id="57" name="TextBox 56">
+            <a:extLst>
+              <a:ext uri="{FF2B5EF4-FFF2-40B4-BE49-F238E27FC236}">
+                <a16:creationId xmlns:a16="http://schemas.microsoft.com/office/drawing/2014/main" id="{91B7EC48-D3B5-42F9-B3A6-3D05C026A85A}"/>
+              </a:ext>
+            </a:extLst>
+          </p:cNvPr>
+          <p:cNvSpPr txBox="1"/>
+          <p:nvPr/>
+        </p:nvSpPr>
+        <p:spPr>
+          <a:xfrm>
+            <a:off x="9943631" y="2062438"/>
+            <a:ext cx="1689101" cy="400110"/>
+          </a:xfrm>
+          <a:prstGeom prst="rect">
+            <a:avLst/>
+          </a:prstGeom>
+          <a:noFill/>
+        </p:spPr>
+        <p:txBody>
+          <a:bodyPr wrap="square" rtlCol="0">
+            <a:spAutoFit/>
+          </a:bodyPr>
+          <a:lstStyle/>
+          <a:p>
+            <a:pPr algn="ctr"/>
+            <a:r>
+              <a:rPr lang="en-US" sz="2000" b="1" dirty="0">
+                <a:latin typeface="+mj-lt"/>
+              </a:rPr>
+              <a:t>JPG Image</a:t>
+            </a:r>
+          </a:p>
+        </p:txBody>
+      </p:sp>
+      <p:sp>
+        <p:nvSpPr>
+          <p:cNvPr id="62" name="TextBox 61">
+            <a:extLst>
+              <a:ext uri="{FF2B5EF4-FFF2-40B4-BE49-F238E27FC236}">
+                <a16:creationId xmlns:a16="http://schemas.microsoft.com/office/drawing/2014/main" id="{88B4E785-3C00-47DC-91E1-10B7F1FD960F}"/>
+              </a:ext>
+            </a:extLst>
+          </p:cNvPr>
+          <p:cNvSpPr txBox="1"/>
+          <p:nvPr/>
+        </p:nvSpPr>
+        <p:spPr>
+          <a:xfrm>
+            <a:off x="9833008" y="5186687"/>
+            <a:ext cx="1899886" cy="707886"/>
+          </a:xfrm>
+          <a:prstGeom prst="rect">
+            <a:avLst/>
+          </a:prstGeom>
+          <a:noFill/>
+        </p:spPr>
+        <p:txBody>
+          <a:bodyPr wrap="square" rtlCol="0">
+            <a:spAutoFit/>
+          </a:bodyPr>
+          <a:lstStyle/>
+          <a:p>
+            <a:pPr algn="ctr"/>
+            <a:r>
+              <a:rPr lang="en-US" sz="2000" b="1" dirty="0">
+                <a:latin typeface="+mj-lt"/>
+              </a:rPr>
+              <a:t>Displayed Holograms</a:t>
+            </a:r>
+          </a:p>
+        </p:txBody>
+      </p:sp>
+      <p:cxnSp>
+        <p:nvCxnSpPr>
+          <p:cNvPr id="63" name="Straight Arrow Connector 62">
+            <a:extLst>
+              <a:ext uri="{FF2B5EF4-FFF2-40B4-BE49-F238E27FC236}">
+                <a16:creationId xmlns:a16="http://schemas.microsoft.com/office/drawing/2014/main" id="{2E4EC738-CAE3-4179-875D-D85AC3BF7C76}"/>
+              </a:ext>
+            </a:extLst>
+          </p:cNvPr>
+          <p:cNvCxnSpPr>
+            <a:cxnSpLocks/>
+            <a:stCxn id="34" idx="1"/>
+            <a:endCxn id="31" idx="3"/>
+          </p:cNvCxnSpPr>
+          <p:nvPr/>
+        </p:nvCxnSpPr>
+        <p:spPr>
+          <a:xfrm flipH="1">
+            <a:off x="7186761" y="4663302"/>
+            <a:ext cx="361985" cy="3085"/>
+          </a:xfrm>
+          <a:prstGeom prst="straightConnector1">
+            <a:avLst/>
+          </a:prstGeom>
+          <a:ln w="38100">
+            <a:solidFill>
+              <a:srgbClr val="C00000"/>
+            </a:solidFill>
+            <a:tailEnd type="triangle"/>
+          </a:ln>
+        </p:spPr>
+        <p:style>
+          <a:lnRef idx="1">
+            <a:schemeClr val="accent1"/>
+          </a:lnRef>
+          <a:fillRef idx="0">
+            <a:schemeClr val="accent1"/>
+          </a:fillRef>
+          <a:effectRef idx="0">
+            <a:schemeClr val="accent1"/>
+          </a:effectRef>
+          <a:fontRef idx="minor">
+            <a:schemeClr val="tx1"/>
+          </a:fontRef>
+        </p:style>
+      </p:cxnSp>
+      <p:cxnSp>
+        <p:nvCxnSpPr>
+          <p:cNvPr id="66" name="Connector: Elbow 65">
+            <a:extLst>
+              <a:ext uri="{FF2B5EF4-FFF2-40B4-BE49-F238E27FC236}">
+                <a16:creationId xmlns:a16="http://schemas.microsoft.com/office/drawing/2014/main" id="{E3D8A839-4742-4661-A605-A38E0EEF3E21}"/>
+              </a:ext>
+            </a:extLst>
+          </p:cNvPr>
+          <p:cNvCxnSpPr>
+            <a:cxnSpLocks/>
+            <a:endCxn id="31" idx="0"/>
+          </p:cNvCxnSpPr>
+          <p:nvPr/>
+        </p:nvCxnSpPr>
+        <p:spPr>
+          <a:xfrm rot="10800000" flipV="1">
+            <a:off x="6425180" y="3866306"/>
+            <a:ext cx="3650015" cy="371358"/>
+          </a:xfrm>
+          <a:prstGeom prst="bentConnector2">
+            <a:avLst/>
+          </a:prstGeom>
+          <a:ln w="38100">
+            <a:solidFill>
+              <a:schemeClr val="accent6">
+                <a:lumMod val="50000"/>
+              </a:schemeClr>
+            </a:solidFill>
+            <a:tailEnd type="triangle"/>
+          </a:ln>
+        </p:spPr>
+        <p:style>
+          <a:lnRef idx="1">
+            <a:schemeClr val="accent1"/>
+          </a:lnRef>
+          <a:fillRef idx="0">
+            <a:schemeClr val="accent1"/>
+          </a:fillRef>
+          <a:effectRef idx="0">
+            <a:schemeClr val="accent1"/>
+          </a:effectRef>
+          <a:fontRef idx="minor">
+            <a:schemeClr val="tx1"/>
+          </a:fontRef>
+        </p:style>
+      </p:cxnSp>
+      <p:cxnSp>
+        <p:nvCxnSpPr>
+          <p:cNvPr id="72" name="Straight Arrow Connector 71">
+            <a:extLst>
+              <a:ext uri="{FF2B5EF4-FFF2-40B4-BE49-F238E27FC236}">
+                <a16:creationId xmlns:a16="http://schemas.microsoft.com/office/drawing/2014/main" id="{986CA9C4-E0E7-4486-A1A4-F9BE39FB8BC6}"/>
+              </a:ext>
+            </a:extLst>
+          </p:cNvPr>
+          <p:cNvCxnSpPr>
+            <a:cxnSpLocks/>
+          </p:cNvCxnSpPr>
+          <p:nvPr/>
+        </p:nvCxnSpPr>
+        <p:spPr>
+          <a:xfrm>
+            <a:off x="5301612" y="4807611"/>
+            <a:ext cx="361985" cy="3086"/>
+          </a:xfrm>
+          <a:prstGeom prst="straightConnector1">
+            <a:avLst/>
+          </a:prstGeom>
+          <a:ln w="38100">
+            <a:solidFill>
+              <a:srgbClr val="C00000"/>
+            </a:solidFill>
+            <a:tailEnd type="triangle"/>
+          </a:ln>
+        </p:spPr>
+        <p:style>
+          <a:lnRef idx="1">
+            <a:schemeClr val="accent1"/>
+          </a:lnRef>
+          <a:fillRef idx="0">
+            <a:schemeClr val="accent1"/>
+          </a:fillRef>
+          <a:effectRef idx="0">
+            <a:schemeClr val="accent1"/>
+          </a:effectRef>
+          <a:fontRef idx="minor">
+            <a:schemeClr val="tx1"/>
+          </a:fontRef>
+        </p:style>
+      </p:cxnSp>
+      <p:cxnSp>
+        <p:nvCxnSpPr>
+          <p:cNvPr id="76" name="Connector: Elbow 75">
+            <a:extLst>
+              <a:ext uri="{FF2B5EF4-FFF2-40B4-BE49-F238E27FC236}">
+                <a16:creationId xmlns:a16="http://schemas.microsoft.com/office/drawing/2014/main" id="{31C15332-351C-41BC-9A33-57C92A903FDF}"/>
+              </a:ext>
+            </a:extLst>
+          </p:cNvPr>
+          <p:cNvCxnSpPr>
+            <a:cxnSpLocks/>
+            <a:stCxn id="31" idx="2"/>
+          </p:cNvCxnSpPr>
+          <p:nvPr/>
+        </p:nvCxnSpPr>
+        <p:spPr>
+          <a:xfrm rot="5400000">
+            <a:off x="4278774" y="3356788"/>
+            <a:ext cx="408085" cy="3884726"/>
+          </a:xfrm>
+          <a:prstGeom prst="bentConnector2">
+            <a:avLst/>
+          </a:prstGeom>
+          <a:ln w="38100">
+            <a:solidFill>
+              <a:schemeClr val="accent1">
+                <a:lumMod val="50000"/>
+              </a:schemeClr>
+            </a:solidFill>
+            <a:tailEnd type="triangle"/>
+          </a:ln>
+        </p:spPr>
+        <p:style>
+          <a:lnRef idx="1">
+            <a:schemeClr val="accent1"/>
+          </a:lnRef>
+          <a:fillRef idx="0">
+            <a:schemeClr val="accent1"/>
+          </a:fillRef>
+          <a:effectRef idx="0">
+            <a:schemeClr val="accent1"/>
+          </a:effectRef>
+          <a:fontRef idx="minor">
+            <a:schemeClr val="tx1"/>
+          </a:fontRef>
+        </p:style>
+      </p:cxnSp>
+      <p:sp>
+        <p:nvSpPr>
+          <p:cNvPr id="79" name="TextBox 78">
+            <a:extLst>
+              <a:ext uri="{FF2B5EF4-FFF2-40B4-BE49-F238E27FC236}">
+                <a16:creationId xmlns:a16="http://schemas.microsoft.com/office/drawing/2014/main" id="{42FDE6C9-62D7-4D47-828F-ECE41E5DEBB5}"/>
+              </a:ext>
+            </a:extLst>
+          </p:cNvPr>
+          <p:cNvSpPr txBox="1"/>
+          <p:nvPr/>
+        </p:nvSpPr>
+        <p:spPr>
+          <a:xfrm>
+            <a:off x="1010416" y="5069419"/>
+            <a:ext cx="1823490" cy="707886"/>
+          </a:xfrm>
+          <a:prstGeom prst="rect">
+            <a:avLst/>
+          </a:prstGeom>
+          <a:noFill/>
+        </p:spPr>
+        <p:txBody>
+          <a:bodyPr wrap="square" rtlCol="0">
+            <a:spAutoFit/>
+          </a:bodyPr>
+          <a:lstStyle/>
+          <a:p>
+            <a:pPr algn="ctr"/>
+            <a:r>
+              <a:rPr lang="en-US" sz="2000" b="1" dirty="0">
+                <a:latin typeface="+mj-lt"/>
+              </a:rPr>
+              <a:t>World Positions of People</a:t>
+            </a:r>
+          </a:p>
+        </p:txBody>
+      </p:sp>
+      <p:cxnSp>
+        <p:nvCxnSpPr>
+          <p:cNvPr id="80" name="Straight Arrow Connector 79">
+            <a:extLst>
+              <a:ext uri="{FF2B5EF4-FFF2-40B4-BE49-F238E27FC236}">
+                <a16:creationId xmlns:a16="http://schemas.microsoft.com/office/drawing/2014/main" id="{B6EF09CB-CC5D-43A6-A9B5-00A836421886}"/>
+              </a:ext>
+            </a:extLst>
+          </p:cNvPr>
+          <p:cNvCxnSpPr>
+            <a:cxnSpLocks/>
+          </p:cNvCxnSpPr>
+          <p:nvPr/>
+        </p:nvCxnSpPr>
+        <p:spPr>
+          <a:xfrm flipH="1">
+            <a:off x="5301612" y="4533500"/>
+            <a:ext cx="361985" cy="0"/>
+          </a:xfrm>
+          <a:prstGeom prst="straightConnector1">
+            <a:avLst/>
+          </a:prstGeom>
+          <a:ln w="38100">
+            <a:solidFill>
+              <a:srgbClr val="C00000"/>
+            </a:solidFill>
+            <a:tailEnd type="triangle"/>
+          </a:ln>
+        </p:spPr>
+        <p:style>
+          <a:lnRef idx="1">
+            <a:schemeClr val="accent1"/>
+          </a:lnRef>
+          <a:fillRef idx="0">
+            <a:schemeClr val="accent1"/>
+          </a:fillRef>
+          <a:effectRef idx="0">
+            <a:schemeClr val="accent1"/>
+          </a:effectRef>
+          <a:fontRef idx="minor">
+            <a:schemeClr val="tx1"/>
+          </a:fontRef>
+        </p:style>
+      </p:cxnSp>
+      <p:pic>
+        <p:nvPicPr>
+          <p:cNvPr id="5143" name="Picture 5142" descr="A couple of people that are standing in a room&#10;&#10;Description automatically generated">
+            <a:extLst>
+              <a:ext uri="{FF2B5EF4-FFF2-40B4-BE49-F238E27FC236}">
+                <a16:creationId xmlns:a16="http://schemas.microsoft.com/office/drawing/2014/main" id="{F31D4485-78A2-46DC-A566-44D69BDFA17E}"/>
+              </a:ext>
+            </a:extLst>
+          </p:cNvPr>
+          <p:cNvPicPr>
+            <a:picLocks noChangeAspect="1"/>
+          </p:cNvPicPr>
+          <p:nvPr/>
+        </p:nvPicPr>
+        <p:blipFill>
+          <a:blip r:embed="rId3">
+            <a:extLst>
+              <a:ext uri="{28A0092B-C50C-407E-A947-70E740481C1C}">
+                <a14:useLocalDpi xmlns:a14="http://schemas.microsoft.com/office/drawing/2010/main" val="0"/>
+              </a:ext>
+            </a:extLst>
+          </a:blip>
+          <a:stretch>
+            <a:fillRect/>
+          </a:stretch>
+        </p:blipFill>
+        <p:spPr>
+          <a:xfrm>
+            <a:off x="9855231" y="4143001"/>
+            <a:ext cx="1855441" cy="1043686"/>
+          </a:xfrm>
+          <a:prstGeom prst="rect">
+            <a:avLst/>
+          </a:prstGeom>
+        </p:spPr>
+      </p:pic>
+      <p:pic>
+        <p:nvPicPr>
+          <p:cNvPr id="99" name="Picture 98" descr="A person standing in a room&#10;&#10;Description automatically generated">
+            <a:extLst>
+              <a:ext uri="{FF2B5EF4-FFF2-40B4-BE49-F238E27FC236}">
+                <a16:creationId xmlns:a16="http://schemas.microsoft.com/office/drawing/2014/main" id="{9500E419-159A-4480-AA89-DAA9022F77C4}"/>
+              </a:ext>
+            </a:extLst>
+          </p:cNvPr>
+          <p:cNvPicPr>
+            <a:picLocks noChangeAspect="1"/>
+          </p:cNvPicPr>
+          <p:nvPr/>
+        </p:nvPicPr>
+        <p:blipFill>
+          <a:blip r:embed="rId2">
+            <a:extLst>
+              <a:ext uri="{28A0092B-C50C-407E-A947-70E740481C1C}">
+                <a14:useLocalDpi xmlns:a14="http://schemas.microsoft.com/office/drawing/2010/main" val="0"/>
+              </a:ext>
+            </a:extLst>
+          </a:blip>
+          <a:stretch>
+            <a:fillRect/>
+          </a:stretch>
+        </p:blipFill>
+        <p:spPr>
+          <a:xfrm>
+            <a:off x="1144370" y="2462548"/>
+            <a:ext cx="1857821" cy="1045024"/>
+          </a:xfrm>
+          <a:prstGeom prst="rect">
+            <a:avLst/>
+          </a:prstGeom>
+        </p:spPr>
+      </p:pic>
+      <p:cxnSp>
+        <p:nvCxnSpPr>
+          <p:cNvPr id="100" name="Straight Arrow Connector 99">
+            <a:extLst>
+              <a:ext uri="{FF2B5EF4-FFF2-40B4-BE49-F238E27FC236}">
+                <a16:creationId xmlns:a16="http://schemas.microsoft.com/office/drawing/2014/main" id="{A1B91A13-30D8-4F73-A22C-1A7873356A42}"/>
+              </a:ext>
+            </a:extLst>
+          </p:cNvPr>
+          <p:cNvCxnSpPr>
+            <a:cxnSpLocks/>
+            <a:stCxn id="34" idx="3"/>
+            <a:endCxn id="5143" idx="1"/>
+          </p:cNvCxnSpPr>
+          <p:nvPr/>
+        </p:nvCxnSpPr>
+        <p:spPr>
+          <a:xfrm>
+            <a:off x="9071910" y="4663302"/>
+            <a:ext cx="783321" cy="1542"/>
+          </a:xfrm>
+          <a:prstGeom prst="straightConnector1">
+            <a:avLst/>
+          </a:prstGeom>
+          <a:ln w="38100">
+            <a:solidFill>
+              <a:srgbClr val="C00000"/>
+            </a:solidFill>
+            <a:tailEnd type="triangle"/>
+          </a:ln>
+        </p:spPr>
+        <p:style>
+          <a:lnRef idx="1">
+            <a:schemeClr val="accent1"/>
+          </a:lnRef>
+          <a:fillRef idx="0">
+            <a:schemeClr val="accent1"/>
+          </a:fillRef>
+          <a:effectRef idx="0">
+            <a:schemeClr val="accent1"/>
+          </a:effectRef>
+          <a:fontRef idx="minor">
+            <a:schemeClr val="tx1"/>
+          </a:fontRef>
+        </p:style>
+      </p:cxnSp>
+      <p:sp>
+        <p:nvSpPr>
+          <p:cNvPr id="104" name="TextBox 103">
+            <a:extLst>
+              <a:ext uri="{FF2B5EF4-FFF2-40B4-BE49-F238E27FC236}">
+                <a16:creationId xmlns:a16="http://schemas.microsoft.com/office/drawing/2014/main" id="{1C41D158-8BEB-462D-AFE0-1AF34BFF5D16}"/>
+              </a:ext>
+            </a:extLst>
+          </p:cNvPr>
+          <p:cNvSpPr txBox="1"/>
+          <p:nvPr/>
+        </p:nvSpPr>
+        <p:spPr>
+          <a:xfrm>
+            <a:off x="9833008" y="3651875"/>
+            <a:ext cx="1689101" cy="400110"/>
+          </a:xfrm>
+          <a:prstGeom prst="rect">
+            <a:avLst/>
+          </a:prstGeom>
+          <a:noFill/>
+        </p:spPr>
+        <p:txBody>
+          <a:bodyPr wrap="square" rtlCol="0">
+            <a:spAutoFit/>
+          </a:bodyPr>
+          <a:lstStyle/>
+          <a:p>
+            <a:pPr algn="ctr"/>
+            <a:r>
+              <a:rPr lang="en-US" sz="2000" b="1" dirty="0">
+                <a:latin typeface="+mj-lt"/>
+              </a:rPr>
+              <a:t>HDD Data</a:t>
+            </a:r>
           </a:p>
         </p:txBody>
       </p:sp>

--- a/FinalReport/img/chapter4_analysis/Diagrams.pptx
+++ b/FinalReport/img/chapter4_analysis/Diagrams.pptx
@@ -11,6 +11,8 @@
     <p:sldId id="261" r:id="rId5"/>
     <p:sldId id="259" r:id="rId6"/>
     <p:sldId id="260" r:id="rId7"/>
+    <p:sldId id="262" r:id="rId8"/>
+    <p:sldId id="263" r:id="rId9"/>
   </p:sldIdLst>
   <p:sldSz cx="12192000" cy="6858000"/>
   <p:notesSz cx="6858000" cy="9144000"/>
@@ -264,7 +266,7 @@
           <a:p>
             <a:fld id="{40BAD6A2-FFBE-4A6C-BE34-4DB3994595C0}" type="datetimeFigureOut">
               <a:rPr lang="en-US" smtClean="0"/>
-              <a:t>6/9/2019</a:t>
+              <a:t>6/11/2019</a:t>
             </a:fld>
             <a:endParaRPr lang="en-US"/>
           </a:p>
@@ -462,7 +464,7 @@
           <a:p>
             <a:fld id="{40BAD6A2-FFBE-4A6C-BE34-4DB3994595C0}" type="datetimeFigureOut">
               <a:rPr lang="en-US" smtClean="0"/>
-              <a:t>6/9/2019</a:t>
+              <a:t>6/11/2019</a:t>
             </a:fld>
             <a:endParaRPr lang="en-US"/>
           </a:p>
@@ -670,7 +672,7 @@
           <a:p>
             <a:fld id="{40BAD6A2-FFBE-4A6C-BE34-4DB3994595C0}" type="datetimeFigureOut">
               <a:rPr lang="en-US" smtClean="0"/>
-              <a:t>6/9/2019</a:t>
+              <a:t>6/11/2019</a:t>
             </a:fld>
             <a:endParaRPr lang="en-US"/>
           </a:p>
@@ -868,7 +870,7 @@
           <a:p>
             <a:fld id="{40BAD6A2-FFBE-4A6C-BE34-4DB3994595C0}" type="datetimeFigureOut">
               <a:rPr lang="en-US" smtClean="0"/>
-              <a:t>6/9/2019</a:t>
+              <a:t>6/11/2019</a:t>
             </a:fld>
             <a:endParaRPr lang="en-US"/>
           </a:p>
@@ -1143,7 +1145,7 @@
           <a:p>
             <a:fld id="{40BAD6A2-FFBE-4A6C-BE34-4DB3994595C0}" type="datetimeFigureOut">
               <a:rPr lang="en-US" smtClean="0"/>
-              <a:t>6/9/2019</a:t>
+              <a:t>6/11/2019</a:t>
             </a:fld>
             <a:endParaRPr lang="en-US"/>
           </a:p>
@@ -1408,7 +1410,7 @@
           <a:p>
             <a:fld id="{40BAD6A2-FFBE-4A6C-BE34-4DB3994595C0}" type="datetimeFigureOut">
               <a:rPr lang="en-US" smtClean="0"/>
-              <a:t>6/9/2019</a:t>
+              <a:t>6/11/2019</a:t>
             </a:fld>
             <a:endParaRPr lang="en-US"/>
           </a:p>
@@ -1820,7 +1822,7 @@
           <a:p>
             <a:fld id="{40BAD6A2-FFBE-4A6C-BE34-4DB3994595C0}" type="datetimeFigureOut">
               <a:rPr lang="en-US" smtClean="0"/>
-              <a:t>6/9/2019</a:t>
+              <a:t>6/11/2019</a:t>
             </a:fld>
             <a:endParaRPr lang="en-US"/>
           </a:p>
@@ -1961,7 +1963,7 @@
           <a:p>
             <a:fld id="{40BAD6A2-FFBE-4A6C-BE34-4DB3994595C0}" type="datetimeFigureOut">
               <a:rPr lang="en-US" smtClean="0"/>
-              <a:t>6/9/2019</a:t>
+              <a:t>6/11/2019</a:t>
             </a:fld>
             <a:endParaRPr lang="en-US"/>
           </a:p>
@@ -2074,7 +2076,7 @@
           <a:p>
             <a:fld id="{40BAD6A2-FFBE-4A6C-BE34-4DB3994595C0}" type="datetimeFigureOut">
               <a:rPr lang="en-US" smtClean="0"/>
-              <a:t>6/9/2019</a:t>
+              <a:t>6/11/2019</a:t>
             </a:fld>
             <a:endParaRPr lang="en-US"/>
           </a:p>
@@ -2385,7 +2387,7 @@
           <a:p>
             <a:fld id="{40BAD6A2-FFBE-4A6C-BE34-4DB3994595C0}" type="datetimeFigureOut">
               <a:rPr lang="en-US" smtClean="0"/>
-              <a:t>6/9/2019</a:t>
+              <a:t>6/11/2019</a:t>
             </a:fld>
             <a:endParaRPr lang="en-US"/>
           </a:p>
@@ -2673,7 +2675,7 @@
           <a:p>
             <a:fld id="{40BAD6A2-FFBE-4A6C-BE34-4DB3994595C0}" type="datetimeFigureOut">
               <a:rPr lang="en-US" smtClean="0"/>
-              <a:t>6/9/2019</a:t>
+              <a:t>6/11/2019</a:t>
             </a:fld>
             <a:endParaRPr lang="en-US"/>
           </a:p>
@@ -2914,7 +2916,7 @@
           <a:p>
             <a:fld id="{40BAD6A2-FFBE-4A6C-BE34-4DB3994595C0}" type="datetimeFigureOut">
               <a:rPr lang="en-US" smtClean="0"/>
-              <a:t>6/9/2019</a:t>
+              <a:t>6/11/2019</a:t>
             </a:fld>
             <a:endParaRPr lang="en-US"/>
           </a:p>
@@ -7431,8 +7433,8 @@
         </p:nvCxnSpPr>
         <p:spPr>
           <a:xfrm>
-            <a:off x="1856935" y="3631561"/>
-            <a:ext cx="1083343" cy="0"/>
+            <a:off x="1378634" y="3631561"/>
+            <a:ext cx="1561644" cy="0"/>
           </a:xfrm>
           <a:prstGeom prst="straightConnector1">
             <a:avLst/>
@@ -8414,8 +8416,8 @@
         </p:nvSpPr>
         <p:spPr>
           <a:xfrm>
-            <a:off x="3257550" y="1950224"/>
-            <a:ext cx="6393997" cy="3777332"/>
+            <a:off x="3257550" y="1856940"/>
+            <a:ext cx="6393997" cy="4037634"/>
           </a:xfrm>
           <a:prstGeom prst="rect">
             <a:avLst/>
@@ -8736,7 +8738,7 @@
         </p:nvSpPr>
         <p:spPr>
           <a:xfrm>
-            <a:off x="4640864" y="1466304"/>
+            <a:off x="4640864" y="1294568"/>
             <a:ext cx="3703865" cy="461665"/>
           </a:xfrm>
           <a:prstGeom prst="rect">
@@ -8943,7 +8945,7 @@
                   <a:schemeClr val="tx1"/>
                 </a:solidFill>
               </a:rPr>
-              <a:t>Arta Alignment</a:t>
+              <a:t>ARTA Alignment</a:t>
             </a:r>
             <a:endParaRPr lang="en-US" sz="1600" dirty="0">
               <a:solidFill>
@@ -9740,10 +9742,2574 @@
           </a:p>
         </p:txBody>
       </p:sp>
+      <p:sp>
+        <p:nvSpPr>
+          <p:cNvPr id="32" name="TextBox 31">
+            <a:extLst>
+              <a:ext uri="{FF2B5EF4-FFF2-40B4-BE49-F238E27FC236}">
+                <a16:creationId xmlns:a16="http://schemas.microsoft.com/office/drawing/2014/main" id="{028098B5-08E3-4249-9FCE-A3B6D8D75EE5}"/>
+              </a:ext>
+            </a:extLst>
+          </p:cNvPr>
+          <p:cNvSpPr txBox="1"/>
+          <p:nvPr/>
+        </p:nvSpPr>
+        <p:spPr>
+          <a:xfrm>
+            <a:off x="3472415" y="1881707"/>
+            <a:ext cx="1961367" cy="461665"/>
+          </a:xfrm>
+          <a:prstGeom prst="rect">
+            <a:avLst/>
+          </a:prstGeom>
+          <a:noFill/>
+        </p:spPr>
+        <p:txBody>
+          <a:bodyPr wrap="square" rtlCol="0">
+            <a:spAutoFit/>
+          </a:bodyPr>
+          <a:lstStyle/>
+          <a:p>
+            <a:pPr algn="ctr"/>
+            <a:r>
+              <a:rPr lang="en-US" sz="2400" dirty="0" err="1">
+                <a:latin typeface="+mj-lt"/>
+              </a:rPr>
+              <a:t>HoloCamera</a:t>
+            </a:r>
+            <a:endParaRPr lang="en-US" sz="2400" dirty="0">
+              <a:latin typeface="+mj-lt"/>
+            </a:endParaRPr>
+          </a:p>
+        </p:txBody>
+      </p:sp>
+      <p:sp>
+        <p:nvSpPr>
+          <p:cNvPr id="35" name="TextBox 34">
+            <a:extLst>
+              <a:ext uri="{FF2B5EF4-FFF2-40B4-BE49-F238E27FC236}">
+                <a16:creationId xmlns:a16="http://schemas.microsoft.com/office/drawing/2014/main" id="{DCF1DDE8-834A-4CB6-8ACA-6F1C3BEACFD1}"/>
+              </a:ext>
+            </a:extLst>
+          </p:cNvPr>
+          <p:cNvSpPr txBox="1"/>
+          <p:nvPr/>
+        </p:nvSpPr>
+        <p:spPr>
+          <a:xfrm>
+            <a:off x="7290304" y="5384018"/>
+            <a:ext cx="1961367" cy="461665"/>
+          </a:xfrm>
+          <a:prstGeom prst="rect">
+            <a:avLst/>
+          </a:prstGeom>
+          <a:noFill/>
+        </p:spPr>
+        <p:txBody>
+          <a:bodyPr wrap="square" rtlCol="0">
+            <a:spAutoFit/>
+          </a:bodyPr>
+          <a:lstStyle/>
+          <a:p>
+            <a:pPr algn="ctr"/>
+            <a:r>
+              <a:rPr lang="en-US" sz="2400" dirty="0" err="1">
+                <a:latin typeface="+mj-lt"/>
+              </a:rPr>
+              <a:t>HoloWorld</a:t>
+            </a:r>
+            <a:endParaRPr lang="en-US" sz="2400" dirty="0">
+              <a:latin typeface="+mj-lt"/>
+            </a:endParaRPr>
+          </a:p>
+        </p:txBody>
+      </p:sp>
     </p:spTree>
     <p:extLst>
       <p:ext uri="{BB962C8B-B14F-4D97-AF65-F5344CB8AC3E}">
         <p14:creationId xmlns:p14="http://schemas.microsoft.com/office/powerpoint/2010/main" val="3108925677"/>
+      </p:ext>
+    </p:extLst>
+  </p:cSld>
+  <p:clrMapOvr>
+    <a:masterClrMapping/>
+  </p:clrMapOvr>
+</p:sld>
+</file>
+
+<file path=ppt/slides/slide7.xml><?xml version="1.0" encoding="utf-8"?>
+<p:sld xmlns:a="http://schemas.openxmlformats.org/drawingml/2006/main" xmlns:r="http://schemas.openxmlformats.org/officeDocument/2006/relationships" xmlns:p="http://schemas.openxmlformats.org/presentationml/2006/main">
+  <p:cSld>
+    <p:spTree>
+      <p:nvGrpSpPr>
+        <p:cNvPr id="1" name=""/>
+        <p:cNvGrpSpPr/>
+        <p:nvPr/>
+      </p:nvGrpSpPr>
+      <p:grpSpPr>
+        <a:xfrm>
+          <a:off x="0" y="0"/>
+          <a:ext cx="0" cy="0"/>
+          <a:chOff x="0" y="0"/>
+          <a:chExt cx="0" cy="0"/>
+        </a:xfrm>
+      </p:grpSpPr>
+      <p:sp>
+        <p:nvSpPr>
+          <p:cNvPr id="4" name="Rectangle 3">
+            <a:extLst>
+              <a:ext uri="{FF2B5EF4-FFF2-40B4-BE49-F238E27FC236}">
+                <a16:creationId xmlns:a16="http://schemas.microsoft.com/office/drawing/2014/main" id="{A0E7C4AD-5DA1-4300-A533-0856FFC6FD4A}"/>
+              </a:ext>
+            </a:extLst>
+          </p:cNvPr>
+          <p:cNvSpPr/>
+          <p:nvPr/>
+        </p:nvSpPr>
+        <p:spPr>
+          <a:xfrm>
+            <a:off x="5120789" y="2437200"/>
+            <a:ext cx="2744013" cy="2630714"/>
+          </a:xfrm>
+          <a:prstGeom prst="rect">
+            <a:avLst/>
+          </a:prstGeom>
+          <a:solidFill>
+            <a:srgbClr val="FF0000">
+              <a:alpha val="30000"/>
+            </a:srgbClr>
+          </a:solidFill>
+          <a:ln w="38100">
+            <a:solidFill>
+              <a:srgbClr val="FF0000"/>
+            </a:solidFill>
+            <a:prstDash val="dash"/>
+          </a:ln>
+        </p:spPr>
+        <p:style>
+          <a:lnRef idx="2">
+            <a:schemeClr val="accent1">
+              <a:shade val="50000"/>
+            </a:schemeClr>
+          </a:lnRef>
+          <a:fillRef idx="1">
+            <a:schemeClr val="accent1"/>
+          </a:fillRef>
+          <a:effectRef idx="0">
+            <a:schemeClr val="accent1"/>
+          </a:effectRef>
+          <a:fontRef idx="minor">
+            <a:schemeClr val="lt1"/>
+          </a:fontRef>
+        </p:style>
+        <p:txBody>
+          <a:bodyPr rtlCol="0" anchor="ctr"/>
+          <a:lstStyle/>
+          <a:p>
+            <a:pPr algn="ctr"/>
+            <a:endParaRPr lang="en-US"/>
+          </a:p>
+        </p:txBody>
+      </p:sp>
+      <p:sp>
+        <p:nvSpPr>
+          <p:cNvPr id="5" name="Rectangle 4">
+            <a:extLst>
+              <a:ext uri="{FF2B5EF4-FFF2-40B4-BE49-F238E27FC236}">
+                <a16:creationId xmlns:a16="http://schemas.microsoft.com/office/drawing/2014/main" id="{CF483442-B322-4A4E-910F-ACC938D809F3}"/>
+              </a:ext>
+            </a:extLst>
+          </p:cNvPr>
+          <p:cNvSpPr/>
+          <p:nvPr/>
+        </p:nvSpPr>
+        <p:spPr>
+          <a:xfrm>
+            <a:off x="3257550" y="2236763"/>
+            <a:ext cx="6393997" cy="3094892"/>
+          </a:xfrm>
+          <a:prstGeom prst="rect">
+            <a:avLst/>
+          </a:prstGeom>
+          <a:noFill/>
+          <a:ln w="38100">
+            <a:solidFill>
+              <a:srgbClr val="FF0000"/>
+            </a:solidFill>
+            <a:prstDash val="dash"/>
+          </a:ln>
+        </p:spPr>
+        <p:style>
+          <a:lnRef idx="2">
+            <a:schemeClr val="accent1">
+              <a:shade val="50000"/>
+            </a:schemeClr>
+          </a:lnRef>
+          <a:fillRef idx="1">
+            <a:schemeClr val="accent1"/>
+          </a:fillRef>
+          <a:effectRef idx="0">
+            <a:schemeClr val="accent1"/>
+          </a:effectRef>
+          <a:fontRef idx="minor">
+            <a:schemeClr val="lt1"/>
+          </a:fontRef>
+        </p:style>
+        <p:txBody>
+          <a:bodyPr rtlCol="0" anchor="ctr"/>
+          <a:lstStyle/>
+          <a:p>
+            <a:pPr algn="ctr"/>
+            <a:endParaRPr lang="en-US"/>
+          </a:p>
+        </p:txBody>
+      </p:sp>
+      <p:sp>
+        <p:nvSpPr>
+          <p:cNvPr id="6" name="TextBox 5">
+            <a:extLst>
+              <a:ext uri="{FF2B5EF4-FFF2-40B4-BE49-F238E27FC236}">
+                <a16:creationId xmlns:a16="http://schemas.microsoft.com/office/drawing/2014/main" id="{64E11551-D6F0-4516-B5F4-A70C9FAABC3E}"/>
+              </a:ext>
+            </a:extLst>
+          </p:cNvPr>
+          <p:cNvSpPr txBox="1"/>
+          <p:nvPr/>
+        </p:nvSpPr>
+        <p:spPr>
+          <a:xfrm>
+            <a:off x="4640862" y="4089724"/>
+            <a:ext cx="3703865" cy="461665"/>
+          </a:xfrm>
+          <a:prstGeom prst="rect">
+            <a:avLst/>
+          </a:prstGeom>
+          <a:noFill/>
+        </p:spPr>
+        <p:txBody>
+          <a:bodyPr wrap="square" rtlCol="0">
+            <a:spAutoFit/>
+          </a:bodyPr>
+          <a:lstStyle/>
+          <a:p>
+            <a:pPr algn="ctr"/>
+            <a:r>
+              <a:rPr lang="en-US" sz="2400" dirty="0" err="1">
+                <a:latin typeface="+mj-lt"/>
+              </a:rPr>
+              <a:t>HoloWorld</a:t>
+            </a:r>
+            <a:endParaRPr lang="en-US" sz="2400" dirty="0">
+              <a:latin typeface="+mj-lt"/>
+            </a:endParaRPr>
+          </a:p>
+        </p:txBody>
+      </p:sp>
+      <p:sp>
+        <p:nvSpPr>
+          <p:cNvPr id="7" name="Rectangle 6">
+            <a:extLst>
+              <a:ext uri="{FF2B5EF4-FFF2-40B4-BE49-F238E27FC236}">
+                <a16:creationId xmlns:a16="http://schemas.microsoft.com/office/drawing/2014/main" id="{CE4C05EC-E0F6-49F7-A88A-6DE1F3315032}"/>
+              </a:ext>
+            </a:extLst>
+          </p:cNvPr>
+          <p:cNvSpPr/>
+          <p:nvPr/>
+        </p:nvSpPr>
+        <p:spPr>
+          <a:xfrm rot="16200000">
+            <a:off x="2938085" y="3355475"/>
+            <a:ext cx="3094891" cy="857445"/>
+          </a:xfrm>
+          <a:prstGeom prst="rect">
+            <a:avLst/>
+          </a:prstGeom>
+          <a:solidFill>
+            <a:srgbClr val="FF0000">
+              <a:alpha val="82000"/>
+            </a:srgbClr>
+          </a:solidFill>
+          <a:ln>
+            <a:solidFill>
+              <a:srgbClr val="FF0000"/>
+            </a:solidFill>
+          </a:ln>
+        </p:spPr>
+        <p:style>
+          <a:lnRef idx="2">
+            <a:schemeClr val="accent1">
+              <a:shade val="50000"/>
+            </a:schemeClr>
+          </a:lnRef>
+          <a:fillRef idx="1">
+            <a:schemeClr val="accent1"/>
+          </a:fillRef>
+          <a:effectRef idx="0">
+            <a:schemeClr val="accent1"/>
+          </a:effectRef>
+          <a:fontRef idx="minor">
+            <a:schemeClr val="lt1"/>
+          </a:fontRef>
+        </p:style>
+        <p:txBody>
+          <a:bodyPr rtlCol="0" anchor="ctr"/>
+          <a:lstStyle/>
+          <a:p>
+            <a:pPr algn="ctr"/>
+            <a:r>
+              <a:rPr lang="en-US" sz="2400" dirty="0">
+                <a:solidFill>
+                  <a:schemeClr val="tx1"/>
+                </a:solidFill>
+              </a:rPr>
+              <a:t>ROS#</a:t>
+            </a:r>
+            <a:endParaRPr lang="en-US" sz="1600" dirty="0">
+              <a:solidFill>
+                <a:schemeClr val="tx1"/>
+              </a:solidFill>
+            </a:endParaRPr>
+          </a:p>
+        </p:txBody>
+      </p:sp>
+      <p:sp>
+        <p:nvSpPr>
+          <p:cNvPr id="8" name="Rectangle 7">
+            <a:extLst>
+              <a:ext uri="{FF2B5EF4-FFF2-40B4-BE49-F238E27FC236}">
+                <a16:creationId xmlns:a16="http://schemas.microsoft.com/office/drawing/2014/main" id="{5FCA4DF3-D8D2-456D-9230-59F578FAE001}"/>
+              </a:ext>
+            </a:extLst>
+          </p:cNvPr>
+          <p:cNvSpPr/>
+          <p:nvPr/>
+        </p:nvSpPr>
+        <p:spPr>
+          <a:xfrm rot="16200000">
+            <a:off x="6952613" y="3355477"/>
+            <a:ext cx="3094893" cy="857445"/>
+          </a:xfrm>
+          <a:prstGeom prst="rect">
+            <a:avLst/>
+          </a:prstGeom>
+          <a:solidFill>
+            <a:srgbClr val="FF0000">
+              <a:alpha val="82000"/>
+            </a:srgbClr>
+          </a:solidFill>
+          <a:ln>
+            <a:solidFill>
+              <a:srgbClr val="FF0000"/>
+            </a:solidFill>
+          </a:ln>
+        </p:spPr>
+        <p:style>
+          <a:lnRef idx="2">
+            <a:schemeClr val="accent1">
+              <a:shade val="50000"/>
+            </a:schemeClr>
+          </a:lnRef>
+          <a:fillRef idx="1">
+            <a:schemeClr val="accent1"/>
+          </a:fillRef>
+          <a:effectRef idx="0">
+            <a:schemeClr val="accent1"/>
+          </a:effectRef>
+          <a:fontRef idx="minor">
+            <a:schemeClr val="lt1"/>
+          </a:fontRef>
+        </p:style>
+        <p:txBody>
+          <a:bodyPr rtlCol="0" anchor="ctr"/>
+          <a:lstStyle/>
+          <a:p>
+            <a:pPr algn="ctr"/>
+            <a:r>
+              <a:rPr lang="en-US" sz="2400" dirty="0">
+                <a:solidFill>
+                  <a:schemeClr val="tx1"/>
+                </a:solidFill>
+              </a:rPr>
+              <a:t>ROS#</a:t>
+            </a:r>
+            <a:endParaRPr lang="en-US" sz="1600" dirty="0">
+              <a:solidFill>
+                <a:schemeClr val="tx1"/>
+              </a:solidFill>
+            </a:endParaRPr>
+          </a:p>
+        </p:txBody>
+      </p:sp>
+      <p:cxnSp>
+        <p:nvCxnSpPr>
+          <p:cNvPr id="10" name="Straight Connector 9">
+            <a:extLst>
+              <a:ext uri="{FF2B5EF4-FFF2-40B4-BE49-F238E27FC236}">
+                <a16:creationId xmlns:a16="http://schemas.microsoft.com/office/drawing/2014/main" id="{EA61B4E1-EB20-4BC8-9C86-1E08C6E0CD05}"/>
+              </a:ext>
+            </a:extLst>
+          </p:cNvPr>
+          <p:cNvCxnSpPr>
+            <a:cxnSpLocks/>
+            <a:stCxn id="4" idx="1"/>
+            <a:endCxn id="4" idx="3"/>
+          </p:cNvCxnSpPr>
+          <p:nvPr/>
+        </p:nvCxnSpPr>
+        <p:spPr>
+          <a:xfrm>
+            <a:off x="5120789" y="3752557"/>
+            <a:ext cx="2744013" cy="0"/>
+          </a:xfrm>
+          <a:prstGeom prst="line">
+            <a:avLst/>
+          </a:prstGeom>
+          <a:ln w="38100">
+            <a:solidFill>
+              <a:srgbClr val="FF0000"/>
+            </a:solidFill>
+            <a:prstDash val="dash"/>
+          </a:ln>
+        </p:spPr>
+        <p:style>
+          <a:lnRef idx="1">
+            <a:schemeClr val="accent1"/>
+          </a:lnRef>
+          <a:fillRef idx="0">
+            <a:schemeClr val="accent1"/>
+          </a:fillRef>
+          <a:effectRef idx="0">
+            <a:schemeClr val="accent1"/>
+          </a:effectRef>
+          <a:fontRef idx="minor">
+            <a:schemeClr val="tx1"/>
+          </a:fontRef>
+        </p:style>
+      </p:cxnSp>
+      <p:sp>
+        <p:nvSpPr>
+          <p:cNvPr id="13" name="TextBox 12">
+            <a:extLst>
+              <a:ext uri="{FF2B5EF4-FFF2-40B4-BE49-F238E27FC236}">
+                <a16:creationId xmlns:a16="http://schemas.microsoft.com/office/drawing/2014/main" id="{CDDCD426-AD20-4022-8A6F-550E2D6A68C3}"/>
+              </a:ext>
+            </a:extLst>
+          </p:cNvPr>
+          <p:cNvSpPr txBox="1"/>
+          <p:nvPr/>
+        </p:nvSpPr>
+        <p:spPr>
+          <a:xfrm>
+            <a:off x="4602615" y="2795666"/>
+            <a:ext cx="3703865" cy="461665"/>
+          </a:xfrm>
+          <a:prstGeom prst="rect">
+            <a:avLst/>
+          </a:prstGeom>
+          <a:noFill/>
+        </p:spPr>
+        <p:txBody>
+          <a:bodyPr wrap="square" rtlCol="0">
+            <a:spAutoFit/>
+          </a:bodyPr>
+          <a:lstStyle/>
+          <a:p>
+            <a:pPr algn="ctr"/>
+            <a:r>
+              <a:rPr lang="en-US" sz="2400" dirty="0" err="1">
+                <a:latin typeface="+mj-lt"/>
+              </a:rPr>
+              <a:t>HoloCamera</a:t>
+            </a:r>
+            <a:endParaRPr lang="en-US" sz="2400" dirty="0">
+              <a:latin typeface="+mj-lt"/>
+            </a:endParaRPr>
+          </a:p>
+        </p:txBody>
+      </p:sp>
+      <p:sp>
+        <p:nvSpPr>
+          <p:cNvPr id="14" name="Arrow: Left-Right 13">
+            <a:extLst>
+              <a:ext uri="{FF2B5EF4-FFF2-40B4-BE49-F238E27FC236}">
+                <a16:creationId xmlns:a16="http://schemas.microsoft.com/office/drawing/2014/main" id="{A2A742AD-D332-4BCB-8F0D-98C011E9C827}"/>
+              </a:ext>
+            </a:extLst>
+          </p:cNvPr>
+          <p:cNvSpPr/>
+          <p:nvPr/>
+        </p:nvSpPr>
+        <p:spPr>
+          <a:xfrm>
+            <a:off x="2804182" y="3511865"/>
+            <a:ext cx="1209821" cy="460259"/>
+          </a:xfrm>
+          <a:prstGeom prst="leftRightArrow">
+            <a:avLst/>
+          </a:prstGeom>
+          <a:solidFill>
+            <a:srgbClr val="0070C0"/>
+          </a:solidFill>
+        </p:spPr>
+        <p:style>
+          <a:lnRef idx="2">
+            <a:schemeClr val="accent1">
+              <a:shade val="50000"/>
+            </a:schemeClr>
+          </a:lnRef>
+          <a:fillRef idx="1">
+            <a:schemeClr val="accent1"/>
+          </a:fillRef>
+          <a:effectRef idx="0">
+            <a:schemeClr val="accent1"/>
+          </a:effectRef>
+          <a:fontRef idx="minor">
+            <a:schemeClr val="lt1"/>
+          </a:fontRef>
+        </p:style>
+        <p:txBody>
+          <a:bodyPr rtlCol="0" anchor="ctr"/>
+          <a:lstStyle/>
+          <a:p>
+            <a:pPr algn="ctr"/>
+            <a:endParaRPr lang="en-US"/>
+          </a:p>
+        </p:txBody>
+      </p:sp>
+      <p:sp>
+        <p:nvSpPr>
+          <p:cNvPr id="15" name="Arrow: Left-Right 14">
+            <a:extLst>
+              <a:ext uri="{FF2B5EF4-FFF2-40B4-BE49-F238E27FC236}">
+                <a16:creationId xmlns:a16="http://schemas.microsoft.com/office/drawing/2014/main" id="{E199AD44-E8A2-4A35-ABD4-CF36E00CB519}"/>
+              </a:ext>
+            </a:extLst>
+          </p:cNvPr>
+          <p:cNvSpPr/>
+          <p:nvPr/>
+        </p:nvSpPr>
+        <p:spPr>
+          <a:xfrm>
+            <a:off x="8928782" y="3511864"/>
+            <a:ext cx="1209821" cy="460259"/>
+          </a:xfrm>
+          <a:prstGeom prst="leftRightArrow">
+            <a:avLst/>
+          </a:prstGeom>
+          <a:solidFill>
+            <a:schemeClr val="accent6">
+              <a:lumMod val="50000"/>
+            </a:schemeClr>
+          </a:solidFill>
+        </p:spPr>
+        <p:style>
+          <a:lnRef idx="2">
+            <a:schemeClr val="accent1">
+              <a:shade val="50000"/>
+            </a:schemeClr>
+          </a:lnRef>
+          <a:fillRef idx="1">
+            <a:schemeClr val="accent1"/>
+          </a:fillRef>
+          <a:effectRef idx="0">
+            <a:schemeClr val="accent1"/>
+          </a:effectRef>
+          <a:fontRef idx="minor">
+            <a:schemeClr val="lt1"/>
+          </a:fontRef>
+        </p:style>
+        <p:txBody>
+          <a:bodyPr rtlCol="0" anchor="ctr"/>
+          <a:lstStyle/>
+          <a:p>
+            <a:pPr algn="ctr"/>
+            <a:endParaRPr lang="en-US"/>
+          </a:p>
+        </p:txBody>
+      </p:sp>
+      <p:sp>
+        <p:nvSpPr>
+          <p:cNvPr id="16" name="TextBox 15">
+            <a:extLst>
+              <a:ext uri="{FF2B5EF4-FFF2-40B4-BE49-F238E27FC236}">
+                <a16:creationId xmlns:a16="http://schemas.microsoft.com/office/drawing/2014/main" id="{26B5183E-11B5-4E1A-B222-925A4B5C84E7}"/>
+              </a:ext>
+            </a:extLst>
+          </p:cNvPr>
+          <p:cNvSpPr txBox="1"/>
+          <p:nvPr/>
+        </p:nvSpPr>
+        <p:spPr>
+          <a:xfrm>
+            <a:off x="2411687" y="3117247"/>
+            <a:ext cx="871545" cy="461665"/>
+          </a:xfrm>
+          <a:prstGeom prst="rect">
+            <a:avLst/>
+          </a:prstGeom>
+          <a:noFill/>
+        </p:spPr>
+        <p:txBody>
+          <a:bodyPr wrap="square" rtlCol="0">
+            <a:spAutoFit/>
+          </a:bodyPr>
+          <a:lstStyle/>
+          <a:p>
+            <a:pPr algn="ctr"/>
+            <a:r>
+              <a:rPr lang="en-US" sz="2400" dirty="0">
+                <a:latin typeface="+mj-lt"/>
+              </a:rPr>
+              <a:t>ARTA</a:t>
+            </a:r>
+          </a:p>
+        </p:txBody>
+      </p:sp>
+      <p:sp>
+        <p:nvSpPr>
+          <p:cNvPr id="17" name="TextBox 16">
+            <a:extLst>
+              <a:ext uri="{FF2B5EF4-FFF2-40B4-BE49-F238E27FC236}">
+                <a16:creationId xmlns:a16="http://schemas.microsoft.com/office/drawing/2014/main" id="{642437BB-89AF-4CCB-9767-2F7B0E9E5ADB}"/>
+              </a:ext>
+            </a:extLst>
+          </p:cNvPr>
+          <p:cNvSpPr txBox="1"/>
+          <p:nvPr/>
+        </p:nvSpPr>
+        <p:spPr>
+          <a:xfrm>
+            <a:off x="9651547" y="3115303"/>
+            <a:ext cx="857446" cy="461665"/>
+          </a:xfrm>
+          <a:prstGeom prst="rect">
+            <a:avLst/>
+          </a:prstGeom>
+          <a:noFill/>
+        </p:spPr>
+        <p:txBody>
+          <a:bodyPr wrap="square" rtlCol="0">
+            <a:spAutoFit/>
+          </a:bodyPr>
+          <a:lstStyle/>
+          <a:p>
+            <a:pPr algn="ctr"/>
+            <a:r>
+              <a:rPr lang="en-US" sz="2400" dirty="0">
+                <a:latin typeface="+mj-lt"/>
+              </a:rPr>
+              <a:t>HDD</a:t>
+            </a:r>
+          </a:p>
+        </p:txBody>
+      </p:sp>
+    </p:spTree>
+    <p:extLst>
+      <p:ext uri="{BB962C8B-B14F-4D97-AF65-F5344CB8AC3E}">
+        <p14:creationId xmlns:p14="http://schemas.microsoft.com/office/powerpoint/2010/main" val="547111583"/>
+      </p:ext>
+    </p:extLst>
+  </p:cSld>
+  <p:clrMapOvr>
+    <a:masterClrMapping/>
+  </p:clrMapOvr>
+</p:sld>
+</file>
+
+<file path=ppt/slides/slide8.xml><?xml version="1.0" encoding="utf-8"?>
+<p:sld xmlns:a="http://schemas.openxmlformats.org/drawingml/2006/main" xmlns:r="http://schemas.openxmlformats.org/officeDocument/2006/relationships" xmlns:p="http://schemas.openxmlformats.org/presentationml/2006/main">
+  <p:cSld>
+    <p:spTree>
+      <p:nvGrpSpPr>
+        <p:cNvPr id="1" name=""/>
+        <p:cNvGrpSpPr/>
+        <p:nvPr/>
+      </p:nvGrpSpPr>
+      <p:grpSpPr>
+        <a:xfrm>
+          <a:off x="0" y="0"/>
+          <a:ext cx="0" cy="0"/>
+          <a:chOff x="0" y="0"/>
+          <a:chExt cx="0" cy="0"/>
+        </a:xfrm>
+      </p:grpSpPr>
+      <p:grpSp>
+        <p:nvGrpSpPr>
+          <p:cNvPr id="105" name="Group 104">
+            <a:extLst>
+              <a:ext uri="{FF2B5EF4-FFF2-40B4-BE49-F238E27FC236}">
+                <a16:creationId xmlns:a16="http://schemas.microsoft.com/office/drawing/2014/main" id="{35CA0DA1-A297-43E6-9D7C-CC0EC4A26122}"/>
+              </a:ext>
+            </a:extLst>
+          </p:cNvPr>
+          <p:cNvGrpSpPr/>
+          <p:nvPr/>
+        </p:nvGrpSpPr>
+        <p:grpSpPr>
+          <a:xfrm>
+            <a:off x="1956959" y="4909039"/>
+            <a:ext cx="1087157" cy="1293139"/>
+            <a:chOff x="7200364" y="4437820"/>
+            <a:chExt cx="702365" cy="835441"/>
+          </a:xfrm>
+        </p:grpSpPr>
+        <p:sp>
+          <p:nvSpPr>
+            <p:cNvPr id="106" name="Rectangle 105">
+              <a:extLst>
+                <a:ext uri="{FF2B5EF4-FFF2-40B4-BE49-F238E27FC236}">
+                  <a16:creationId xmlns:a16="http://schemas.microsoft.com/office/drawing/2014/main" id="{05E69C10-1F08-4A2D-BBDD-31F1FE27BCF9}"/>
+                </a:ext>
+              </a:extLst>
+            </p:cNvPr>
+            <p:cNvSpPr/>
+            <p:nvPr/>
+          </p:nvSpPr>
+          <p:spPr>
+            <a:xfrm>
+              <a:off x="7200364" y="4650408"/>
+              <a:ext cx="702365" cy="622853"/>
+            </a:xfrm>
+            <a:prstGeom prst="rect">
+              <a:avLst/>
+            </a:prstGeom>
+            <a:ln>
+              <a:noFill/>
+            </a:ln>
+          </p:spPr>
+          <p:style>
+            <a:lnRef idx="2">
+              <a:schemeClr val="accent1">
+                <a:shade val="50000"/>
+              </a:schemeClr>
+            </a:lnRef>
+            <a:fillRef idx="1">
+              <a:schemeClr val="accent1"/>
+            </a:fillRef>
+            <a:effectRef idx="0">
+              <a:schemeClr val="accent1"/>
+            </a:effectRef>
+            <a:fontRef idx="minor">
+              <a:schemeClr val="lt1"/>
+            </a:fontRef>
+          </p:style>
+          <p:txBody>
+            <a:bodyPr rtlCol="0" anchor="ctr"/>
+            <a:lstStyle/>
+            <a:p>
+              <a:pPr algn="ctr"/>
+              <a:endParaRPr lang="en-US" dirty="0"/>
+            </a:p>
+          </p:txBody>
+        </p:sp>
+        <p:sp>
+          <p:nvSpPr>
+            <p:cNvPr id="107" name="Arrow: Down 106">
+              <a:extLst>
+                <a:ext uri="{FF2B5EF4-FFF2-40B4-BE49-F238E27FC236}">
+                  <a16:creationId xmlns:a16="http://schemas.microsoft.com/office/drawing/2014/main" id="{F7A51DBF-30EC-4677-B191-0E7F53270BB3}"/>
+                </a:ext>
+              </a:extLst>
+            </p:cNvPr>
+            <p:cNvSpPr/>
+            <p:nvPr/>
+          </p:nvSpPr>
+          <p:spPr>
+            <a:xfrm rot="10800000">
+              <a:off x="7326261" y="4437820"/>
+              <a:ext cx="450574" cy="450575"/>
+            </a:xfrm>
+            <a:prstGeom prst="downArrow">
+              <a:avLst/>
+            </a:prstGeom>
+            <a:ln>
+              <a:noFill/>
+            </a:ln>
+          </p:spPr>
+          <p:style>
+            <a:lnRef idx="2">
+              <a:schemeClr val="accent1">
+                <a:shade val="50000"/>
+              </a:schemeClr>
+            </a:lnRef>
+            <a:fillRef idx="1">
+              <a:schemeClr val="accent1"/>
+            </a:fillRef>
+            <a:effectRef idx="0">
+              <a:schemeClr val="accent1"/>
+            </a:effectRef>
+            <a:fontRef idx="minor">
+              <a:schemeClr val="lt1"/>
+            </a:fontRef>
+          </p:style>
+          <p:txBody>
+            <a:bodyPr rtlCol="0" anchor="ctr"/>
+            <a:lstStyle/>
+            <a:p>
+              <a:pPr algn="ctr"/>
+              <a:endParaRPr lang="en-US"/>
+            </a:p>
+          </p:txBody>
+        </p:sp>
+      </p:grpSp>
+      <p:grpSp>
+        <p:nvGrpSpPr>
+          <p:cNvPr id="39" name="Group 38">
+            <a:extLst>
+              <a:ext uri="{FF2B5EF4-FFF2-40B4-BE49-F238E27FC236}">
+                <a16:creationId xmlns:a16="http://schemas.microsoft.com/office/drawing/2014/main" id="{59C7C82B-C3CE-4545-BF2D-F77782FBDD92}"/>
+              </a:ext>
+            </a:extLst>
+          </p:cNvPr>
+          <p:cNvGrpSpPr/>
+          <p:nvPr/>
+        </p:nvGrpSpPr>
+        <p:grpSpPr>
+          <a:xfrm>
+            <a:off x="377534" y="4930189"/>
+            <a:ext cx="1087157" cy="1293139"/>
+            <a:chOff x="7200364" y="4437820"/>
+            <a:chExt cx="702365" cy="835441"/>
+          </a:xfrm>
+        </p:grpSpPr>
+        <p:sp>
+          <p:nvSpPr>
+            <p:cNvPr id="6" name="Rectangle 5">
+              <a:extLst>
+                <a:ext uri="{FF2B5EF4-FFF2-40B4-BE49-F238E27FC236}">
+                  <a16:creationId xmlns:a16="http://schemas.microsoft.com/office/drawing/2014/main" id="{E8A2FF93-A81A-421B-A67F-15C485DD818F}"/>
+                </a:ext>
+              </a:extLst>
+            </p:cNvPr>
+            <p:cNvSpPr/>
+            <p:nvPr/>
+          </p:nvSpPr>
+          <p:spPr>
+            <a:xfrm>
+              <a:off x="7200364" y="4650408"/>
+              <a:ext cx="702365" cy="622853"/>
+            </a:xfrm>
+            <a:prstGeom prst="rect">
+              <a:avLst/>
+            </a:prstGeom>
+            <a:ln>
+              <a:noFill/>
+            </a:ln>
+          </p:spPr>
+          <p:style>
+            <a:lnRef idx="2">
+              <a:schemeClr val="accent1">
+                <a:shade val="50000"/>
+              </a:schemeClr>
+            </a:lnRef>
+            <a:fillRef idx="1">
+              <a:schemeClr val="accent1"/>
+            </a:fillRef>
+            <a:effectRef idx="0">
+              <a:schemeClr val="accent1"/>
+            </a:effectRef>
+            <a:fontRef idx="minor">
+              <a:schemeClr val="lt1"/>
+            </a:fontRef>
+          </p:style>
+          <p:txBody>
+            <a:bodyPr rtlCol="0" anchor="ctr"/>
+            <a:lstStyle/>
+            <a:p>
+              <a:pPr algn="ctr"/>
+              <a:endParaRPr lang="en-US" dirty="0"/>
+            </a:p>
+          </p:txBody>
+        </p:sp>
+        <p:sp>
+          <p:nvSpPr>
+            <p:cNvPr id="7" name="Arrow: Down 6">
+              <a:extLst>
+                <a:ext uri="{FF2B5EF4-FFF2-40B4-BE49-F238E27FC236}">
+                  <a16:creationId xmlns:a16="http://schemas.microsoft.com/office/drawing/2014/main" id="{151488B6-3567-4446-809B-D1EBB1231366}"/>
+                </a:ext>
+              </a:extLst>
+            </p:cNvPr>
+            <p:cNvSpPr/>
+            <p:nvPr/>
+          </p:nvSpPr>
+          <p:spPr>
+            <a:xfrm rot="10800000">
+              <a:off x="7326261" y="4437820"/>
+              <a:ext cx="450574" cy="450575"/>
+            </a:xfrm>
+            <a:prstGeom prst="downArrow">
+              <a:avLst/>
+            </a:prstGeom>
+            <a:ln>
+              <a:noFill/>
+            </a:ln>
+          </p:spPr>
+          <p:style>
+            <a:lnRef idx="2">
+              <a:schemeClr val="accent1">
+                <a:shade val="50000"/>
+              </a:schemeClr>
+            </a:lnRef>
+            <a:fillRef idx="1">
+              <a:schemeClr val="accent1"/>
+            </a:fillRef>
+            <a:effectRef idx="0">
+              <a:schemeClr val="accent1"/>
+            </a:effectRef>
+            <a:fontRef idx="minor">
+              <a:schemeClr val="lt1"/>
+            </a:fontRef>
+          </p:style>
+          <p:txBody>
+            <a:bodyPr rtlCol="0" anchor="ctr"/>
+            <a:lstStyle/>
+            <a:p>
+              <a:pPr algn="ctr"/>
+              <a:endParaRPr lang="en-US"/>
+            </a:p>
+          </p:txBody>
+        </p:sp>
+      </p:grpSp>
+      <p:sp>
+        <p:nvSpPr>
+          <p:cNvPr id="103" name="Flowchart: Manual Operation 102">
+            <a:extLst>
+              <a:ext uri="{FF2B5EF4-FFF2-40B4-BE49-F238E27FC236}">
+                <a16:creationId xmlns:a16="http://schemas.microsoft.com/office/drawing/2014/main" id="{06873E08-CFF2-4648-8C7B-AC04CBF95FCB}"/>
+              </a:ext>
+            </a:extLst>
+          </p:cNvPr>
+          <p:cNvSpPr/>
+          <p:nvPr/>
+        </p:nvSpPr>
+        <p:spPr>
+          <a:xfrm>
+            <a:off x="315143" y="4455757"/>
+            <a:ext cx="1218800" cy="964084"/>
+          </a:xfrm>
+          <a:prstGeom prst="flowChartManualOperation">
+            <a:avLst/>
+          </a:prstGeom>
+          <a:solidFill>
+            <a:srgbClr val="3BDB25">
+              <a:alpha val="30000"/>
+            </a:srgbClr>
+          </a:solidFill>
+          <a:ln w="38100">
+            <a:solidFill>
+              <a:srgbClr val="3BDB25"/>
+            </a:solidFill>
+          </a:ln>
+        </p:spPr>
+        <p:style>
+          <a:lnRef idx="2">
+            <a:schemeClr val="accent1">
+              <a:shade val="50000"/>
+            </a:schemeClr>
+          </a:lnRef>
+          <a:fillRef idx="1">
+            <a:schemeClr val="accent1"/>
+          </a:fillRef>
+          <a:effectRef idx="0">
+            <a:schemeClr val="accent1"/>
+          </a:effectRef>
+          <a:fontRef idx="minor">
+            <a:schemeClr val="lt1"/>
+          </a:fontRef>
+        </p:style>
+        <p:txBody>
+          <a:bodyPr rtlCol="0" anchor="ctr"/>
+          <a:lstStyle/>
+          <a:p>
+            <a:pPr algn="ctr"/>
+            <a:endParaRPr lang="en-US"/>
+          </a:p>
+        </p:txBody>
+      </p:sp>
+      <p:grpSp>
+        <p:nvGrpSpPr>
+          <p:cNvPr id="40" name="Group 39">
+            <a:extLst>
+              <a:ext uri="{FF2B5EF4-FFF2-40B4-BE49-F238E27FC236}">
+                <a16:creationId xmlns:a16="http://schemas.microsoft.com/office/drawing/2014/main" id="{942535E7-0ED7-4360-96C4-41B1BC6C3CBA}"/>
+              </a:ext>
+            </a:extLst>
+          </p:cNvPr>
+          <p:cNvGrpSpPr/>
+          <p:nvPr/>
+        </p:nvGrpSpPr>
+        <p:grpSpPr>
+          <a:xfrm>
+            <a:off x="534465" y="5128730"/>
+            <a:ext cx="773293" cy="997765"/>
+            <a:chOff x="9356587" y="4844560"/>
+            <a:chExt cx="450574" cy="581367"/>
+          </a:xfrm>
+        </p:grpSpPr>
+        <p:sp>
+          <p:nvSpPr>
+            <p:cNvPr id="9" name="Oval 8">
+              <a:extLst>
+                <a:ext uri="{FF2B5EF4-FFF2-40B4-BE49-F238E27FC236}">
+                  <a16:creationId xmlns:a16="http://schemas.microsoft.com/office/drawing/2014/main" id="{175553E3-63FC-47A2-AFB5-69D7A4B11C53}"/>
+                </a:ext>
+              </a:extLst>
+            </p:cNvPr>
+            <p:cNvSpPr/>
+            <p:nvPr/>
+          </p:nvSpPr>
+          <p:spPr>
+            <a:xfrm>
+              <a:off x="9356587" y="5001858"/>
+              <a:ext cx="450574" cy="424069"/>
+            </a:xfrm>
+            <a:prstGeom prst="ellipse">
+              <a:avLst/>
+            </a:prstGeom>
+            <a:solidFill>
+              <a:srgbClr val="FF0000"/>
+            </a:solidFill>
+            <a:ln>
+              <a:noFill/>
+            </a:ln>
+          </p:spPr>
+          <p:style>
+            <a:lnRef idx="2">
+              <a:schemeClr val="accent1">
+                <a:shade val="50000"/>
+              </a:schemeClr>
+            </a:lnRef>
+            <a:fillRef idx="1">
+              <a:schemeClr val="accent1"/>
+            </a:fillRef>
+            <a:effectRef idx="0">
+              <a:schemeClr val="accent1"/>
+            </a:effectRef>
+            <a:fontRef idx="minor">
+              <a:schemeClr val="lt1"/>
+            </a:fontRef>
+          </p:style>
+          <p:txBody>
+            <a:bodyPr rtlCol="0" anchor="ctr"/>
+            <a:lstStyle/>
+            <a:p>
+              <a:pPr algn="ctr"/>
+              <a:endParaRPr lang="en-US"/>
+            </a:p>
+          </p:txBody>
+        </p:sp>
+        <p:sp>
+          <p:nvSpPr>
+            <p:cNvPr id="10" name="Arrow: Down 9">
+              <a:extLst>
+                <a:ext uri="{FF2B5EF4-FFF2-40B4-BE49-F238E27FC236}">
+                  <a16:creationId xmlns:a16="http://schemas.microsoft.com/office/drawing/2014/main" id="{913A6D81-CE5D-4E56-B236-5FE0742D3C6B}"/>
+                </a:ext>
+              </a:extLst>
+            </p:cNvPr>
+            <p:cNvSpPr/>
+            <p:nvPr/>
+          </p:nvSpPr>
+          <p:spPr>
+            <a:xfrm rot="10800000">
+              <a:off x="9426019" y="4844560"/>
+              <a:ext cx="311705" cy="369332"/>
+            </a:xfrm>
+            <a:prstGeom prst="downArrow">
+              <a:avLst/>
+            </a:prstGeom>
+            <a:solidFill>
+              <a:srgbClr val="FF0000"/>
+            </a:solidFill>
+            <a:ln>
+              <a:noFill/>
+            </a:ln>
+          </p:spPr>
+          <p:style>
+            <a:lnRef idx="2">
+              <a:schemeClr val="accent1">
+                <a:shade val="50000"/>
+              </a:schemeClr>
+            </a:lnRef>
+            <a:fillRef idx="1">
+              <a:schemeClr val="accent1"/>
+            </a:fillRef>
+            <a:effectRef idx="0">
+              <a:schemeClr val="accent1"/>
+            </a:effectRef>
+            <a:fontRef idx="minor">
+              <a:schemeClr val="lt1"/>
+            </a:fontRef>
+          </p:style>
+          <p:txBody>
+            <a:bodyPr rtlCol="0" anchor="ctr"/>
+            <a:lstStyle/>
+            <a:p>
+              <a:pPr algn="ctr"/>
+              <a:endParaRPr lang="en-US"/>
+            </a:p>
+          </p:txBody>
+        </p:sp>
+      </p:grpSp>
+      <p:cxnSp>
+        <p:nvCxnSpPr>
+          <p:cNvPr id="54" name="Straight Connector 53">
+            <a:extLst>
+              <a:ext uri="{FF2B5EF4-FFF2-40B4-BE49-F238E27FC236}">
+                <a16:creationId xmlns:a16="http://schemas.microsoft.com/office/drawing/2014/main" id="{D9EAB4B1-8A20-4183-9D11-450C79822746}"/>
+              </a:ext>
+            </a:extLst>
+          </p:cNvPr>
+          <p:cNvCxnSpPr>
+            <a:cxnSpLocks/>
+          </p:cNvCxnSpPr>
+          <p:nvPr/>
+        </p:nvCxnSpPr>
+        <p:spPr>
+          <a:xfrm>
+            <a:off x="8268543" y="5918179"/>
+            <a:ext cx="1308295" cy="0"/>
+          </a:xfrm>
+          <a:prstGeom prst="line">
+            <a:avLst/>
+          </a:prstGeom>
+          <a:ln w="38100">
+            <a:solidFill>
+              <a:srgbClr val="FF0000"/>
+            </a:solidFill>
+          </a:ln>
+        </p:spPr>
+        <p:style>
+          <a:lnRef idx="1">
+            <a:schemeClr val="accent1"/>
+          </a:lnRef>
+          <a:fillRef idx="0">
+            <a:schemeClr val="accent1"/>
+          </a:fillRef>
+          <a:effectRef idx="0">
+            <a:schemeClr val="accent1"/>
+          </a:effectRef>
+          <a:fontRef idx="minor">
+            <a:schemeClr val="tx1"/>
+          </a:fontRef>
+        </p:style>
+      </p:cxnSp>
+      <p:cxnSp>
+        <p:nvCxnSpPr>
+          <p:cNvPr id="55" name="Straight Connector 54">
+            <a:extLst>
+              <a:ext uri="{FF2B5EF4-FFF2-40B4-BE49-F238E27FC236}">
+                <a16:creationId xmlns:a16="http://schemas.microsoft.com/office/drawing/2014/main" id="{59112D79-3AC4-4FF5-8FDC-17A9CE429386}"/>
+              </a:ext>
+            </a:extLst>
+          </p:cNvPr>
+          <p:cNvCxnSpPr>
+            <a:cxnSpLocks/>
+          </p:cNvCxnSpPr>
+          <p:nvPr/>
+        </p:nvCxnSpPr>
+        <p:spPr>
+          <a:xfrm flipH="1">
+            <a:off x="9576838" y="5238610"/>
+            <a:ext cx="689317" cy="679569"/>
+          </a:xfrm>
+          <a:prstGeom prst="line">
+            <a:avLst/>
+          </a:prstGeom>
+          <a:ln w="38100">
+            <a:solidFill>
+              <a:srgbClr val="92D050"/>
+            </a:solidFill>
+          </a:ln>
+        </p:spPr>
+        <p:style>
+          <a:lnRef idx="1">
+            <a:schemeClr val="accent1"/>
+          </a:lnRef>
+          <a:fillRef idx="0">
+            <a:schemeClr val="accent1"/>
+          </a:fillRef>
+          <a:effectRef idx="0">
+            <a:schemeClr val="accent1"/>
+          </a:effectRef>
+          <a:fontRef idx="minor">
+            <a:schemeClr val="tx1"/>
+          </a:fontRef>
+        </p:style>
+      </p:cxnSp>
+      <p:cxnSp>
+        <p:nvCxnSpPr>
+          <p:cNvPr id="57" name="Straight Connector 56">
+            <a:extLst>
+              <a:ext uri="{FF2B5EF4-FFF2-40B4-BE49-F238E27FC236}">
+                <a16:creationId xmlns:a16="http://schemas.microsoft.com/office/drawing/2014/main" id="{14B888EB-82A7-420C-8089-728CDF5F1671}"/>
+              </a:ext>
+            </a:extLst>
+          </p:cNvPr>
+          <p:cNvCxnSpPr>
+            <a:cxnSpLocks/>
+          </p:cNvCxnSpPr>
+          <p:nvPr/>
+        </p:nvCxnSpPr>
+        <p:spPr>
+          <a:xfrm>
+            <a:off x="9576838" y="4320137"/>
+            <a:ext cx="11723" cy="1598042"/>
+          </a:xfrm>
+          <a:prstGeom prst="line">
+            <a:avLst/>
+          </a:prstGeom>
+          <a:ln w="38100">
+            <a:solidFill>
+              <a:srgbClr val="0070C0"/>
+            </a:solidFill>
+          </a:ln>
+        </p:spPr>
+        <p:style>
+          <a:lnRef idx="1">
+            <a:schemeClr val="accent1"/>
+          </a:lnRef>
+          <a:fillRef idx="0">
+            <a:schemeClr val="accent1"/>
+          </a:fillRef>
+          <a:effectRef idx="0">
+            <a:schemeClr val="accent1"/>
+          </a:effectRef>
+          <a:fontRef idx="minor">
+            <a:schemeClr val="tx1"/>
+          </a:fontRef>
+        </p:style>
+      </p:cxnSp>
+      <p:sp>
+        <p:nvSpPr>
+          <p:cNvPr id="62" name="TextBox 61">
+            <a:extLst>
+              <a:ext uri="{FF2B5EF4-FFF2-40B4-BE49-F238E27FC236}">
+                <a16:creationId xmlns:a16="http://schemas.microsoft.com/office/drawing/2014/main" id="{B6492686-F1C6-4C3B-9999-C192D5D5E2B8}"/>
+              </a:ext>
+            </a:extLst>
+          </p:cNvPr>
+          <p:cNvSpPr txBox="1"/>
+          <p:nvPr/>
+        </p:nvSpPr>
+        <p:spPr>
+          <a:xfrm>
+            <a:off x="7923637" y="5918179"/>
+            <a:ext cx="863755" cy="461665"/>
+          </a:xfrm>
+          <a:prstGeom prst="rect">
+            <a:avLst/>
+          </a:prstGeom>
+          <a:noFill/>
+        </p:spPr>
+        <p:txBody>
+          <a:bodyPr wrap="square" rtlCol="0">
+            <a:spAutoFit/>
+          </a:bodyPr>
+          <a:lstStyle/>
+          <a:p>
+            <a:pPr algn="ctr"/>
+            <a:r>
+              <a:rPr lang="en-US" sz="2400" dirty="0">
+                <a:latin typeface="+mj-lt"/>
+              </a:rPr>
+              <a:t>X</a:t>
+            </a:r>
+            <a:r>
+              <a:rPr lang="en-US" sz="2400" baseline="-25000" dirty="0">
+                <a:latin typeface="+mj-lt"/>
+              </a:rPr>
+              <a:t>ARTA</a:t>
+            </a:r>
+            <a:endParaRPr lang="en-US" sz="2400" dirty="0">
+              <a:latin typeface="+mj-lt"/>
+            </a:endParaRPr>
+          </a:p>
+        </p:txBody>
+      </p:sp>
+      <p:sp>
+        <p:nvSpPr>
+          <p:cNvPr id="63" name="TextBox 62">
+            <a:extLst>
+              <a:ext uri="{FF2B5EF4-FFF2-40B4-BE49-F238E27FC236}">
+                <a16:creationId xmlns:a16="http://schemas.microsoft.com/office/drawing/2014/main" id="{D75C5D6D-0627-4007-9F4F-07B3FD09946A}"/>
+              </a:ext>
+            </a:extLst>
+          </p:cNvPr>
+          <p:cNvSpPr txBox="1"/>
+          <p:nvPr/>
+        </p:nvSpPr>
+        <p:spPr>
+          <a:xfrm>
+            <a:off x="10142341" y="5240362"/>
+            <a:ext cx="840307" cy="461665"/>
+          </a:xfrm>
+          <a:prstGeom prst="rect">
+            <a:avLst/>
+          </a:prstGeom>
+          <a:noFill/>
+        </p:spPr>
+        <p:txBody>
+          <a:bodyPr wrap="square" rtlCol="0">
+            <a:spAutoFit/>
+          </a:bodyPr>
+          <a:lstStyle/>
+          <a:p>
+            <a:pPr algn="ctr"/>
+            <a:r>
+              <a:rPr lang="en-US" sz="2400" dirty="0">
+                <a:latin typeface="+mj-lt"/>
+              </a:rPr>
+              <a:t>Y</a:t>
+            </a:r>
+            <a:r>
+              <a:rPr lang="en-US" sz="2400" baseline="-25000" dirty="0">
+                <a:latin typeface="+mj-lt"/>
+              </a:rPr>
+              <a:t>ARTA</a:t>
+            </a:r>
+            <a:endParaRPr lang="en-US" sz="2400" dirty="0">
+              <a:latin typeface="+mj-lt"/>
+            </a:endParaRPr>
+          </a:p>
+        </p:txBody>
+      </p:sp>
+      <p:sp>
+        <p:nvSpPr>
+          <p:cNvPr id="64" name="TextBox 63">
+            <a:extLst>
+              <a:ext uri="{FF2B5EF4-FFF2-40B4-BE49-F238E27FC236}">
+                <a16:creationId xmlns:a16="http://schemas.microsoft.com/office/drawing/2014/main" id="{37F60E08-B63E-4BEC-8744-173C66F06B50}"/>
+              </a:ext>
+            </a:extLst>
+          </p:cNvPr>
+          <p:cNvSpPr txBox="1"/>
+          <p:nvPr/>
+        </p:nvSpPr>
+        <p:spPr>
+          <a:xfrm>
+            <a:off x="9543620" y="4359572"/>
+            <a:ext cx="836395" cy="461665"/>
+          </a:xfrm>
+          <a:prstGeom prst="rect">
+            <a:avLst/>
+          </a:prstGeom>
+          <a:noFill/>
+        </p:spPr>
+        <p:txBody>
+          <a:bodyPr wrap="square" rtlCol="0">
+            <a:spAutoFit/>
+          </a:bodyPr>
+          <a:lstStyle/>
+          <a:p>
+            <a:pPr algn="ctr"/>
+            <a:r>
+              <a:rPr lang="en-US" sz="2400" dirty="0">
+                <a:latin typeface="+mj-lt"/>
+              </a:rPr>
+              <a:t>Z</a:t>
+            </a:r>
+            <a:r>
+              <a:rPr lang="en-US" sz="2400" baseline="-25000" dirty="0">
+                <a:latin typeface="+mj-lt"/>
+              </a:rPr>
+              <a:t>ARTA</a:t>
+            </a:r>
+            <a:endParaRPr lang="en-US" sz="2400" dirty="0">
+              <a:latin typeface="+mj-lt"/>
+            </a:endParaRPr>
+          </a:p>
+        </p:txBody>
+      </p:sp>
+      <p:cxnSp>
+        <p:nvCxnSpPr>
+          <p:cNvPr id="66" name="Straight Connector 65">
+            <a:extLst>
+              <a:ext uri="{FF2B5EF4-FFF2-40B4-BE49-F238E27FC236}">
+                <a16:creationId xmlns:a16="http://schemas.microsoft.com/office/drawing/2014/main" id="{C0587F95-0CA5-45A0-98B7-98143D478B8B}"/>
+              </a:ext>
+            </a:extLst>
+          </p:cNvPr>
+          <p:cNvCxnSpPr>
+            <a:cxnSpLocks/>
+          </p:cNvCxnSpPr>
+          <p:nvPr/>
+        </p:nvCxnSpPr>
+        <p:spPr>
+          <a:xfrm flipH="1" flipV="1">
+            <a:off x="9576838" y="2945191"/>
+            <a:ext cx="11723" cy="2972989"/>
+          </a:xfrm>
+          <a:prstGeom prst="line">
+            <a:avLst/>
+          </a:prstGeom>
+          <a:ln w="12700"/>
+        </p:spPr>
+        <p:style>
+          <a:lnRef idx="1">
+            <a:schemeClr val="accent1"/>
+          </a:lnRef>
+          <a:fillRef idx="0">
+            <a:schemeClr val="accent1"/>
+          </a:fillRef>
+          <a:effectRef idx="0">
+            <a:schemeClr val="accent1"/>
+          </a:effectRef>
+          <a:fontRef idx="minor">
+            <a:schemeClr val="tx1"/>
+          </a:fontRef>
+        </p:style>
+      </p:cxnSp>
+      <p:cxnSp>
+        <p:nvCxnSpPr>
+          <p:cNvPr id="70" name="Straight Connector 69">
+            <a:extLst>
+              <a:ext uri="{FF2B5EF4-FFF2-40B4-BE49-F238E27FC236}">
+                <a16:creationId xmlns:a16="http://schemas.microsoft.com/office/drawing/2014/main" id="{2814293C-E9AF-4EBB-BDF6-58ACED7E5C28}"/>
+              </a:ext>
+            </a:extLst>
+          </p:cNvPr>
+          <p:cNvCxnSpPr>
+            <a:cxnSpLocks/>
+          </p:cNvCxnSpPr>
+          <p:nvPr/>
+        </p:nvCxnSpPr>
+        <p:spPr>
+          <a:xfrm>
+            <a:off x="4442812" y="2075468"/>
+            <a:ext cx="1308295" cy="0"/>
+          </a:xfrm>
+          <a:prstGeom prst="line">
+            <a:avLst/>
+          </a:prstGeom>
+          <a:ln w="38100">
+            <a:solidFill>
+              <a:srgbClr val="FF0000"/>
+            </a:solidFill>
+          </a:ln>
+        </p:spPr>
+        <p:style>
+          <a:lnRef idx="1">
+            <a:schemeClr val="accent1"/>
+          </a:lnRef>
+          <a:fillRef idx="0">
+            <a:schemeClr val="accent1"/>
+          </a:fillRef>
+          <a:effectRef idx="0">
+            <a:schemeClr val="accent1"/>
+          </a:effectRef>
+          <a:fontRef idx="minor">
+            <a:schemeClr val="tx1"/>
+          </a:fontRef>
+        </p:style>
+      </p:cxnSp>
+      <p:cxnSp>
+        <p:nvCxnSpPr>
+          <p:cNvPr id="71" name="Straight Connector 70">
+            <a:extLst>
+              <a:ext uri="{FF2B5EF4-FFF2-40B4-BE49-F238E27FC236}">
+                <a16:creationId xmlns:a16="http://schemas.microsoft.com/office/drawing/2014/main" id="{E23E3B75-D40E-4A80-B779-F82CDEEE89AE}"/>
+              </a:ext>
+            </a:extLst>
+          </p:cNvPr>
+          <p:cNvCxnSpPr>
+            <a:cxnSpLocks/>
+          </p:cNvCxnSpPr>
+          <p:nvPr/>
+        </p:nvCxnSpPr>
+        <p:spPr>
+          <a:xfrm flipH="1">
+            <a:off x="5751107" y="1395899"/>
+            <a:ext cx="689317" cy="679569"/>
+          </a:xfrm>
+          <a:prstGeom prst="line">
+            <a:avLst/>
+          </a:prstGeom>
+          <a:ln w="38100">
+            <a:solidFill>
+              <a:srgbClr val="92D050"/>
+            </a:solidFill>
+          </a:ln>
+        </p:spPr>
+        <p:style>
+          <a:lnRef idx="1">
+            <a:schemeClr val="accent1"/>
+          </a:lnRef>
+          <a:fillRef idx="0">
+            <a:schemeClr val="accent1"/>
+          </a:fillRef>
+          <a:effectRef idx="0">
+            <a:schemeClr val="accent1"/>
+          </a:effectRef>
+          <a:fontRef idx="minor">
+            <a:schemeClr val="tx1"/>
+          </a:fontRef>
+        </p:style>
+      </p:cxnSp>
+      <p:cxnSp>
+        <p:nvCxnSpPr>
+          <p:cNvPr id="72" name="Straight Connector 71">
+            <a:extLst>
+              <a:ext uri="{FF2B5EF4-FFF2-40B4-BE49-F238E27FC236}">
+                <a16:creationId xmlns:a16="http://schemas.microsoft.com/office/drawing/2014/main" id="{A18A139F-4213-4C25-B37F-F47203A8C28E}"/>
+              </a:ext>
+            </a:extLst>
+          </p:cNvPr>
+          <p:cNvCxnSpPr>
+            <a:cxnSpLocks/>
+          </p:cNvCxnSpPr>
+          <p:nvPr/>
+        </p:nvCxnSpPr>
+        <p:spPr>
+          <a:xfrm>
+            <a:off x="5751107" y="477426"/>
+            <a:ext cx="11723" cy="1598042"/>
+          </a:xfrm>
+          <a:prstGeom prst="line">
+            <a:avLst/>
+          </a:prstGeom>
+          <a:ln w="38100">
+            <a:solidFill>
+              <a:srgbClr val="0070C0"/>
+            </a:solidFill>
+          </a:ln>
+        </p:spPr>
+        <p:style>
+          <a:lnRef idx="1">
+            <a:schemeClr val="accent1"/>
+          </a:lnRef>
+          <a:fillRef idx="0">
+            <a:schemeClr val="accent1"/>
+          </a:fillRef>
+          <a:effectRef idx="0">
+            <a:schemeClr val="accent1"/>
+          </a:effectRef>
+          <a:fontRef idx="minor">
+            <a:schemeClr val="tx1"/>
+          </a:fontRef>
+        </p:style>
+      </p:cxnSp>
+      <p:sp>
+        <p:nvSpPr>
+          <p:cNvPr id="73" name="TextBox 72">
+            <a:extLst>
+              <a:ext uri="{FF2B5EF4-FFF2-40B4-BE49-F238E27FC236}">
+                <a16:creationId xmlns:a16="http://schemas.microsoft.com/office/drawing/2014/main" id="{4A4B4D5F-26FF-4EF1-8DE7-5D91623C2B10}"/>
+              </a:ext>
+            </a:extLst>
+          </p:cNvPr>
+          <p:cNvSpPr txBox="1"/>
+          <p:nvPr/>
+        </p:nvSpPr>
+        <p:spPr>
+          <a:xfrm>
+            <a:off x="4404579" y="1653709"/>
+            <a:ext cx="352670" cy="461665"/>
+          </a:xfrm>
+          <a:prstGeom prst="rect">
+            <a:avLst/>
+          </a:prstGeom>
+          <a:noFill/>
+        </p:spPr>
+        <p:txBody>
+          <a:bodyPr wrap="square" rtlCol="0">
+            <a:spAutoFit/>
+          </a:bodyPr>
+          <a:lstStyle/>
+          <a:p>
+            <a:pPr algn="ctr"/>
+            <a:r>
+              <a:rPr lang="en-US" sz="2400" dirty="0">
+                <a:latin typeface="+mj-lt"/>
+              </a:rPr>
+              <a:t>x</a:t>
+            </a:r>
+          </a:p>
+        </p:txBody>
+      </p:sp>
+      <p:sp>
+        <p:nvSpPr>
+          <p:cNvPr id="74" name="TextBox 73">
+            <a:extLst>
+              <a:ext uri="{FF2B5EF4-FFF2-40B4-BE49-F238E27FC236}">
+                <a16:creationId xmlns:a16="http://schemas.microsoft.com/office/drawing/2014/main" id="{720DCEDD-EEC0-41FA-B791-B520E28A4385}"/>
+              </a:ext>
+            </a:extLst>
+          </p:cNvPr>
+          <p:cNvSpPr txBox="1"/>
+          <p:nvPr/>
+        </p:nvSpPr>
+        <p:spPr>
+          <a:xfrm>
+            <a:off x="6316611" y="1397651"/>
+            <a:ext cx="352670" cy="461665"/>
+          </a:xfrm>
+          <a:prstGeom prst="rect">
+            <a:avLst/>
+          </a:prstGeom>
+          <a:noFill/>
+        </p:spPr>
+        <p:txBody>
+          <a:bodyPr wrap="square" rtlCol="0">
+            <a:spAutoFit/>
+          </a:bodyPr>
+          <a:lstStyle/>
+          <a:p>
+            <a:pPr algn="ctr"/>
+            <a:r>
+              <a:rPr lang="en-US" sz="2400" dirty="0">
+                <a:latin typeface="+mj-lt"/>
+              </a:rPr>
+              <a:t>y</a:t>
+            </a:r>
+          </a:p>
+        </p:txBody>
+      </p:sp>
+      <p:sp>
+        <p:nvSpPr>
+          <p:cNvPr id="75" name="TextBox 74">
+            <a:extLst>
+              <a:ext uri="{FF2B5EF4-FFF2-40B4-BE49-F238E27FC236}">
+                <a16:creationId xmlns:a16="http://schemas.microsoft.com/office/drawing/2014/main" id="{33950C4F-6B68-4F55-8179-DD624D03E9D4}"/>
+              </a:ext>
+            </a:extLst>
+          </p:cNvPr>
+          <p:cNvSpPr txBox="1"/>
+          <p:nvPr/>
+        </p:nvSpPr>
+        <p:spPr>
+          <a:xfrm>
+            <a:off x="5801063" y="345726"/>
+            <a:ext cx="352670" cy="461665"/>
+          </a:xfrm>
+          <a:prstGeom prst="rect">
+            <a:avLst/>
+          </a:prstGeom>
+          <a:noFill/>
+        </p:spPr>
+        <p:txBody>
+          <a:bodyPr wrap="square" rtlCol="0">
+            <a:spAutoFit/>
+          </a:bodyPr>
+          <a:lstStyle/>
+          <a:p>
+            <a:pPr algn="ctr"/>
+            <a:r>
+              <a:rPr lang="en-US" sz="2400" dirty="0">
+                <a:latin typeface="+mj-lt"/>
+              </a:rPr>
+              <a:t>z</a:t>
+            </a:r>
+          </a:p>
+        </p:txBody>
+      </p:sp>
+      <p:sp>
+        <p:nvSpPr>
+          <p:cNvPr id="76" name="Arrow: Curved Left 75">
+            <a:extLst>
+              <a:ext uri="{FF2B5EF4-FFF2-40B4-BE49-F238E27FC236}">
+                <a16:creationId xmlns:a16="http://schemas.microsoft.com/office/drawing/2014/main" id="{0C8679EE-152C-4D60-853B-ED01BDD4C35A}"/>
+              </a:ext>
+            </a:extLst>
+          </p:cNvPr>
+          <p:cNvSpPr/>
+          <p:nvPr/>
+        </p:nvSpPr>
+        <p:spPr>
+          <a:xfrm>
+            <a:off x="9650242" y="4930189"/>
+            <a:ext cx="255888" cy="255273"/>
+          </a:xfrm>
+          <a:prstGeom prst="curvedLeftArrow">
+            <a:avLst/>
+          </a:prstGeom>
+        </p:spPr>
+        <p:style>
+          <a:lnRef idx="2">
+            <a:schemeClr val="accent1">
+              <a:shade val="50000"/>
+            </a:schemeClr>
+          </a:lnRef>
+          <a:fillRef idx="1">
+            <a:schemeClr val="accent1"/>
+          </a:fillRef>
+          <a:effectRef idx="0">
+            <a:schemeClr val="accent1"/>
+          </a:effectRef>
+          <a:fontRef idx="minor">
+            <a:schemeClr val="lt1"/>
+          </a:fontRef>
+        </p:style>
+        <p:txBody>
+          <a:bodyPr rtlCol="0" anchor="ctr"/>
+          <a:lstStyle/>
+          <a:p>
+            <a:pPr algn="ctr"/>
+            <a:endParaRPr lang="en-US">
+              <a:solidFill>
+                <a:schemeClr val="tx1"/>
+              </a:solidFill>
+            </a:endParaRPr>
+          </a:p>
+        </p:txBody>
+      </p:sp>
+      <p:cxnSp>
+        <p:nvCxnSpPr>
+          <p:cNvPr id="77" name="Straight Connector 76">
+            <a:extLst>
+              <a:ext uri="{FF2B5EF4-FFF2-40B4-BE49-F238E27FC236}">
+                <a16:creationId xmlns:a16="http://schemas.microsoft.com/office/drawing/2014/main" id="{35A7AA77-F081-4BA9-874D-4A2D8507A8D8}"/>
+              </a:ext>
+            </a:extLst>
+          </p:cNvPr>
+          <p:cNvCxnSpPr>
+            <a:cxnSpLocks/>
+          </p:cNvCxnSpPr>
+          <p:nvPr/>
+        </p:nvCxnSpPr>
+        <p:spPr>
+          <a:xfrm>
+            <a:off x="8491482" y="3208330"/>
+            <a:ext cx="1097078" cy="523110"/>
+          </a:xfrm>
+          <a:prstGeom prst="line">
+            <a:avLst/>
+          </a:prstGeom>
+          <a:ln w="38100">
+            <a:solidFill>
+              <a:srgbClr val="FF0000"/>
+            </a:solidFill>
+          </a:ln>
+        </p:spPr>
+        <p:style>
+          <a:lnRef idx="1">
+            <a:schemeClr val="accent1"/>
+          </a:lnRef>
+          <a:fillRef idx="0">
+            <a:schemeClr val="accent1"/>
+          </a:fillRef>
+          <a:effectRef idx="0">
+            <a:schemeClr val="accent1"/>
+          </a:effectRef>
+          <a:fontRef idx="minor">
+            <a:schemeClr val="tx1"/>
+          </a:fontRef>
+        </p:style>
+      </p:cxnSp>
+      <p:cxnSp>
+        <p:nvCxnSpPr>
+          <p:cNvPr id="78" name="Straight Connector 77">
+            <a:extLst>
+              <a:ext uri="{FF2B5EF4-FFF2-40B4-BE49-F238E27FC236}">
+                <a16:creationId xmlns:a16="http://schemas.microsoft.com/office/drawing/2014/main" id="{B45F4B17-473D-4B92-83BF-7C515A14F004}"/>
+              </a:ext>
+            </a:extLst>
+          </p:cNvPr>
+          <p:cNvCxnSpPr>
+            <a:cxnSpLocks/>
+          </p:cNvCxnSpPr>
+          <p:nvPr/>
+        </p:nvCxnSpPr>
+        <p:spPr>
+          <a:xfrm flipH="1">
+            <a:off x="9588562" y="3208329"/>
+            <a:ext cx="973932" cy="523111"/>
+          </a:xfrm>
+          <a:prstGeom prst="line">
+            <a:avLst/>
+          </a:prstGeom>
+          <a:ln w="38100">
+            <a:solidFill>
+              <a:srgbClr val="92D050"/>
+            </a:solidFill>
+          </a:ln>
+        </p:spPr>
+        <p:style>
+          <a:lnRef idx="1">
+            <a:schemeClr val="accent1"/>
+          </a:lnRef>
+          <a:fillRef idx="0">
+            <a:schemeClr val="accent1"/>
+          </a:fillRef>
+          <a:effectRef idx="0">
+            <a:schemeClr val="accent1"/>
+          </a:effectRef>
+          <a:fontRef idx="minor">
+            <a:schemeClr val="tx1"/>
+          </a:fontRef>
+        </p:style>
+      </p:cxnSp>
+      <p:cxnSp>
+        <p:nvCxnSpPr>
+          <p:cNvPr id="79" name="Straight Connector 78">
+            <a:extLst>
+              <a:ext uri="{FF2B5EF4-FFF2-40B4-BE49-F238E27FC236}">
+                <a16:creationId xmlns:a16="http://schemas.microsoft.com/office/drawing/2014/main" id="{4615C602-40D5-4488-A14D-C85B0AFCA4CC}"/>
+              </a:ext>
+            </a:extLst>
+          </p:cNvPr>
+          <p:cNvCxnSpPr>
+            <a:cxnSpLocks/>
+          </p:cNvCxnSpPr>
+          <p:nvPr/>
+        </p:nvCxnSpPr>
+        <p:spPr>
+          <a:xfrm>
+            <a:off x="9574492" y="2133398"/>
+            <a:ext cx="11723" cy="1598042"/>
+          </a:xfrm>
+          <a:prstGeom prst="line">
+            <a:avLst/>
+          </a:prstGeom>
+          <a:ln w="38100">
+            <a:solidFill>
+              <a:srgbClr val="0070C0"/>
+            </a:solidFill>
+          </a:ln>
+        </p:spPr>
+        <p:style>
+          <a:lnRef idx="1">
+            <a:schemeClr val="accent1"/>
+          </a:lnRef>
+          <a:fillRef idx="0">
+            <a:schemeClr val="accent1"/>
+          </a:fillRef>
+          <a:effectRef idx="0">
+            <a:schemeClr val="accent1"/>
+          </a:effectRef>
+          <a:fontRef idx="minor">
+            <a:schemeClr val="tx1"/>
+          </a:fontRef>
+        </p:style>
+      </p:cxnSp>
+      <p:sp>
+        <p:nvSpPr>
+          <p:cNvPr id="80" name="TextBox 79">
+            <a:extLst>
+              <a:ext uri="{FF2B5EF4-FFF2-40B4-BE49-F238E27FC236}">
+                <a16:creationId xmlns:a16="http://schemas.microsoft.com/office/drawing/2014/main" id="{2C071F3F-D0D2-4925-9774-50DAFC43B6EC}"/>
+              </a:ext>
+            </a:extLst>
+          </p:cNvPr>
+          <p:cNvSpPr txBox="1"/>
+          <p:nvPr/>
+        </p:nvSpPr>
+        <p:spPr>
+          <a:xfrm>
+            <a:off x="8171709" y="3208329"/>
+            <a:ext cx="724479" cy="461665"/>
+          </a:xfrm>
+          <a:prstGeom prst="rect">
+            <a:avLst/>
+          </a:prstGeom>
+          <a:noFill/>
+        </p:spPr>
+        <p:txBody>
+          <a:bodyPr wrap="square" rtlCol="0">
+            <a:spAutoFit/>
+          </a:bodyPr>
+          <a:lstStyle/>
+          <a:p>
+            <a:pPr algn="ctr"/>
+            <a:r>
+              <a:rPr lang="en-US" sz="2400" dirty="0" err="1">
+                <a:latin typeface="+mj-lt"/>
+              </a:rPr>
+              <a:t>X</a:t>
+            </a:r>
+            <a:r>
+              <a:rPr lang="en-US" sz="2400" baseline="-25000" dirty="0" err="1">
+                <a:latin typeface="+mj-lt"/>
+              </a:rPr>
+              <a:t>Holo</a:t>
+            </a:r>
+            <a:endParaRPr lang="en-US" sz="2400" dirty="0">
+              <a:latin typeface="+mj-lt"/>
+            </a:endParaRPr>
+          </a:p>
+        </p:txBody>
+      </p:sp>
+      <p:sp>
+        <p:nvSpPr>
+          <p:cNvPr id="81" name="TextBox 80">
+            <a:extLst>
+              <a:ext uri="{FF2B5EF4-FFF2-40B4-BE49-F238E27FC236}">
+                <a16:creationId xmlns:a16="http://schemas.microsoft.com/office/drawing/2014/main" id="{92F80E25-1B74-4DD2-AD2F-A78D465E65D0}"/>
+              </a:ext>
+            </a:extLst>
+          </p:cNvPr>
+          <p:cNvSpPr txBox="1"/>
+          <p:nvPr/>
+        </p:nvSpPr>
+        <p:spPr>
+          <a:xfrm>
+            <a:off x="10264519" y="3269775"/>
+            <a:ext cx="865652" cy="461665"/>
+          </a:xfrm>
+          <a:prstGeom prst="rect">
+            <a:avLst/>
+          </a:prstGeom>
+          <a:noFill/>
+        </p:spPr>
+        <p:txBody>
+          <a:bodyPr wrap="square" rtlCol="0">
+            <a:spAutoFit/>
+          </a:bodyPr>
+          <a:lstStyle/>
+          <a:p>
+            <a:pPr algn="ctr"/>
+            <a:r>
+              <a:rPr lang="en-US" sz="2400" dirty="0" err="1">
+                <a:latin typeface="+mj-lt"/>
+              </a:rPr>
+              <a:t>Y</a:t>
+            </a:r>
+            <a:r>
+              <a:rPr lang="en-US" sz="2400" baseline="-25000" dirty="0" err="1">
+                <a:latin typeface="+mj-lt"/>
+              </a:rPr>
+              <a:t>Holo</a:t>
+            </a:r>
+            <a:endParaRPr lang="en-US" sz="2400" dirty="0">
+              <a:latin typeface="+mj-lt"/>
+            </a:endParaRPr>
+          </a:p>
+        </p:txBody>
+      </p:sp>
+      <p:sp>
+        <p:nvSpPr>
+          <p:cNvPr id="82" name="TextBox 81">
+            <a:extLst>
+              <a:ext uri="{FF2B5EF4-FFF2-40B4-BE49-F238E27FC236}">
+                <a16:creationId xmlns:a16="http://schemas.microsoft.com/office/drawing/2014/main" id="{A26A2BA4-1B7A-4C3A-909E-A063F515DE71}"/>
+              </a:ext>
+            </a:extLst>
+          </p:cNvPr>
+          <p:cNvSpPr txBox="1"/>
+          <p:nvPr/>
+        </p:nvSpPr>
+        <p:spPr>
+          <a:xfrm>
+            <a:off x="9472879" y="2035467"/>
+            <a:ext cx="920739" cy="461665"/>
+          </a:xfrm>
+          <a:prstGeom prst="rect">
+            <a:avLst/>
+          </a:prstGeom>
+          <a:noFill/>
+        </p:spPr>
+        <p:txBody>
+          <a:bodyPr wrap="square" rtlCol="0">
+            <a:spAutoFit/>
+          </a:bodyPr>
+          <a:lstStyle/>
+          <a:p>
+            <a:pPr algn="ctr"/>
+            <a:r>
+              <a:rPr lang="en-US" sz="2400" dirty="0" err="1">
+                <a:latin typeface="+mj-lt"/>
+              </a:rPr>
+              <a:t>Z</a:t>
+            </a:r>
+            <a:r>
+              <a:rPr lang="en-US" sz="2400" baseline="-25000" dirty="0" err="1">
+                <a:latin typeface="+mj-lt"/>
+              </a:rPr>
+              <a:t>Holo</a:t>
+            </a:r>
+            <a:endParaRPr lang="en-US" sz="2400" dirty="0">
+              <a:latin typeface="+mj-lt"/>
+            </a:endParaRPr>
+          </a:p>
+        </p:txBody>
+      </p:sp>
+      <p:sp>
+        <p:nvSpPr>
+          <p:cNvPr id="94" name="Arrow: Curved Left 93">
+            <a:extLst>
+              <a:ext uri="{FF2B5EF4-FFF2-40B4-BE49-F238E27FC236}">
+                <a16:creationId xmlns:a16="http://schemas.microsoft.com/office/drawing/2014/main" id="{913086E3-866E-4113-B12C-B5677A7A50E3}"/>
+              </a:ext>
+            </a:extLst>
+          </p:cNvPr>
+          <p:cNvSpPr/>
+          <p:nvPr/>
+        </p:nvSpPr>
+        <p:spPr>
+          <a:xfrm rot="10474228">
+            <a:off x="9239426" y="4930189"/>
+            <a:ext cx="255888" cy="255273"/>
+          </a:xfrm>
+          <a:prstGeom prst="curvedLeftArrow">
+            <a:avLst/>
+          </a:prstGeom>
+        </p:spPr>
+        <p:style>
+          <a:lnRef idx="2">
+            <a:schemeClr val="accent1">
+              <a:shade val="50000"/>
+            </a:schemeClr>
+          </a:lnRef>
+          <a:fillRef idx="1">
+            <a:schemeClr val="accent1"/>
+          </a:fillRef>
+          <a:effectRef idx="0">
+            <a:schemeClr val="accent1"/>
+          </a:effectRef>
+          <a:fontRef idx="minor">
+            <a:schemeClr val="lt1"/>
+          </a:fontRef>
+        </p:style>
+        <p:txBody>
+          <a:bodyPr rtlCol="0" anchor="ctr"/>
+          <a:lstStyle/>
+          <a:p>
+            <a:pPr algn="ctr"/>
+            <a:endParaRPr lang="en-US">
+              <a:solidFill>
+                <a:schemeClr val="tx1"/>
+              </a:solidFill>
+            </a:endParaRPr>
+          </a:p>
+        </p:txBody>
+      </p:sp>
+      <p:sp>
+        <p:nvSpPr>
+          <p:cNvPr id="95" name="Arrow: Curved Left 94">
+            <a:extLst>
+              <a:ext uri="{FF2B5EF4-FFF2-40B4-BE49-F238E27FC236}">
+                <a16:creationId xmlns:a16="http://schemas.microsoft.com/office/drawing/2014/main" id="{4055CA5E-CA0A-4159-BA79-50C67C961215}"/>
+              </a:ext>
+            </a:extLst>
+          </p:cNvPr>
+          <p:cNvSpPr/>
+          <p:nvPr/>
+        </p:nvSpPr>
+        <p:spPr>
+          <a:xfrm>
+            <a:off x="9668306" y="2817554"/>
+            <a:ext cx="255888" cy="255273"/>
+          </a:xfrm>
+          <a:prstGeom prst="curvedLeftArrow">
+            <a:avLst/>
+          </a:prstGeom>
+        </p:spPr>
+        <p:style>
+          <a:lnRef idx="2">
+            <a:schemeClr val="accent1">
+              <a:shade val="50000"/>
+            </a:schemeClr>
+          </a:lnRef>
+          <a:fillRef idx="1">
+            <a:schemeClr val="accent1"/>
+          </a:fillRef>
+          <a:effectRef idx="0">
+            <a:schemeClr val="accent1"/>
+          </a:effectRef>
+          <a:fontRef idx="minor">
+            <a:schemeClr val="lt1"/>
+          </a:fontRef>
+        </p:style>
+        <p:txBody>
+          <a:bodyPr rtlCol="0" anchor="ctr"/>
+          <a:lstStyle/>
+          <a:p>
+            <a:pPr algn="ctr"/>
+            <a:endParaRPr lang="en-US">
+              <a:solidFill>
+                <a:schemeClr val="tx1"/>
+              </a:solidFill>
+            </a:endParaRPr>
+          </a:p>
+        </p:txBody>
+      </p:sp>
+      <p:sp>
+        <p:nvSpPr>
+          <p:cNvPr id="104" name="Flowchart: Manual Operation 103">
+            <a:extLst>
+              <a:ext uri="{FF2B5EF4-FFF2-40B4-BE49-F238E27FC236}">
+                <a16:creationId xmlns:a16="http://schemas.microsoft.com/office/drawing/2014/main" id="{08539CA9-C2B6-4010-BB41-874AC02C2477}"/>
+              </a:ext>
+            </a:extLst>
+          </p:cNvPr>
+          <p:cNvSpPr/>
+          <p:nvPr/>
+        </p:nvSpPr>
+        <p:spPr>
+          <a:xfrm rot="2910973">
+            <a:off x="2393540" y="4627987"/>
+            <a:ext cx="1218800" cy="964084"/>
+          </a:xfrm>
+          <a:prstGeom prst="flowChartManualOperation">
+            <a:avLst/>
+          </a:prstGeom>
+          <a:solidFill>
+            <a:srgbClr val="3BDB25">
+              <a:alpha val="30000"/>
+            </a:srgbClr>
+          </a:solidFill>
+          <a:ln w="38100">
+            <a:solidFill>
+              <a:srgbClr val="3BDB25"/>
+            </a:solidFill>
+          </a:ln>
+        </p:spPr>
+        <p:style>
+          <a:lnRef idx="2">
+            <a:schemeClr val="accent1">
+              <a:shade val="50000"/>
+            </a:schemeClr>
+          </a:lnRef>
+          <a:fillRef idx="1">
+            <a:schemeClr val="accent1"/>
+          </a:fillRef>
+          <a:effectRef idx="0">
+            <a:schemeClr val="accent1"/>
+          </a:effectRef>
+          <a:fontRef idx="minor">
+            <a:schemeClr val="lt1"/>
+          </a:fontRef>
+        </p:style>
+        <p:txBody>
+          <a:bodyPr rtlCol="0" anchor="ctr"/>
+          <a:lstStyle/>
+          <a:p>
+            <a:pPr algn="ctr"/>
+            <a:endParaRPr lang="en-US"/>
+          </a:p>
+        </p:txBody>
+      </p:sp>
+      <p:grpSp>
+        <p:nvGrpSpPr>
+          <p:cNvPr id="108" name="Group 107">
+            <a:extLst>
+              <a:ext uri="{FF2B5EF4-FFF2-40B4-BE49-F238E27FC236}">
+                <a16:creationId xmlns:a16="http://schemas.microsoft.com/office/drawing/2014/main" id="{CE0DC6B4-A88C-4FBD-98A4-9E600CB70F37}"/>
+              </a:ext>
+            </a:extLst>
+          </p:cNvPr>
+          <p:cNvGrpSpPr/>
+          <p:nvPr/>
+        </p:nvGrpSpPr>
+        <p:grpSpPr>
+          <a:xfrm rot="2910973">
+            <a:off x="2113890" y="5107580"/>
+            <a:ext cx="773293" cy="997765"/>
+            <a:chOff x="9356587" y="4844560"/>
+            <a:chExt cx="450574" cy="581367"/>
+          </a:xfrm>
+        </p:grpSpPr>
+        <p:sp>
+          <p:nvSpPr>
+            <p:cNvPr id="109" name="Oval 108">
+              <a:extLst>
+                <a:ext uri="{FF2B5EF4-FFF2-40B4-BE49-F238E27FC236}">
+                  <a16:creationId xmlns:a16="http://schemas.microsoft.com/office/drawing/2014/main" id="{6116A4C0-B55C-4185-9D3B-177144264CD3}"/>
+                </a:ext>
+              </a:extLst>
+            </p:cNvPr>
+            <p:cNvSpPr/>
+            <p:nvPr/>
+          </p:nvSpPr>
+          <p:spPr>
+            <a:xfrm>
+              <a:off x="9356587" y="5001858"/>
+              <a:ext cx="450574" cy="424069"/>
+            </a:xfrm>
+            <a:prstGeom prst="ellipse">
+              <a:avLst/>
+            </a:prstGeom>
+            <a:solidFill>
+              <a:srgbClr val="FF0000"/>
+            </a:solidFill>
+            <a:ln>
+              <a:noFill/>
+            </a:ln>
+          </p:spPr>
+          <p:style>
+            <a:lnRef idx="2">
+              <a:schemeClr val="accent1">
+                <a:shade val="50000"/>
+              </a:schemeClr>
+            </a:lnRef>
+            <a:fillRef idx="1">
+              <a:schemeClr val="accent1"/>
+            </a:fillRef>
+            <a:effectRef idx="0">
+              <a:schemeClr val="accent1"/>
+            </a:effectRef>
+            <a:fontRef idx="minor">
+              <a:schemeClr val="lt1"/>
+            </a:fontRef>
+          </p:style>
+          <p:txBody>
+            <a:bodyPr rtlCol="0" anchor="ctr"/>
+            <a:lstStyle/>
+            <a:p>
+              <a:pPr algn="ctr"/>
+              <a:endParaRPr lang="en-US"/>
+            </a:p>
+          </p:txBody>
+        </p:sp>
+        <p:sp>
+          <p:nvSpPr>
+            <p:cNvPr id="110" name="Arrow: Down 109">
+              <a:extLst>
+                <a:ext uri="{FF2B5EF4-FFF2-40B4-BE49-F238E27FC236}">
+                  <a16:creationId xmlns:a16="http://schemas.microsoft.com/office/drawing/2014/main" id="{DAD8C4DE-7D0A-4DCD-BF03-5A85ADE7131B}"/>
+                </a:ext>
+              </a:extLst>
+            </p:cNvPr>
+            <p:cNvSpPr/>
+            <p:nvPr/>
+          </p:nvSpPr>
+          <p:spPr>
+            <a:xfrm rot="10800000">
+              <a:off x="9426019" y="4844560"/>
+              <a:ext cx="311705" cy="369332"/>
+            </a:xfrm>
+            <a:prstGeom prst="downArrow">
+              <a:avLst/>
+            </a:prstGeom>
+            <a:solidFill>
+              <a:srgbClr val="FF0000"/>
+            </a:solidFill>
+            <a:ln>
+              <a:noFill/>
+            </a:ln>
+          </p:spPr>
+          <p:style>
+            <a:lnRef idx="2">
+              <a:schemeClr val="accent1">
+                <a:shade val="50000"/>
+              </a:schemeClr>
+            </a:lnRef>
+            <a:fillRef idx="1">
+              <a:schemeClr val="accent1"/>
+            </a:fillRef>
+            <a:effectRef idx="0">
+              <a:schemeClr val="accent1"/>
+            </a:effectRef>
+            <a:fontRef idx="minor">
+              <a:schemeClr val="lt1"/>
+            </a:fontRef>
+          </p:style>
+          <p:txBody>
+            <a:bodyPr rtlCol="0" anchor="ctr"/>
+            <a:lstStyle/>
+            <a:p>
+              <a:pPr algn="ctr"/>
+              <a:endParaRPr lang="en-US"/>
+            </a:p>
+          </p:txBody>
+        </p:sp>
+      </p:grpSp>
+      <p:grpSp>
+        <p:nvGrpSpPr>
+          <p:cNvPr id="111" name="Group 110">
+            <a:extLst>
+              <a:ext uri="{FF2B5EF4-FFF2-40B4-BE49-F238E27FC236}">
+                <a16:creationId xmlns:a16="http://schemas.microsoft.com/office/drawing/2014/main" id="{B57EA712-6A6B-4918-A4A9-AF4603C810C3}"/>
+              </a:ext>
+            </a:extLst>
+          </p:cNvPr>
+          <p:cNvGrpSpPr/>
+          <p:nvPr/>
+        </p:nvGrpSpPr>
+        <p:grpSpPr>
+          <a:xfrm rot="2587208">
+            <a:off x="4047876" y="4930189"/>
+            <a:ext cx="1087157" cy="1293139"/>
+            <a:chOff x="7200364" y="4437820"/>
+            <a:chExt cx="702365" cy="835441"/>
+          </a:xfrm>
+        </p:grpSpPr>
+        <p:sp>
+          <p:nvSpPr>
+            <p:cNvPr id="112" name="Rectangle 111">
+              <a:extLst>
+                <a:ext uri="{FF2B5EF4-FFF2-40B4-BE49-F238E27FC236}">
+                  <a16:creationId xmlns:a16="http://schemas.microsoft.com/office/drawing/2014/main" id="{3807CAC1-E19B-469C-802E-078A0AA8847A}"/>
+                </a:ext>
+              </a:extLst>
+            </p:cNvPr>
+            <p:cNvSpPr/>
+            <p:nvPr/>
+          </p:nvSpPr>
+          <p:spPr>
+            <a:xfrm>
+              <a:off x="7200364" y="4650408"/>
+              <a:ext cx="702365" cy="622853"/>
+            </a:xfrm>
+            <a:prstGeom prst="rect">
+              <a:avLst/>
+            </a:prstGeom>
+            <a:ln>
+              <a:noFill/>
+            </a:ln>
+          </p:spPr>
+          <p:style>
+            <a:lnRef idx="2">
+              <a:schemeClr val="accent1">
+                <a:shade val="50000"/>
+              </a:schemeClr>
+            </a:lnRef>
+            <a:fillRef idx="1">
+              <a:schemeClr val="accent1"/>
+            </a:fillRef>
+            <a:effectRef idx="0">
+              <a:schemeClr val="accent1"/>
+            </a:effectRef>
+            <a:fontRef idx="minor">
+              <a:schemeClr val="lt1"/>
+            </a:fontRef>
+          </p:style>
+          <p:txBody>
+            <a:bodyPr rtlCol="0" anchor="ctr"/>
+            <a:lstStyle/>
+            <a:p>
+              <a:pPr algn="ctr"/>
+              <a:endParaRPr lang="en-US" dirty="0"/>
+            </a:p>
+          </p:txBody>
+        </p:sp>
+        <p:sp>
+          <p:nvSpPr>
+            <p:cNvPr id="113" name="Arrow: Down 112">
+              <a:extLst>
+                <a:ext uri="{FF2B5EF4-FFF2-40B4-BE49-F238E27FC236}">
+                  <a16:creationId xmlns:a16="http://schemas.microsoft.com/office/drawing/2014/main" id="{75307E40-26CD-412A-8C45-4AB826659F68}"/>
+                </a:ext>
+              </a:extLst>
+            </p:cNvPr>
+            <p:cNvSpPr/>
+            <p:nvPr/>
+          </p:nvSpPr>
+          <p:spPr>
+            <a:xfrm rot="10800000">
+              <a:off x="7326261" y="4437820"/>
+              <a:ext cx="450574" cy="450575"/>
+            </a:xfrm>
+            <a:prstGeom prst="downArrow">
+              <a:avLst/>
+            </a:prstGeom>
+            <a:ln>
+              <a:noFill/>
+            </a:ln>
+          </p:spPr>
+          <p:style>
+            <a:lnRef idx="2">
+              <a:schemeClr val="accent1">
+                <a:shade val="50000"/>
+              </a:schemeClr>
+            </a:lnRef>
+            <a:fillRef idx="1">
+              <a:schemeClr val="accent1"/>
+            </a:fillRef>
+            <a:effectRef idx="0">
+              <a:schemeClr val="accent1"/>
+            </a:effectRef>
+            <a:fontRef idx="minor">
+              <a:schemeClr val="lt1"/>
+            </a:fontRef>
+          </p:style>
+          <p:txBody>
+            <a:bodyPr rtlCol="0" anchor="ctr"/>
+            <a:lstStyle/>
+            <a:p>
+              <a:pPr algn="ctr"/>
+              <a:endParaRPr lang="en-US"/>
+            </a:p>
+          </p:txBody>
+        </p:sp>
+      </p:grpSp>
+      <p:sp>
+        <p:nvSpPr>
+          <p:cNvPr id="114" name="Flowchart: Manual Operation 113">
+            <a:extLst>
+              <a:ext uri="{FF2B5EF4-FFF2-40B4-BE49-F238E27FC236}">
+                <a16:creationId xmlns:a16="http://schemas.microsoft.com/office/drawing/2014/main" id="{2E02AEEF-FE42-4DA9-8EDC-C7EB4BA1F48F}"/>
+              </a:ext>
+            </a:extLst>
+          </p:cNvPr>
+          <p:cNvSpPr/>
+          <p:nvPr/>
+        </p:nvSpPr>
+        <p:spPr>
+          <a:xfrm rot="2587208">
+            <a:off x="4435891" y="4627986"/>
+            <a:ext cx="1218800" cy="964084"/>
+          </a:xfrm>
+          <a:prstGeom prst="flowChartManualOperation">
+            <a:avLst/>
+          </a:prstGeom>
+          <a:solidFill>
+            <a:srgbClr val="3BDB25">
+              <a:alpha val="30000"/>
+            </a:srgbClr>
+          </a:solidFill>
+          <a:ln w="38100">
+            <a:solidFill>
+              <a:srgbClr val="3BDB25"/>
+            </a:solidFill>
+          </a:ln>
+        </p:spPr>
+        <p:style>
+          <a:lnRef idx="2">
+            <a:schemeClr val="accent1">
+              <a:shade val="50000"/>
+            </a:schemeClr>
+          </a:lnRef>
+          <a:fillRef idx="1">
+            <a:schemeClr val="accent1"/>
+          </a:fillRef>
+          <a:effectRef idx="0">
+            <a:schemeClr val="accent1"/>
+          </a:effectRef>
+          <a:fontRef idx="minor">
+            <a:schemeClr val="lt1"/>
+          </a:fontRef>
+        </p:style>
+        <p:txBody>
+          <a:bodyPr rtlCol="0" anchor="ctr"/>
+          <a:lstStyle/>
+          <a:p>
+            <a:pPr algn="ctr"/>
+            <a:endParaRPr lang="en-US"/>
+          </a:p>
+        </p:txBody>
+      </p:sp>
+      <p:grpSp>
+        <p:nvGrpSpPr>
+          <p:cNvPr id="115" name="Group 114">
+            <a:extLst>
+              <a:ext uri="{FF2B5EF4-FFF2-40B4-BE49-F238E27FC236}">
+                <a16:creationId xmlns:a16="http://schemas.microsoft.com/office/drawing/2014/main" id="{46C5CAC8-876C-49B3-BA09-DC5C523505BE}"/>
+              </a:ext>
+            </a:extLst>
+          </p:cNvPr>
+          <p:cNvGrpSpPr/>
+          <p:nvPr/>
+        </p:nvGrpSpPr>
+        <p:grpSpPr>
+          <a:xfrm rot="2587208">
+            <a:off x="4204807" y="5128730"/>
+            <a:ext cx="773293" cy="997765"/>
+            <a:chOff x="9356587" y="4844560"/>
+            <a:chExt cx="450574" cy="581367"/>
+          </a:xfrm>
+        </p:grpSpPr>
+        <p:sp>
+          <p:nvSpPr>
+            <p:cNvPr id="116" name="Oval 115">
+              <a:extLst>
+                <a:ext uri="{FF2B5EF4-FFF2-40B4-BE49-F238E27FC236}">
+                  <a16:creationId xmlns:a16="http://schemas.microsoft.com/office/drawing/2014/main" id="{4F455EDC-DE98-4596-BA1D-3F6854A67571}"/>
+                </a:ext>
+              </a:extLst>
+            </p:cNvPr>
+            <p:cNvSpPr/>
+            <p:nvPr/>
+          </p:nvSpPr>
+          <p:spPr>
+            <a:xfrm>
+              <a:off x="9356587" y="5001858"/>
+              <a:ext cx="450574" cy="424069"/>
+            </a:xfrm>
+            <a:prstGeom prst="ellipse">
+              <a:avLst/>
+            </a:prstGeom>
+            <a:solidFill>
+              <a:srgbClr val="FF0000"/>
+            </a:solidFill>
+            <a:ln>
+              <a:noFill/>
+            </a:ln>
+          </p:spPr>
+          <p:style>
+            <a:lnRef idx="2">
+              <a:schemeClr val="accent1">
+                <a:shade val="50000"/>
+              </a:schemeClr>
+            </a:lnRef>
+            <a:fillRef idx="1">
+              <a:schemeClr val="accent1"/>
+            </a:fillRef>
+            <a:effectRef idx="0">
+              <a:schemeClr val="accent1"/>
+            </a:effectRef>
+            <a:fontRef idx="minor">
+              <a:schemeClr val="lt1"/>
+            </a:fontRef>
+          </p:style>
+          <p:txBody>
+            <a:bodyPr rtlCol="0" anchor="ctr"/>
+            <a:lstStyle/>
+            <a:p>
+              <a:pPr algn="ctr"/>
+              <a:endParaRPr lang="en-US"/>
+            </a:p>
+          </p:txBody>
+        </p:sp>
+        <p:sp>
+          <p:nvSpPr>
+            <p:cNvPr id="117" name="Arrow: Down 116">
+              <a:extLst>
+                <a:ext uri="{FF2B5EF4-FFF2-40B4-BE49-F238E27FC236}">
+                  <a16:creationId xmlns:a16="http://schemas.microsoft.com/office/drawing/2014/main" id="{852B0A6B-53CD-4B20-8DD7-97874BE37959}"/>
+                </a:ext>
+              </a:extLst>
+            </p:cNvPr>
+            <p:cNvSpPr/>
+            <p:nvPr/>
+          </p:nvSpPr>
+          <p:spPr>
+            <a:xfrm rot="10800000">
+              <a:off x="9426019" y="4844560"/>
+              <a:ext cx="311705" cy="369332"/>
+            </a:xfrm>
+            <a:prstGeom prst="downArrow">
+              <a:avLst/>
+            </a:prstGeom>
+            <a:solidFill>
+              <a:srgbClr val="FF0000"/>
+            </a:solidFill>
+            <a:ln>
+              <a:noFill/>
+            </a:ln>
+          </p:spPr>
+          <p:style>
+            <a:lnRef idx="2">
+              <a:schemeClr val="accent1">
+                <a:shade val="50000"/>
+              </a:schemeClr>
+            </a:lnRef>
+            <a:fillRef idx="1">
+              <a:schemeClr val="accent1"/>
+            </a:fillRef>
+            <a:effectRef idx="0">
+              <a:schemeClr val="accent1"/>
+            </a:effectRef>
+            <a:fontRef idx="minor">
+              <a:schemeClr val="lt1"/>
+            </a:fontRef>
+          </p:style>
+          <p:txBody>
+            <a:bodyPr rtlCol="0" anchor="ctr"/>
+            <a:lstStyle/>
+            <a:p>
+              <a:pPr algn="ctr"/>
+              <a:endParaRPr lang="en-US"/>
+            </a:p>
+          </p:txBody>
+        </p:sp>
+      </p:grpSp>
+    </p:spTree>
+    <p:extLst>
+      <p:ext uri="{BB962C8B-B14F-4D97-AF65-F5344CB8AC3E}">
+        <p14:creationId xmlns:p14="http://schemas.microsoft.com/office/powerpoint/2010/main" val="3245764317"/>
       </p:ext>
     </p:extLst>
   </p:cSld>

--- a/FinalReport/img/chapter4_analysis/Diagrams.pptx
+++ b/FinalReport/img/chapter4_analysis/Diagrams.pptx
@@ -10448,7 +10448,7 @@
         </p:nvGrpSpPr>
         <p:grpSpPr>
           <a:xfrm>
-            <a:off x="1956959" y="4909039"/>
+            <a:off x="3029648" y="3911152"/>
             <a:ext cx="1087157" cy="1293139"/>
             <a:chOff x="7200364" y="4437820"/>
             <a:chExt cx="702365" cy="835441"/>
@@ -10567,7 +10567,7 @@
         </p:nvGrpSpPr>
         <p:grpSpPr>
           <a:xfrm>
-            <a:off x="377534" y="4930189"/>
+            <a:off x="1450223" y="3932302"/>
             <a:ext cx="1087157" cy="1293139"/>
             <a:chOff x="7200364" y="4437820"/>
             <a:chExt cx="702365" cy="835441"/>
@@ -10672,62 +10672,6 @@
           </p:txBody>
         </p:sp>
       </p:grpSp>
-      <p:sp>
-        <p:nvSpPr>
-          <p:cNvPr id="103" name="Flowchart: Manual Operation 102">
-            <a:extLst>
-              <a:ext uri="{FF2B5EF4-FFF2-40B4-BE49-F238E27FC236}">
-                <a16:creationId xmlns:a16="http://schemas.microsoft.com/office/drawing/2014/main" id="{06873E08-CFF2-4648-8C7B-AC04CBF95FCB}"/>
-              </a:ext>
-            </a:extLst>
-          </p:cNvPr>
-          <p:cNvSpPr/>
-          <p:nvPr/>
-        </p:nvSpPr>
-        <p:spPr>
-          <a:xfrm>
-            <a:off x="315143" y="4455757"/>
-            <a:ext cx="1218800" cy="964084"/>
-          </a:xfrm>
-          <a:prstGeom prst="flowChartManualOperation">
-            <a:avLst/>
-          </a:prstGeom>
-          <a:solidFill>
-            <a:srgbClr val="3BDB25">
-              <a:alpha val="30000"/>
-            </a:srgbClr>
-          </a:solidFill>
-          <a:ln w="38100">
-            <a:solidFill>
-              <a:srgbClr val="3BDB25"/>
-            </a:solidFill>
-          </a:ln>
-        </p:spPr>
-        <p:style>
-          <a:lnRef idx="2">
-            <a:schemeClr val="accent1">
-              <a:shade val="50000"/>
-            </a:schemeClr>
-          </a:lnRef>
-          <a:fillRef idx="1">
-            <a:schemeClr val="accent1"/>
-          </a:fillRef>
-          <a:effectRef idx="0">
-            <a:schemeClr val="accent1"/>
-          </a:effectRef>
-          <a:fontRef idx="minor">
-            <a:schemeClr val="lt1"/>
-          </a:fontRef>
-        </p:style>
-        <p:txBody>
-          <a:bodyPr rtlCol="0" anchor="ctr"/>
-          <a:lstStyle/>
-          <a:p>
-            <a:pPr algn="ctr"/>
-            <a:endParaRPr lang="en-US"/>
-          </a:p>
-        </p:txBody>
-      </p:sp>
       <p:grpSp>
         <p:nvGrpSpPr>
           <p:cNvPr id="40" name="Group 39">
@@ -10742,7 +10686,7 @@
         </p:nvGrpSpPr>
         <p:grpSpPr>
           <a:xfrm>
-            <a:off x="534465" y="5128730"/>
+            <a:off x="1607154" y="4130843"/>
             <a:ext cx="773293" cy="997765"/>
             <a:chOff x="9356587" y="4844560"/>
             <a:chExt cx="450574" cy="581367"/>
@@ -11825,62 +11769,6 @@
           </a:p>
         </p:txBody>
       </p:sp>
-      <p:sp>
-        <p:nvSpPr>
-          <p:cNvPr id="104" name="Flowchart: Manual Operation 103">
-            <a:extLst>
-              <a:ext uri="{FF2B5EF4-FFF2-40B4-BE49-F238E27FC236}">
-                <a16:creationId xmlns:a16="http://schemas.microsoft.com/office/drawing/2014/main" id="{08539CA9-C2B6-4010-BB41-874AC02C2477}"/>
-              </a:ext>
-            </a:extLst>
-          </p:cNvPr>
-          <p:cNvSpPr/>
-          <p:nvPr/>
-        </p:nvSpPr>
-        <p:spPr>
-          <a:xfrm rot="2910973">
-            <a:off x="2393540" y="4627987"/>
-            <a:ext cx="1218800" cy="964084"/>
-          </a:xfrm>
-          <a:prstGeom prst="flowChartManualOperation">
-            <a:avLst/>
-          </a:prstGeom>
-          <a:solidFill>
-            <a:srgbClr val="3BDB25">
-              <a:alpha val="30000"/>
-            </a:srgbClr>
-          </a:solidFill>
-          <a:ln w="38100">
-            <a:solidFill>
-              <a:srgbClr val="3BDB25"/>
-            </a:solidFill>
-          </a:ln>
-        </p:spPr>
-        <p:style>
-          <a:lnRef idx="2">
-            <a:schemeClr val="accent1">
-              <a:shade val="50000"/>
-            </a:schemeClr>
-          </a:lnRef>
-          <a:fillRef idx="1">
-            <a:schemeClr val="accent1"/>
-          </a:fillRef>
-          <a:effectRef idx="0">
-            <a:schemeClr val="accent1"/>
-          </a:effectRef>
-          <a:fontRef idx="minor">
-            <a:schemeClr val="lt1"/>
-          </a:fontRef>
-        </p:style>
-        <p:txBody>
-          <a:bodyPr rtlCol="0" anchor="ctr"/>
-          <a:lstStyle/>
-          <a:p>
-            <a:pPr algn="ctr"/>
-            <a:endParaRPr lang="en-US"/>
-          </a:p>
-        </p:txBody>
-      </p:sp>
       <p:grpSp>
         <p:nvGrpSpPr>
           <p:cNvPr id="108" name="Group 107">
@@ -11894,8 +11782,8 @@
           <p:nvPr/>
         </p:nvGrpSpPr>
         <p:grpSpPr>
-          <a:xfrm rot="2910973">
-            <a:off x="2113890" y="5107580"/>
+          <a:xfrm rot="2148364">
+            <a:off x="3186579" y="4109693"/>
             <a:ext cx="773293" cy="997765"/>
             <a:chOff x="9356587" y="4844560"/>
             <a:chExt cx="450574" cy="581367"/>
@@ -12020,7 +11908,7 @@
         </p:nvGrpSpPr>
         <p:grpSpPr>
           <a:xfrm rot="2587208">
-            <a:off x="4047876" y="4930189"/>
+            <a:off x="4847657" y="3962005"/>
             <a:ext cx="1087157" cy="1293139"/>
             <a:chOff x="7200364" y="4437820"/>
             <a:chExt cx="702365" cy="835441"/>
@@ -12125,62 +12013,6 @@
           </p:txBody>
         </p:sp>
       </p:grpSp>
-      <p:sp>
-        <p:nvSpPr>
-          <p:cNvPr id="114" name="Flowchart: Manual Operation 113">
-            <a:extLst>
-              <a:ext uri="{FF2B5EF4-FFF2-40B4-BE49-F238E27FC236}">
-                <a16:creationId xmlns:a16="http://schemas.microsoft.com/office/drawing/2014/main" id="{2E02AEEF-FE42-4DA9-8EDC-C7EB4BA1F48F}"/>
-              </a:ext>
-            </a:extLst>
-          </p:cNvPr>
-          <p:cNvSpPr/>
-          <p:nvPr/>
-        </p:nvSpPr>
-        <p:spPr>
-          <a:xfrm rot="2587208">
-            <a:off x="4435891" y="4627986"/>
-            <a:ext cx="1218800" cy="964084"/>
-          </a:xfrm>
-          <a:prstGeom prst="flowChartManualOperation">
-            <a:avLst/>
-          </a:prstGeom>
-          <a:solidFill>
-            <a:srgbClr val="3BDB25">
-              <a:alpha val="30000"/>
-            </a:srgbClr>
-          </a:solidFill>
-          <a:ln w="38100">
-            <a:solidFill>
-              <a:srgbClr val="3BDB25"/>
-            </a:solidFill>
-          </a:ln>
-        </p:spPr>
-        <p:style>
-          <a:lnRef idx="2">
-            <a:schemeClr val="accent1">
-              <a:shade val="50000"/>
-            </a:schemeClr>
-          </a:lnRef>
-          <a:fillRef idx="1">
-            <a:schemeClr val="accent1"/>
-          </a:fillRef>
-          <a:effectRef idx="0">
-            <a:schemeClr val="accent1"/>
-          </a:effectRef>
-          <a:fontRef idx="minor">
-            <a:schemeClr val="lt1"/>
-          </a:fontRef>
-        </p:style>
-        <p:txBody>
-          <a:bodyPr rtlCol="0" anchor="ctr"/>
-          <a:lstStyle/>
-          <a:p>
-            <a:pPr algn="ctr"/>
-            <a:endParaRPr lang="en-US"/>
-          </a:p>
-        </p:txBody>
-      </p:sp>
       <p:grpSp>
         <p:nvGrpSpPr>
           <p:cNvPr id="115" name="Group 114">
@@ -12195,7 +12027,7 @@
         </p:nvGrpSpPr>
         <p:grpSpPr>
           <a:xfrm rot="2587208">
-            <a:off x="4204807" y="5128730"/>
+            <a:off x="4961046" y="4146032"/>
             <a:ext cx="773293" cy="997765"/>
             <a:chOff x="9356587" y="4844560"/>
             <a:chExt cx="450574" cy="581367"/>
@@ -12306,6 +12138,501 @@
           </p:txBody>
         </p:sp>
       </p:grpSp>
+      <p:sp>
+        <p:nvSpPr>
+          <p:cNvPr id="121" name="TextBox 120">
+            <a:extLst>
+              <a:ext uri="{FF2B5EF4-FFF2-40B4-BE49-F238E27FC236}">
+                <a16:creationId xmlns:a16="http://schemas.microsoft.com/office/drawing/2014/main" id="{85650C2F-C28E-4FD0-B56F-A8894CBDAFFB}"/>
+              </a:ext>
+            </a:extLst>
+          </p:cNvPr>
+          <p:cNvSpPr txBox="1"/>
+          <p:nvPr/>
+        </p:nvSpPr>
+        <p:spPr>
+          <a:xfrm>
+            <a:off x="168019" y="3669994"/>
+            <a:ext cx="1218800" cy="1631216"/>
+          </a:xfrm>
+          <a:prstGeom prst="rect">
+            <a:avLst/>
+          </a:prstGeom>
+          <a:noFill/>
+        </p:spPr>
+        <p:txBody>
+          <a:bodyPr wrap="square" rtlCol="0">
+            <a:spAutoFit/>
+          </a:bodyPr>
+          <a:lstStyle/>
+          <a:p>
+            <a:r>
+              <a:rPr lang="en-US" sz="2000" b="1" u="sng" dirty="0">
+                <a:latin typeface="+mj-lt"/>
+              </a:rPr>
+              <a:t>Key</a:t>
+            </a:r>
+          </a:p>
+          <a:p>
+            <a:r>
+              <a:rPr lang="en-US" sz="2000" b="1" dirty="0">
+                <a:solidFill>
+                  <a:srgbClr val="0070C0"/>
+                </a:solidFill>
+                <a:latin typeface="+mj-lt"/>
+              </a:rPr>
+              <a:t>ARTA</a:t>
+            </a:r>
+          </a:p>
+          <a:p>
+            <a:r>
+              <a:rPr lang="en-US" sz="2000" b="1" dirty="0">
+                <a:solidFill>
+                  <a:srgbClr val="FF0000"/>
+                </a:solidFill>
+                <a:latin typeface="+mj-lt"/>
+              </a:rPr>
+              <a:t>Hololens</a:t>
+            </a:r>
+          </a:p>
+          <a:p>
+            <a:r>
+              <a:rPr lang="en-US" sz="2000" b="1" dirty="0">
+                <a:solidFill>
+                  <a:srgbClr val="3BDB25"/>
+                </a:solidFill>
+                <a:latin typeface="+mj-lt"/>
+              </a:rPr>
+              <a:t>View</a:t>
+            </a:r>
+          </a:p>
+          <a:p>
+            <a:r>
+              <a:rPr lang="en-US" sz="2000" b="1" dirty="0">
+                <a:solidFill>
+                  <a:schemeClr val="accent2"/>
+                </a:solidFill>
+                <a:latin typeface="+mj-lt"/>
+              </a:rPr>
+              <a:t>Object</a:t>
+            </a:r>
+          </a:p>
+        </p:txBody>
+      </p:sp>
+      <p:cxnSp>
+        <p:nvCxnSpPr>
+          <p:cNvPr id="126" name="Straight Connector 125">
+            <a:extLst>
+              <a:ext uri="{FF2B5EF4-FFF2-40B4-BE49-F238E27FC236}">
+                <a16:creationId xmlns:a16="http://schemas.microsoft.com/office/drawing/2014/main" id="{80F22D1B-5C96-4D2A-914B-D63C810525DD}"/>
+              </a:ext>
+            </a:extLst>
+          </p:cNvPr>
+          <p:cNvCxnSpPr>
+            <a:cxnSpLocks/>
+          </p:cNvCxnSpPr>
+          <p:nvPr/>
+        </p:nvCxnSpPr>
+        <p:spPr>
+          <a:xfrm flipH="1">
+            <a:off x="5587939" y="4134195"/>
+            <a:ext cx="1277651" cy="461665"/>
+          </a:xfrm>
+          <a:prstGeom prst="line">
+            <a:avLst/>
+          </a:prstGeom>
+          <a:ln w="38100">
+            <a:solidFill>
+              <a:srgbClr val="3BDB25"/>
+            </a:solidFill>
+          </a:ln>
+        </p:spPr>
+        <p:style>
+          <a:lnRef idx="1">
+            <a:schemeClr val="accent1"/>
+          </a:lnRef>
+          <a:fillRef idx="0">
+            <a:schemeClr val="accent1"/>
+          </a:fillRef>
+          <a:effectRef idx="0">
+            <a:schemeClr val="accent1"/>
+          </a:effectRef>
+          <a:fontRef idx="minor">
+            <a:schemeClr val="tx1"/>
+          </a:fontRef>
+        </p:style>
+      </p:cxnSp>
+      <p:cxnSp>
+        <p:nvCxnSpPr>
+          <p:cNvPr id="128" name="Straight Connector 127">
+            <a:extLst>
+              <a:ext uri="{FF2B5EF4-FFF2-40B4-BE49-F238E27FC236}">
+                <a16:creationId xmlns:a16="http://schemas.microsoft.com/office/drawing/2014/main" id="{D97AA4CD-7401-474F-9061-C98B6637F31A}"/>
+              </a:ext>
+            </a:extLst>
+          </p:cNvPr>
+          <p:cNvCxnSpPr>
+            <a:cxnSpLocks/>
+          </p:cNvCxnSpPr>
+          <p:nvPr/>
+        </p:nvCxnSpPr>
+        <p:spPr>
+          <a:xfrm flipH="1">
+            <a:off x="5381015" y="3212404"/>
+            <a:ext cx="75437" cy="1189126"/>
+          </a:xfrm>
+          <a:prstGeom prst="line">
+            <a:avLst/>
+          </a:prstGeom>
+          <a:ln w="38100">
+            <a:solidFill>
+              <a:srgbClr val="3BDB25"/>
+            </a:solidFill>
+          </a:ln>
+        </p:spPr>
+        <p:style>
+          <a:lnRef idx="1">
+            <a:schemeClr val="accent1"/>
+          </a:lnRef>
+          <a:fillRef idx="0">
+            <a:schemeClr val="accent1"/>
+          </a:fillRef>
+          <a:effectRef idx="0">
+            <a:schemeClr val="accent1"/>
+          </a:effectRef>
+          <a:fontRef idx="minor">
+            <a:schemeClr val="tx1"/>
+          </a:fontRef>
+        </p:style>
+      </p:cxnSp>
+      <p:cxnSp>
+        <p:nvCxnSpPr>
+          <p:cNvPr id="144" name="Straight Connector 143">
+            <a:extLst>
+              <a:ext uri="{FF2B5EF4-FFF2-40B4-BE49-F238E27FC236}">
+                <a16:creationId xmlns:a16="http://schemas.microsoft.com/office/drawing/2014/main" id="{F9D54761-55CD-446C-8465-246BB66C4576}"/>
+              </a:ext>
+            </a:extLst>
+          </p:cNvPr>
+          <p:cNvCxnSpPr>
+            <a:cxnSpLocks/>
+          </p:cNvCxnSpPr>
+          <p:nvPr/>
+        </p:nvCxnSpPr>
+        <p:spPr>
+          <a:xfrm>
+            <a:off x="3553752" y="3173808"/>
+            <a:ext cx="27493" cy="1183858"/>
+          </a:xfrm>
+          <a:prstGeom prst="line">
+            <a:avLst/>
+          </a:prstGeom>
+          <a:ln w="38100">
+            <a:solidFill>
+              <a:srgbClr val="3BDB25"/>
+            </a:solidFill>
+          </a:ln>
+        </p:spPr>
+        <p:style>
+          <a:lnRef idx="1">
+            <a:schemeClr val="accent1"/>
+          </a:lnRef>
+          <a:fillRef idx="0">
+            <a:schemeClr val="accent1"/>
+          </a:fillRef>
+          <a:effectRef idx="0">
+            <a:schemeClr val="accent1"/>
+          </a:effectRef>
+          <a:fontRef idx="minor">
+            <a:schemeClr val="tx1"/>
+          </a:fontRef>
+        </p:style>
+      </p:cxnSp>
+      <p:cxnSp>
+        <p:nvCxnSpPr>
+          <p:cNvPr id="146" name="Straight Connector 145">
+            <a:extLst>
+              <a:ext uri="{FF2B5EF4-FFF2-40B4-BE49-F238E27FC236}">
+                <a16:creationId xmlns:a16="http://schemas.microsoft.com/office/drawing/2014/main" id="{2BD24154-6E3F-4181-A630-3172A67FB0C8}"/>
+              </a:ext>
+            </a:extLst>
+          </p:cNvPr>
+          <p:cNvCxnSpPr>
+            <a:cxnSpLocks/>
+          </p:cNvCxnSpPr>
+          <p:nvPr/>
+        </p:nvCxnSpPr>
+        <p:spPr>
+          <a:xfrm flipH="1">
+            <a:off x="3806863" y="3731440"/>
+            <a:ext cx="1143262" cy="788173"/>
+          </a:xfrm>
+          <a:prstGeom prst="line">
+            <a:avLst/>
+          </a:prstGeom>
+          <a:ln w="38100">
+            <a:solidFill>
+              <a:srgbClr val="3BDB25"/>
+            </a:solidFill>
+          </a:ln>
+        </p:spPr>
+        <p:style>
+          <a:lnRef idx="1">
+            <a:schemeClr val="accent1"/>
+          </a:lnRef>
+          <a:fillRef idx="0">
+            <a:schemeClr val="accent1"/>
+          </a:fillRef>
+          <a:effectRef idx="0">
+            <a:schemeClr val="accent1"/>
+          </a:effectRef>
+          <a:fontRef idx="minor">
+            <a:schemeClr val="tx1"/>
+          </a:fontRef>
+        </p:style>
+      </p:cxnSp>
+      <p:cxnSp>
+        <p:nvCxnSpPr>
+          <p:cNvPr id="151" name="Straight Connector 150">
+            <a:extLst>
+              <a:ext uri="{FF2B5EF4-FFF2-40B4-BE49-F238E27FC236}">
+                <a16:creationId xmlns:a16="http://schemas.microsoft.com/office/drawing/2014/main" id="{14A6B097-FADF-4BAE-95C9-9469A9FEB94E}"/>
+              </a:ext>
+            </a:extLst>
+          </p:cNvPr>
+          <p:cNvCxnSpPr>
+            <a:cxnSpLocks/>
+          </p:cNvCxnSpPr>
+          <p:nvPr/>
+        </p:nvCxnSpPr>
+        <p:spPr>
+          <a:xfrm>
+            <a:off x="1443638" y="3445706"/>
+            <a:ext cx="394895" cy="981840"/>
+          </a:xfrm>
+          <a:prstGeom prst="line">
+            <a:avLst/>
+          </a:prstGeom>
+          <a:ln w="38100">
+            <a:solidFill>
+              <a:srgbClr val="3BDB25"/>
+            </a:solidFill>
+          </a:ln>
+        </p:spPr>
+        <p:style>
+          <a:lnRef idx="1">
+            <a:schemeClr val="accent1"/>
+          </a:lnRef>
+          <a:fillRef idx="0">
+            <a:schemeClr val="accent1"/>
+          </a:fillRef>
+          <a:effectRef idx="0">
+            <a:schemeClr val="accent1"/>
+          </a:effectRef>
+          <a:fontRef idx="minor">
+            <a:schemeClr val="tx1"/>
+          </a:fontRef>
+        </p:style>
+      </p:cxnSp>
+      <p:cxnSp>
+        <p:nvCxnSpPr>
+          <p:cNvPr id="155" name="Straight Connector 154">
+            <a:extLst>
+              <a:ext uri="{FF2B5EF4-FFF2-40B4-BE49-F238E27FC236}">
+                <a16:creationId xmlns:a16="http://schemas.microsoft.com/office/drawing/2014/main" id="{FA2C6DDB-0142-4F84-B112-C562DD016DF6}"/>
+              </a:ext>
+            </a:extLst>
+          </p:cNvPr>
+          <p:cNvCxnSpPr>
+            <a:cxnSpLocks/>
+          </p:cNvCxnSpPr>
+          <p:nvPr/>
+        </p:nvCxnSpPr>
+        <p:spPr>
+          <a:xfrm flipH="1">
+            <a:off x="2124383" y="3452325"/>
+            <a:ext cx="501558" cy="975221"/>
+          </a:xfrm>
+          <a:prstGeom prst="line">
+            <a:avLst/>
+          </a:prstGeom>
+          <a:ln w="38100">
+            <a:solidFill>
+              <a:srgbClr val="3BDB25"/>
+            </a:solidFill>
+          </a:ln>
+        </p:spPr>
+        <p:style>
+          <a:lnRef idx="1">
+            <a:schemeClr val="accent1"/>
+          </a:lnRef>
+          <a:fillRef idx="0">
+            <a:schemeClr val="accent1"/>
+          </a:fillRef>
+          <a:effectRef idx="0">
+            <a:schemeClr val="accent1"/>
+          </a:effectRef>
+          <a:fontRef idx="minor">
+            <a:schemeClr val="tx1"/>
+          </a:fontRef>
+        </p:style>
+      </p:cxnSp>
+      <p:sp>
+        <p:nvSpPr>
+          <p:cNvPr id="158" name="Flowchart: Connector 157">
+            <a:extLst>
+              <a:ext uri="{FF2B5EF4-FFF2-40B4-BE49-F238E27FC236}">
+                <a16:creationId xmlns:a16="http://schemas.microsoft.com/office/drawing/2014/main" id="{C1E5355F-5533-41C1-9651-0740BE71F266}"/>
+              </a:ext>
+            </a:extLst>
+          </p:cNvPr>
+          <p:cNvSpPr/>
+          <p:nvPr/>
+        </p:nvSpPr>
+        <p:spPr>
+          <a:xfrm>
+            <a:off x="1935976" y="3401941"/>
+            <a:ext cx="232593" cy="214051"/>
+          </a:xfrm>
+          <a:prstGeom prst="flowChartConnector">
+            <a:avLst/>
+          </a:prstGeom>
+          <a:solidFill>
+            <a:schemeClr val="accent2"/>
+          </a:solidFill>
+          <a:ln>
+            <a:noFill/>
+          </a:ln>
+        </p:spPr>
+        <p:style>
+          <a:lnRef idx="2">
+            <a:schemeClr val="accent1">
+              <a:shade val="50000"/>
+            </a:schemeClr>
+          </a:lnRef>
+          <a:fillRef idx="1">
+            <a:schemeClr val="accent1"/>
+          </a:fillRef>
+          <a:effectRef idx="0">
+            <a:schemeClr val="accent1"/>
+          </a:effectRef>
+          <a:fontRef idx="minor">
+            <a:schemeClr val="lt1"/>
+          </a:fontRef>
+        </p:style>
+        <p:txBody>
+          <a:bodyPr rtlCol="0" anchor="ctr"/>
+          <a:lstStyle/>
+          <a:p>
+            <a:pPr algn="ctr"/>
+            <a:endParaRPr lang="en-US"/>
+          </a:p>
+        </p:txBody>
+      </p:sp>
+      <p:sp>
+        <p:nvSpPr>
+          <p:cNvPr id="159" name="Flowchart: Connector 158">
+            <a:extLst>
+              <a:ext uri="{FF2B5EF4-FFF2-40B4-BE49-F238E27FC236}">
+                <a16:creationId xmlns:a16="http://schemas.microsoft.com/office/drawing/2014/main" id="{CEC24251-BD00-4A74-8486-53A47CDE6455}"/>
+              </a:ext>
+            </a:extLst>
+          </p:cNvPr>
+          <p:cNvSpPr/>
+          <p:nvPr/>
+        </p:nvSpPr>
+        <p:spPr>
+          <a:xfrm>
+            <a:off x="4287354" y="3469884"/>
+            <a:ext cx="232593" cy="214051"/>
+          </a:xfrm>
+          <a:prstGeom prst="flowChartConnector">
+            <a:avLst/>
+          </a:prstGeom>
+          <a:solidFill>
+            <a:schemeClr val="accent2"/>
+          </a:solidFill>
+          <a:ln>
+            <a:noFill/>
+          </a:ln>
+        </p:spPr>
+        <p:style>
+          <a:lnRef idx="2">
+            <a:schemeClr val="accent1">
+              <a:shade val="50000"/>
+            </a:schemeClr>
+          </a:lnRef>
+          <a:fillRef idx="1">
+            <a:schemeClr val="accent1"/>
+          </a:fillRef>
+          <a:effectRef idx="0">
+            <a:schemeClr val="accent1"/>
+          </a:effectRef>
+          <a:fontRef idx="minor">
+            <a:schemeClr val="lt1"/>
+          </a:fontRef>
+        </p:style>
+        <p:txBody>
+          <a:bodyPr rtlCol="0" anchor="ctr"/>
+          <a:lstStyle/>
+          <a:p>
+            <a:pPr algn="ctr"/>
+            <a:endParaRPr lang="en-US"/>
+          </a:p>
+        </p:txBody>
+      </p:sp>
+      <p:sp>
+        <p:nvSpPr>
+          <p:cNvPr id="160" name="Flowchart: Connector 159">
+            <a:extLst>
+              <a:ext uri="{FF2B5EF4-FFF2-40B4-BE49-F238E27FC236}">
+                <a16:creationId xmlns:a16="http://schemas.microsoft.com/office/drawing/2014/main" id="{2CEB499E-646B-4883-918C-E89F5228FF57}"/>
+              </a:ext>
+            </a:extLst>
+          </p:cNvPr>
+          <p:cNvSpPr/>
+          <p:nvPr/>
+        </p:nvSpPr>
+        <p:spPr>
+          <a:xfrm>
+            <a:off x="6308551" y="3551686"/>
+            <a:ext cx="232593" cy="214051"/>
+          </a:xfrm>
+          <a:prstGeom prst="flowChartConnector">
+            <a:avLst/>
+          </a:prstGeom>
+          <a:solidFill>
+            <a:schemeClr val="accent2"/>
+          </a:solidFill>
+          <a:ln>
+            <a:noFill/>
+          </a:ln>
+        </p:spPr>
+        <p:style>
+          <a:lnRef idx="2">
+            <a:schemeClr val="accent1">
+              <a:shade val="50000"/>
+            </a:schemeClr>
+          </a:lnRef>
+          <a:fillRef idx="1">
+            <a:schemeClr val="accent1"/>
+          </a:fillRef>
+          <a:effectRef idx="0">
+            <a:schemeClr val="accent1"/>
+          </a:effectRef>
+          <a:fontRef idx="minor">
+            <a:schemeClr val="lt1"/>
+          </a:fontRef>
+        </p:style>
+        <p:txBody>
+          <a:bodyPr rtlCol="0" anchor="ctr"/>
+          <a:lstStyle/>
+          <a:p>
+            <a:pPr algn="ctr"/>
+            <a:endParaRPr lang="en-US"/>
+          </a:p>
+        </p:txBody>
+      </p:sp>
     </p:spTree>
     <p:extLst>
       <p:ext uri="{BB962C8B-B14F-4D97-AF65-F5344CB8AC3E}">

--- a/FinalReport/img/chapter4_analysis/Diagrams.pptx
+++ b/FinalReport/img/chapter4_analysis/Diagrams.pptx
@@ -12595,7 +12595,7 @@
         </p:nvSpPr>
         <p:spPr>
           <a:xfrm>
-            <a:off x="6308551" y="3551686"/>
+            <a:off x="6081445" y="3695159"/>
             <a:ext cx="232593" cy="214051"/>
           </a:xfrm>
           <a:prstGeom prst="flowChartConnector">
